--- a/developer/session-8/session-8-production-openclaw.pptx
+++ b/developer/session-8/session-8-production-openclaw.pptx
@@ -6,7 +6,7 @@
   </p:sldMasterIdLst>
   <p:sldIdLst>
     <p:sldId id="256" r:id="rId7"/>
-    <p:sldId id="257" r:id="rId8"/>
+    <p:sldId id="257" r:id="rId9"/>
     <p:sldId id="258" r:id="rId10"/>
     <p:sldId id="259" r:id="rId11"/>
     <p:sldId id="260" r:id="rId12"/>
@@ -516,7 +516,7 @@
           <a:lstStyle/>
           <a:p>
             <a:r>
-              <a:t>GPT-5.2 at $20/$60 per 1M tokens. At 100K req/day you're looking at $480K/month. But most of that is waste — you don't need GPT-5.2 for every request.</a:t>
+              <a:t>Welcome to Session 8. Cost optimization, gateways, coding tools, and building skills</a:t>
             </a:r>
           </a:p>
         </p:txBody>
@@ -586,7 +586,7 @@
           <a:lstStyle/>
           <a:p>
             <a:r>
-              <a:t>skill.json declares tools and config. index.js implements handlers. Three commands to publish to ClawHub. Python skills also supported.</a:t>
+              <a:t>skill.json defines what the skill can do. Same JSON Schema format as function calling.</a:t>
             </a:r>
           </a:p>
         </p:txBody>
@@ -656,7 +656,7 @@
           <a:lstStyle/>
           <a:p>
             <a:r>
-              <a:t>Everything from 8 sessions on one slide. Pick your path based on what you're building. You now know more about AI engineering than 95% of developers.</a:t>
+              <a:t>Tool implementations are async functions. Receive arguments, return results. The AI handles the UX.</a:t>
             </a:r>
           </a:p>
         </p:txBody>
@@ -726,7 +726,217 @@
           <a:lstStyle/>
           <a:p>
             <a:r>
-              <a:t>That's a wrap on Cut the Crap — AI Engineer Edition. 16 hours, from API calls to production-grade AI systems. Go build.</a:t>
+              <a:t>Hands-on exercise. Students build and test their own skill.</a:t>
+            </a:r>
+          </a:p>
+        </p:txBody>
+      </p:sp>
+      <p:sp>
+        <p:nvSpPr>
+          <p:cNvPr id="4" name="Slide Number Placeholder 3"/>
+          <p:cNvSpPr>
+            <a:spLocks noGrp="1"/>
+          </p:cNvSpPr>
+          <p:nvPr>
+            <p:ph type="sldNum" idx="5" sz="quarter"/>
+          </p:nvPr>
+        </p:nvSpPr>
+        <p:spPr/>
+      </p:sp>
+    </p:spTree>
+  </p:cSld>
+  <p:clrMapOvr>
+    <a:masterClrMapping/>
+  </p:clrMapOvr>
+</p:notes>
+</file>
+
+<file path=ppt/notesSlides/notesSlide13.xml><?xml version="1.0" encoding="utf-8"?>
+<p:notes xmlns:a="http://schemas.openxmlformats.org/drawingml/2006/main" xmlns:p="http://schemas.openxmlformats.org/presentationml/2006/main" xmlns:r="http://schemas.openxmlformats.org/officeDocument/2006/relationships">
+  <p:cSld>
+    <p:spTree>
+      <p:nvGrpSpPr>
+        <p:cNvPr id="1" name=""/>
+        <p:cNvGrpSpPr/>
+        <p:nvPr/>
+      </p:nvGrpSpPr>
+      <p:grpSpPr>
+        <a:xfrm>
+          <a:off x="0" y="0"/>
+          <a:ext cx="0" cy="0"/>
+          <a:chOff x="0" y="0"/>
+          <a:chExt cx="0" cy="0"/>
+        </a:xfrm>
+      </p:grpSpPr>
+      <p:sp>
+        <p:nvSpPr>
+          <p:cNvPr id="2" name="Slide Image Placeholder 1"/>
+          <p:cNvSpPr>
+            <a:spLocks noGrp="1"/>
+          </p:cNvSpPr>
+          <p:nvPr>
+            <p:ph type="sldImg" idx="2"/>
+          </p:nvPr>
+        </p:nvSpPr>
+        <p:spPr/>
+      </p:sp>
+      <p:sp>
+        <p:nvSpPr>
+          <p:cNvPr id="3" name="Notes Placeholder 2"/>
+          <p:cNvSpPr>
+            <a:spLocks noGrp="1"/>
+          </p:cNvSpPr>
+          <p:nvPr>
+            <p:ph type="body" idx="3" sz="quarter"/>
+          </p:nvPr>
+        </p:nvSpPr>
+        <p:spPr/>
+        <p:txBody>
+          <a:bodyPr/>
+          <a:lstStyle/>
+          <a:p>
+            <a:r>
+              <a:t>The complete picture. Students now have exposure to every layer of the AI engineering stack.</a:t>
+            </a:r>
+          </a:p>
+        </p:txBody>
+      </p:sp>
+      <p:sp>
+        <p:nvSpPr>
+          <p:cNvPr id="4" name="Slide Number Placeholder 3"/>
+          <p:cNvSpPr>
+            <a:spLocks noGrp="1"/>
+          </p:cNvSpPr>
+          <p:nvPr>
+            <p:ph type="sldNum" idx="5" sz="quarter"/>
+          </p:nvPr>
+        </p:nvSpPr>
+        <p:spPr/>
+      </p:sp>
+    </p:spTree>
+  </p:cSld>
+  <p:clrMapOvr>
+    <a:masterClrMapping/>
+  </p:clrMapOvr>
+</p:notes>
+</file>
+
+<file path=ppt/notesSlides/notesSlide14.xml><?xml version="1.0" encoding="utf-8"?>
+<p:notes xmlns:a="http://schemas.openxmlformats.org/drawingml/2006/main" xmlns:p="http://schemas.openxmlformats.org/presentationml/2006/main" xmlns:r="http://schemas.openxmlformats.org/officeDocument/2006/relationships">
+  <p:cSld>
+    <p:spTree>
+      <p:nvGrpSpPr>
+        <p:cNvPr id="1" name=""/>
+        <p:cNvGrpSpPr/>
+        <p:nvPr/>
+      </p:nvGrpSpPr>
+      <p:grpSpPr>
+        <a:xfrm>
+          <a:off x="0" y="0"/>
+          <a:ext cx="0" cy="0"/>
+          <a:chOff x="0" y="0"/>
+          <a:chExt cx="0" cy="0"/>
+        </a:xfrm>
+      </p:grpSpPr>
+      <p:sp>
+        <p:nvSpPr>
+          <p:cNvPr id="2" name="Slide Image Placeholder 1"/>
+          <p:cNvSpPr>
+            <a:spLocks noGrp="1"/>
+          </p:cNvSpPr>
+          <p:nvPr>
+            <p:ph type="sldImg" idx="2"/>
+          </p:nvPr>
+        </p:nvSpPr>
+        <p:spPr/>
+      </p:sp>
+      <p:sp>
+        <p:nvSpPr>
+          <p:cNvPr id="3" name="Notes Placeholder 2"/>
+          <p:cNvSpPr>
+            <a:spLocks noGrp="1"/>
+          </p:cNvSpPr>
+          <p:nvPr>
+            <p:ph type="body" idx="3" sz="quarter"/>
+          </p:nvPr>
+        </p:nvSpPr>
+        <p:spPr/>
+        <p:txBody>
+          <a:bodyPr/>
+          <a:lstStyle/>
+          <a:p>
+            <a:r>
+              <a:t>Practical next steps. Encourage students to build something real.</a:t>
+            </a:r>
+          </a:p>
+        </p:txBody>
+      </p:sp>
+      <p:sp>
+        <p:nvSpPr>
+          <p:cNvPr id="4" name="Slide Number Placeholder 3"/>
+          <p:cNvSpPr>
+            <a:spLocks noGrp="1"/>
+          </p:cNvSpPr>
+          <p:nvPr>
+            <p:ph type="sldNum" idx="5" sz="quarter"/>
+          </p:nvPr>
+        </p:nvSpPr>
+        <p:spPr/>
+      </p:sp>
+    </p:spTree>
+  </p:cSld>
+  <p:clrMapOvr>
+    <a:masterClrMapping/>
+  </p:clrMapOvr>
+</p:notes>
+</file>
+
+<file path=ppt/notesSlides/notesSlide15.xml><?xml version="1.0" encoding="utf-8"?>
+<p:notes xmlns:a="http://schemas.openxmlformats.org/drawingml/2006/main" xmlns:p="http://schemas.openxmlformats.org/presentationml/2006/main" xmlns:r="http://schemas.openxmlformats.org/officeDocument/2006/relationships">
+  <p:cSld>
+    <p:spTree>
+      <p:nvGrpSpPr>
+        <p:cNvPr id="1" name=""/>
+        <p:cNvGrpSpPr/>
+        <p:nvPr/>
+      </p:nvGrpSpPr>
+      <p:grpSpPr>
+        <a:xfrm>
+          <a:off x="0" y="0"/>
+          <a:ext cx="0" cy="0"/>
+          <a:chOff x="0" y="0"/>
+          <a:chExt cx="0" cy="0"/>
+        </a:xfrm>
+      </p:grpSpPr>
+      <p:sp>
+        <p:nvSpPr>
+          <p:cNvPr id="2" name="Slide Image Placeholder 1"/>
+          <p:cNvSpPr>
+            <a:spLocks noGrp="1"/>
+          </p:cNvSpPr>
+          <p:nvPr>
+            <p:ph type="sldImg" idx="2"/>
+          </p:nvPr>
+        </p:nvSpPr>
+        <p:spPr/>
+      </p:sp>
+      <p:sp>
+        <p:nvSpPr>
+          <p:cNvPr id="3" name="Notes Placeholder 2"/>
+          <p:cNvSpPr>
+            <a:spLocks noGrp="1"/>
+          </p:cNvSpPr>
+          <p:nvPr>
+            <p:ph type="body" idx="3" sz="quarter"/>
+          </p:nvPr>
+        </p:nvSpPr>
+        <p:spPr/>
+        <p:txBody>
+          <a:bodyPr/>
+          <a:lstStyle/>
+          <a:p>
+            <a:r>
+              <a:t>Final recap of the entire course. Thank the students. Q&amp;A time.</a:t>
             </a:r>
           </a:p>
         </p:txBody>
@@ -796,7 +1006,7 @@
           <a:lstStyle/>
           <a:p>
             <a:r>
-              <a:t>Model routing is the single biggest cost optimization. Most requests don't need your most expensive model. Use a cheap classifier to route.</a:t>
+              <a:t>Cost optimization is critical for production. Model routing is the biggest lever.</a:t>
             </a:r>
           </a:p>
         </p:txBody>
@@ -866,7 +1076,7 @@
           <a:lstStyle/>
           <a:p>
             <a:r>
-              <a:t>Three levels of caching. Exact match catches identical queries. Anthropic prompt caching saves 90% on repeated system prompts. Semantic cache catches similar-but-different queries.</a:t>
+              <a:t>Show the 200x cost difference between nano and GPT-5.2. Most queries don't need the flagship model.</a:t>
             </a:r>
           </a:p>
         </p:txBody>
@@ -936,7 +1146,7 @@
           <a:lstStyle/>
           <a:p>
             <a:r>
-              <a:t>Batch API: submit file of requests, get results within 24h at 50% off. Perfect for nightly jobs, bulk processing, eval suites.</a:t>
+              <a:t>Three cost levers. Caching saves on repeated patterns. Batching saves on non-urgent workloads.</a:t>
             </a:r>
           </a:p>
         </p:txBody>
@@ -1006,7 +1216,7 @@
           <a:lstStyle/>
           <a:p>
             <a:r>
-              <a:t>AI gateway sits between your code and providers. Why: unified API (same code for any model), fallbacks (auto-retry another provider), observability (one dashboard). LiteLLM is most popular OSS.</a:t>
+              <a:t>Gateways abstract provider differences. Essential for production with multiple models.</a:t>
             </a:r>
           </a:p>
         </p:txBody>
@@ -1076,7 +1286,7 @@
           <a:lstStyle/>
           <a:p>
             <a:r>
-              <a:t>Streaming, retries, timeouts — the three essentials for day one. OpenAI SDK has built-in retry + timeout support.</a:t>
+              <a:t>Production checklist. These are the things that bite you after demo day.</a:t>
             </a:r>
           </a:p>
         </p:txBody>
@@ -1146,7 +1356,7 @@
           <a:lstStyle/>
           <a:p>
             <a:r>
-              <a:t>Try them all. Copilot for day-to-day autocomplete. Cursor or Claude Code for bigger tasks. Claude Code + Opus 4.6 = best coding agent.</a:t>
+              <a:t>Each tool has a different sweet spot. Claude Code for terminal work. Cursor for IDE. Codex for async bulk work.</a:t>
             </a:r>
           </a:p>
         </p:txBody>
@@ -1216,7 +1426,7 @@
           <a:lstStyle/>
           <a:p>
             <a:r>
-              <a:t>API ≠ consumer product for training. All major providers have SOC 2. For max privacy, self-host. Middle ground: Azure OpenAI / AWS Bedrock.</a:t>
+              <a:t>OpenClaw overview. Emphasize the dual auth model — OAuth for convenience, API key for custom work.</a:t>
             </a:r>
           </a:p>
         </p:txBody>
@@ -1286,7 +1496,7 @@
           <a:lstStyle/>
           <a:p>
             <a:r>
-              <a:t>OpenClaw is the infrastructure layer. It handles LLM calls, tool routing, channels, and persistence. You extend it with Skills.</a:t>
+              <a:t>Skills are the extension mechanism. Show the skill.json + index.js structure.</a:t>
             </a:r>
           </a:p>
         </p:txBody>
@@ -4308,8 +4518,8 @@
         </p:nvSpPr>
         <p:spPr>
           <a:xfrm>
-            <a:off x="914400" y="731520"/>
-            <a:ext cx="10058400" cy="548640"/>
+            <a:off x="914400" y="1828800"/>
+            <a:ext cx="10362895" cy="1371600"/>
           </a:xfrm>
           <a:prstGeom prst="rect">
             <a:avLst/>
@@ -4323,14 +4533,18 @@
           <a:lstStyle/>
           <a:p>
             <a:pPr algn="l">
-              <a:defRPr sz="1600" b="1">
-                <a:solidFill>
-                  <a:srgbClr val="0096D6"/>
+              <a:defRPr sz="4400" b="1">
+                <a:solidFill>
+                  <a:srgbClr val="FFFFFF"/>
                 </a:solidFill>
               </a:defRPr>
             </a:pPr>
             <a:r>
-              <a:t>SESSION 8</a:t>
+              <a:t>Production, Dev Tools</a:t>
+            </a:r>
+            <a:br/>
+            <a:r>
+              <a:t>&amp; OpenClaw</a:t>
             </a:r>
           </a:p>
         </p:txBody>
@@ -4343,8 +4557,8 @@
         </p:nvSpPr>
         <p:spPr>
           <a:xfrm>
-            <a:off x="914400" y="1371600"/>
-            <a:ext cx="10058400" cy="1371600"/>
+            <a:off x="914400" y="3291840"/>
+            <a:ext cx="10362895" cy="914400"/>
           </a:xfrm>
           <a:prstGeom prst="rect">
             <a:avLst/>
@@ -4357,15 +4571,15 @@
           </a:bodyPr>
           <a:lstStyle/>
           <a:p>
-            <a:pPr>
-              <a:defRPr sz="4000" b="1">
-                <a:solidFill>
-                  <a:srgbClr val="FFFFFF"/>
+            <a:pPr algn="l">
+              <a:defRPr sz="2200">
+                <a:solidFill>
+                  <a:srgbClr val="0096D6"/>
                 </a:solidFill>
               </a:defRPr>
             </a:pPr>
             <a:r>
-              <a:t>Production, Dev Tools &amp; OpenClaw</a:t>
+              <a:t>Cost optimization, gateways, coding tools, and building skills</a:t>
             </a:r>
           </a:p>
         </p:txBody>
@@ -4378,8 +4592,8 @@
         </p:nvSpPr>
         <p:spPr>
           <a:xfrm>
-            <a:off x="914400" y="2743200"/>
-            <a:ext cx="10058400" cy="457200"/>
+            <a:off x="914400" y="4572000"/>
+            <a:ext cx="10362895" cy="548640"/>
           </a:xfrm>
           <a:prstGeom prst="rect">
             <a:avLst/>
@@ -4392,113 +4606,15 @@
           </a:bodyPr>
           <a:lstStyle/>
           <a:p>
-            <a:pPr>
-              <a:defRPr sz="1800">
-                <a:solidFill>
-                  <a:srgbClr val="88AACC"/>
+            <a:pPr algn="l">
+              <a:defRPr sz="1400">
+                <a:solidFill>
+                  <a:srgbClr val="8899BB"/>
                 </a:solidFill>
               </a:defRPr>
             </a:pPr>
             <a:r>
-              <a:t>Cut the Crap — AI Engineer Edition</a:t>
-            </a:r>
-          </a:p>
-        </p:txBody>
-      </p:sp>
-      <p:sp>
-        <p:nvSpPr>
-          <p:cNvPr id="5" name="TextBox 4"/>
-          <p:cNvSpPr txBox="1"/>
-          <p:nvPr/>
-        </p:nvSpPr>
-        <p:spPr>
-          <a:xfrm>
-            <a:off x="914400" y="3657600"/>
-            <a:ext cx="10058400" cy="2743200"/>
-          </a:xfrm>
-          <a:prstGeom prst="rect">
-            <a:avLst/>
-          </a:prstGeom>
-          <a:noFill/>
-        </p:spPr>
-        <p:txBody>
-          <a:bodyPr wrap="square">
-            <a:spAutoFit/>
-          </a:bodyPr>
-          <a:lstStyle/>
-          <a:p>
-            <a:pPr>
-              <a:spcAft>
-                <a:spcPts val="600"/>
-              </a:spcAft>
-              <a:defRPr sz="1600">
-                <a:solidFill>
-                  <a:srgbClr val="CCDDEE"/>
-                </a:solidFill>
-              </a:defRPr>
-            </a:pPr>
-            <a:r>
-              <a:t>▸ Cost optimization: routing, caching, batching (60-80% savings)</a:t>
-            </a:r>
-          </a:p>
-          <a:p>
-            <a:pPr>
-              <a:spcAft>
-                <a:spcPts val="600"/>
-              </a:spcAft>
-              <a:defRPr sz="1600">
-                <a:solidFill>
-                  <a:srgbClr val="CCDDEE"/>
-                </a:solidFill>
-              </a:defRPr>
-            </a:pPr>
-            <a:r>
-              <a:t>▸ AI gateways: LiteLLM, Portkey, OpenRouter</a:t>
-            </a:r>
-          </a:p>
-          <a:p>
-            <a:pPr>
-              <a:spcAft>
-                <a:spcPts val="600"/>
-              </a:spcAft>
-              <a:defRPr sz="1600">
-                <a:solidFill>
-                  <a:srgbClr val="CCDDEE"/>
-                </a:solidFill>
-              </a:defRPr>
-            </a:pPr>
-            <a:r>
-              <a:t>▸ Production patterns: streaming, retries, error handling</a:t>
-            </a:r>
-          </a:p>
-          <a:p>
-            <a:pPr>
-              <a:spcAft>
-                <a:spcPts val="600"/>
-              </a:spcAft>
-              <a:defRPr sz="1600">
-                <a:solidFill>
-                  <a:srgbClr val="CCDDEE"/>
-                </a:solidFill>
-              </a:defRPr>
-            </a:pPr>
-            <a:r>
-              <a:t>▸ Coding tools: Claude Code vs Cursor vs Copilot</a:t>
-            </a:r>
-          </a:p>
-          <a:p>
-            <a:pPr>
-              <a:spcAft>
-                <a:spcPts val="600"/>
-              </a:spcAft>
-              <a:defRPr sz="1600">
-                <a:solidFill>
-                  <a:srgbClr val="CCDDEE"/>
-                </a:solidFill>
-              </a:defRPr>
-            </a:pPr>
-            <a:r>
-              <a:t>▸ OpenClaw deep dive + hands-on: build a skill</a:t>
+              <a:t>Session 8 of 8  •  Cut the Crap — AI Engineer Edition  •  February 2026</a:t>
             </a:r>
           </a:p>
         </p:txBody>
@@ -4514,14 +4630,6 @@
 <file path=ppt/slides/slide10.xml><?xml version="1.0" encoding="utf-8"?>
 <p:sld xmlns:a="http://schemas.openxmlformats.org/drawingml/2006/main" xmlns:p="http://schemas.openxmlformats.org/presentationml/2006/main" xmlns:r="http://schemas.openxmlformats.org/officeDocument/2006/relationships">
   <p:cSld>
-    <p:bg>
-      <p:bgPr>
-        <a:solidFill>
-          <a:srgbClr val="FFFFFF"/>
-        </a:solidFill>
-        <a:effectLst/>
-      </p:bgPr>
-    </p:bg>
     <p:spTree>
       <p:nvGrpSpPr>
         <p:cNvPr id="1" name=""/>
@@ -4538,7 +4646,7 @@
         <p:spPr>
           <a:xfrm>
             <a:off x="0" y="0"/>
-            <a:ext cx="12191695" cy="54864"/>
+            <a:ext cx="12191695" cy="73152"/>
           </a:xfrm>
           <a:prstGeom prst="rect">
             <a:avLst/>
@@ -4581,7 +4689,7 @@
         <p:spPr>
           <a:xfrm>
             <a:off x="731520" y="274320"/>
-            <a:ext cx="10515600" cy="731520"/>
+            <a:ext cx="10728655" cy="731520"/>
           </a:xfrm>
           <a:prstGeom prst="rect">
             <a:avLst/>
@@ -4589,7 +4697,7 @@
           <a:noFill/>
         </p:spPr>
         <p:txBody>
-          <a:bodyPr wrap="square">
+          <a:bodyPr wrap="none">
             <a:spAutoFit/>
           </a:bodyPr>
           <a:lstStyle/>
@@ -4602,21 +4710,66 @@
               </a:defRPr>
             </a:pPr>
             <a:r>
-              <a:t>OpenClaw — Open-Source AI Assistant Platform</a:t>
-            </a:r>
-          </a:p>
-        </p:txBody>
-      </p:sp>
-      <p:sp>
-        <p:nvSpPr>
-          <p:cNvPr id="4" name="TextBox 3"/>
-          <p:cNvSpPr txBox="1"/>
+              <a:t>skill.json — Tool Definitions</a:t>
+            </a:r>
+          </a:p>
+        </p:txBody>
+      </p:sp>
+      <p:sp>
+        <p:nvSpPr>
+          <p:cNvPr id="4" name="Rounded Rectangle 3"/>
+          <p:cNvSpPr/>
           <p:nvPr/>
         </p:nvSpPr>
         <p:spPr>
           <a:xfrm>
             <a:off x="731520" y="1188720"/>
-            <a:ext cx="10515600" cy="5029200"/>
+            <a:ext cx="10728655" cy="5212080"/>
+          </a:xfrm>
+          <a:prstGeom prst="roundRect">
+            <a:avLst/>
+          </a:prstGeom>
+          <a:solidFill>
+            <a:srgbClr val="F0F0F0"/>
+          </a:solidFill>
+          <a:ln w="12700">
+            <a:solidFill>
+              <a:srgbClr val="DDDDDD"/>
+            </a:solidFill>
+          </a:ln>
+        </p:spPr>
+        <p:style>
+          <a:lnRef idx="1">
+            <a:schemeClr val="accent1"/>
+          </a:lnRef>
+          <a:fillRef idx="3">
+            <a:schemeClr val="accent1"/>
+          </a:fillRef>
+          <a:effectRef idx="2">
+            <a:schemeClr val="accent1"/>
+          </a:effectRef>
+          <a:fontRef idx="minor">
+            <a:schemeClr val="lt1"/>
+          </a:fontRef>
+        </p:style>
+        <p:txBody>
+          <a:bodyPr rtlCol="0" anchor="ctr"/>
+          <a:lstStyle/>
+          <a:p>
+            <a:pPr algn="ctr"/>
+          </a:p>
+        </p:txBody>
+      </p:sp>
+      <p:sp>
+        <p:nvSpPr>
+          <p:cNvPr id="5" name="TextBox 4"/>
+          <p:cNvSpPr txBox="1"/>
+          <p:nvPr/>
+        </p:nvSpPr>
+        <p:spPr>
+          <a:xfrm>
+            <a:off x="822960" y="1234440"/>
+            <a:ext cx="1828800" cy="320040"/>
           </a:xfrm>
           <a:prstGeom prst="rect">
             <a:avLst/>
@@ -4624,83 +4777,128 @@
           <a:noFill/>
         </p:spPr>
         <p:txBody>
+          <a:bodyPr wrap="none">
+            <a:spAutoFit/>
+          </a:bodyPr>
+          <a:lstStyle/>
+          <a:p>
+            <a:pPr>
+              <a:defRPr sz="1100" b="1">
+                <a:solidFill>
+                  <a:srgbClr val="666666"/>
+                </a:solidFill>
+              </a:defRPr>
+            </a:pPr>
+            <a:r>
+              <a:t>json</a:t>
+            </a:r>
+          </a:p>
+        </p:txBody>
+      </p:sp>
+      <p:sp>
+        <p:nvSpPr>
+          <p:cNvPr id="6" name="TextBox 5"/>
+          <p:cNvSpPr txBox="1"/>
+          <p:nvPr/>
+        </p:nvSpPr>
+        <p:spPr>
+          <a:xfrm>
+            <a:off x="914400" y="1554480"/>
+            <a:ext cx="10362895" cy="4754880"/>
+          </a:xfrm>
+          <a:prstGeom prst="rect">
+            <a:avLst/>
+          </a:prstGeom>
+          <a:noFill/>
+        </p:spPr>
+        <p:txBody>
           <a:bodyPr wrap="square">
             <a:spAutoFit/>
           </a:bodyPr>
           <a:lstStyle/>
           <a:p>
-            <a:pPr>
-              <a:spcAft>
-                <a:spcPts val="800"/>
-              </a:spcAft>
-              <a:defRPr sz="1800">
+            <a:pPr algn="l">
+              <a:defRPr sz="1300">
                 <a:solidFill>
                   <a:srgbClr val="333333"/>
                 </a:solidFill>
+                <a:latin typeface="Consolas"/>
               </a:defRPr>
             </a:pPr>
             <a:r>
-              <a:t>Agent = running OpenClaw instance with personality + capabilities</a:t>
-            </a:r>
-          </a:p>
-          <a:p>
-            <a:pPr>
-              <a:spcAft>
-                <a:spcPts val="800"/>
-              </a:spcAft>
-              <a:defRPr sz="1800">
-                <a:solidFill>
-                  <a:srgbClr val="333333"/>
-                </a:solidFill>
-              </a:defRPr>
-            </a:pPr>
-            <a:r>
-              <a:t>Skills = code-based plugins giving the agent new abilities (JS or Python)</a:t>
-            </a:r>
-          </a:p>
-          <a:p>
-            <a:pPr>
-              <a:spcAft>
-                <a:spcPts val="800"/>
-              </a:spcAft>
-              <a:defRPr sz="1800">
-                <a:solidFill>
-                  <a:srgbClr val="333333"/>
-                </a:solidFill>
-              </a:defRPr>
-            </a:pPr>
-            <a:r>
-              <a:t>ClawHub = marketplace to share and discover skills</a:t>
-            </a:r>
-          </a:p>
-          <a:p>
-            <a:pPr>
-              <a:spcAft>
-                <a:spcPts val="800"/>
-              </a:spcAft>
-              <a:defRPr sz="1800">
-                <a:solidFill>
-                  <a:srgbClr val="333333"/>
-                </a:solidFill>
-              </a:defRPr>
-            </a:pPr>
-            <a:r>
-              <a:t>MCP Integration = skills can expose or consume MCP servers</a:t>
-            </a:r>
-          </a:p>
-          <a:p>
-            <a:pPr>
-              <a:spcAft>
-                <a:spcPts val="800"/>
-              </a:spcAft>
-              <a:defRPr sz="1800">
-                <a:solidFill>
-                  <a:srgbClr val="333333"/>
-                </a:solidFill>
-              </a:defRPr>
-            </a:pPr>
-            <a:r>
-              <a:t>Multi-channel: Discord, Slack, Telegram, CLI, web — one agent, many interfaces</a:t>
+              <a:t>{</a:t>
+            </a:r>
+            <a:br/>
+            <a:r>
+              <a:t>  "name": "code-snippets",</a:t>
+            </a:r>
+            <a:br/>
+            <a:r>
+              <a:t>  "version": "1.0.0",</a:t>
+            </a:r>
+            <a:br/>
+            <a:r>
+              <a:t>  "description": "Save &amp; search code snippets",</a:t>
+            </a:r>
+            <a:br/>
+            <a:r>
+              <a:t>  "main": "index.js",</a:t>
+            </a:r>
+            <a:br/>
+            <a:r>
+              <a:t>  "tools": [{</a:t>
+            </a:r>
+            <a:br/>
+            <a:r>
+              <a:t>    "name": "save_snippet",</a:t>
+            </a:r>
+            <a:br/>
+            <a:r>
+              <a:t>    "description": "Save a code snippet with title and language",</a:t>
+            </a:r>
+            <a:br/>
+            <a:r>
+              <a:t>    "parameters": {</a:t>
+            </a:r>
+            <a:br/>
+            <a:r>
+              <a:t>      "type": "object",</a:t>
+            </a:r>
+            <a:br/>
+            <a:r>
+              <a:t>      "properties": {</a:t>
+            </a:r>
+            <a:br/>
+            <a:r>
+              <a:t>        "title": {"type": "string", "description": "Snippet title"},</a:t>
+            </a:r>
+            <a:br/>
+            <a:r>
+              <a:t>        "code": {"type": "string", "description": "The code"},</a:t>
+            </a:r>
+            <a:br/>
+            <a:r>
+              <a:t>        "language": {"type": "string", "description": "Language"}</a:t>
+            </a:r>
+            <a:br/>
+            <a:r>
+              <a:t>      },</a:t>
+            </a:r>
+            <a:br/>
+            <a:r>
+              <a:t>      "required": ["title", "code", "language"]</a:t>
+            </a:r>
+            <a:br/>
+            <a:r>
+              <a:t>    }</a:t>
+            </a:r>
+            <a:br/>
+            <a:r>
+              <a:t>  }]</a:t>
+            </a:r>
+            <a:br/>
+            <a:r>
+              <a:t>}</a:t>
             </a:r>
           </a:p>
         </p:txBody>
@@ -4716,14 +4914,6 @@
 <file path=ppt/slides/slide11.xml><?xml version="1.0" encoding="utf-8"?>
 <p:sld xmlns:a="http://schemas.openxmlformats.org/drawingml/2006/main" xmlns:p="http://schemas.openxmlformats.org/presentationml/2006/main" xmlns:r="http://schemas.openxmlformats.org/officeDocument/2006/relationships">
   <p:cSld>
-    <p:bg>
-      <p:bgPr>
-        <a:solidFill>
-          <a:srgbClr val="FFFFFF"/>
-        </a:solidFill>
-        <a:effectLst/>
-      </p:bgPr>
-    </p:bg>
     <p:spTree>
       <p:nvGrpSpPr>
         <p:cNvPr id="1" name=""/>
@@ -4740,7 +4930,7 @@
         <p:spPr>
           <a:xfrm>
             <a:off x="0" y="0"/>
-            <a:ext cx="12191695" cy="54864"/>
+            <a:ext cx="12191695" cy="73152"/>
           </a:xfrm>
           <a:prstGeom prst="rect">
             <a:avLst/>
@@ -4783,7 +4973,7 @@
         <p:spPr>
           <a:xfrm>
             <a:off x="731520" y="274320"/>
-            <a:ext cx="10515600" cy="731520"/>
+            <a:ext cx="10728655" cy="731520"/>
           </a:xfrm>
           <a:prstGeom prst="rect">
             <a:avLst/>
@@ -4791,7 +4981,7 @@
           <a:noFill/>
         </p:spPr>
         <p:txBody>
-          <a:bodyPr wrap="square">
+          <a:bodyPr wrap="none">
             <a:spAutoFit/>
           </a:bodyPr>
           <a:lstStyle/>
@@ -4804,7 +4994,7 @@
               </a:defRPr>
             </a:pPr>
             <a:r>
-              <a:t>Building an OpenClaw Skill</a:t>
+              <a:t>index.js — Tool Implementation</a:t>
             </a:r>
           </a:p>
         </p:txBody>
@@ -4817,8 +5007,8 @@
         </p:nvSpPr>
         <p:spPr>
           <a:xfrm>
-            <a:off x="548640" y="1188720"/>
-            <a:ext cx="10972800" cy="4754880"/>
+            <a:off x="731520" y="1188720"/>
+            <a:ext cx="10728655" cy="5212080"/>
           </a:xfrm>
           <a:prstGeom prst="roundRect">
             <a:avLst/>
@@ -4826,8 +5016,10 @@
           <a:solidFill>
             <a:srgbClr val="F0F0F0"/>
           </a:solidFill>
-          <a:ln>
-            <a:noFill/>
+          <a:ln w="12700">
+            <a:solidFill>
+              <a:srgbClr val="DDDDDD"/>
+            </a:solidFill>
           </a:ln>
         </p:spPr>
         <p:style>
@@ -4860,8 +5052,8 @@
         </p:nvSpPr>
         <p:spPr>
           <a:xfrm>
-            <a:off x="822960" y="1371600"/>
-            <a:ext cx="10424160" cy="4389120"/>
+            <a:off x="822960" y="1234440"/>
+            <a:ext cx="1828800" cy="320040"/>
           </a:xfrm>
           <a:prstGeom prst="rect">
             <a:avLst/>
@@ -4869,13 +5061,48 @@
           <a:noFill/>
         </p:spPr>
         <p:txBody>
+          <a:bodyPr wrap="none">
+            <a:spAutoFit/>
+          </a:bodyPr>
+          <a:lstStyle/>
+          <a:p>
+            <a:pPr>
+              <a:defRPr sz="1100" b="1">
+                <a:solidFill>
+                  <a:srgbClr val="666666"/>
+                </a:solidFill>
+              </a:defRPr>
+            </a:pPr>
+            <a:r>
+              <a:t>javascript</a:t>
+            </a:r>
+          </a:p>
+        </p:txBody>
+      </p:sp>
+      <p:sp>
+        <p:nvSpPr>
+          <p:cNvPr id="6" name="TextBox 5"/>
+          <p:cNvSpPr txBox="1"/>
+          <p:nvPr/>
+        </p:nvSpPr>
+        <p:spPr>
+          <a:xfrm>
+            <a:off x="914400" y="1554480"/>
+            <a:ext cx="10362895" cy="4754880"/>
+          </a:xfrm>
+          <a:prstGeom prst="rect">
+            <a:avLst/>
+          </a:prstGeom>
+          <a:noFill/>
+        </p:spPr>
+        <p:txBody>
           <a:bodyPr wrap="square">
             <a:spAutoFit/>
           </a:bodyPr>
           <a:lstStyle/>
           <a:p>
-            <a:pPr>
-              <a:defRPr sz="1200">
+            <a:pPr algn="l">
+              <a:defRPr sz="1300">
                 <a:solidFill>
                   <a:srgbClr val="333333"/>
                 </a:solidFill>
@@ -4883,85 +5110,93 @@
               </a:defRPr>
             </a:pPr>
             <a:r>
-              <a:t>// skill.json — manifest</a:t>
+              <a:t>module.exports = {</a:t>
             </a:r>
             <a:br/>
             <a:r>
-              <a:t>{"name": "weather-lookup", "version": "1.0.0",</a:t>
+              <a:t>  async onLoad(context) {</a:t>
             </a:r>
             <a:br/>
             <a:r>
-              <a:t> "description": "Get current weather for any city",</a:t>
+              <a:t>    // Initialize state, load config</a:t>
             </a:r>
             <a:br/>
             <a:r>
-              <a:t> "tools": [{"name": "get_weather", "description": "Get weather",</a:t>
+              <a:t>    loadSnippets();</a:t>
             </a:r>
             <a:br/>
             <a:r>
-              <a:t>     "parameters": {"type":"object",</a:t>
+              <a:t>    console.log("✅ Code Snippets skill loaded");</a:t>
             </a:r>
             <a:br/>
             <a:r>
-              <a:t>         "properties":{"city":{"type":"string"}}, "required":["city"]}}],</a:t>
-            </a:r>
-            <a:br/>
-            <a:r>
-              <a:t> "config": {"WEATHER_API_KEY": {"required": true, "secret": true}}}</a:t>
+              <a:t>  },</a:t>
             </a:r>
             <a:br/>
             <a:br/>
             <a:r>
-              <a:t>// index.js — implementation</a:t>
+              <a:t>  tools: {</a:t>
             </a:r>
             <a:br/>
             <a:r>
-              <a:t>module.exports = {</a:t>
+              <a:t>    async save_snippet({ title, code, language, tags = [] }) {</a:t>
             </a:r>
             <a:br/>
             <a:r>
-              <a:t>  tools: {</a:t>
+              <a:t>      const id = crypto.randomBytes(4).toString("hex");</a:t>
             </a:r>
             <a:br/>
             <a:r>
-              <a:t>    async get_weather({ city }, context) {</a:t>
+              <a:t>      const snippet = { id, title, code, language, tags,</a:t>
             </a:r>
             <a:br/>
             <a:r>
-              <a:t>      const resp = await axios.get(</a:t>
+              <a:t>                        createdAt: new Date().toISOString() };</a:t>
             </a:r>
             <a:br/>
             <a:r>
-              <a:t>        `https://api.openweathermap.org/data/2.5/weather`,</a:t>
+              <a:t>      snippets.push(snippet);</a:t>
             </a:r>
             <a:br/>
             <a:r>
-              <a:t>        { params: { q: city, appid: context.config.WEATHER_API_KEY, units: 'metric' }});</a:t>
+              <a:t>      saveSnippets();</a:t>
             </a:r>
             <a:br/>
             <a:r>
-              <a:t>      return { city: resp.data.name, temp: `${resp.data.main.temp}°C`,</a:t>
+              <a:t>      return { message: "Snippet saved!", id, title };</a:t>
             </a:r>
             <a:br/>
             <a:r>
-              <a:t>               condition: resp.data.weather[0].description };</a:t>
-            </a:r>
-            <a:br/>
-            <a:r>
-              <a:t>    }</a:t>
-            </a:r>
-            <a:br/>
-            <a:r>
-              <a:t>  }</a:t>
-            </a:r>
-            <a:br/>
-            <a:r>
-              <a:t>};</a:t>
+              <a:t>    },</a:t>
             </a:r>
             <a:br/>
             <a:br/>
             <a:r>
-              <a:t>// Publish: openclaw skill test ./my-skill → validate → publish</a:t>
+              <a:t>    async search_snippets({ query, language }) {</a:t>
+            </a:r>
+            <a:br/>
+            <a:r>
+              <a:t>      let results = snippets.filter(s =&gt;</a:t>
+            </a:r>
+            <a:br/>
+            <a:r>
+              <a:t>        s.title.includes(query) || s.code.includes(query));</a:t>
+            </a:r>
+            <a:br/>
+            <a:r>
+              <a:t>      return { results };</a:t>
+            </a:r>
+            <a:br/>
+            <a:r>
+              <a:t>    },</a:t>
+            </a:r>
+            <a:br/>
+            <a:r>
+              <a:t>  },</a:t>
+            </a:r>
+            <a:br/>
+            <a:r>
+              <a:t>};</a:t>
             </a:r>
           </a:p>
         </p:txBody>
@@ -4977,14 +5212,6 @@
 <file path=ppt/slides/slide12.xml><?xml version="1.0" encoding="utf-8"?>
 <p:sld xmlns:a="http://schemas.openxmlformats.org/drawingml/2006/main" xmlns:p="http://schemas.openxmlformats.org/presentationml/2006/main" xmlns:r="http://schemas.openxmlformats.org/officeDocument/2006/relationships">
   <p:cSld>
-    <p:bg>
-      <p:bgPr>
-        <a:solidFill>
-          <a:srgbClr val="FFFFFF"/>
-        </a:solidFill>
-        <a:effectLst/>
-      </p:bgPr>
-    </p:bg>
     <p:spTree>
       <p:nvGrpSpPr>
         <p:cNvPr id="1" name=""/>
@@ -5001,7 +5228,7 @@
         <p:spPr>
           <a:xfrm>
             <a:off x="0" y="0"/>
-            <a:ext cx="12191695" cy="54864"/>
+            <a:ext cx="12191695" cy="73152"/>
           </a:xfrm>
           <a:prstGeom prst="rect">
             <a:avLst/>
@@ -5044,7 +5271,7 @@
         <p:spPr>
           <a:xfrm>
             <a:off x="731520" y="274320"/>
-            <a:ext cx="10515600" cy="731520"/>
+            <a:ext cx="10728655" cy="822960"/>
           </a:xfrm>
           <a:prstGeom prst="rect">
             <a:avLst/>
@@ -5057,15 +5284,15 @@
           </a:bodyPr>
           <a:lstStyle/>
           <a:p>
-            <a:pPr>
-              <a:defRPr sz="2800" b="1">
+            <a:pPr algn="l">
+              <a:defRPr sz="3200" b="1">
                 <a:solidFill>
                   <a:srgbClr val="1B2A4A"/>
                 </a:solidFill>
               </a:defRPr>
             </a:pPr>
             <a:r>
-              <a:t>The AI Engineer Toolkit Map</a:t>
+              <a:t>Building &amp; Publishing Your Skill</a:t>
             </a:r>
           </a:p>
         </p:txBody>
@@ -5078,8 +5305,8 @@
         </p:nvSpPr>
         <p:spPr>
           <a:xfrm>
-            <a:off x="731520" y="1188720"/>
-            <a:ext cx="10515600" cy="5029200"/>
+            <a:off x="914400" y="1280160"/>
+            <a:ext cx="10362895" cy="5029200"/>
           </a:xfrm>
           <a:prstGeom prst="rect">
             <a:avLst/>
@@ -5093,92 +5320,110 @@
           <a:lstStyle/>
           <a:p>
             <a:pPr>
+              <a:spcBef>
+                <a:spcPts val="400"/>
+              </a:spcBef>
               <a:spcAft>
                 <a:spcPts val="800"/>
               </a:spcAft>
-              <a:defRPr sz="1800">
+              <a:defRPr sz="2000">
                 <a:solidFill>
                   <a:srgbClr val="333333"/>
                 </a:solidFill>
               </a:defRPr>
             </a:pPr>
             <a:r>
-              <a:t>MODELS: GPT-5.2, Claude Opus 4.6, Gemini 3 Pro, Llama 4, DeepSeek V4</a:t>
+              <a:t>1. Create skill directory: mkdir my-skill &amp;&amp; cd my-skill</a:t>
             </a:r>
           </a:p>
           <a:p>
             <a:pPr>
+              <a:spcBef>
+                <a:spcPts val="400"/>
+              </a:spcBef>
               <a:spcAft>
                 <a:spcPts val="800"/>
               </a:spcAft>
-              <a:defRPr sz="1800">
+              <a:defRPr sz="2000">
                 <a:solidFill>
                   <a:srgbClr val="333333"/>
                 </a:solidFill>
               </a:defRPr>
             </a:pPr>
             <a:r>
-              <a:t>DATA: RAG, Chroma/pgvector, embeddings, chunking strategies</a:t>
+              <a:t>2. Write skill.json (tool definitions) and index.js (logic)</a:t>
             </a:r>
           </a:p>
           <a:p>
             <a:pPr>
+              <a:spcBef>
+                <a:spcPts val="400"/>
+              </a:spcBef>
               <a:spcAft>
                 <a:spcPts val="800"/>
               </a:spcAft>
-              <a:defRPr sz="1800">
+              <a:defRPr sz="2000">
                 <a:solidFill>
                   <a:srgbClr val="333333"/>
                 </a:solidFill>
               </a:defRPr>
             </a:pPr>
             <a:r>
-              <a:t>AGENTS: LangGraph, Pydantic AI, ReAct loop, memory, human-in-the-loop</a:t>
+              <a:t>3. Test locally: openclaw skill test my-skill/</a:t>
             </a:r>
           </a:p>
           <a:p>
             <a:pPr>
+              <a:spcBef>
+                <a:spcPts val="400"/>
+              </a:spcBef>
               <a:spcAft>
                 <a:spcPts val="800"/>
               </a:spcAft>
-              <a:defRPr sz="1800">
+              <a:defRPr sz="2000">
                 <a:solidFill>
                   <a:srgbClr val="333333"/>
                 </a:solidFill>
               </a:defRPr>
             </a:pPr>
             <a:r>
-              <a:t>QUALITY: Langfuse/LangSmith tracing, LLM-as-judge evals, guardrails</a:t>
+              <a:t>4. Install locally: openclaw skill install ./my-skill/</a:t>
             </a:r>
           </a:p>
           <a:p>
             <a:pPr>
+              <a:spcBef>
+                <a:spcPts val="400"/>
+              </a:spcBef>
               <a:spcAft>
                 <a:spcPts val="800"/>
               </a:spcAft>
-              <a:defRPr sz="1800">
+              <a:defRPr sz="2000">
                 <a:solidFill>
                   <a:srgbClr val="333333"/>
                 </a:solidFill>
               </a:defRPr>
             </a:pPr>
             <a:r>
-              <a:t>PRODUCTION: LiteLLM gateway, model routing, caching, batching, streaming</a:t>
+              <a:t>5. Publish: openclaw skill publish (to ClawHub)</a:t>
             </a:r>
           </a:p>
           <a:p>
             <a:pPr>
+              <a:spcBef>
+                <a:spcPts val="400"/>
+              </a:spcBef>
               <a:spcAft>
                 <a:spcPts val="800"/>
               </a:spcAft>
-              <a:defRPr sz="1800">
+              <a:defRPr sz="2000">
                 <a:solidFill>
                   <a:srgbClr val="333333"/>
                 </a:solidFill>
               </a:defRPr>
             </a:pPr>
             <a:r>
-              <a:t>PLATFORMS: OpenClaw + ClawHub, MCP, Claude Code, Cursor</a:t>
+              <a:t>Idea starters: bookmark manager, API tester, note taker</a:t>
             </a:r>
           </a:p>
         </p:txBody>
@@ -5194,14 +5439,6 @@
 <file path=ppt/slides/slide13.xml><?xml version="1.0" encoding="utf-8"?>
 <p:sld xmlns:a="http://schemas.openxmlformats.org/drawingml/2006/main" xmlns:p="http://schemas.openxmlformats.org/presentationml/2006/main" xmlns:r="http://schemas.openxmlformats.org/officeDocument/2006/relationships">
   <p:cSld>
-    <p:bg>
-      <p:bgPr>
-        <a:solidFill>
-          <a:srgbClr val="FFFFFF"/>
-        </a:solidFill>
-        <a:effectLst/>
-      </p:bgPr>
-    </p:bg>
     <p:spTree>
       <p:nvGrpSpPr>
         <p:cNvPr id="1" name=""/>
@@ -5218,7 +5455,7 @@
         <p:spPr>
           <a:xfrm>
             <a:off x="0" y="0"/>
-            <a:ext cx="12191695" cy="54864"/>
+            <a:ext cx="12191695" cy="73152"/>
           </a:xfrm>
           <a:prstGeom prst="rect">
             <a:avLst/>
@@ -5261,7 +5498,7 @@
         <p:spPr>
           <a:xfrm>
             <a:off x="731520" y="274320"/>
-            <a:ext cx="10515600" cy="731520"/>
+            <a:ext cx="10728655" cy="822960"/>
           </a:xfrm>
           <a:prstGeom prst="rect">
             <a:avLst/>
@@ -5274,15 +5511,15 @@
           </a:bodyPr>
           <a:lstStyle/>
           <a:p>
-            <a:pPr>
-              <a:defRPr sz="2800" b="1">
+            <a:pPr algn="l">
+              <a:defRPr sz="3200" b="1">
                 <a:solidFill>
                   <a:srgbClr val="1B2A4A"/>
                 </a:solidFill>
               </a:defRPr>
             </a:pPr>
             <a:r>
-              <a:t>What to Do Next</a:t>
+              <a:t>The AI Engineer Toolkit — Full Picture</a:t>
             </a:r>
           </a:p>
         </p:txBody>
@@ -5295,8 +5532,8 @@
         </p:nvSpPr>
         <p:spPr>
           <a:xfrm>
-            <a:off x="731520" y="1188720"/>
-            <a:ext cx="10515600" cy="5029200"/>
+            <a:off x="914400" y="1280160"/>
+            <a:ext cx="10362895" cy="5029200"/>
           </a:xfrm>
           <a:prstGeom prst="rect">
             <a:avLst/>
@@ -5310,77 +5547,110 @@
           <a:lstStyle/>
           <a:p>
             <a:pPr>
+              <a:spcBef>
+                <a:spcPts val="400"/>
+              </a:spcBef>
               <a:spcAft>
                 <a:spcPts val="800"/>
               </a:spcAft>
-              <a:defRPr sz="1800">
+              <a:defRPr sz="2000">
                 <a:solidFill>
                   <a:srgbClr val="333333"/>
                 </a:solidFill>
               </a:defRPr>
             </a:pPr>
             <a:r>
-              <a:t>Pick a project — best way to learn is to build something real</a:t>
+              <a:t>Models: GPT-5.2 / Opus 4.6 / Gemini 2.5 Pro (+ cheap alternatives)</a:t>
             </a:r>
           </a:p>
           <a:p>
             <a:pPr>
+              <a:spcBef>
+                <a:spcPts val="400"/>
+              </a:spcBef>
               <a:spcAft>
                 <a:spcPts val="800"/>
               </a:spcAft>
-              <a:defRPr sz="1800">
+              <a:defRPr sz="2000">
                 <a:solidFill>
                   <a:srgbClr val="333333"/>
                 </a:solidFill>
               </a:defRPr>
             </a:pPr>
             <a:r>
-              <a:t>Start simple: API call → tool use → RAG → agent (in that order, add complexity only when needed)</a:t>
+              <a:t>Tools: MCP servers, function calling, Skills</a:t>
             </a:r>
           </a:p>
           <a:p>
             <a:pPr>
+              <a:spcBef>
+                <a:spcPts val="400"/>
+              </a:spcBef>
               <a:spcAft>
                 <a:spcPts val="800"/>
               </a:spcAft>
-              <a:defRPr sz="1800">
+              <a:defRPr sz="2000">
                 <a:solidFill>
                   <a:srgbClr val="333333"/>
                 </a:solidFill>
               </a:defRPr>
             </a:pPr>
             <a:r>
-              <a:t>Add observability from day one — way harder to add later</a:t>
+              <a:t>Agents: LangGraph, OpenAI Agents SDK, CrewAI</a:t>
             </a:r>
           </a:p>
           <a:p>
             <a:pPr>
+              <a:spcBef>
+                <a:spcPts val="400"/>
+              </a:spcBef>
               <a:spcAft>
                 <a:spcPts val="800"/>
               </a:spcAft>
-              <a:defRPr sz="1800">
+              <a:defRPr sz="2000">
                 <a:solidFill>
                   <a:srgbClr val="333333"/>
                 </a:solidFill>
               </a:defRPr>
             </a:pPr>
             <a:r>
-              <a:t>Join communities: OpenClaw Discord, LangChain Discord, r/LocalLLaMA</a:t>
+              <a:t>Data: RAG (embeddings + vector DB) or long context</a:t>
             </a:r>
           </a:p>
           <a:p>
             <a:pPr>
+              <a:spcBef>
+                <a:spcPts val="400"/>
+              </a:spcBef>
               <a:spcAft>
                 <a:spcPts val="800"/>
               </a:spcAft>
-              <a:defRPr sz="1800">
+              <a:defRPr sz="2000">
                 <a:solidFill>
                   <a:srgbClr val="333333"/>
                 </a:solidFill>
               </a:defRPr>
             </a:pPr>
             <a:r>
-              <a:t>Stay current — this field changes weekly, not monthly</a:t>
+              <a:t>Ops: Langfuse tracing, LLM-as-judge evals, guardrails</a:t>
+            </a:r>
+          </a:p>
+          <a:p>
+            <a:pPr>
+              <a:spcBef>
+                <a:spcPts val="400"/>
+              </a:spcBef>
+              <a:spcAft>
+                <a:spcPts val="800"/>
+              </a:spcAft>
+              <a:defRPr sz="2000">
+                <a:solidFill>
+                  <a:srgbClr val="333333"/>
+                </a:solidFill>
+              </a:defRPr>
+            </a:pPr>
+            <a:r>
+              <a:t>Production: model routing, caching, gateways, error handling</a:t>
             </a:r>
           </a:p>
         </p:txBody>
@@ -5396,14 +5666,6 @@
 <file path=ppt/slides/slide14.xml><?xml version="1.0" encoding="utf-8"?>
 <p:sld xmlns:a="http://schemas.openxmlformats.org/drawingml/2006/main" xmlns:p="http://schemas.openxmlformats.org/presentationml/2006/main" xmlns:r="http://schemas.openxmlformats.org/officeDocument/2006/relationships">
   <p:cSld>
-    <p:bg>
-      <p:bgPr>
-        <a:solidFill>
-          <a:srgbClr val="FFFFFF"/>
-        </a:solidFill>
-        <a:effectLst/>
-      </p:bgPr>
-    </p:bg>
     <p:spTree>
       <p:nvGrpSpPr>
         <p:cNvPr id="1" name=""/>
@@ -5420,7 +5682,7 @@
         <p:spPr>
           <a:xfrm>
             <a:off x="0" y="0"/>
-            <a:ext cx="12191695" cy="54864"/>
+            <a:ext cx="12191695" cy="73152"/>
           </a:xfrm>
           <a:prstGeom prst="rect">
             <a:avLst/>
@@ -5463,7 +5725,7 @@
         <p:spPr>
           <a:xfrm>
             <a:off x="731520" y="274320"/>
-            <a:ext cx="10515600" cy="731520"/>
+            <a:ext cx="10728655" cy="822960"/>
           </a:xfrm>
           <a:prstGeom prst="rect">
             <a:avLst/>
@@ -5476,15 +5738,15 @@
           </a:bodyPr>
           <a:lstStyle/>
           <a:p>
-            <a:pPr>
-              <a:defRPr sz="2800" b="1">
+            <a:pPr algn="l">
+              <a:defRPr sz="3200" b="1">
                 <a:solidFill>
                   <a:srgbClr val="1B2A4A"/>
                 </a:solidFill>
               </a:defRPr>
             </a:pPr>
             <a:r>
-              <a:t>Hands-On: Build an OpenClaw Skill</a:t>
+              <a:t>What to Build Next</a:t>
             </a:r>
           </a:p>
         </p:txBody>
@@ -5497,8 +5759,8 @@
         </p:nvSpPr>
         <p:spPr>
           <a:xfrm>
-            <a:off x="731520" y="1188720"/>
-            <a:ext cx="10515600" cy="5029200"/>
+            <a:off x="914400" y="1280160"/>
+            <a:ext cx="10362895" cy="5029200"/>
           </a:xfrm>
           <a:prstGeom prst="rect">
             <a:avLst/>
@@ -5512,62 +5774,110 @@
           <a:lstStyle/>
           <a:p>
             <a:pPr>
+              <a:spcBef>
+                <a:spcPts val="400"/>
+              </a:spcBef>
               <a:spcAft>
                 <a:spcPts val="800"/>
               </a:spcAft>
-              <a:defRPr sz="1800">
+              <a:defRPr sz="2000">
                 <a:solidFill>
                   <a:srgbClr val="333333"/>
                 </a:solidFill>
               </a:defRPr>
             </a:pPr>
             <a:r>
-              <a:t>Build a code snippet manager skill: save, search, and list snippets</a:t>
+              <a:t>Start small: a tool-calling chatbot for a specific domain</a:t>
             </a:r>
           </a:p>
           <a:p>
             <a:pPr>
+              <a:spcBef>
+                <a:spcPts val="400"/>
+              </a:spcBef>
               <a:spcAft>
                 <a:spcPts val="800"/>
               </a:spcAft>
-              <a:defRPr sz="1800">
+              <a:defRPr sz="2000">
                 <a:solidFill>
                   <a:srgbClr val="333333"/>
                 </a:solidFill>
               </a:defRPr>
             </a:pPr>
             <a:r>
-              <a:t>Define tool schemas, implement handlers, add persistence</a:t>
+              <a:t>Add RAG: give it access to your company's documentation</a:t>
             </a:r>
           </a:p>
           <a:p>
             <a:pPr>
+              <a:spcBef>
+                <a:spcPts val="400"/>
+              </a:spcBef>
               <a:spcAft>
                 <a:spcPts val="800"/>
               </a:spcAft>
-              <a:defRPr sz="1800">
+              <a:defRPr sz="2000">
                 <a:solidFill>
                   <a:srgbClr val="333333"/>
                 </a:solidFill>
               </a:defRPr>
             </a:pPr>
             <a:r>
-              <a:t>Test locally, validate, and publish to ClawHub</a:t>
+              <a:t>Add tracing: observe how users interact, find failure modes</a:t>
             </a:r>
           </a:p>
           <a:p>
             <a:pPr>
+              <a:spcBef>
+                <a:spcPts val="400"/>
+              </a:spcBef>
               <a:spcAft>
                 <a:spcPts val="800"/>
               </a:spcAft>
-              <a:defRPr sz="1800">
+              <a:defRPr sz="2000">
                 <a:solidFill>
                   <a:srgbClr val="333333"/>
                 </a:solidFill>
               </a:defRPr>
             </a:pPr>
             <a:r>
-              <a:t>📝 Time: 30 minutes — code: session-8/code/openclaw_skill/</a:t>
+              <a:t>Add evals: automated quality checks on every deployment</a:t>
+            </a:r>
+          </a:p>
+          <a:p>
+            <a:pPr>
+              <a:spcBef>
+                <a:spcPts val="400"/>
+              </a:spcBef>
+              <a:spcAft>
+                <a:spcPts val="800"/>
+              </a:spcAft>
+              <a:defRPr sz="2000">
+                <a:solidFill>
+                  <a:srgbClr val="333333"/>
+                </a:solidFill>
+              </a:defRPr>
+            </a:pPr>
+            <a:r>
+              <a:t>Publish: share your MCP server or OpenClaw skill</a:t>
+            </a:r>
+          </a:p>
+          <a:p>
+            <a:pPr>
+              <a:spcBef>
+                <a:spcPts val="400"/>
+              </a:spcBef>
+              <a:spcAft>
+                <a:spcPts val="800"/>
+              </a:spcAft>
+              <a:defRPr sz="2000">
+                <a:solidFill>
+                  <a:srgbClr val="333333"/>
+                </a:solidFill>
+              </a:defRPr>
+            </a:pPr>
+            <a:r>
+              <a:t>Keep learning: the field moves fast — follow changelogs!</a:t>
             </a:r>
           </a:p>
         </p:txBody>
@@ -5583,14 +5893,6 @@
 <file path=ppt/slides/slide15.xml><?xml version="1.0" encoding="utf-8"?>
 <p:sld xmlns:a="http://schemas.openxmlformats.org/drawingml/2006/main" xmlns:p="http://schemas.openxmlformats.org/presentationml/2006/main" xmlns:r="http://schemas.openxmlformats.org/officeDocument/2006/relationships">
   <p:cSld>
-    <p:bg>
-      <p:bgPr>
-        <a:solidFill>
-          <a:srgbClr val="FFFFFF"/>
-        </a:solidFill>
-        <a:effectLst/>
-      </p:bgPr>
-    </p:bg>
     <p:spTree>
       <p:nvGrpSpPr>
         <p:cNvPr id="1" name=""/>
@@ -5607,7 +5909,7 @@
         <p:spPr>
           <a:xfrm>
             <a:off x="0" y="0"/>
-            <a:ext cx="12191695" cy="54864"/>
+            <a:ext cx="12191695" cy="73152"/>
           </a:xfrm>
           <a:prstGeom prst="rect">
             <a:avLst/>
@@ -5650,7 +5952,7 @@
         <p:spPr>
           <a:xfrm>
             <a:off x="731520" y="274320"/>
-            <a:ext cx="10515600" cy="731520"/>
+            <a:ext cx="10728655" cy="822960"/>
           </a:xfrm>
           <a:prstGeom prst="rect">
             <a:avLst/>
@@ -5663,15 +5965,15 @@
           </a:bodyPr>
           <a:lstStyle/>
           <a:p>
-            <a:pPr>
-              <a:defRPr sz="2800" b="1">
+            <a:pPr algn="l">
+              <a:defRPr sz="3200" b="1">
                 <a:solidFill>
                   <a:srgbClr val="1B2A4A"/>
                 </a:solidFill>
               </a:defRPr>
             </a:pPr>
             <a:r>
-              <a:t>Course Complete — You Are an AI Engineer 🚀</a:t>
+              <a:t>Key Takeaways — Session 8 &amp; Full Course</a:t>
             </a:r>
           </a:p>
         </p:txBody>
@@ -5684,8 +5986,8 @@
         </p:nvSpPr>
         <p:spPr>
           <a:xfrm>
-            <a:off x="731520" y="1188720"/>
-            <a:ext cx="10515600" cy="5029200"/>
+            <a:off x="914400" y="1280160"/>
+            <a:ext cx="10362895" cy="5029200"/>
           </a:xfrm>
           <a:prstGeom prst="rect">
             <a:avLst/>
@@ -5699,92 +6001,110 @@
           <a:lstStyle/>
           <a:p>
             <a:pPr>
+              <a:spcBef>
+                <a:spcPts val="400"/>
+              </a:spcBef>
               <a:spcAft>
                 <a:spcPts val="800"/>
               </a:spcAft>
-              <a:defRPr sz="1800">
+              <a:defRPr sz="2000">
                 <a:solidFill>
                   <a:srgbClr val="333333"/>
                 </a:solidFill>
               </a:defRPr>
             </a:pPr>
             <a:r>
-              <a:t>✅ Session 1-2: Landscape, APIs, prompting, structured output, multimodal</a:t>
+              <a:t>Model routing + caching + batching = massive cost savings</a:t>
             </a:r>
           </a:p>
           <a:p>
             <a:pPr>
+              <a:spcBef>
+                <a:spcPts val="400"/>
+              </a:spcBef>
               <a:spcAft>
                 <a:spcPts val="800"/>
               </a:spcAft>
-              <a:defRPr sz="1800">
+              <a:defRPr sz="2000">
                 <a:solidFill>
                   <a:srgbClr val="333333"/>
                 </a:solidFill>
               </a:defRPr>
             </a:pPr>
             <a:r>
-              <a:t>✅ Session 3-4: Tool use, function calling, MCP universal protocol</a:t>
+              <a:t>Claude Code, Codex, Cursor — use the right tool for the job</a:t>
             </a:r>
           </a:p>
           <a:p>
             <a:pPr>
+              <a:spcBef>
+                <a:spcPts val="400"/>
+              </a:spcBef>
               <a:spcAft>
                 <a:spcPts val="800"/>
               </a:spcAft>
-              <a:defRPr sz="1800">
+              <a:defRPr sz="2000">
                 <a:solidFill>
                   <a:srgbClr val="333333"/>
                 </a:solidFill>
               </a:defRPr>
             </a:pPr>
             <a:r>
-              <a:t>✅ Session 5-6: Agentic AI, frameworks, RAG, data pipelines</a:t>
+              <a:t>OpenClaw: OAuth or API key, skills extend functionality</a:t>
             </a:r>
           </a:p>
           <a:p>
             <a:pPr>
+              <a:spcBef>
+                <a:spcPts val="400"/>
+              </a:spcBef>
               <a:spcAft>
                 <a:spcPts val="800"/>
               </a:spcAft>
-              <a:defRPr sz="1800">
+              <a:defRPr sz="2000">
                 <a:solidFill>
                   <a:srgbClr val="333333"/>
                 </a:solidFill>
               </a:defRPr>
             </a:pPr>
             <a:r>
-              <a:t>✅ Session 7-8: Observability, evals, security, production, OpenClaw</a:t>
+              <a:t>The AI engineer stack: models → tools → agents → data → ops</a:t>
             </a:r>
           </a:p>
           <a:p>
             <a:pPr>
+              <a:spcBef>
+                <a:spcPts val="400"/>
+              </a:spcBef>
               <a:spcAft>
                 <a:spcPts val="800"/>
               </a:spcAft>
-              <a:defRPr sz="1800">
+              <a:defRPr sz="2000">
                 <a:solidFill>
                   <a:srgbClr val="333333"/>
                 </a:solidFill>
               </a:defRPr>
             </a:pPr>
             <a:r>
-              <a:t>The field moves fast but fundamentals don't: good prompts, good data, good engineering</a:t>
+              <a:t>Start simple, add complexity only when needed</a:t>
             </a:r>
           </a:p>
           <a:p>
             <a:pPr>
+              <a:spcBef>
+                <a:spcPts val="400"/>
+              </a:spcBef>
               <a:spcAft>
                 <a:spcPts val="800"/>
               </a:spcAft>
-              <a:defRPr sz="1800">
+              <a:defRPr sz="2000">
                 <a:solidFill>
                   <a:srgbClr val="333333"/>
                 </a:solidFill>
               </a:defRPr>
             </a:pPr>
             <a:r>
-              <a:t>Go build something amazing. 🚀</a:t>
+              <a:t>Thank you! Go build something amazing 🚀</a:t>
             </a:r>
           </a:p>
         </p:txBody>
@@ -5800,14 +6120,6 @@
 <file path=ppt/slides/slide2.xml><?xml version="1.0" encoding="utf-8"?>
 <p:sld xmlns:a="http://schemas.openxmlformats.org/drawingml/2006/main" xmlns:p="http://schemas.openxmlformats.org/presentationml/2006/main" xmlns:r="http://schemas.openxmlformats.org/officeDocument/2006/relationships">
   <p:cSld>
-    <p:bg>
-      <p:bgPr>
-        <a:solidFill>
-          <a:srgbClr val="FFFFFF"/>
-        </a:solidFill>
-        <a:effectLst/>
-      </p:bgPr>
-    </p:bg>
     <p:spTree>
       <p:nvGrpSpPr>
         <p:cNvPr id="1" name=""/>
@@ -5824,7 +6136,7 @@
         <p:spPr>
           <a:xfrm>
             <a:off x="0" y="0"/>
-            <a:ext cx="12191695" cy="54864"/>
+            <a:ext cx="12191695" cy="73152"/>
           </a:xfrm>
           <a:prstGeom prst="rect">
             <a:avLst/>
@@ -5867,7 +6179,7 @@
         <p:spPr>
           <a:xfrm>
             <a:off x="731520" y="274320"/>
-            <a:ext cx="10515600" cy="731520"/>
+            <a:ext cx="10728655" cy="822960"/>
           </a:xfrm>
           <a:prstGeom prst="rect">
             <a:avLst/>
@@ -5880,15 +6192,15 @@
           </a:bodyPr>
           <a:lstStyle/>
           <a:p>
-            <a:pPr>
-              <a:defRPr sz="2800" b="1">
+            <a:pPr algn="l">
+              <a:defRPr sz="3200" b="1">
                 <a:solidFill>
                   <a:srgbClr val="1B2A4A"/>
                 </a:solidFill>
               </a:defRPr>
             </a:pPr>
             <a:r>
-              <a:t>Cost at Scale — It Adds Up Fast</a:t>
+              <a:t>Cost Optimization — Model Routing</a:t>
             </a:r>
           </a:p>
         </p:txBody>
@@ -5901,8 +6213,8 @@
         </p:nvSpPr>
         <p:spPr>
           <a:xfrm>
-            <a:off x="731520" y="1188720"/>
-            <a:ext cx="10515600" cy="457200"/>
+            <a:off x="914400" y="1280160"/>
+            <a:ext cx="10362895" cy="5029200"/>
           </a:xfrm>
           <a:prstGeom prst="rect">
             <a:avLst/>
@@ -5910,428 +6222,120 @@
           <a:noFill/>
         </p:spPr>
         <p:txBody>
-          <a:bodyPr wrap="none">
+          <a:bodyPr wrap="square">
             <a:spAutoFit/>
           </a:bodyPr>
           <a:lstStyle/>
           <a:p>
             <a:pPr>
-              <a:defRPr sz="1600">
-                <a:solidFill>
-                  <a:srgbClr val="666666"/>
+              <a:spcBef>
+                <a:spcPts val="400"/>
+              </a:spcBef>
+              <a:spcAft>
+                <a:spcPts val="800"/>
+              </a:spcAft>
+              <a:defRPr sz="2000">
+                <a:solidFill>
+                  <a:srgbClr val="333333"/>
                 </a:solidFill>
               </a:defRPr>
             </a:pPr>
             <a:r>
-              <a:t>Three levers: cheaper models where possible, cache repeated requests, batch non-urgent work</a:t>
-            </a:r>
-          </a:p>
-        </p:txBody>
-      </p:sp>
-      <p:graphicFrame>
-        <p:nvGraphicFramePr>
-          <p:cNvPr id="5" name="Table 4"/>
-          <p:cNvGraphicFramePr>
-            <a:graphicFrameLocks noGrp="1"/>
-          </p:cNvGraphicFramePr>
-          <p:nvPr/>
-        </p:nvGraphicFramePr>
-        <p:xfrm>
-          <a:off x="731520" y="1737360"/>
-          <a:ext cx="10515600" cy="1645920"/>
-        </p:xfrm>
-        <a:graphic>
-          <a:graphicData uri="http://schemas.openxmlformats.org/drawingml/2006/table">
-            <a:tbl>
-              <a:tblPr firstRow="1" bandRow="1">
-                <a:tableStyleId>{5C22544A-7EE6-4342-B048-85BDC9FD1C3A}</a:tableStyleId>
-              </a:tblPr>
-              <a:tblGrid>
-                <a:gridCol w="2628900"/>
-                <a:gridCol w="2628900"/>
-                <a:gridCol w="2628900"/>
-                <a:gridCol w="2628900"/>
-              </a:tblGrid>
-              <a:tr h="411480">
-                <a:tc>
-                  <a:txBody>
-                    <a:bodyPr/>
-                    <a:lstStyle/>
-                    <a:p>
-                      <a:pPr>
-                        <a:defRPr sz="1400" b="1">
-                          <a:solidFill>
-                            <a:srgbClr val="FFFFFF"/>
-                          </a:solidFill>
-                        </a:defRPr>
-                      </a:pPr>
-                      <a:r>
-                        <a:t>Usage</a:t>
-                      </a:r>
-                    </a:p>
-                  </a:txBody>
-                  <a:tcPr>
-                    <a:solidFill>
-                      <a:srgbClr val="1B2A4A"/>
-                    </a:solidFill>
-                  </a:tcPr>
-                </a:tc>
-                <a:tc>
-                  <a:txBody>
-                    <a:bodyPr/>
-                    <a:lstStyle/>
-                    <a:p>
-                      <a:pPr>
-                        <a:defRPr sz="1400" b="1">
-                          <a:solidFill>
-                            <a:srgbClr val="FFFFFF"/>
-                          </a:solidFill>
-                        </a:defRPr>
-                      </a:pPr>
-                      <a:r>
-                        <a:t>Input Tokens/day</a:t>
-                      </a:r>
-                    </a:p>
-                  </a:txBody>
-                  <a:tcPr>
-                    <a:solidFill>
-                      <a:srgbClr val="1B2A4A"/>
-                    </a:solidFill>
-                  </a:tcPr>
-                </a:tc>
-                <a:tc>
-                  <a:txBody>
-                    <a:bodyPr/>
-                    <a:lstStyle/>
-                    <a:p>
-                      <a:pPr>
-                        <a:defRPr sz="1400" b="1">
-                          <a:solidFill>
-                            <a:srgbClr val="FFFFFF"/>
-                          </a:solidFill>
-                        </a:defRPr>
-                      </a:pPr>
-                      <a:r>
-                        <a:t>Output Tokens/day</a:t>
-                      </a:r>
-                    </a:p>
-                  </a:txBody>
-                  <a:tcPr>
-                    <a:solidFill>
-                      <a:srgbClr val="1B2A4A"/>
-                    </a:solidFill>
-                  </a:tcPr>
-                </a:tc>
-                <a:tc>
-                  <a:txBody>
-                    <a:bodyPr/>
-                    <a:lstStyle/>
-                    <a:p>
-                      <a:pPr>
-                        <a:defRPr sz="1400" b="1">
-                          <a:solidFill>
-                            <a:srgbClr val="FFFFFF"/>
-                          </a:solidFill>
-                        </a:defRPr>
-                      </a:pPr>
-                      <a:r>
-                        <a:t>Monthly Cost (GPT-5.2)</a:t>
-                      </a:r>
-                    </a:p>
-                  </a:txBody>
-                  <a:tcPr>
-                    <a:solidFill>
-                      <a:srgbClr val="1B2A4A"/>
-                    </a:solidFill>
-                  </a:tcPr>
-                </a:tc>
-              </a:tr>
-              <a:tr h="411480">
-                <a:tc>
-                  <a:txBody>
-                    <a:bodyPr/>
-                    <a:lstStyle/>
-                    <a:p>
-                      <a:pPr>
-                        <a:defRPr sz="1300">
-                          <a:solidFill>
-                            <a:srgbClr val="333333"/>
-                          </a:solidFill>
-                        </a:defRPr>
-                      </a:pPr>
-                      <a:r>
-                        <a:t>1K req/day</a:t>
-                      </a:r>
-                    </a:p>
-                  </a:txBody>
-                  <a:tcPr>
-                    <a:solidFill>
-                      <a:srgbClr val="F5F7FA"/>
-                    </a:solidFill>
-                  </a:tcPr>
-                </a:tc>
-                <a:tc>
-                  <a:txBody>
-                    <a:bodyPr/>
-                    <a:lstStyle/>
-                    <a:p>
-                      <a:pPr>
-                        <a:defRPr sz="1300">
-                          <a:solidFill>
-                            <a:srgbClr val="333333"/>
-                          </a:solidFill>
-                        </a:defRPr>
-                      </a:pPr>
-                      <a:r>
-                        <a:t>~5M</a:t>
-                      </a:r>
-                    </a:p>
-                  </a:txBody>
-                  <a:tcPr>
-                    <a:solidFill>
-                      <a:srgbClr val="F5F7FA"/>
-                    </a:solidFill>
-                  </a:tcPr>
-                </a:tc>
-                <a:tc>
-                  <a:txBody>
-                    <a:bodyPr/>
-                    <a:lstStyle/>
-                    <a:p>
-                      <a:pPr>
-                        <a:defRPr sz="1300">
-                          <a:solidFill>
-                            <a:srgbClr val="333333"/>
-                          </a:solidFill>
-                        </a:defRPr>
-                      </a:pPr>
-                      <a:r>
-                        <a:t>~1M</a:t>
-                      </a:r>
-                    </a:p>
-                  </a:txBody>
-                  <a:tcPr>
-                    <a:solidFill>
-                      <a:srgbClr val="F5F7FA"/>
-                    </a:solidFill>
-                  </a:tcPr>
-                </a:tc>
-                <a:tc>
-                  <a:txBody>
-                    <a:bodyPr/>
-                    <a:lstStyle/>
-                    <a:p>
-                      <a:pPr>
-                        <a:defRPr sz="1300">
-                          <a:solidFill>
-                            <a:srgbClr val="333333"/>
-                          </a:solidFill>
-                        </a:defRPr>
-                      </a:pPr>
-                      <a:r>
-                        <a:t>~$4,800</a:t>
-                      </a:r>
-                    </a:p>
-                  </a:txBody>
-                  <a:tcPr>
-                    <a:solidFill>
-                      <a:srgbClr val="F5F7FA"/>
-                    </a:solidFill>
-                  </a:tcPr>
-                </a:tc>
-              </a:tr>
-              <a:tr h="411480">
-                <a:tc>
-                  <a:txBody>
-                    <a:bodyPr/>
-                    <a:lstStyle/>
-                    <a:p>
-                      <a:pPr>
-                        <a:defRPr sz="1300">
-                          <a:solidFill>
-                            <a:srgbClr val="333333"/>
-                          </a:solidFill>
-                        </a:defRPr>
-                      </a:pPr>
-                      <a:r>
-                        <a:t>10K req/day</a:t>
-                      </a:r>
-                    </a:p>
-                  </a:txBody>
-                  <a:tcPr>
-                    <a:solidFill>
-                      <a:srgbClr val="FFFFFF"/>
-                    </a:solidFill>
-                  </a:tcPr>
-                </a:tc>
-                <a:tc>
-                  <a:txBody>
-                    <a:bodyPr/>
-                    <a:lstStyle/>
-                    <a:p>
-                      <a:pPr>
-                        <a:defRPr sz="1300">
-                          <a:solidFill>
-                            <a:srgbClr val="333333"/>
-                          </a:solidFill>
-                        </a:defRPr>
-                      </a:pPr>
-                      <a:r>
-                        <a:t>~50M</a:t>
-                      </a:r>
-                    </a:p>
-                  </a:txBody>
-                  <a:tcPr>
-                    <a:solidFill>
-                      <a:srgbClr val="FFFFFF"/>
-                    </a:solidFill>
-                  </a:tcPr>
-                </a:tc>
-                <a:tc>
-                  <a:txBody>
-                    <a:bodyPr/>
-                    <a:lstStyle/>
-                    <a:p>
-                      <a:pPr>
-                        <a:defRPr sz="1300">
-                          <a:solidFill>
-                            <a:srgbClr val="333333"/>
-                          </a:solidFill>
-                        </a:defRPr>
-                      </a:pPr>
-                      <a:r>
-                        <a:t>~10M</a:t>
-                      </a:r>
-                    </a:p>
-                  </a:txBody>
-                  <a:tcPr>
-                    <a:solidFill>
-                      <a:srgbClr val="FFFFFF"/>
-                    </a:solidFill>
-                  </a:tcPr>
-                </a:tc>
-                <a:tc>
-                  <a:txBody>
-                    <a:bodyPr/>
-                    <a:lstStyle/>
-                    <a:p>
-                      <a:pPr>
-                        <a:defRPr sz="1300">
-                          <a:solidFill>
-                            <a:srgbClr val="333333"/>
-                          </a:solidFill>
-                        </a:defRPr>
-                      </a:pPr>
-                      <a:r>
-                        <a:t>~$48,000</a:t>
-                      </a:r>
-                    </a:p>
-                  </a:txBody>
-                  <a:tcPr>
-                    <a:solidFill>
-                      <a:srgbClr val="FFFFFF"/>
-                    </a:solidFill>
-                  </a:tcPr>
-                </a:tc>
-              </a:tr>
-              <a:tr h="411480">
-                <a:tc>
-                  <a:txBody>
-                    <a:bodyPr/>
-                    <a:lstStyle/>
-                    <a:p>
-                      <a:pPr>
-                        <a:defRPr sz="1300">
-                          <a:solidFill>
-                            <a:srgbClr val="333333"/>
-                          </a:solidFill>
-                        </a:defRPr>
-                      </a:pPr>
-                      <a:r>
-                        <a:t>100K req/day</a:t>
-                      </a:r>
-                    </a:p>
-                  </a:txBody>
-                  <a:tcPr>
-                    <a:solidFill>
-                      <a:srgbClr val="F5F7FA"/>
-                    </a:solidFill>
-                  </a:tcPr>
-                </a:tc>
-                <a:tc>
-                  <a:txBody>
-                    <a:bodyPr/>
-                    <a:lstStyle/>
-                    <a:p>
-                      <a:pPr>
-                        <a:defRPr sz="1300">
-                          <a:solidFill>
-                            <a:srgbClr val="333333"/>
-                          </a:solidFill>
-                        </a:defRPr>
-                      </a:pPr>
-                      <a:r>
-                        <a:t>~500M</a:t>
-                      </a:r>
-                    </a:p>
-                  </a:txBody>
-                  <a:tcPr>
-                    <a:solidFill>
-                      <a:srgbClr val="F5F7FA"/>
-                    </a:solidFill>
-                  </a:tcPr>
-                </a:tc>
-                <a:tc>
-                  <a:txBody>
-                    <a:bodyPr/>
-                    <a:lstStyle/>
-                    <a:p>
-                      <a:pPr>
-                        <a:defRPr sz="1300">
-                          <a:solidFill>
-                            <a:srgbClr val="333333"/>
-                          </a:solidFill>
-                        </a:defRPr>
-                      </a:pPr>
-                      <a:r>
-                        <a:t>~100M</a:t>
-                      </a:r>
-                    </a:p>
-                  </a:txBody>
-                  <a:tcPr>
-                    <a:solidFill>
-                      <a:srgbClr val="F5F7FA"/>
-                    </a:solidFill>
-                  </a:tcPr>
-                </a:tc>
-                <a:tc>
-                  <a:txBody>
-                    <a:bodyPr/>
-                    <a:lstStyle/>
-                    <a:p>
-                      <a:pPr>
-                        <a:defRPr sz="1300">
-                          <a:solidFill>
-                            <a:srgbClr val="333333"/>
-                          </a:solidFill>
-                        </a:defRPr>
-                      </a:pPr>
-                      <a:r>
-                        <a:t>~$480,000</a:t>
-                      </a:r>
-                    </a:p>
-                  </a:txBody>
-                  <a:tcPr>
-                    <a:solidFill>
-                      <a:srgbClr val="F5F7FA"/>
-                    </a:solidFill>
-                  </a:tcPr>
-                </a:tc>
-              </a:tr>
-            </a:tbl>
-          </a:graphicData>
-        </a:graphic>
-      </p:graphicFrame>
+              <a:t>Not every query needs the strongest model</a:t>
+            </a:r>
+          </a:p>
+          <a:p>
+            <a:pPr>
+              <a:spcBef>
+                <a:spcPts val="400"/>
+              </a:spcBef>
+              <a:spcAft>
+                <a:spcPts val="800"/>
+              </a:spcAft>
+              <a:defRPr sz="2000">
+                <a:solidFill>
+                  <a:srgbClr val="333333"/>
+                </a:solidFill>
+              </a:defRPr>
+            </a:pPr>
+            <a:r>
+              <a:t>Route by complexity: simple → GPT-4.1-nano, complex → GPT-5.2</a:t>
+            </a:r>
+          </a:p>
+          <a:p>
+            <a:pPr>
+              <a:spcBef>
+                <a:spcPts val="400"/>
+              </a:spcBef>
+              <a:spcAft>
+                <a:spcPts val="800"/>
+              </a:spcAft>
+              <a:defRPr sz="2000">
+                <a:solidFill>
+                  <a:srgbClr val="333333"/>
+                </a:solidFill>
+              </a:defRPr>
+            </a:pPr>
+            <a:r>
+              <a:t>Tiered routing: nano → mini → GPT-4.1 → GPT-5.2</a:t>
+            </a:r>
+          </a:p>
+          <a:p>
+            <a:pPr>
+              <a:spcBef>
+                <a:spcPts val="400"/>
+              </a:spcBef>
+              <a:spcAft>
+                <a:spcPts val="800"/>
+              </a:spcAft>
+              <a:defRPr sz="2000">
+                <a:solidFill>
+                  <a:srgbClr val="333333"/>
+                </a:solidFill>
+              </a:defRPr>
+            </a:pPr>
+            <a:r>
+              <a:t>Classifier-based: use a cheap model to decide which model to use</a:t>
+            </a:r>
+          </a:p>
+          <a:p>
+            <a:pPr>
+              <a:spcBef>
+                <a:spcPts val="400"/>
+              </a:spcBef>
+              <a:spcAft>
+                <a:spcPts val="800"/>
+              </a:spcAft>
+              <a:defRPr sz="2000">
+                <a:solidFill>
+                  <a:srgbClr val="333333"/>
+                </a:solidFill>
+              </a:defRPr>
+            </a:pPr>
+            <a:r>
+              <a:t>Impact: 60-80% cost reduction with &lt;5% quality drop</a:t>
+            </a:r>
+          </a:p>
+          <a:p>
+            <a:pPr>
+              <a:spcBef>
+                <a:spcPts val="400"/>
+              </a:spcBef>
+              <a:spcAft>
+                <a:spcPts val="800"/>
+              </a:spcAft>
+              <a:defRPr sz="2000">
+                <a:solidFill>
+                  <a:srgbClr val="333333"/>
+                </a:solidFill>
+              </a:defRPr>
+            </a:pPr>
+            <a:r>
+              <a:t>Example: DeepSeek V4 at $0.14/1M for bulk processing</a:t>
+            </a:r>
+          </a:p>
+        </p:txBody>
+      </p:sp>
     </p:spTree>
   </p:cSld>
   <p:clrMapOvr>
@@ -6343,14 +6347,6 @@
 <file path=ppt/slides/slide3.xml><?xml version="1.0" encoding="utf-8"?>
 <p:sld xmlns:a="http://schemas.openxmlformats.org/drawingml/2006/main" xmlns:p="http://schemas.openxmlformats.org/presentationml/2006/main" xmlns:r="http://schemas.openxmlformats.org/officeDocument/2006/relationships">
   <p:cSld>
-    <p:bg>
-      <p:bgPr>
-        <a:solidFill>
-          <a:srgbClr val="FFFFFF"/>
-        </a:solidFill>
-        <a:effectLst/>
-      </p:bgPr>
-    </p:bg>
     <p:spTree>
       <p:nvGrpSpPr>
         <p:cNvPr id="1" name=""/>
@@ -6367,7 +6363,7 @@
         <p:spPr>
           <a:xfrm>
             <a:off x="0" y="0"/>
-            <a:ext cx="12191695" cy="54864"/>
+            <a:ext cx="12191695" cy="73152"/>
           </a:xfrm>
           <a:prstGeom prst="rect">
             <a:avLst/>
@@ -6410,7 +6406,7 @@
         <p:spPr>
           <a:xfrm>
             <a:off x="731520" y="274320"/>
-            <a:ext cx="10515600" cy="731520"/>
+            <a:ext cx="10728655" cy="731520"/>
           </a:xfrm>
           <a:prstGeom prst="rect">
             <a:avLst/>
@@ -6418,184 +6414,568 @@
           <a:noFill/>
         </p:spPr>
         <p:txBody>
-          <a:bodyPr wrap="square">
+          <a:bodyPr wrap="none">
             <a:spAutoFit/>
           </a:bodyPr>
           <a:lstStyle/>
           <a:p>
             <a:pPr>
-              <a:defRPr sz="2800" b="1">
+              <a:defRPr sz="3200" b="1">
                 <a:solidFill>
                   <a:srgbClr val="1B2A4A"/>
                 </a:solidFill>
               </a:defRPr>
             </a:pPr>
             <a:r>
-              <a:t>Model Routing — 60-80% Cost Savings</a:t>
-            </a:r>
-          </a:p>
-        </p:txBody>
-      </p:sp>
-      <p:sp>
-        <p:nvSpPr>
-          <p:cNvPr id="4" name="Rounded Rectangle 3"/>
-          <p:cNvSpPr/>
+              <a:t>Model Routing — Cost Impact</a:t>
+            </a:r>
+          </a:p>
+        </p:txBody>
+      </p:sp>
+      <p:graphicFrame>
+        <p:nvGraphicFramePr>
+          <p:cNvPr id="4" name="Table 3"/>
+          <p:cNvGraphicFramePr>
+            <a:graphicFrameLocks noGrp="1"/>
+          </p:cNvGraphicFramePr>
           <p:nvPr/>
-        </p:nvSpPr>
-        <p:spPr>
-          <a:xfrm>
-            <a:off x="548640" y="1188720"/>
-            <a:ext cx="10972800" cy="4754880"/>
-          </a:xfrm>
-          <a:prstGeom prst="roundRect">
-            <a:avLst/>
-          </a:prstGeom>
-          <a:solidFill>
-            <a:srgbClr val="F0F0F0"/>
-          </a:solidFill>
-          <a:ln>
-            <a:noFill/>
-          </a:ln>
-        </p:spPr>
-        <p:style>
-          <a:lnRef idx="1">
-            <a:schemeClr val="accent1"/>
-          </a:lnRef>
-          <a:fillRef idx="3">
-            <a:schemeClr val="accent1"/>
-          </a:fillRef>
-          <a:effectRef idx="2">
-            <a:schemeClr val="accent1"/>
-          </a:effectRef>
-          <a:fontRef idx="minor">
-            <a:schemeClr val="lt1"/>
-          </a:fontRef>
-        </p:style>
-        <p:txBody>
-          <a:bodyPr rtlCol="0" anchor="ctr"/>
-          <a:lstStyle/>
-          <a:p>
-            <a:pPr algn="ctr"/>
-          </a:p>
-        </p:txBody>
-      </p:sp>
-      <p:sp>
-        <p:nvSpPr>
-          <p:cNvPr id="5" name="TextBox 4"/>
-          <p:cNvSpPr txBox="1"/>
-          <p:nvPr/>
-        </p:nvSpPr>
-        <p:spPr>
-          <a:xfrm>
-            <a:off x="822960" y="1371600"/>
-            <a:ext cx="10424160" cy="4389120"/>
-          </a:xfrm>
-          <a:prstGeom prst="rect">
-            <a:avLst/>
-          </a:prstGeom>
-          <a:noFill/>
-        </p:spPr>
-        <p:txBody>
-          <a:bodyPr wrap="square">
-            <a:spAutoFit/>
-          </a:bodyPr>
-          <a:lstStyle/>
-          <a:p>
-            <a:pPr>
-              <a:defRPr sz="1200">
-                <a:solidFill>
-                  <a:srgbClr val="333333"/>
-                </a:solidFill>
-                <a:latin typeface="Consolas"/>
-              </a:defRPr>
-            </a:pPr>
-            <a:r>
-              <a:t>def route_request(query: str) -&gt; str:</a:t>
-            </a:r>
-            <a:br/>
-            <a:r>
-              <a:t>    # Use a cheap model to classify complexity</a:t>
-            </a:r>
-            <a:br/>
-            <a:r>
-              <a:t>    classification = client.chat.completions.create(</a:t>
-            </a:r>
-            <a:br/>
-            <a:r>
-              <a:t>        model="gpt-4o",  # $2.50/$10 — cheap classifier</a:t>
-            </a:r>
-            <a:br/>
-            <a:r>
-              <a:t>        messages=[{"role":"user","content":f"Rate complexity: LOW/MEDIUM/HIGH\n{query}"}],</a:t>
-            </a:r>
-            <a:br/>
-            <a:r>
-              <a:t>        max_tokens=10, temperature=0</a:t>
-            </a:r>
-            <a:br/>
-            <a:r>
-              <a:t>    ).choices[0].message.content.strip()</a:t>
-            </a:r>
-            <a:br/>
-            <a:r>
-              <a:t>    </a:t>
-            </a:r>
-            <a:br/>
-            <a:r>
-              <a:t>    model_map = {</a:t>
-            </a:r>
-            <a:br/>
-            <a:r>
-              <a:t>        "LOW":    "gpt-4o",            # $2.50/$10 per 1M tokens</a:t>
-            </a:r>
-            <a:br/>
-            <a:r>
-              <a:t>        "MEDIUM": "claude-sonnet-4-6",  # $3/$15 per 1M tokens</a:t>
-            </a:r>
-            <a:br/>
-            <a:r>
-              <a:t>        "HIGH":   "gpt-5.2",           # $20/$60 per 1M tokens</a:t>
-            </a:r>
-            <a:br/>
-            <a:r>
-              <a:t>    }</a:t>
-            </a:r>
-            <a:br/>
-            <a:r>
-              <a:t>    </a:t>
-            </a:r>
-            <a:br/>
-            <a:r>
-              <a:t>    model = model_map.get(classification, "claude-sonnet-4-6")</a:t>
-            </a:r>
-            <a:br/>
-            <a:r>
-              <a:t>    response = client.chat.completions.create(</a:t>
-            </a:r>
-            <a:br/>
-            <a:r>
-              <a:t>        model=model, messages=[{"role":"user","content":query}])</a:t>
-            </a:r>
-            <a:br/>
-            <a:r>
-              <a:t>    return response.choices[0].message.content</a:t>
-            </a:r>
-            <a:br/>
-            <a:br/>
-            <a:r>
-              <a:t># Real-world traffic split: ~70% LOW, ~25% MEDIUM, ~5% HIGH</a:t>
-            </a:r>
-            <a:br/>
-            <a:r>
-              <a:t># → 60-80% cost savings vs routing everything to GPT-5.2</a:t>
-            </a:r>
-            <a:br/>
-            <a:r>
-              <a:t># DeepSeek V4 at $0.14/1M is another option for LOW tier</a:t>
-            </a:r>
-          </a:p>
-        </p:txBody>
-      </p:sp>
+        </p:nvGraphicFramePr>
+        <p:xfrm>
+          <a:off x="731520" y="1280160"/>
+          <a:ext cx="10728652" cy="2194560"/>
+        </p:xfrm>
+        <a:graphic>
+          <a:graphicData uri="http://schemas.openxmlformats.org/drawingml/2006/table">
+            <a:tbl>
+              <a:tblPr firstRow="1" bandRow="1">
+                <a:tableStyleId>{5C22544A-7EE6-4342-B048-85BDC9FD1C3A}</a:tableStyleId>
+              </a:tblPr>
+              <a:tblGrid>
+                <a:gridCol w="2682163"/>
+                <a:gridCol w="2682163"/>
+                <a:gridCol w="2682163"/>
+                <a:gridCol w="2682163"/>
+              </a:tblGrid>
+              <a:tr h="365760">
+                <a:tc>
+                  <a:txBody>
+                    <a:bodyPr/>
+                    <a:lstStyle/>
+                    <a:p>
+                      <a:pPr algn="ctr">
+                        <a:defRPr sz="1400" b="1">
+                          <a:solidFill>
+                            <a:srgbClr val="FFFFFF"/>
+                          </a:solidFill>
+                        </a:defRPr>
+                      </a:pPr>
+                      <a:r>
+                        <a:t>Query Type</a:t>
+                      </a:r>
+                    </a:p>
+                  </a:txBody>
+                  <a:tcPr>
+                    <a:solidFill>
+                      <a:srgbClr val="1B2A4A"/>
+                    </a:solidFill>
+                  </a:tcPr>
+                </a:tc>
+                <a:tc>
+                  <a:txBody>
+                    <a:bodyPr/>
+                    <a:lstStyle/>
+                    <a:p>
+                      <a:pPr algn="ctr">
+                        <a:defRPr sz="1400" b="1">
+                          <a:solidFill>
+                            <a:srgbClr val="FFFFFF"/>
+                          </a:solidFill>
+                        </a:defRPr>
+                      </a:pPr>
+                      <a:r>
+                        <a:t>Model</a:t>
+                      </a:r>
+                    </a:p>
+                  </a:txBody>
+                  <a:tcPr>
+                    <a:solidFill>
+                      <a:srgbClr val="1B2A4A"/>
+                    </a:solidFill>
+                  </a:tcPr>
+                </a:tc>
+                <a:tc>
+                  <a:txBody>
+                    <a:bodyPr/>
+                    <a:lstStyle/>
+                    <a:p>
+                      <a:pPr algn="ctr">
+                        <a:defRPr sz="1400" b="1">
+                          <a:solidFill>
+                            <a:srgbClr val="FFFFFF"/>
+                          </a:solidFill>
+                        </a:defRPr>
+                      </a:pPr>
+                      <a:r>
+                        <a:t>Cost/1M tokens</a:t>
+                      </a:r>
+                    </a:p>
+                  </a:txBody>
+                  <a:tcPr>
+                    <a:solidFill>
+                      <a:srgbClr val="1B2A4A"/>
+                    </a:solidFill>
+                  </a:tcPr>
+                </a:tc>
+                <a:tc>
+                  <a:txBody>
+                    <a:bodyPr/>
+                    <a:lstStyle/>
+                    <a:p>
+                      <a:pPr algn="ctr">
+                        <a:defRPr sz="1400" b="1">
+                          <a:solidFill>
+                            <a:srgbClr val="FFFFFF"/>
+                          </a:solidFill>
+                        </a:defRPr>
+                      </a:pPr>
+                      <a:r>
+                        <a:t>Quality</a:t>
+                      </a:r>
+                    </a:p>
+                  </a:txBody>
+                  <a:tcPr>
+                    <a:solidFill>
+                      <a:srgbClr val="1B2A4A"/>
+                    </a:solidFill>
+                  </a:tcPr>
+                </a:tc>
+              </a:tr>
+              <a:tr h="365760">
+                <a:tc>
+                  <a:txBody>
+                    <a:bodyPr/>
+                    <a:lstStyle/>
+                    <a:p>
+                      <a:pPr algn="ctr">
+                        <a:defRPr sz="1300">
+                          <a:solidFill>
+                            <a:srgbClr val="333333"/>
+                          </a:solidFill>
+                        </a:defRPr>
+                      </a:pPr>
+                      <a:r>
+                        <a:t>Simple Q&amp;A</a:t>
+                      </a:r>
+                    </a:p>
+                  </a:txBody>
+                  <a:tcPr/>
+                </a:tc>
+                <a:tc>
+                  <a:txBody>
+                    <a:bodyPr/>
+                    <a:lstStyle/>
+                    <a:p>
+                      <a:pPr algn="ctr">
+                        <a:defRPr sz="1300">
+                          <a:solidFill>
+                            <a:srgbClr val="333333"/>
+                          </a:solidFill>
+                        </a:defRPr>
+                      </a:pPr>
+                      <a:r>
+                        <a:t>GPT-4.1-nano</a:t>
+                      </a:r>
+                    </a:p>
+                  </a:txBody>
+                  <a:tcPr/>
+                </a:tc>
+                <a:tc>
+                  <a:txBody>
+                    <a:bodyPr/>
+                    <a:lstStyle/>
+                    <a:p>
+                      <a:pPr algn="ctr">
+                        <a:defRPr sz="1300">
+                          <a:solidFill>
+                            <a:srgbClr val="333333"/>
+                          </a:solidFill>
+                        </a:defRPr>
+                      </a:pPr>
+                      <a:r>
+                        <a:t>$0.10 / $0.40</a:t>
+                      </a:r>
+                    </a:p>
+                  </a:txBody>
+                  <a:tcPr/>
+                </a:tc>
+                <a:tc>
+                  <a:txBody>
+                    <a:bodyPr/>
+                    <a:lstStyle/>
+                    <a:p>
+                      <a:pPr algn="ctr">
+                        <a:defRPr sz="1300">
+                          <a:solidFill>
+                            <a:srgbClr val="333333"/>
+                          </a:solidFill>
+                        </a:defRPr>
+                      </a:pPr>
+                      <a:r>
+                        <a:t>Good</a:t>
+                      </a:r>
+                    </a:p>
+                  </a:txBody>
+                  <a:tcPr/>
+                </a:tc>
+              </a:tr>
+              <a:tr h="365760">
+                <a:tc>
+                  <a:txBody>
+                    <a:bodyPr/>
+                    <a:lstStyle/>
+                    <a:p>
+                      <a:pPr algn="ctr">
+                        <a:defRPr sz="1300">
+                          <a:solidFill>
+                            <a:srgbClr val="333333"/>
+                          </a:solidFill>
+                        </a:defRPr>
+                      </a:pPr>
+                      <a:r>
+                        <a:t>General tasks</a:t>
+                      </a:r>
+                    </a:p>
+                  </a:txBody>
+                  <a:tcPr>
+                    <a:solidFill>
+                      <a:srgbClr val="F5F7FA"/>
+                    </a:solidFill>
+                  </a:tcPr>
+                </a:tc>
+                <a:tc>
+                  <a:txBody>
+                    <a:bodyPr/>
+                    <a:lstStyle/>
+                    <a:p>
+                      <a:pPr algn="ctr">
+                        <a:defRPr sz="1300">
+                          <a:solidFill>
+                            <a:srgbClr val="333333"/>
+                          </a:solidFill>
+                        </a:defRPr>
+                      </a:pPr>
+                      <a:r>
+                        <a:t>GPT-4.1-mini</a:t>
+                      </a:r>
+                    </a:p>
+                  </a:txBody>
+                  <a:tcPr>
+                    <a:solidFill>
+                      <a:srgbClr val="F5F7FA"/>
+                    </a:solidFill>
+                  </a:tcPr>
+                </a:tc>
+                <a:tc>
+                  <a:txBody>
+                    <a:bodyPr/>
+                    <a:lstStyle/>
+                    <a:p>
+                      <a:pPr algn="ctr">
+                        <a:defRPr sz="1300">
+                          <a:solidFill>
+                            <a:srgbClr val="333333"/>
+                          </a:solidFill>
+                        </a:defRPr>
+                      </a:pPr>
+                      <a:r>
+                        <a:t>$0.40 / $1.60</a:t>
+                      </a:r>
+                    </a:p>
+                  </a:txBody>
+                  <a:tcPr>
+                    <a:solidFill>
+                      <a:srgbClr val="F5F7FA"/>
+                    </a:solidFill>
+                  </a:tcPr>
+                </a:tc>
+                <a:tc>
+                  <a:txBody>
+                    <a:bodyPr/>
+                    <a:lstStyle/>
+                    <a:p>
+                      <a:pPr algn="ctr">
+                        <a:defRPr sz="1300">
+                          <a:solidFill>
+                            <a:srgbClr val="333333"/>
+                          </a:solidFill>
+                        </a:defRPr>
+                      </a:pPr>
+                      <a:r>
+                        <a:t>Very Good</a:t>
+                      </a:r>
+                    </a:p>
+                  </a:txBody>
+                  <a:tcPr>
+                    <a:solidFill>
+                      <a:srgbClr val="F5F7FA"/>
+                    </a:solidFill>
+                  </a:tcPr>
+                </a:tc>
+              </a:tr>
+              <a:tr h="365760">
+                <a:tc>
+                  <a:txBody>
+                    <a:bodyPr/>
+                    <a:lstStyle/>
+                    <a:p>
+                      <a:pPr algn="ctr">
+                        <a:defRPr sz="1300">
+                          <a:solidFill>
+                            <a:srgbClr val="333333"/>
+                          </a:solidFill>
+                        </a:defRPr>
+                      </a:pPr>
+                      <a:r>
+                        <a:t>Complex analysis</a:t>
+                      </a:r>
+                    </a:p>
+                  </a:txBody>
+                  <a:tcPr/>
+                </a:tc>
+                <a:tc>
+                  <a:txBody>
+                    <a:bodyPr/>
+                    <a:lstStyle/>
+                    <a:p>
+                      <a:pPr algn="ctr">
+                        <a:defRPr sz="1300">
+                          <a:solidFill>
+                            <a:srgbClr val="333333"/>
+                          </a:solidFill>
+                        </a:defRPr>
+                      </a:pPr>
+                      <a:r>
+                        <a:t>GPT-4.1</a:t>
+                      </a:r>
+                    </a:p>
+                  </a:txBody>
+                  <a:tcPr/>
+                </a:tc>
+                <a:tc>
+                  <a:txBody>
+                    <a:bodyPr/>
+                    <a:lstStyle/>
+                    <a:p>
+                      <a:pPr algn="ctr">
+                        <a:defRPr sz="1300">
+                          <a:solidFill>
+                            <a:srgbClr val="333333"/>
+                          </a:solidFill>
+                        </a:defRPr>
+                      </a:pPr>
+                      <a:r>
+                        <a:t>$2.00 / $8.00</a:t>
+                      </a:r>
+                    </a:p>
+                  </a:txBody>
+                  <a:tcPr/>
+                </a:tc>
+                <a:tc>
+                  <a:txBody>
+                    <a:bodyPr/>
+                    <a:lstStyle/>
+                    <a:p>
+                      <a:pPr algn="ctr">
+                        <a:defRPr sz="1300">
+                          <a:solidFill>
+                            <a:srgbClr val="333333"/>
+                          </a:solidFill>
+                        </a:defRPr>
+                      </a:pPr>
+                      <a:r>
+                        <a:t>Excellent</a:t>
+                      </a:r>
+                    </a:p>
+                  </a:txBody>
+                  <a:tcPr/>
+                </a:tc>
+              </a:tr>
+              <a:tr h="365760">
+                <a:tc>
+                  <a:txBody>
+                    <a:bodyPr/>
+                    <a:lstStyle/>
+                    <a:p>
+                      <a:pPr algn="ctr">
+                        <a:defRPr sz="1300">
+                          <a:solidFill>
+                            <a:srgbClr val="333333"/>
+                          </a:solidFill>
+                        </a:defRPr>
+                      </a:pPr>
+                      <a:r>
+                        <a:t>Hard reasoning</a:t>
+                      </a:r>
+                    </a:p>
+                  </a:txBody>
+                  <a:tcPr>
+                    <a:solidFill>
+                      <a:srgbClr val="F5F7FA"/>
+                    </a:solidFill>
+                  </a:tcPr>
+                </a:tc>
+                <a:tc>
+                  <a:txBody>
+                    <a:bodyPr/>
+                    <a:lstStyle/>
+                    <a:p>
+                      <a:pPr algn="ctr">
+                        <a:defRPr sz="1300">
+                          <a:solidFill>
+                            <a:srgbClr val="333333"/>
+                          </a:solidFill>
+                        </a:defRPr>
+                      </a:pPr>
+                      <a:r>
+                        <a:t>GPT-5.2</a:t>
+                      </a:r>
+                    </a:p>
+                  </a:txBody>
+                  <a:tcPr>
+                    <a:solidFill>
+                      <a:srgbClr val="F5F7FA"/>
+                    </a:solidFill>
+                  </a:tcPr>
+                </a:tc>
+                <a:tc>
+                  <a:txBody>
+                    <a:bodyPr/>
+                    <a:lstStyle/>
+                    <a:p>
+                      <a:pPr algn="ctr">
+                        <a:defRPr sz="1300">
+                          <a:solidFill>
+                            <a:srgbClr val="333333"/>
+                          </a:solidFill>
+                        </a:defRPr>
+                      </a:pPr>
+                      <a:r>
+                        <a:t>$20 / $60</a:t>
+                      </a:r>
+                    </a:p>
+                  </a:txBody>
+                  <a:tcPr>
+                    <a:solidFill>
+                      <a:srgbClr val="F5F7FA"/>
+                    </a:solidFill>
+                  </a:tcPr>
+                </a:tc>
+                <a:tc>
+                  <a:txBody>
+                    <a:bodyPr/>
+                    <a:lstStyle/>
+                    <a:p>
+                      <a:pPr algn="ctr">
+                        <a:defRPr sz="1300">
+                          <a:solidFill>
+                            <a:srgbClr val="333333"/>
+                          </a:solidFill>
+                        </a:defRPr>
+                      </a:pPr>
+                      <a:r>
+                        <a:t>Best</a:t>
+                      </a:r>
+                    </a:p>
+                  </a:txBody>
+                  <a:tcPr>
+                    <a:solidFill>
+                      <a:srgbClr val="F5F7FA"/>
+                    </a:solidFill>
+                  </a:tcPr>
+                </a:tc>
+              </a:tr>
+              <a:tr h="365760">
+                <a:tc>
+                  <a:txBody>
+                    <a:bodyPr/>
+                    <a:lstStyle/>
+                    <a:p>
+                      <a:pPr algn="ctr">
+                        <a:defRPr sz="1300">
+                          <a:solidFill>
+                            <a:srgbClr val="333333"/>
+                          </a:solidFill>
+                        </a:defRPr>
+                      </a:pPr>
+                      <a:r>
+                        <a:t>Bulk processing</a:t>
+                      </a:r>
+                    </a:p>
+                  </a:txBody>
+                  <a:tcPr/>
+                </a:tc>
+                <a:tc>
+                  <a:txBody>
+                    <a:bodyPr/>
+                    <a:lstStyle/>
+                    <a:p>
+                      <a:pPr algn="ctr">
+                        <a:defRPr sz="1300">
+                          <a:solidFill>
+                            <a:srgbClr val="333333"/>
+                          </a:solidFill>
+                        </a:defRPr>
+                      </a:pPr>
+                      <a:r>
+                        <a:t>DeepSeek V4</a:t>
+                      </a:r>
+                    </a:p>
+                  </a:txBody>
+                  <a:tcPr/>
+                </a:tc>
+                <a:tc>
+                  <a:txBody>
+                    <a:bodyPr/>
+                    <a:lstStyle/>
+                    <a:p>
+                      <a:pPr algn="ctr">
+                        <a:defRPr sz="1300">
+                          <a:solidFill>
+                            <a:srgbClr val="333333"/>
+                          </a:solidFill>
+                        </a:defRPr>
+                      </a:pPr>
+                      <a:r>
+                        <a:t>$0.14 / $0.14</a:t>
+                      </a:r>
+                    </a:p>
+                  </a:txBody>
+                  <a:tcPr/>
+                </a:tc>
+                <a:tc>
+                  <a:txBody>
+                    <a:bodyPr/>
+                    <a:lstStyle/>
+                    <a:p>
+                      <a:pPr algn="ctr">
+                        <a:defRPr sz="1300">
+                          <a:solidFill>
+                            <a:srgbClr val="333333"/>
+                          </a:solidFill>
+                        </a:defRPr>
+                      </a:pPr>
+                      <a:r>
+                        <a:t>Good</a:t>
+                      </a:r>
+                    </a:p>
+                  </a:txBody>
+                  <a:tcPr/>
+                </a:tc>
+              </a:tr>
+            </a:tbl>
+          </a:graphicData>
+        </a:graphic>
+      </p:graphicFrame>
     </p:spTree>
   </p:cSld>
   <p:clrMapOvr>
@@ -6607,14 +6987,6 @@
 <file path=ppt/slides/slide4.xml><?xml version="1.0" encoding="utf-8"?>
 <p:sld xmlns:a="http://schemas.openxmlformats.org/drawingml/2006/main" xmlns:p="http://schemas.openxmlformats.org/presentationml/2006/main" xmlns:r="http://schemas.openxmlformats.org/officeDocument/2006/relationships">
   <p:cSld>
-    <p:bg>
-      <p:bgPr>
-        <a:solidFill>
-          <a:srgbClr val="FFFFFF"/>
-        </a:solidFill>
-        <a:effectLst/>
-      </p:bgPr>
-    </p:bg>
     <p:spTree>
       <p:nvGrpSpPr>
         <p:cNvPr id="1" name=""/>
@@ -6631,7 +7003,7 @@
         <p:spPr>
           <a:xfrm>
             <a:off x="0" y="0"/>
-            <a:ext cx="12191695" cy="54864"/>
+            <a:ext cx="12191695" cy="73152"/>
           </a:xfrm>
           <a:prstGeom prst="rect">
             <a:avLst/>
@@ -6674,7 +7046,7 @@
         <p:spPr>
           <a:xfrm>
             <a:off x="731520" y="274320"/>
-            <a:ext cx="10515600" cy="731520"/>
+            <a:ext cx="10728655" cy="822960"/>
           </a:xfrm>
           <a:prstGeom prst="rect">
             <a:avLst/>
@@ -6687,15 +7059,15 @@
           </a:bodyPr>
           <a:lstStyle/>
           <a:p>
-            <a:pPr>
-              <a:defRPr sz="2800" b="1">
+            <a:pPr algn="l">
+              <a:defRPr sz="3200" b="1">
                 <a:solidFill>
                   <a:srgbClr val="1B2A4A"/>
                 </a:solidFill>
               </a:defRPr>
             </a:pPr>
             <a:r>
-              <a:t>Caching Strategies — 3 Levels</a:t>
+              <a:t>Caching &amp; Batching</a:t>
             </a:r>
           </a:p>
         </p:txBody>
@@ -6708,8 +7080,8 @@
         </p:nvSpPr>
         <p:spPr>
           <a:xfrm>
-            <a:off x="731520" y="1188720"/>
-            <a:ext cx="10515600" cy="5029200"/>
+            <a:off x="914400" y="1280160"/>
+            <a:ext cx="10362895" cy="5029200"/>
           </a:xfrm>
           <a:prstGeom prst="rect">
             <a:avLst/>
@@ -6723,77 +7095,128 @@
           <a:lstStyle/>
           <a:p>
             <a:pPr>
+              <a:spcBef>
+                <a:spcPts val="400"/>
+              </a:spcBef>
+              <a:spcAft>
+                <a:spcPts val="800"/>
+              </a:spcAft>
+              <a:defRPr sz="2000">
+                <a:solidFill>
+                  <a:srgbClr val="333333"/>
+                </a:solidFill>
+              </a:defRPr>
+            </a:pPr>
+            <a:r>
+              <a:t>Prompt caching: cache system prompts and common prefixes</a:t>
+            </a:r>
+          </a:p>
+          <a:p>
+            <a:pPr lvl="1">
+              <a:spcBef>
+                <a:spcPts val="400"/>
+              </a:spcBef>
               <a:spcAft>
                 <a:spcPts val="800"/>
               </a:spcAft>
               <a:defRPr sz="1800">
                 <a:solidFill>
-                  <a:srgbClr val="333333"/>
+                  <a:srgbClr val="666666"/>
                 </a:solidFill>
               </a:defRPr>
             </a:pPr>
             <a:r>
-              <a:t>Exact match cache (Redis) — hash input, check cache first, simple but only catches identical queries</a:t>
-            </a:r>
-          </a:p>
-          <a:p>
-            <a:pPr>
+              <a:t>OpenAI: automatic for prompts &gt;1024 tokens (50% discount)</a:t>
+            </a:r>
+          </a:p>
+          <a:p>
+            <a:pPr lvl="1">
+              <a:spcBef>
+                <a:spcPts val="400"/>
+              </a:spcBef>
               <a:spcAft>
                 <a:spcPts val="800"/>
               </a:spcAft>
               <a:defRPr sz="1800">
                 <a:solidFill>
+                  <a:srgbClr val="666666"/>
+                </a:solidFill>
+              </a:defRPr>
+            </a:pPr>
+            <a:r>
+              <a:t>Anthropic: explicit cache_control blocks (90% discount)</a:t>
+            </a:r>
+          </a:p>
+          <a:p>
+            <a:pPr>
+              <a:spcBef>
+                <a:spcPts val="400"/>
+              </a:spcBef>
+              <a:spcAft>
+                <a:spcPts val="800"/>
+              </a:spcAft>
+              <a:defRPr sz="2000">
+                <a:solidFill>
                   <a:srgbClr val="333333"/>
                 </a:solidFill>
               </a:defRPr>
             </a:pPr>
             <a:r>
-              <a:t>Anthropic prompt caching — cache long system prompts server-side, 90% cheaper on subsequent calls</a:t>
+              <a:t>Semantic caching: cache responses for similar queries</a:t>
             </a:r>
           </a:p>
           <a:p>
             <a:pPr>
+              <a:spcBef>
+                <a:spcPts val="400"/>
+              </a:spcBef>
+              <a:spcAft>
+                <a:spcPts val="800"/>
+              </a:spcAft>
+              <a:defRPr sz="2000">
+                <a:solidFill>
+                  <a:srgbClr val="333333"/>
+                </a:solidFill>
+              </a:defRPr>
+            </a:pPr>
+            <a:r>
+              <a:t>Batching API: OpenAI batch endpoint — 50% cost reduction</a:t>
+            </a:r>
+          </a:p>
+          <a:p>
+            <a:pPr lvl="1">
+              <a:spcBef>
+                <a:spcPts val="400"/>
+              </a:spcBef>
               <a:spcAft>
                 <a:spcPts val="800"/>
               </a:spcAft>
               <a:defRPr sz="1800">
                 <a:solidFill>
-                  <a:srgbClr val="333333"/>
+                  <a:srgbClr val="666666"/>
                 </a:solidFill>
               </a:defRPr>
             </a:pPr>
             <a:r>
-              <a:t>Semantic cache — embed query, find similar past queries in vector DB (threshold 0.95)</a:t>
+              <a:t>Submit JSONL file, get results in ~24 hours</a:t>
             </a:r>
           </a:p>
           <a:p>
             <a:pPr>
+              <a:spcBef>
+                <a:spcPts val="400"/>
+              </a:spcBef>
               <a:spcAft>
                 <a:spcPts val="800"/>
               </a:spcAft>
-              <a:defRPr sz="1800">
+              <a:defRPr sz="2000">
                 <a:solidFill>
                   <a:srgbClr val="333333"/>
                 </a:solidFill>
               </a:defRPr>
             </a:pPr>
             <a:r>
-              <a:t>Example: "PTO policy?" yesterday ≈ "how many vacation days?" today → cache hit</a:t>
-            </a:r>
-          </a:p>
-          <a:p>
-            <a:pPr>
-              <a:spcAft>
-                <a:spcPts val="800"/>
-              </a:spcAft>
-              <a:defRPr sz="1800">
-                <a:solidFill>
-                  <a:srgbClr val="333333"/>
-                </a:solidFill>
-              </a:defRPr>
-            </a:pPr>
-            <a:r>
-              <a:t>Claude Opus 4.5 at $5/$25 per 1M + caching = best price/performance in the market</a:t>
+              <a:t>Combine routing + caching + batching for maximum savings</a:t>
             </a:r>
           </a:p>
         </p:txBody>
@@ -6809,14 +7232,6 @@
 <file path=ppt/slides/slide5.xml><?xml version="1.0" encoding="utf-8"?>
 <p:sld xmlns:a="http://schemas.openxmlformats.org/drawingml/2006/main" xmlns:p="http://schemas.openxmlformats.org/presentationml/2006/main" xmlns:r="http://schemas.openxmlformats.org/officeDocument/2006/relationships">
   <p:cSld>
-    <p:bg>
-      <p:bgPr>
-        <a:solidFill>
-          <a:srgbClr val="FFFFFF"/>
-        </a:solidFill>
-        <a:effectLst/>
-      </p:bgPr>
-    </p:bg>
     <p:spTree>
       <p:nvGrpSpPr>
         <p:cNvPr id="1" name=""/>
@@ -6833,7 +7248,7 @@
         <p:spPr>
           <a:xfrm>
             <a:off x="0" y="0"/>
-            <a:ext cx="12191695" cy="54864"/>
+            <a:ext cx="12191695" cy="73152"/>
           </a:xfrm>
           <a:prstGeom prst="rect">
             <a:avLst/>
@@ -6876,7 +7291,7 @@
         <p:spPr>
           <a:xfrm>
             <a:off x="731520" y="274320"/>
-            <a:ext cx="10515600" cy="731520"/>
+            <a:ext cx="10728655" cy="822960"/>
           </a:xfrm>
           <a:prstGeom prst="rect">
             <a:avLst/>
@@ -6889,72 +7304,29 @@
           </a:bodyPr>
           <a:lstStyle/>
           <a:p>
-            <a:pPr>
-              <a:defRPr sz="2800" b="1">
+            <a:pPr algn="l">
+              <a:defRPr sz="3200" b="1">
                 <a:solidFill>
                   <a:srgbClr val="1B2A4A"/>
                 </a:solidFill>
               </a:defRPr>
             </a:pPr>
             <a:r>
-              <a:t>Batching — 50% Discount for Non-Real-Time Work</a:t>
-            </a:r>
-          </a:p>
-        </p:txBody>
-      </p:sp>
-      <p:sp>
-        <p:nvSpPr>
-          <p:cNvPr id="4" name="Rounded Rectangle 3"/>
-          <p:cNvSpPr/>
+              <a:t>AI Gateways &amp; Routers</a:t>
+            </a:r>
+          </a:p>
+        </p:txBody>
+      </p:sp>
+      <p:sp>
+        <p:nvSpPr>
+          <p:cNvPr id="4" name="TextBox 3"/>
+          <p:cNvSpPr txBox="1"/>
           <p:nvPr/>
         </p:nvSpPr>
         <p:spPr>
           <a:xfrm>
-            <a:off x="548640" y="1188720"/>
-            <a:ext cx="10972800" cy="4754880"/>
-          </a:xfrm>
-          <a:prstGeom prst="roundRect">
-            <a:avLst/>
-          </a:prstGeom>
-          <a:solidFill>
-            <a:srgbClr val="F0F0F0"/>
-          </a:solidFill>
-          <a:ln>
-            <a:noFill/>
-          </a:ln>
-        </p:spPr>
-        <p:style>
-          <a:lnRef idx="1">
-            <a:schemeClr val="accent1"/>
-          </a:lnRef>
-          <a:fillRef idx="3">
-            <a:schemeClr val="accent1"/>
-          </a:fillRef>
-          <a:effectRef idx="2">
-            <a:schemeClr val="accent1"/>
-          </a:effectRef>
-          <a:fontRef idx="minor">
-            <a:schemeClr val="lt1"/>
-          </a:fontRef>
-        </p:style>
-        <p:txBody>
-          <a:bodyPr rtlCol="0" anchor="ctr"/>
-          <a:lstStyle/>
-          <a:p>
-            <a:pPr algn="ctr"/>
-          </a:p>
-        </p:txBody>
-      </p:sp>
-      <p:sp>
-        <p:nvSpPr>
-          <p:cNvPr id="5" name="TextBox 4"/>
-          <p:cNvSpPr txBox="1"/>
-          <p:nvPr/>
-        </p:nvSpPr>
-        <p:spPr>
-          <a:xfrm>
-            <a:off x="822960" y="1371600"/>
-            <a:ext cx="10424160" cy="4389120"/>
+            <a:off x="914400" y="1280160"/>
+            <a:ext cx="10362895" cy="5029200"/>
           </a:xfrm>
           <a:prstGeom prst="rect">
             <a:avLst/>
@@ -6968,74 +7340,110 @@
           <a:lstStyle/>
           <a:p>
             <a:pPr>
-              <a:defRPr sz="1200">
+              <a:spcBef>
+                <a:spcPts val="400"/>
+              </a:spcBef>
+              <a:spcAft>
+                <a:spcPts val="800"/>
+              </a:spcAft>
+              <a:defRPr sz="2000">
                 <a:solidFill>
                   <a:srgbClr val="333333"/>
                 </a:solidFill>
-                <a:latin typeface="Consolas"/>
               </a:defRPr>
             </a:pPr>
             <a:r>
-              <a:t># OpenAI Batch API — results within 24h at 50% off</a:t>
-            </a:r>
-            <a:br/>
-            <a:r>
-              <a:t>requests = [{"custom_id": f"req-{i}", "method": "POST",</a:t>
-            </a:r>
-            <a:br/>
-            <a:r>
-              <a:t>    "url": "/v1/chat/completions",</a:t>
-            </a:r>
-            <a:br/>
-            <a:r>
-              <a:t>    "body": {"model":"gpt-5.2",</a:t>
-            </a:r>
-            <a:br/>
-            <a:r>
-              <a:t>        "messages":[{"role":"user","content":f"Summarize article {i}"}]}}</a:t>
-            </a:r>
-            <a:br/>
-            <a:r>
-              <a:t>    for i in range(1000)]</a:t>
-            </a:r>
-            <a:br/>
-            <a:br/>
-            <a:r>
-              <a:t>with open("batch.jsonl", "w") as f:</a:t>
-            </a:r>
-            <a:br/>
-            <a:r>
-              <a:t>    for r in requests: f.write(json.dumps(r) + "\n")</a:t>
-            </a:r>
-            <a:br/>
-            <a:br/>
-            <a:r>
-              <a:t>batch_file = client.files.create(file=open("batch.jsonl","rb"), purpose="batch")</a:t>
-            </a:r>
-            <a:br/>
-            <a:r>
-              <a:t>batch = client.batches.create(</a:t>
-            </a:r>
-            <a:br/>
-            <a:r>
-              <a:t>    input_file_id=batch_file.id,</a:t>
-            </a:r>
-            <a:br/>
-            <a:r>
-              <a:t>    endpoint="/v1/chat/completions",</a:t>
-            </a:r>
-            <a:br/>
-            <a:r>
-              <a:t>    completion_window="24h")  # 50% cheaper!</a:t>
-            </a:r>
-            <a:br/>
-            <a:br/>
-            <a:r>
-              <a:t># Use cases: nightly reports, bulk classification, dataset labeling, eval suites</a:t>
-            </a:r>
-            <a:br/>
-            <a:r>
-              <a:t># Free money on the table for anything non-real-time</a:t>
+              <a:t>LiteLLM: unified API for 100+ models, load balancing, fallbacks</a:t>
+            </a:r>
+          </a:p>
+          <a:p>
+            <a:pPr>
+              <a:spcBef>
+                <a:spcPts val="400"/>
+              </a:spcBef>
+              <a:spcAft>
+                <a:spcPts val="800"/>
+              </a:spcAft>
+              <a:defRPr sz="2000">
+                <a:solidFill>
+                  <a:srgbClr val="333333"/>
+                </a:solidFill>
+              </a:defRPr>
+            </a:pPr>
+            <a:r>
+              <a:t>Portkey: production gateway with caching, routing, guardrails</a:t>
+            </a:r>
+          </a:p>
+          <a:p>
+            <a:pPr>
+              <a:spcBef>
+                <a:spcPts val="400"/>
+              </a:spcBef>
+              <a:spcAft>
+                <a:spcPts val="800"/>
+              </a:spcAft>
+              <a:defRPr sz="2000">
+                <a:solidFill>
+                  <a:srgbClr val="333333"/>
+                </a:solidFill>
+              </a:defRPr>
+            </a:pPr>
+            <a:r>
+              <a:t>OpenRouter: single API key for many providers</a:t>
+            </a:r>
+          </a:p>
+          <a:p>
+            <a:pPr>
+              <a:spcBef>
+                <a:spcPts val="400"/>
+              </a:spcBef>
+              <a:spcAft>
+                <a:spcPts val="800"/>
+              </a:spcAft>
+              <a:defRPr sz="2000">
+                <a:solidFill>
+                  <a:srgbClr val="333333"/>
+                </a:solidFill>
+              </a:defRPr>
+            </a:pPr>
+            <a:r>
+              <a:t>Why: provider failover, cost tracking, rate limit management</a:t>
+            </a:r>
+          </a:p>
+          <a:p>
+            <a:pPr>
+              <a:spcBef>
+                <a:spcPts val="400"/>
+              </a:spcBef>
+              <a:spcAft>
+                <a:spcPts val="800"/>
+              </a:spcAft>
+              <a:defRPr sz="2000">
+                <a:solidFill>
+                  <a:srgbClr val="333333"/>
+                </a:solidFill>
+              </a:defRPr>
+            </a:pPr>
+            <a:r>
+              <a:t>Pattern: your app → gateway → provider (transparent proxy)</a:t>
+            </a:r>
+          </a:p>
+          <a:p>
+            <a:pPr>
+              <a:spcBef>
+                <a:spcPts val="400"/>
+              </a:spcBef>
+              <a:spcAft>
+                <a:spcPts val="800"/>
+              </a:spcAft>
+              <a:defRPr sz="2000">
+                <a:solidFill>
+                  <a:srgbClr val="333333"/>
+                </a:solidFill>
+              </a:defRPr>
+            </a:pPr>
+            <a:r>
+              <a:t>Self-host or use managed service</a:t>
             </a:r>
           </a:p>
         </p:txBody>
@@ -7051,14 +7459,6 @@
 <file path=ppt/slides/slide6.xml><?xml version="1.0" encoding="utf-8"?>
 <p:sld xmlns:a="http://schemas.openxmlformats.org/drawingml/2006/main" xmlns:p="http://schemas.openxmlformats.org/presentationml/2006/main" xmlns:r="http://schemas.openxmlformats.org/officeDocument/2006/relationships">
   <p:cSld>
-    <p:bg>
-      <p:bgPr>
-        <a:solidFill>
-          <a:srgbClr val="FFFFFF"/>
-        </a:solidFill>
-        <a:effectLst/>
-      </p:bgPr>
-    </p:bg>
     <p:spTree>
       <p:nvGrpSpPr>
         <p:cNvPr id="1" name=""/>
@@ -7075,7 +7475,7 @@
         <p:spPr>
           <a:xfrm>
             <a:off x="0" y="0"/>
-            <a:ext cx="12191695" cy="54864"/>
+            <a:ext cx="12191695" cy="73152"/>
           </a:xfrm>
           <a:prstGeom prst="rect">
             <a:avLst/>
@@ -7118,7 +7518,7 @@
         <p:spPr>
           <a:xfrm>
             <a:off x="731520" y="274320"/>
-            <a:ext cx="10515600" cy="731520"/>
+            <a:ext cx="10728655" cy="822960"/>
           </a:xfrm>
           <a:prstGeom prst="rect">
             <a:avLst/>
@@ -7131,72 +7531,29 @@
           </a:bodyPr>
           <a:lstStyle/>
           <a:p>
-            <a:pPr>
-              <a:defRPr sz="2800" b="1">
+            <a:pPr algn="l">
+              <a:defRPr sz="3200" b="1">
                 <a:solidFill>
                   <a:srgbClr val="1B2A4A"/>
                 </a:solidFill>
               </a:defRPr>
             </a:pPr>
             <a:r>
-              <a:t>AI Gateways — Unified API + Fallbacks</a:t>
-            </a:r>
-          </a:p>
-        </p:txBody>
-      </p:sp>
-      <p:sp>
-        <p:nvSpPr>
-          <p:cNvPr id="4" name="Rounded Rectangle 3"/>
-          <p:cNvSpPr/>
+              <a:t>Production Concerns</a:t>
+            </a:r>
+          </a:p>
+        </p:txBody>
+      </p:sp>
+      <p:sp>
+        <p:nvSpPr>
+          <p:cNvPr id="4" name="TextBox 3"/>
+          <p:cNvSpPr txBox="1"/>
           <p:nvPr/>
         </p:nvSpPr>
         <p:spPr>
           <a:xfrm>
-            <a:off x="548640" y="1188720"/>
-            <a:ext cx="10972800" cy="4754880"/>
-          </a:xfrm>
-          <a:prstGeom prst="roundRect">
-            <a:avLst/>
-          </a:prstGeom>
-          <a:solidFill>
-            <a:srgbClr val="F0F0F0"/>
-          </a:solidFill>
-          <a:ln>
-            <a:noFill/>
-          </a:ln>
-        </p:spPr>
-        <p:style>
-          <a:lnRef idx="1">
-            <a:schemeClr val="accent1"/>
-          </a:lnRef>
-          <a:fillRef idx="3">
-            <a:schemeClr val="accent1"/>
-          </a:fillRef>
-          <a:effectRef idx="2">
-            <a:schemeClr val="accent1"/>
-          </a:effectRef>
-          <a:fontRef idx="minor">
-            <a:schemeClr val="lt1"/>
-          </a:fontRef>
-        </p:style>
-        <p:txBody>
-          <a:bodyPr rtlCol="0" anchor="ctr"/>
-          <a:lstStyle/>
-          <a:p>
-            <a:pPr algn="ctr"/>
-          </a:p>
-        </p:txBody>
-      </p:sp>
-      <p:sp>
-        <p:nvSpPr>
-          <p:cNvPr id="5" name="TextBox 4"/>
-          <p:cNvSpPr txBox="1"/>
-          <p:nvPr/>
-        </p:nvSpPr>
-        <p:spPr>
-          <a:xfrm>
-            <a:off x="822960" y="1371600"/>
-            <a:ext cx="10424160" cy="4389120"/>
+            <a:off x="914400" y="1280160"/>
+            <a:ext cx="10362895" cy="5029200"/>
           </a:xfrm>
           <a:prstGeom prst="rect">
             <a:avLst/>
@@ -7210,74 +7567,110 @@
           <a:lstStyle/>
           <a:p>
             <a:pPr>
-              <a:defRPr sz="1200">
+              <a:spcBef>
+                <a:spcPts val="400"/>
+              </a:spcBef>
+              <a:spcAft>
+                <a:spcPts val="800"/>
+              </a:spcAft>
+              <a:defRPr sz="2000">
                 <a:solidFill>
                   <a:srgbClr val="333333"/>
                 </a:solidFill>
-                <a:latin typeface="Consolas"/>
               </a:defRPr>
             </a:pPr>
             <a:r>
-              <a:t># LiteLLM — one interface, any provider</a:t>
-            </a:r>
-            <a:br/>
-            <a:r>
-              <a:t>from litellm import completion</a:t>
-            </a:r>
-            <a:br/>
-            <a:br/>
-            <a:r>
-              <a:t>response = completion(model="gpt-5.2", messages=[...])           # OpenAI</a:t>
-            </a:r>
-            <a:br/>
-            <a:r>
-              <a:t>response = completion(model="claude-opus-4-6-20250205", messages=[...])  # Anthropic</a:t>
-            </a:r>
-            <a:br/>
-            <a:r>
-              <a:t>response = completion(model="gemini/gemini-3-pro", messages=[...])       # Google</a:t>
-            </a:r>
-            <a:br/>
-            <a:r>
-              <a:t>response = completion(model="ollama/llama4", messages=[...])             # Local</a:t>
-            </a:r>
-            <a:br/>
-            <a:br/>
-            <a:r>
-              <a:t># Auto-fallback chain</a:t>
-            </a:r>
-            <a:br/>
-            <a:r>
-              <a:t>response = completion(</a:t>
-            </a:r>
-            <a:br/>
-            <a:r>
-              <a:t>    model="gpt-5.2", messages=[...],</a:t>
-            </a:r>
-            <a:br/>
-            <a:r>
-              <a:t>    fallbacks=["claude-sonnet-4-6-20250217", "gemini-3-pro"],</a:t>
-            </a:r>
-            <a:br/>
-            <a:r>
-              <a:t>    num_retries=2)</a:t>
-            </a:r>
-            <a:br/>
-            <a:br/>
-            <a:r>
-              <a:t># Gateways: LiteLLM (OSS, unified API, 100+ models)</a:t>
-            </a:r>
-            <a:br/>
-            <a:r>
-              <a:t>#            Portkey (cloud, caching + analytics)</a:t>
-            </a:r>
-            <a:br/>
-            <a:r>
-              <a:t>#            OpenRouter (marketplace, pay-per-use any model)</a:t>
-            </a:r>
-            <a:br/>
-            <a:r>
-              <a:t># For production: a gateway is a must-have</a:t>
+              <a:t>Rate limits: implement exponential backoff + retry logic</a:t>
+            </a:r>
+          </a:p>
+          <a:p>
+            <a:pPr>
+              <a:spcBef>
+                <a:spcPts val="400"/>
+              </a:spcBef>
+              <a:spcAft>
+                <a:spcPts val="800"/>
+              </a:spcAft>
+              <a:defRPr sz="2000">
+                <a:solidFill>
+                  <a:srgbClr val="333333"/>
+                </a:solidFill>
+              </a:defRPr>
+            </a:pPr>
+            <a:r>
+              <a:t>Streaming: essential for any user-facing application</a:t>
+            </a:r>
+          </a:p>
+          <a:p>
+            <a:pPr>
+              <a:spcBef>
+                <a:spcPts val="400"/>
+              </a:spcBef>
+              <a:spcAft>
+                <a:spcPts val="800"/>
+              </a:spcAft>
+              <a:defRPr sz="2000">
+                <a:solidFill>
+                  <a:srgbClr val="333333"/>
+                </a:solidFill>
+              </a:defRPr>
+            </a:pPr>
+            <a:r>
+              <a:t>Error handling: timeouts, token limits, content filtering</a:t>
+            </a:r>
+          </a:p>
+          <a:p>
+            <a:pPr>
+              <a:spcBef>
+                <a:spcPts val="400"/>
+              </a:spcBef>
+              <a:spcAft>
+                <a:spcPts val="800"/>
+              </a:spcAft>
+              <a:defRPr sz="2000">
+                <a:solidFill>
+                  <a:srgbClr val="333333"/>
+                </a:solidFill>
+              </a:defRPr>
+            </a:pPr>
+            <a:r>
+              <a:t>Logging: trace every request for debugging and compliance</a:t>
+            </a:r>
+          </a:p>
+          <a:p>
+            <a:pPr>
+              <a:spcBef>
+                <a:spcPts val="400"/>
+              </a:spcBef>
+              <a:spcAft>
+                <a:spcPts val="800"/>
+              </a:spcAft>
+              <a:defRPr sz="2000">
+                <a:solidFill>
+                  <a:srgbClr val="333333"/>
+                </a:solidFill>
+              </a:defRPr>
+            </a:pPr>
+            <a:r>
+              <a:t>Privacy: where does your data go? Check provider DPAs</a:t>
+            </a:r>
+          </a:p>
+          <a:p>
+            <a:pPr>
+              <a:spcBef>
+                <a:spcPts val="400"/>
+              </a:spcBef>
+              <a:spcAft>
+                <a:spcPts val="800"/>
+              </a:spcAft>
+              <a:defRPr sz="2000">
+                <a:solidFill>
+                  <a:srgbClr val="333333"/>
+                </a:solidFill>
+              </a:defRPr>
+            </a:pPr>
+            <a:r>
+              <a:t>Latency: p50 vs p99 — measure and set SLOs</a:t>
             </a:r>
           </a:p>
         </p:txBody>
@@ -7293,14 +7686,6 @@
 <file path=ppt/slides/slide7.xml><?xml version="1.0" encoding="utf-8"?>
 <p:sld xmlns:a="http://schemas.openxmlformats.org/drawingml/2006/main" xmlns:p="http://schemas.openxmlformats.org/presentationml/2006/main" xmlns:r="http://schemas.openxmlformats.org/officeDocument/2006/relationships">
   <p:cSld>
-    <p:bg>
-      <p:bgPr>
-        <a:solidFill>
-          <a:srgbClr val="FFFFFF"/>
-        </a:solidFill>
-        <a:effectLst/>
-      </p:bgPr>
-    </p:bg>
     <p:spTree>
       <p:nvGrpSpPr>
         <p:cNvPr id="1" name=""/>
@@ -7317,7 +7702,7 @@
         <p:spPr>
           <a:xfrm>
             <a:off x="0" y="0"/>
-            <a:ext cx="12191695" cy="54864"/>
+            <a:ext cx="12191695" cy="73152"/>
           </a:xfrm>
           <a:prstGeom prst="rect">
             <a:avLst/>
@@ -7360,7 +7745,7 @@
         <p:spPr>
           <a:xfrm>
             <a:off x="731520" y="274320"/>
-            <a:ext cx="10515600" cy="731520"/>
+            <a:ext cx="10728655" cy="731520"/>
           </a:xfrm>
           <a:prstGeom prst="rect">
             <a:avLst/>
@@ -7368,122 +7753,695 @@
           <a:noFill/>
         </p:spPr>
         <p:txBody>
-          <a:bodyPr wrap="square">
+          <a:bodyPr wrap="none">
             <a:spAutoFit/>
           </a:bodyPr>
           <a:lstStyle/>
           <a:p>
             <a:pPr>
-              <a:defRPr sz="2800" b="1">
+              <a:defRPr sz="3200" b="1">
                 <a:solidFill>
                   <a:srgbClr val="1B2A4A"/>
                 </a:solidFill>
               </a:defRPr>
             </a:pPr>
             <a:r>
-              <a:t>Production Patterns — Day One Essentials</a:t>
-            </a:r>
-          </a:p>
-        </p:txBody>
-      </p:sp>
-      <p:sp>
-        <p:nvSpPr>
-          <p:cNvPr id="4" name="TextBox 3"/>
-          <p:cNvSpPr txBox="1"/>
+              <a:t>Coding Tools Comparison — February 2026</a:t>
+            </a:r>
+          </a:p>
+        </p:txBody>
+      </p:sp>
+      <p:graphicFrame>
+        <p:nvGraphicFramePr>
+          <p:cNvPr id="4" name="Table 3"/>
+          <p:cNvGraphicFramePr>
+            <a:graphicFrameLocks noGrp="1"/>
+          </p:cNvGraphicFramePr>
           <p:nvPr/>
-        </p:nvSpPr>
-        <p:spPr>
-          <a:xfrm>
-            <a:off x="731520" y="1188720"/>
-            <a:ext cx="10515600" cy="5029200"/>
-          </a:xfrm>
-          <a:prstGeom prst="rect">
-            <a:avLst/>
-          </a:prstGeom>
-          <a:noFill/>
-        </p:spPr>
-        <p:txBody>
-          <a:bodyPr wrap="square">
-            <a:spAutoFit/>
-          </a:bodyPr>
-          <a:lstStyle/>
-          <a:p>
-            <a:pPr>
-              <a:spcAft>
-                <a:spcPts val="800"/>
-              </a:spcAft>
-              <a:defRPr sz="1800">
-                <a:solidFill>
-                  <a:srgbClr val="333333"/>
-                </a:solidFill>
-              </a:defRPr>
-            </a:pPr>
-            <a:r>
-              <a:t>ALWAYS stream in user-facing apps — users wait 30s streaming, abandon after 5s spinner</a:t>
-            </a:r>
-          </a:p>
-          <a:p>
-            <a:pPr>
-              <a:spcAft>
-                <a:spcPts val="800"/>
-              </a:spcAft>
-              <a:defRPr sz="1800">
-                <a:solidFill>
-                  <a:srgbClr val="333333"/>
-                </a:solidFill>
-              </a:defRPr>
-            </a:pPr>
-            <a:r>
-              <a:t>Retries with exponential backoff: 1s → 2s → 4s — the SDKs have built-in support</a:t>
-            </a:r>
-          </a:p>
-          <a:p>
-            <a:pPr>
-              <a:spcAft>
-                <a:spcPts val="800"/>
-              </a:spcAft>
-              <a:defRPr sz="1800">
-                <a:solidFill>
-                  <a:srgbClr val="333333"/>
-                </a:solidFill>
-              </a:defRPr>
-            </a:pPr>
-            <a:r>
-              <a:t>Explicit timeouts (15-30s) — a hanging request is worse than a failed one</a:t>
-            </a:r>
-          </a:p>
-          <a:p>
-            <a:pPr>
-              <a:spcAft>
-                <a:spcPts val="800"/>
-              </a:spcAft>
-              <a:defRPr sz="1800">
-                <a:solidFill>
-                  <a:srgbClr val="333333"/>
-                </a:solidFill>
-              </a:defRPr>
-            </a:pPr>
-            <a:r>
-              <a:t>Return structured error results: {success, content, error, retry: bool}</a:t>
-            </a:r>
-          </a:p>
-          <a:p>
-            <a:pPr>
-              <a:spcAft>
-                <a:spcPts val="800"/>
-              </a:spcAft>
-              <a:defRPr sz="1800">
-                <a:solidFill>
-                  <a:srgbClr val="333333"/>
-                </a:solidFill>
-              </a:defRPr>
-            </a:pPr>
-            <a:r>
-              <a:t>Track usage in every response: input/output tokens for cost monitoring</a:t>
-            </a:r>
-          </a:p>
-        </p:txBody>
-      </p:sp>
+        </p:nvGraphicFramePr>
+        <p:xfrm>
+          <a:off x="731520" y="1280160"/>
+          <a:ext cx="10728655" cy="2194560"/>
+        </p:xfrm>
+        <a:graphic>
+          <a:graphicData uri="http://schemas.openxmlformats.org/drawingml/2006/table">
+            <a:tbl>
+              <a:tblPr firstRow="1" bandRow="1">
+                <a:tableStyleId>{5C22544A-7EE6-4342-B048-85BDC9FD1C3A}</a:tableStyleId>
+              </a:tblPr>
+              <a:tblGrid>
+                <a:gridCol w="2145731"/>
+                <a:gridCol w="2145731"/>
+                <a:gridCol w="2145731"/>
+                <a:gridCol w="2145731"/>
+                <a:gridCol w="2145731"/>
+              </a:tblGrid>
+              <a:tr h="365760">
+                <a:tc>
+                  <a:txBody>
+                    <a:bodyPr/>
+                    <a:lstStyle/>
+                    <a:p>
+                      <a:pPr algn="ctr">
+                        <a:defRPr sz="1400" b="1">
+                          <a:solidFill>
+                            <a:srgbClr val="FFFFFF"/>
+                          </a:solidFill>
+                        </a:defRPr>
+                      </a:pPr>
+                      <a:r>
+                        <a:t>Tool</a:t>
+                      </a:r>
+                    </a:p>
+                  </a:txBody>
+                  <a:tcPr>
+                    <a:solidFill>
+                      <a:srgbClr val="1B2A4A"/>
+                    </a:solidFill>
+                  </a:tcPr>
+                </a:tc>
+                <a:tc>
+                  <a:txBody>
+                    <a:bodyPr/>
+                    <a:lstStyle/>
+                    <a:p>
+                      <a:pPr algn="ctr">
+                        <a:defRPr sz="1400" b="1">
+                          <a:solidFill>
+                            <a:srgbClr val="FFFFFF"/>
+                          </a:solidFill>
+                        </a:defRPr>
+                      </a:pPr>
+                      <a:r>
+                        <a:t>Type</a:t>
+                      </a:r>
+                    </a:p>
+                  </a:txBody>
+                  <a:tcPr>
+                    <a:solidFill>
+                      <a:srgbClr val="1B2A4A"/>
+                    </a:solidFill>
+                  </a:tcPr>
+                </a:tc>
+                <a:tc>
+                  <a:txBody>
+                    <a:bodyPr/>
+                    <a:lstStyle/>
+                    <a:p>
+                      <a:pPr algn="ctr">
+                        <a:defRPr sz="1400" b="1">
+                          <a:solidFill>
+                            <a:srgbClr val="FFFFFF"/>
+                          </a:solidFill>
+                        </a:defRPr>
+                      </a:pPr>
+                      <a:r>
+                        <a:t>Model</a:t>
+                      </a:r>
+                    </a:p>
+                  </a:txBody>
+                  <a:tcPr>
+                    <a:solidFill>
+                      <a:srgbClr val="1B2A4A"/>
+                    </a:solidFill>
+                  </a:tcPr>
+                </a:tc>
+                <a:tc>
+                  <a:txBody>
+                    <a:bodyPr/>
+                    <a:lstStyle/>
+                    <a:p>
+                      <a:pPr algn="ctr">
+                        <a:defRPr sz="1400" b="1">
+                          <a:solidFill>
+                            <a:srgbClr val="FFFFFF"/>
+                          </a:solidFill>
+                        </a:defRPr>
+                      </a:pPr>
+                      <a:r>
+                        <a:t>Best For</a:t>
+                      </a:r>
+                    </a:p>
+                  </a:txBody>
+                  <a:tcPr>
+                    <a:solidFill>
+                      <a:srgbClr val="1B2A4A"/>
+                    </a:solidFill>
+                  </a:tcPr>
+                </a:tc>
+                <a:tc>
+                  <a:txBody>
+                    <a:bodyPr/>
+                    <a:lstStyle/>
+                    <a:p>
+                      <a:pPr algn="ctr">
+                        <a:defRPr sz="1400" b="1">
+                          <a:solidFill>
+                            <a:srgbClr val="FFFFFF"/>
+                          </a:solidFill>
+                        </a:defRPr>
+                      </a:pPr>
+                      <a:r>
+                        <a:t>Auth</a:t>
+                      </a:r>
+                    </a:p>
+                  </a:txBody>
+                  <a:tcPr>
+                    <a:solidFill>
+                      <a:srgbClr val="1B2A4A"/>
+                    </a:solidFill>
+                  </a:tcPr>
+                </a:tc>
+              </a:tr>
+              <a:tr h="365760">
+                <a:tc>
+                  <a:txBody>
+                    <a:bodyPr/>
+                    <a:lstStyle/>
+                    <a:p>
+                      <a:pPr algn="ctr">
+                        <a:defRPr sz="1300">
+                          <a:solidFill>
+                            <a:srgbClr val="333333"/>
+                          </a:solidFill>
+                        </a:defRPr>
+                      </a:pPr>
+                      <a:r>
+                        <a:t>Claude Code</a:t>
+                      </a:r>
+                    </a:p>
+                  </a:txBody>
+                  <a:tcPr/>
+                </a:tc>
+                <a:tc>
+                  <a:txBody>
+                    <a:bodyPr/>
+                    <a:lstStyle/>
+                    <a:p>
+                      <a:pPr algn="ctr">
+                        <a:defRPr sz="1300">
+                          <a:solidFill>
+                            <a:srgbClr val="333333"/>
+                          </a:solidFill>
+                        </a:defRPr>
+                      </a:pPr>
+                      <a:r>
+                        <a:t>Terminal agent</a:t>
+                      </a:r>
+                    </a:p>
+                  </a:txBody>
+                  <a:tcPr/>
+                </a:tc>
+                <a:tc>
+                  <a:txBody>
+                    <a:bodyPr/>
+                    <a:lstStyle/>
+                    <a:p>
+                      <a:pPr algn="ctr">
+                        <a:defRPr sz="1300">
+                          <a:solidFill>
+                            <a:srgbClr val="333333"/>
+                          </a:solidFill>
+                        </a:defRPr>
+                      </a:pPr>
+                      <a:r>
+                        <a:t>Sonnet 4.6 / Opus 4.6</a:t>
+                      </a:r>
+                    </a:p>
+                  </a:txBody>
+                  <a:tcPr/>
+                </a:tc>
+                <a:tc>
+                  <a:txBody>
+                    <a:bodyPr/>
+                    <a:lstStyle/>
+                    <a:p>
+                      <a:pPr algn="ctr">
+                        <a:defRPr sz="1300">
+                          <a:solidFill>
+                            <a:srgbClr val="333333"/>
+                          </a:solidFill>
+                        </a:defRPr>
+                      </a:pPr>
+                      <a:r>
+                        <a:t>Pair programming</a:t>
+                      </a:r>
+                    </a:p>
+                  </a:txBody>
+                  <a:tcPr/>
+                </a:tc>
+                <a:tc>
+                  <a:txBody>
+                    <a:bodyPr/>
+                    <a:lstStyle/>
+                    <a:p>
+                      <a:pPr algn="ctr">
+                        <a:defRPr sz="1300">
+                          <a:solidFill>
+                            <a:srgbClr val="333333"/>
+                          </a:solidFill>
+                        </a:defRPr>
+                      </a:pPr>
+                      <a:r>
+                        <a:t>OAuth</a:t>
+                      </a:r>
+                    </a:p>
+                  </a:txBody>
+                  <a:tcPr/>
+                </a:tc>
+              </a:tr>
+              <a:tr h="365760">
+                <a:tc>
+                  <a:txBody>
+                    <a:bodyPr/>
+                    <a:lstStyle/>
+                    <a:p>
+                      <a:pPr algn="ctr">
+                        <a:defRPr sz="1300">
+                          <a:solidFill>
+                            <a:srgbClr val="333333"/>
+                          </a:solidFill>
+                        </a:defRPr>
+                      </a:pPr>
+                      <a:r>
+                        <a:t>GPT-5.2-Codex</a:t>
+                      </a:r>
+                    </a:p>
+                  </a:txBody>
+                  <a:tcPr>
+                    <a:solidFill>
+                      <a:srgbClr val="F5F7FA"/>
+                    </a:solidFill>
+                  </a:tcPr>
+                </a:tc>
+                <a:tc>
+                  <a:txBody>
+                    <a:bodyPr/>
+                    <a:lstStyle/>
+                    <a:p>
+                      <a:pPr algn="ctr">
+                        <a:defRPr sz="1300">
+                          <a:solidFill>
+                            <a:srgbClr val="333333"/>
+                          </a:solidFill>
+                        </a:defRPr>
+                      </a:pPr>
+                      <a:r>
+                        <a:t>Cloud agent</a:t>
+                      </a:r>
+                    </a:p>
+                  </a:txBody>
+                  <a:tcPr>
+                    <a:solidFill>
+                      <a:srgbClr val="F5F7FA"/>
+                    </a:solidFill>
+                  </a:tcPr>
+                </a:tc>
+                <a:tc>
+                  <a:txBody>
+                    <a:bodyPr/>
+                    <a:lstStyle/>
+                    <a:p>
+                      <a:pPr algn="ctr">
+                        <a:defRPr sz="1300">
+                          <a:solidFill>
+                            <a:srgbClr val="333333"/>
+                          </a:solidFill>
+                        </a:defRPr>
+                      </a:pPr>
+                      <a:r>
+                        <a:t>GPT-5.2-Codex</a:t>
+                      </a:r>
+                    </a:p>
+                  </a:txBody>
+                  <a:tcPr>
+                    <a:solidFill>
+                      <a:srgbClr val="F5F7FA"/>
+                    </a:solidFill>
+                  </a:tcPr>
+                </a:tc>
+                <a:tc>
+                  <a:txBody>
+                    <a:bodyPr/>
+                    <a:lstStyle/>
+                    <a:p>
+                      <a:pPr algn="ctr">
+                        <a:defRPr sz="1300">
+                          <a:solidFill>
+                            <a:srgbClr val="333333"/>
+                          </a:solidFill>
+                        </a:defRPr>
+                      </a:pPr>
+                      <a:r>
+                        <a:t>Bulk refactors, async</a:t>
+                      </a:r>
+                    </a:p>
+                  </a:txBody>
+                  <a:tcPr>
+                    <a:solidFill>
+                      <a:srgbClr val="F5F7FA"/>
+                    </a:solidFill>
+                  </a:tcPr>
+                </a:tc>
+                <a:tc>
+                  <a:txBody>
+                    <a:bodyPr/>
+                    <a:lstStyle/>
+                    <a:p>
+                      <a:pPr algn="ctr">
+                        <a:defRPr sz="1300">
+                          <a:solidFill>
+                            <a:srgbClr val="333333"/>
+                          </a:solidFill>
+                        </a:defRPr>
+                      </a:pPr>
+                      <a:r>
+                        <a:t>API key</a:t>
+                      </a:r>
+                    </a:p>
+                  </a:txBody>
+                  <a:tcPr>
+                    <a:solidFill>
+                      <a:srgbClr val="F5F7FA"/>
+                    </a:solidFill>
+                  </a:tcPr>
+                </a:tc>
+              </a:tr>
+              <a:tr h="365760">
+                <a:tc>
+                  <a:txBody>
+                    <a:bodyPr/>
+                    <a:lstStyle/>
+                    <a:p>
+                      <a:pPr algn="ctr">
+                        <a:defRPr sz="1300">
+                          <a:solidFill>
+                            <a:srgbClr val="333333"/>
+                          </a:solidFill>
+                        </a:defRPr>
+                      </a:pPr>
+                      <a:r>
+                        <a:t>Cursor</a:t>
+                      </a:r>
+                    </a:p>
+                  </a:txBody>
+                  <a:tcPr/>
+                </a:tc>
+                <a:tc>
+                  <a:txBody>
+                    <a:bodyPr/>
+                    <a:lstStyle/>
+                    <a:p>
+                      <a:pPr algn="ctr">
+                        <a:defRPr sz="1300">
+                          <a:solidFill>
+                            <a:srgbClr val="333333"/>
+                          </a:solidFill>
+                        </a:defRPr>
+                      </a:pPr>
+                      <a:r>
+                        <a:t>IDE (VS Code fork)</a:t>
+                      </a:r>
+                    </a:p>
+                  </a:txBody>
+                  <a:tcPr/>
+                </a:tc>
+                <a:tc>
+                  <a:txBody>
+                    <a:bodyPr/>
+                    <a:lstStyle/>
+                    <a:p>
+                      <a:pPr algn="ctr">
+                        <a:defRPr sz="1300">
+                          <a:solidFill>
+                            <a:srgbClr val="333333"/>
+                          </a:solidFill>
+                        </a:defRPr>
+                      </a:pPr>
+                      <a:r>
+                        <a:t>Multi-model</a:t>
+                      </a:r>
+                    </a:p>
+                  </a:txBody>
+                  <a:tcPr/>
+                </a:tc>
+                <a:tc>
+                  <a:txBody>
+                    <a:bodyPr/>
+                    <a:lstStyle/>
+                    <a:p>
+                      <a:pPr algn="ctr">
+                        <a:defRPr sz="1300">
+                          <a:solidFill>
+                            <a:srgbClr val="333333"/>
+                          </a:solidFill>
+                        </a:defRPr>
+                      </a:pPr>
+                      <a:r>
+                        <a:t>Editor integration</a:t>
+                      </a:r>
+                    </a:p>
+                  </a:txBody>
+                  <a:tcPr/>
+                </a:tc>
+                <a:tc>
+                  <a:txBody>
+                    <a:bodyPr/>
+                    <a:lstStyle/>
+                    <a:p>
+                      <a:pPr algn="ctr">
+                        <a:defRPr sz="1300">
+                          <a:solidFill>
+                            <a:srgbClr val="333333"/>
+                          </a:solidFill>
+                        </a:defRPr>
+                      </a:pPr>
+                      <a:r>
+                        <a:t>Subscription</a:t>
+                      </a:r>
+                    </a:p>
+                  </a:txBody>
+                  <a:tcPr/>
+                </a:tc>
+              </a:tr>
+              <a:tr h="365760">
+                <a:tc>
+                  <a:txBody>
+                    <a:bodyPr/>
+                    <a:lstStyle/>
+                    <a:p>
+                      <a:pPr algn="ctr">
+                        <a:defRPr sz="1300">
+                          <a:solidFill>
+                            <a:srgbClr val="333333"/>
+                          </a:solidFill>
+                        </a:defRPr>
+                      </a:pPr>
+                      <a:r>
+                        <a:t>GitHub Copilot</a:t>
+                      </a:r>
+                    </a:p>
+                  </a:txBody>
+                  <a:tcPr>
+                    <a:solidFill>
+                      <a:srgbClr val="F5F7FA"/>
+                    </a:solidFill>
+                  </a:tcPr>
+                </a:tc>
+                <a:tc>
+                  <a:txBody>
+                    <a:bodyPr/>
+                    <a:lstStyle/>
+                    <a:p>
+                      <a:pPr algn="ctr">
+                        <a:defRPr sz="1300">
+                          <a:solidFill>
+                            <a:srgbClr val="333333"/>
+                          </a:solidFill>
+                        </a:defRPr>
+                      </a:pPr>
+                      <a:r>
+                        <a:t>IDE extension</a:t>
+                      </a:r>
+                    </a:p>
+                  </a:txBody>
+                  <a:tcPr>
+                    <a:solidFill>
+                      <a:srgbClr val="F5F7FA"/>
+                    </a:solidFill>
+                  </a:tcPr>
+                </a:tc>
+                <a:tc>
+                  <a:txBody>
+                    <a:bodyPr/>
+                    <a:lstStyle/>
+                    <a:p>
+                      <a:pPr algn="ctr">
+                        <a:defRPr sz="1300">
+                          <a:solidFill>
+                            <a:srgbClr val="333333"/>
+                          </a:solidFill>
+                        </a:defRPr>
+                      </a:pPr>
+                      <a:r>
+                        <a:t>Multi-model</a:t>
+                      </a:r>
+                    </a:p>
+                  </a:txBody>
+                  <a:tcPr>
+                    <a:solidFill>
+                      <a:srgbClr val="F5F7FA"/>
+                    </a:solidFill>
+                  </a:tcPr>
+                </a:tc>
+                <a:tc>
+                  <a:txBody>
+                    <a:bodyPr/>
+                    <a:lstStyle/>
+                    <a:p>
+                      <a:pPr algn="ctr">
+                        <a:defRPr sz="1300">
+                          <a:solidFill>
+                            <a:srgbClr val="333333"/>
+                          </a:solidFill>
+                        </a:defRPr>
+                      </a:pPr>
+                      <a:r>
+                        <a:t>Inline completions</a:t>
+                      </a:r>
+                    </a:p>
+                  </a:txBody>
+                  <a:tcPr>
+                    <a:solidFill>
+                      <a:srgbClr val="F5F7FA"/>
+                    </a:solidFill>
+                  </a:tcPr>
+                </a:tc>
+                <a:tc>
+                  <a:txBody>
+                    <a:bodyPr/>
+                    <a:lstStyle/>
+                    <a:p>
+                      <a:pPr algn="ctr">
+                        <a:defRPr sz="1300">
+                          <a:solidFill>
+                            <a:srgbClr val="333333"/>
+                          </a:solidFill>
+                        </a:defRPr>
+                      </a:pPr>
+                      <a:r>
+                        <a:t>Subscription</a:t>
+                      </a:r>
+                    </a:p>
+                  </a:txBody>
+                  <a:tcPr>
+                    <a:solidFill>
+                      <a:srgbClr val="F5F7FA"/>
+                    </a:solidFill>
+                  </a:tcPr>
+                </a:tc>
+              </a:tr>
+              <a:tr h="365760">
+                <a:tc>
+                  <a:txBody>
+                    <a:bodyPr/>
+                    <a:lstStyle/>
+                    <a:p>
+                      <a:pPr algn="ctr">
+                        <a:defRPr sz="1300">
+                          <a:solidFill>
+                            <a:srgbClr val="333333"/>
+                          </a:solidFill>
+                        </a:defRPr>
+                      </a:pPr>
+                      <a:r>
+                        <a:t>OpenClaw</a:t>
+                      </a:r>
+                    </a:p>
+                  </a:txBody>
+                  <a:tcPr/>
+                </a:tc>
+                <a:tc>
+                  <a:txBody>
+                    <a:bodyPr/>
+                    <a:lstStyle/>
+                    <a:p>
+                      <a:pPr algn="ctr">
+                        <a:defRPr sz="1300">
+                          <a:solidFill>
+                            <a:srgbClr val="333333"/>
+                          </a:solidFill>
+                        </a:defRPr>
+                      </a:pPr>
+                      <a:r>
+                        <a:t>Agent platform</a:t>
+                      </a:r>
+                    </a:p>
+                  </a:txBody>
+                  <a:tcPr/>
+                </a:tc>
+                <a:tc>
+                  <a:txBody>
+                    <a:bodyPr/>
+                    <a:lstStyle/>
+                    <a:p>
+                      <a:pPr algn="ctr">
+                        <a:defRPr sz="1300">
+                          <a:solidFill>
+                            <a:srgbClr val="333333"/>
+                          </a:solidFill>
+                        </a:defRPr>
+                      </a:pPr>
+                      <a:r>
+                        <a:t>Multi-model</a:t>
+                      </a:r>
+                    </a:p>
+                  </a:txBody>
+                  <a:tcPr/>
+                </a:tc>
+                <a:tc>
+                  <a:txBody>
+                    <a:bodyPr/>
+                    <a:lstStyle/>
+                    <a:p>
+                      <a:pPr algn="ctr">
+                        <a:defRPr sz="1300">
+                          <a:solidFill>
+                            <a:srgbClr val="333333"/>
+                          </a:solidFill>
+                        </a:defRPr>
+                      </a:pPr>
+                      <a:r>
+                        <a:t>Skills + automation</a:t>
+                      </a:r>
+                    </a:p>
+                  </a:txBody>
+                  <a:tcPr/>
+                </a:tc>
+                <a:tc>
+                  <a:txBody>
+                    <a:bodyPr/>
+                    <a:lstStyle/>
+                    <a:p>
+                      <a:pPr algn="ctr">
+                        <a:defRPr sz="1300">
+                          <a:solidFill>
+                            <a:srgbClr val="333333"/>
+                          </a:solidFill>
+                        </a:defRPr>
+                      </a:pPr>
+                      <a:r>
+                        <a:t>OAuth / API</a:t>
+                      </a:r>
+                    </a:p>
+                  </a:txBody>
+                  <a:tcPr/>
+                </a:tc>
+              </a:tr>
+            </a:tbl>
+          </a:graphicData>
+        </a:graphic>
+      </p:graphicFrame>
     </p:spTree>
   </p:cSld>
   <p:clrMapOvr>
@@ -7495,14 +8453,6 @@
 <file path=ppt/slides/slide8.xml><?xml version="1.0" encoding="utf-8"?>
 <p:sld xmlns:a="http://schemas.openxmlformats.org/drawingml/2006/main" xmlns:p="http://schemas.openxmlformats.org/presentationml/2006/main" xmlns:r="http://schemas.openxmlformats.org/officeDocument/2006/relationships">
   <p:cSld>
-    <p:bg>
-      <p:bgPr>
-        <a:solidFill>
-          <a:srgbClr val="FFFFFF"/>
-        </a:solidFill>
-        <a:effectLst/>
-      </p:bgPr>
-    </p:bg>
     <p:spTree>
       <p:nvGrpSpPr>
         <p:cNvPr id="1" name=""/>
@@ -7519,7 +8469,7 @@
         <p:spPr>
           <a:xfrm>
             <a:off x="0" y="0"/>
-            <a:ext cx="12191695" cy="54864"/>
+            <a:ext cx="12191695" cy="73152"/>
           </a:xfrm>
           <a:prstGeom prst="rect">
             <a:avLst/>
@@ -7562,7 +8512,7 @@
         <p:spPr>
           <a:xfrm>
             <a:off x="731520" y="274320"/>
-            <a:ext cx="10515600" cy="731520"/>
+            <a:ext cx="10728655" cy="822960"/>
           </a:xfrm>
           <a:prstGeom prst="rect">
             <a:avLst/>
@@ -7575,15 +8525,15 @@
           </a:bodyPr>
           <a:lstStyle/>
           <a:p>
-            <a:pPr>
-              <a:defRPr sz="2800" b="1">
+            <a:pPr algn="l">
+              <a:defRPr sz="3200" b="1">
                 <a:solidFill>
                   <a:srgbClr val="1B2A4A"/>
                 </a:solidFill>
               </a:defRPr>
             </a:pPr>
             <a:r>
-              <a:t>Coding Tools — The New IDE Landscape</a:t>
+              <a:t>OpenClaw — Platform Overview</a:t>
             </a:r>
           </a:p>
         </p:txBody>
@@ -7596,8 +8546,8 @@
         </p:nvSpPr>
         <p:spPr>
           <a:xfrm>
-            <a:off x="731520" y="1188720"/>
-            <a:ext cx="10515600" cy="457200"/>
+            <a:off x="914400" y="1280160"/>
+            <a:ext cx="10362895" cy="5029200"/>
           </a:xfrm>
           <a:prstGeom prst="rect">
             <a:avLst/>
@@ -7605,616 +8555,138 @@
           <a:noFill/>
         </p:spPr>
         <p:txBody>
-          <a:bodyPr wrap="none">
+          <a:bodyPr wrap="square">
             <a:spAutoFit/>
           </a:bodyPr>
           <a:lstStyle/>
           <a:p>
             <a:pPr>
-              <a:defRPr sz="1600">
+              <a:spcBef>
+                <a:spcPts val="400"/>
+              </a:spcBef>
+              <a:spcAft>
+                <a:spcPts val="800"/>
+              </a:spcAft>
+              <a:defRPr sz="2000">
+                <a:solidFill>
+                  <a:srgbClr val="333333"/>
+                </a:solidFill>
+              </a:defRPr>
+            </a:pPr>
+            <a:r>
+              <a:t>AI agent platform: chat, tools, skills, automation</a:t>
+            </a:r>
+          </a:p>
+          <a:p>
+            <a:pPr>
+              <a:spcBef>
+                <a:spcPts val="400"/>
+              </a:spcBef>
+              <a:spcAft>
+                <a:spcPts val="800"/>
+              </a:spcAft>
+              <a:defRPr sz="2000">
+                <a:solidFill>
+                  <a:srgbClr val="333333"/>
+                </a:solidFill>
+              </a:defRPr>
+            </a:pPr>
+            <a:r>
+              <a:t>Supports multiple providers: OpenAI, Anthropic, Google</a:t>
+            </a:r>
+          </a:p>
+          <a:p>
+            <a:pPr>
+              <a:spcBef>
+                <a:spcPts val="400"/>
+              </a:spcBef>
+              <a:spcAft>
+                <a:spcPts val="800"/>
+              </a:spcAft>
+              <a:defRPr sz="2000">
+                <a:solidFill>
+                  <a:srgbClr val="333333"/>
+                </a:solidFill>
+              </a:defRPr>
+            </a:pPr>
+            <a:r>
+              <a:t>Authentication: OAuth (existing sub) OR API key — your choice</a:t>
+            </a:r>
+          </a:p>
+          <a:p>
+            <a:pPr lvl="1">
+              <a:spcBef>
+                <a:spcPts val="400"/>
+              </a:spcBef>
+              <a:spcAft>
+                <a:spcPts val="800"/>
+              </a:spcAft>
+              <a:defRPr sz="1800">
                 <a:solidFill>
                   <a:srgbClr val="666666"/>
                 </a:solidFill>
               </a:defRPr>
             </a:pPr>
             <a:r>
-              <a:t>Claude Code paired with Claude Opus 4.6 is currently the best AI coding assistant. Use Copilot for autocomplete, Cursor/Claude Code for bigger tasks.</a:t>
-            </a:r>
-          </a:p>
-        </p:txBody>
-      </p:sp>
-      <p:graphicFrame>
-        <p:nvGraphicFramePr>
-          <p:cNvPr id="5" name="Table 4"/>
-          <p:cNvGraphicFramePr>
-            <a:graphicFrameLocks noGrp="1"/>
-          </p:cNvGraphicFramePr>
-          <p:nvPr/>
-        </p:nvGraphicFramePr>
-        <p:xfrm>
-          <a:off x="731520" y="1737360"/>
-          <a:ext cx="10515600" cy="2468880"/>
-        </p:xfrm>
-        <a:graphic>
-          <a:graphicData uri="http://schemas.openxmlformats.org/drawingml/2006/table">
-            <a:tbl>
-              <a:tblPr firstRow="1" bandRow="1">
-                <a:tableStyleId>{5C22544A-7EE6-4342-B048-85BDC9FD1C3A}</a:tableStyleId>
-              </a:tblPr>
-              <a:tblGrid>
-                <a:gridCol w="2628900"/>
-                <a:gridCol w="2628900"/>
-                <a:gridCol w="2628900"/>
-                <a:gridCol w="2628900"/>
-              </a:tblGrid>
-              <a:tr h="411480">
-                <a:tc>
-                  <a:txBody>
-                    <a:bodyPr/>
-                    <a:lstStyle/>
-                    <a:p>
-                      <a:pPr>
-                        <a:defRPr sz="1400" b="1">
-                          <a:solidFill>
-                            <a:srgbClr val="FFFFFF"/>
-                          </a:solidFill>
-                        </a:defRPr>
-                      </a:pPr>
-                      <a:r>
-                        <a:t>Tool</a:t>
-                      </a:r>
-                    </a:p>
-                  </a:txBody>
-                  <a:tcPr>
-                    <a:solidFill>
-                      <a:srgbClr val="1B2A4A"/>
-                    </a:solidFill>
-                  </a:tcPr>
-                </a:tc>
-                <a:tc>
-                  <a:txBody>
-                    <a:bodyPr/>
-                    <a:lstStyle/>
-                    <a:p>
-                      <a:pPr>
-                        <a:defRPr sz="1400" b="1">
-                          <a:solidFill>
-                            <a:srgbClr val="FFFFFF"/>
-                          </a:solidFill>
-                        </a:defRPr>
-                      </a:pPr>
-                      <a:r>
-                        <a:t>Type</a:t>
-                      </a:r>
-                    </a:p>
-                  </a:txBody>
-                  <a:tcPr>
-                    <a:solidFill>
-                      <a:srgbClr val="1B2A4A"/>
-                    </a:solidFill>
-                  </a:tcPr>
-                </a:tc>
-                <a:tc>
-                  <a:txBody>
-                    <a:bodyPr/>
-                    <a:lstStyle/>
-                    <a:p>
-                      <a:pPr>
-                        <a:defRPr sz="1400" b="1">
-                          <a:solidFill>
-                            <a:srgbClr val="FFFFFF"/>
-                          </a:solidFill>
-                        </a:defRPr>
-                      </a:pPr>
-                      <a:r>
-                        <a:t>Best For</a:t>
-                      </a:r>
-                    </a:p>
-                  </a:txBody>
-                  <a:tcPr>
-                    <a:solidFill>
-                      <a:srgbClr val="1B2A4A"/>
-                    </a:solidFill>
-                  </a:tcPr>
-                </a:tc>
-                <a:tc>
-                  <a:txBody>
-                    <a:bodyPr/>
-                    <a:lstStyle/>
-                    <a:p>
-                      <a:pPr>
-                        <a:defRPr sz="1400" b="1">
-                          <a:solidFill>
-                            <a:srgbClr val="FFFFFF"/>
-                          </a:solidFill>
-                        </a:defRPr>
-                      </a:pPr>
-                      <a:r>
-                        <a:t>Price</a:t>
-                      </a:r>
-                    </a:p>
-                  </a:txBody>
-                  <a:tcPr>
-                    <a:solidFill>
-                      <a:srgbClr val="1B2A4A"/>
-                    </a:solidFill>
-                  </a:tcPr>
-                </a:tc>
-              </a:tr>
-              <a:tr h="411480">
-                <a:tc>
-                  <a:txBody>
-                    <a:bodyPr/>
-                    <a:lstStyle/>
-                    <a:p>
-                      <a:pPr>
-                        <a:defRPr sz="1300">
-                          <a:solidFill>
-                            <a:srgbClr val="333333"/>
-                          </a:solidFill>
-                        </a:defRPr>
-                      </a:pPr>
-                      <a:r>
-                        <a:t>GitHub Copilot</a:t>
-                      </a:r>
-                    </a:p>
-                  </a:txBody>
-                  <a:tcPr>
-                    <a:solidFill>
-                      <a:srgbClr val="F5F7FA"/>
-                    </a:solidFill>
-                  </a:tcPr>
-                </a:tc>
-                <a:tc>
-                  <a:txBody>
-                    <a:bodyPr/>
-                    <a:lstStyle/>
-                    <a:p>
-                      <a:pPr>
-                        <a:defRPr sz="1300">
-                          <a:solidFill>
-                            <a:srgbClr val="333333"/>
-                          </a:solidFill>
-                        </a:defRPr>
-                      </a:pPr>
-                      <a:r>
-                        <a:t>Autocomplete + chat</a:t>
-                      </a:r>
-                    </a:p>
-                  </a:txBody>
-                  <a:tcPr>
-                    <a:solidFill>
-                      <a:srgbClr val="F5F7FA"/>
-                    </a:solidFill>
-                  </a:tcPr>
-                </a:tc>
-                <a:tc>
-                  <a:txBody>
-                    <a:bodyPr/>
-                    <a:lstStyle/>
-                    <a:p>
-                      <a:pPr>
-                        <a:defRPr sz="1300">
-                          <a:solidFill>
-                            <a:srgbClr val="333333"/>
-                          </a:solidFill>
-                        </a:defRPr>
-                      </a:pPr>
-                      <a:r>
-                        <a:t>In-editor line completion</a:t>
-                      </a:r>
-                    </a:p>
-                  </a:txBody>
-                  <a:tcPr>
-                    <a:solidFill>
-                      <a:srgbClr val="F5F7FA"/>
-                    </a:solidFill>
-                  </a:tcPr>
-                </a:tc>
-                <a:tc>
-                  <a:txBody>
-                    <a:bodyPr/>
-                    <a:lstStyle/>
-                    <a:p>
-                      <a:pPr>
-                        <a:defRPr sz="1300">
-                          <a:solidFill>
-                            <a:srgbClr val="333333"/>
-                          </a:solidFill>
-                        </a:defRPr>
-                      </a:pPr>
-                      <a:r>
-                        <a:t>$10-39/mo</a:t>
-                      </a:r>
-                    </a:p>
-                  </a:txBody>
-                  <a:tcPr>
-                    <a:solidFill>
-                      <a:srgbClr val="F5F7FA"/>
-                    </a:solidFill>
-                  </a:tcPr>
-                </a:tc>
-              </a:tr>
-              <a:tr h="411480">
-                <a:tc>
-                  <a:txBody>
-                    <a:bodyPr/>
-                    <a:lstStyle/>
-                    <a:p>
-                      <a:pPr>
-                        <a:defRPr sz="1300">
-                          <a:solidFill>
-                            <a:srgbClr val="333333"/>
-                          </a:solidFill>
-                        </a:defRPr>
-                      </a:pPr>
-                      <a:r>
-                        <a:t>Cursor</a:t>
-                      </a:r>
-                    </a:p>
-                  </a:txBody>
-                  <a:tcPr>
-                    <a:solidFill>
-                      <a:srgbClr val="FFFFFF"/>
-                    </a:solidFill>
-                  </a:tcPr>
-                </a:tc>
-                <a:tc>
-                  <a:txBody>
-                    <a:bodyPr/>
-                    <a:lstStyle/>
-                    <a:p>
-                      <a:pPr>
-                        <a:defRPr sz="1300">
-                          <a:solidFill>
-                            <a:srgbClr val="333333"/>
-                          </a:solidFill>
-                        </a:defRPr>
-                      </a:pPr>
-                      <a:r>
-                        <a:t>AI-native IDE</a:t>
-                      </a:r>
-                    </a:p>
-                  </a:txBody>
-                  <a:tcPr>
-                    <a:solidFill>
-                      <a:srgbClr val="FFFFFF"/>
-                    </a:solidFill>
-                  </a:tcPr>
-                </a:tc>
-                <a:tc>
-                  <a:txBody>
-                    <a:bodyPr/>
-                    <a:lstStyle/>
-                    <a:p>
-                      <a:pPr>
-                        <a:defRPr sz="1300">
-                          <a:solidFill>
-                            <a:srgbClr val="333333"/>
-                          </a:solidFill>
-                        </a:defRPr>
-                      </a:pPr>
-                      <a:r>
-                        <a:t>Full codebase understanding, multi-file edits</a:t>
-                      </a:r>
-                    </a:p>
-                  </a:txBody>
-                  <a:tcPr>
-                    <a:solidFill>
-                      <a:srgbClr val="FFFFFF"/>
-                    </a:solidFill>
-                  </a:tcPr>
-                </a:tc>
-                <a:tc>
-                  <a:txBody>
-                    <a:bodyPr/>
-                    <a:lstStyle/>
-                    <a:p>
-                      <a:pPr>
-                        <a:defRPr sz="1300">
-                          <a:solidFill>
-                            <a:srgbClr val="333333"/>
-                          </a:solidFill>
-                        </a:defRPr>
-                      </a:pPr>
-                      <a:r>
-                        <a:t>$20/mo</a:t>
-                      </a:r>
-                    </a:p>
-                  </a:txBody>
-                  <a:tcPr>
-                    <a:solidFill>
-                      <a:srgbClr val="FFFFFF"/>
-                    </a:solidFill>
-                  </a:tcPr>
-                </a:tc>
-              </a:tr>
-              <a:tr h="411480">
-                <a:tc>
-                  <a:txBody>
-                    <a:bodyPr/>
-                    <a:lstStyle/>
-                    <a:p>
-                      <a:pPr>
-                        <a:defRPr sz="1300">
-                          <a:solidFill>
-                            <a:srgbClr val="333333"/>
-                          </a:solidFill>
-                        </a:defRPr>
-                      </a:pPr>
-                      <a:r>
-                        <a:t>Claude Code</a:t>
-                      </a:r>
-                    </a:p>
-                  </a:txBody>
-                  <a:tcPr>
-                    <a:solidFill>
-                      <a:srgbClr val="F5F7FA"/>
-                    </a:solidFill>
-                  </a:tcPr>
-                </a:tc>
-                <a:tc>
-                  <a:txBody>
-                    <a:bodyPr/>
-                    <a:lstStyle/>
-                    <a:p>
-                      <a:pPr>
-                        <a:defRPr sz="1300">
-                          <a:solidFill>
-                            <a:srgbClr val="333333"/>
-                          </a:solidFill>
-                        </a:defRPr>
-                      </a:pPr>
-                      <a:r>
-                        <a:t>CLI agent (Anthropic)</a:t>
-                      </a:r>
-                    </a:p>
-                  </a:txBody>
-                  <a:tcPr>
-                    <a:solidFill>
-                      <a:srgbClr val="F5F7FA"/>
-                    </a:solidFill>
-                  </a:tcPr>
-                </a:tc>
-                <a:tc>
-                  <a:txBody>
-                    <a:bodyPr/>
-                    <a:lstStyle/>
-                    <a:p>
-                      <a:pPr>
-                        <a:defRPr sz="1300">
-                          <a:solidFill>
-                            <a:srgbClr val="333333"/>
-                          </a:solidFill>
-                        </a:defRPr>
-                      </a:pPr>
-                      <a:r>
-                        <a:t>Terminal-first, agentic coding, best with Opus</a:t>
-                      </a:r>
-                    </a:p>
-                  </a:txBody>
-                  <a:tcPr>
-                    <a:solidFill>
-                      <a:srgbClr val="F5F7FA"/>
-                    </a:solidFill>
-                  </a:tcPr>
-                </a:tc>
-                <a:tc>
-                  <a:txBody>
-                    <a:bodyPr/>
-                    <a:lstStyle/>
-                    <a:p>
-                      <a:pPr>
-                        <a:defRPr sz="1300">
-                          <a:solidFill>
-                            <a:srgbClr val="333333"/>
-                          </a:solidFill>
-                        </a:defRPr>
-                      </a:pPr>
-                      <a:r>
-                        <a:t>Usage-based</a:t>
-                      </a:r>
-                    </a:p>
-                  </a:txBody>
-                  <a:tcPr>
-                    <a:solidFill>
-                      <a:srgbClr val="F5F7FA"/>
-                    </a:solidFill>
-                  </a:tcPr>
-                </a:tc>
-              </a:tr>
-              <a:tr h="411480">
-                <a:tc>
-                  <a:txBody>
-                    <a:bodyPr/>
-                    <a:lstStyle/>
-                    <a:p>
-                      <a:pPr>
-                        <a:defRPr sz="1300">
-                          <a:solidFill>
-                            <a:srgbClr val="333333"/>
-                          </a:solidFill>
-                        </a:defRPr>
-                      </a:pPr>
-                      <a:r>
-                        <a:t>Windsurf</a:t>
-                      </a:r>
-                    </a:p>
-                  </a:txBody>
-                  <a:tcPr>
-                    <a:solidFill>
-                      <a:srgbClr val="FFFFFF"/>
-                    </a:solidFill>
-                  </a:tcPr>
-                </a:tc>
-                <a:tc>
-                  <a:txBody>
-                    <a:bodyPr/>
-                    <a:lstStyle/>
-                    <a:p>
-                      <a:pPr>
-                        <a:defRPr sz="1300">
-                          <a:solidFill>
-                            <a:srgbClr val="333333"/>
-                          </a:solidFill>
-                        </a:defRPr>
-                      </a:pPr>
-                      <a:r>
-                        <a:t>AI IDE</a:t>
-                      </a:r>
-                    </a:p>
-                  </a:txBody>
-                  <a:tcPr>
-                    <a:solidFill>
-                      <a:srgbClr val="FFFFFF"/>
-                    </a:solidFill>
-                  </a:tcPr>
-                </a:tc>
-                <a:tc>
-                  <a:txBody>
-                    <a:bodyPr/>
-                    <a:lstStyle/>
-                    <a:p>
-                      <a:pPr>
-                        <a:defRPr sz="1300">
-                          <a:solidFill>
-                            <a:srgbClr val="333333"/>
-                          </a:solidFill>
-                        </a:defRPr>
-                      </a:pPr>
-                      <a:r>
-                        <a:t>Similar to Cursor, Codeium-backed</a:t>
-                      </a:r>
-                    </a:p>
-                  </a:txBody>
-                  <a:tcPr>
-                    <a:solidFill>
-                      <a:srgbClr val="FFFFFF"/>
-                    </a:solidFill>
-                  </a:tcPr>
-                </a:tc>
-                <a:tc>
-                  <a:txBody>
-                    <a:bodyPr/>
-                    <a:lstStyle/>
-                    <a:p>
-                      <a:pPr>
-                        <a:defRPr sz="1300">
-                          <a:solidFill>
-                            <a:srgbClr val="333333"/>
-                          </a:solidFill>
-                        </a:defRPr>
-                      </a:pPr>
-                      <a:r>
-                        <a:t>$15/mo</a:t>
-                      </a:r>
-                    </a:p>
-                  </a:txBody>
-                  <a:tcPr>
-                    <a:solidFill>
-                      <a:srgbClr val="FFFFFF"/>
-                    </a:solidFill>
-                  </a:tcPr>
-                </a:tc>
-              </a:tr>
-              <a:tr h="411480">
-                <a:tc>
-                  <a:txBody>
-                    <a:bodyPr/>
-                    <a:lstStyle/>
-                    <a:p>
-                      <a:pPr>
-                        <a:defRPr sz="1300">
-                          <a:solidFill>
-                            <a:srgbClr val="333333"/>
-                          </a:solidFill>
-                        </a:defRPr>
-                      </a:pPr>
-                      <a:r>
-                        <a:t>Aider</a:t>
-                      </a:r>
-                    </a:p>
-                  </a:txBody>
-                  <a:tcPr>
-                    <a:solidFill>
-                      <a:srgbClr val="F5F7FA"/>
-                    </a:solidFill>
-                  </a:tcPr>
-                </a:tc>
-                <a:tc>
-                  <a:txBody>
-                    <a:bodyPr/>
-                    <a:lstStyle/>
-                    <a:p>
-                      <a:pPr>
-                        <a:defRPr sz="1300">
-                          <a:solidFill>
-                            <a:srgbClr val="333333"/>
-                          </a:solidFill>
-                        </a:defRPr>
-                      </a:pPr>
-                      <a:r>
-                        <a:t>CLI tool (OSS)</a:t>
-                      </a:r>
-                    </a:p>
-                  </a:txBody>
-                  <a:tcPr>
-                    <a:solidFill>
-                      <a:srgbClr val="F5F7FA"/>
-                    </a:solidFill>
-                  </a:tcPr>
-                </a:tc>
-                <a:tc>
-                  <a:txBody>
-                    <a:bodyPr/>
-                    <a:lstStyle/>
-                    <a:p>
-                      <a:pPr>
-                        <a:defRPr sz="1300">
-                          <a:solidFill>
-                            <a:srgbClr val="333333"/>
-                          </a:solidFill>
-                        </a:defRPr>
-                      </a:pPr>
-                      <a:r>
-                        <a:t>Git-integrated, model-agnostic</a:t>
-                      </a:r>
-                    </a:p>
-                  </a:txBody>
-                  <a:tcPr>
-                    <a:solidFill>
-                      <a:srgbClr val="F5F7FA"/>
-                    </a:solidFill>
-                  </a:tcPr>
-                </a:tc>
-                <a:tc>
-                  <a:txBody>
-                    <a:bodyPr/>
-                    <a:lstStyle/>
-                    <a:p>
-                      <a:pPr>
-                        <a:defRPr sz="1300">
-                          <a:solidFill>
-                            <a:srgbClr val="333333"/>
-                          </a:solidFill>
-                        </a:defRPr>
-                      </a:pPr>
-                      <a:r>
-                        <a:t>Free</a:t>
-                      </a:r>
-                    </a:p>
-                  </a:txBody>
-                  <a:tcPr>
-                    <a:solidFill>
-                      <a:srgbClr val="F5F7FA"/>
-                    </a:solidFill>
-                  </a:tcPr>
-                </a:tc>
-              </a:tr>
-            </a:tbl>
-          </a:graphicData>
-        </a:graphic>
-      </p:graphicFrame>
+              <a:t>OAuth: openclaw setup → authorize in browser → paste code</a:t>
+            </a:r>
+          </a:p>
+          <a:p>
+            <a:pPr lvl="1">
+              <a:spcBef>
+                <a:spcPts val="400"/>
+              </a:spcBef>
+              <a:spcAft>
+                <a:spcPts val="800"/>
+              </a:spcAft>
+              <a:defRPr sz="1800">
+                <a:solidFill>
+                  <a:srgbClr val="666666"/>
+                </a:solidFill>
+              </a:defRPr>
+            </a:pPr>
+            <a:r>
+              <a:t>API key: openclaw setup → enter key → pay per token</a:t>
+            </a:r>
+          </a:p>
+          <a:p>
+            <a:pPr>
+              <a:spcBef>
+                <a:spcPts val="400"/>
+              </a:spcBef>
+              <a:spcAft>
+                <a:spcPts val="800"/>
+              </a:spcAft>
+              <a:defRPr sz="2000">
+                <a:solidFill>
+                  <a:srgbClr val="333333"/>
+                </a:solidFill>
+              </a:defRPr>
+            </a:pPr>
+            <a:r>
+              <a:t>Skills: extend OpenClaw with custom tools (JS or Python)</a:t>
+            </a:r>
+          </a:p>
+          <a:p>
+            <a:pPr>
+              <a:spcBef>
+                <a:spcPts val="400"/>
+              </a:spcBef>
+              <a:spcAft>
+                <a:spcPts val="800"/>
+              </a:spcAft>
+              <a:defRPr sz="2000">
+                <a:solidFill>
+                  <a:srgbClr val="333333"/>
+                </a:solidFill>
+              </a:defRPr>
+            </a:pPr>
+            <a:r>
+              <a:t>ClawHub: marketplace for sharing skills with the community</a:t>
+            </a:r>
+          </a:p>
+        </p:txBody>
+      </p:sp>
     </p:spTree>
   </p:cSld>
   <p:clrMapOvr>
@@ -8226,14 +8698,6 @@
 <file path=ppt/slides/slide9.xml><?xml version="1.0" encoding="utf-8"?>
 <p:sld xmlns:a="http://schemas.openxmlformats.org/drawingml/2006/main" xmlns:p="http://schemas.openxmlformats.org/presentationml/2006/main" xmlns:r="http://schemas.openxmlformats.org/officeDocument/2006/relationships">
   <p:cSld>
-    <p:bg>
-      <p:bgPr>
-        <a:solidFill>
-          <a:srgbClr val="FFFFFF"/>
-        </a:solidFill>
-        <a:effectLst/>
-      </p:bgPr>
-    </p:bg>
     <p:spTree>
       <p:nvGrpSpPr>
         <p:cNvPr id="1" name=""/>
@@ -8250,7 +8714,7 @@
         <p:spPr>
           <a:xfrm>
             <a:off x="0" y="0"/>
-            <a:ext cx="12191695" cy="54864"/>
+            <a:ext cx="12191695" cy="73152"/>
           </a:xfrm>
           <a:prstGeom prst="rect">
             <a:avLst/>
@@ -8293,7 +8757,7 @@
         <p:spPr>
           <a:xfrm>
             <a:off x="731520" y="274320"/>
-            <a:ext cx="10515600" cy="731520"/>
+            <a:ext cx="10728655" cy="822960"/>
           </a:xfrm>
           <a:prstGeom prst="rect">
             <a:avLst/>
@@ -8306,15 +8770,15 @@
           </a:bodyPr>
           <a:lstStyle/>
           <a:p>
-            <a:pPr>
-              <a:defRPr sz="2800" b="1">
+            <a:pPr algn="l">
+              <a:defRPr sz="3200" b="1">
                 <a:solidFill>
                   <a:srgbClr val="1B2A4A"/>
                 </a:solidFill>
               </a:defRPr>
             </a:pPr>
             <a:r>
-              <a:t>Privacy &amp; Enterprise — The Security Team Conversation</a:t>
+              <a:t>OpenClaw Skills Architecture</a:t>
             </a:r>
           </a:p>
         </p:txBody>
@@ -8327,8 +8791,8 @@
         </p:nvSpPr>
         <p:spPr>
           <a:xfrm>
-            <a:off x="731520" y="1188720"/>
-            <a:ext cx="10515600" cy="5029200"/>
+            <a:off x="914400" y="1280160"/>
+            <a:ext cx="10362895" cy="5029200"/>
           </a:xfrm>
           <a:prstGeom prst="rect">
             <a:avLst/>
@@ -8342,77 +8806,110 @@
           <a:lstStyle/>
           <a:p>
             <a:pPr>
+              <a:spcBef>
+                <a:spcPts val="400"/>
+              </a:spcBef>
               <a:spcAft>
                 <a:spcPts val="800"/>
               </a:spcAft>
-              <a:defRPr sz="1800">
+              <a:defRPr sz="2000">
                 <a:solidFill>
                   <a:srgbClr val="333333"/>
                 </a:solidFill>
               </a:defRPr>
             </a:pPr>
             <a:r>
-              <a:t>API usage is NOT used for training (all major providers) — consumer products ARE</a:t>
+              <a:t>Skill = package of tools the AI agent can use</a:t>
             </a:r>
           </a:p>
           <a:p>
             <a:pPr>
+              <a:spcBef>
+                <a:spcPts val="400"/>
+              </a:spcBef>
               <a:spcAft>
                 <a:spcPts val="800"/>
               </a:spcAft>
-              <a:defRPr sz="1800">
+              <a:defRPr sz="2000">
                 <a:solidFill>
                   <a:srgbClr val="333333"/>
                 </a:solidFill>
               </a:defRPr>
             </a:pPr>
             <a:r>
-              <a:t>All major providers: SOC 2 ✅, BAA on enterprise tiers, configurable data residency</a:t>
+              <a:t>skill.json: metadata, tool definitions (JSON Schema)</a:t>
             </a:r>
           </a:p>
           <a:p>
             <a:pPr>
+              <a:spcBef>
+                <a:spcPts val="400"/>
+              </a:spcBef>
               <a:spcAft>
                 <a:spcPts val="800"/>
               </a:spcAft>
-              <a:defRPr sz="1800">
+              <a:defRPr sz="2000">
                 <a:solidFill>
                   <a:srgbClr val="333333"/>
                 </a:solidFill>
               </a:defRPr>
             </a:pPr>
             <a:r>
-              <a:t>Maximum privacy: self-host Llama 4 / DeepSeek V4 via Ollama or vLLM</a:t>
+              <a:t>index.js: tool implementations + lifecycle hooks</a:t>
             </a:r>
           </a:p>
           <a:p>
             <a:pPr>
+              <a:spcBef>
+                <a:spcPts val="400"/>
+              </a:spcBef>
               <a:spcAft>
                 <a:spcPts val="800"/>
               </a:spcAft>
-              <a:defRPr sz="1800">
+              <a:defRPr sz="2000">
                 <a:solidFill>
                   <a:srgbClr val="333333"/>
                 </a:solidFill>
               </a:defRPr>
             </a:pPr>
             <a:r>
-              <a:t>Middle ground: Azure OpenAI or AWS Bedrock — frontier models in YOUR cloud tenant</a:t>
+              <a:t>onLoad(): initialize state, load config</a:t>
             </a:r>
           </a:p>
           <a:p>
             <a:pPr>
+              <a:spcBef>
+                <a:spcPts val="400"/>
+              </a:spcBef>
               <a:spcAft>
                 <a:spcPts val="800"/>
               </a:spcAft>
-              <a:defRPr sz="1800">
+              <a:defRPr sz="2000">
                 <a:solidFill>
                   <a:srgbClr val="333333"/>
                 </a:solidFill>
               </a:defRPr>
             </a:pPr>
             <a:r>
-              <a:t>Know these answers before your security review — saves weeks</a:t>
+              <a:t>Tools are called by the AI automatically based on user intent</a:t>
+            </a:r>
+          </a:p>
+          <a:p>
+            <a:pPr>
+              <a:spcBef>
+                <a:spcPts val="400"/>
+              </a:spcBef>
+              <a:spcAft>
+                <a:spcPts val="800"/>
+              </a:spcAft>
+              <a:defRPr sz="2000">
+                <a:solidFill>
+                  <a:srgbClr val="333333"/>
+                </a:solidFill>
+              </a:defRPr>
+            </a:pPr>
+            <a:r>
+              <a:t>Install: openclaw skill install &lt;name&gt; from ClawHub</a:t>
             </a:r>
           </a:p>
         </p:txBody>

--- a/developer/session-8/session-8-production-openclaw.pptx
+++ b/developer/session-8/session-8-production-openclaw.pptx
@@ -20,6 +20,8 @@
     <p:sldId id="268" r:id="rId20"/>
     <p:sldId id="269" r:id="rId21"/>
     <p:sldId id="270" r:id="rId22"/>
+    <p:sldId id="271" r:id="rId23"/>
+    <p:sldId id="272" r:id="rId24"/>
   </p:sldIdLst>
   <p:sldSz cx="12191695" cy="6858000" type="screen4x3"/>
   <p:notesSz cx="6858000" cy="9144000"/>
@@ -516,7 +518,7 @@
           <a:lstStyle/>
           <a:p>
             <a:r>
-              <a:t>Welcome to Session 8. Cost optimization, gateways, coding tools, and building skills</a:t>
+              <a:t>Today: cost optimization, production patterns, coding tools, OpenClaw deep dive.</a:t>
             </a:r>
           </a:p>
         </p:txBody>
@@ -586,7 +588,7 @@
           <a:lstStyle/>
           <a:p>
             <a:r>
-              <a:t>skill.json defines what the skill can do. Same JSON Schema format as function calling.</a:t>
+              <a:t>Live demo: build and publish a simple skill.</a:t>
             </a:r>
           </a:p>
         </p:txBody>
@@ -656,7 +658,7 @@
           <a:lstStyle/>
           <a:p>
             <a:r>
-              <a:t>Tool implementations are async functions. Receive arguments, return results. The AI handles the UX.</a:t>
+              <a:t>You now have the complete map. Go build amazing things.</a:t>
             </a:r>
           </a:p>
         </p:txBody>
@@ -726,217 +728,7 @@
           <a:lstStyle/>
           <a:p>
             <a:r>
-              <a:t>Hands-on exercise. Students build and test their own skill.</a:t>
-            </a:r>
-          </a:p>
-        </p:txBody>
-      </p:sp>
-      <p:sp>
-        <p:nvSpPr>
-          <p:cNvPr id="4" name="Slide Number Placeholder 3"/>
-          <p:cNvSpPr>
-            <a:spLocks noGrp="1"/>
-          </p:cNvSpPr>
-          <p:nvPr>
-            <p:ph type="sldNum" idx="5" sz="quarter"/>
-          </p:nvPr>
-        </p:nvSpPr>
-        <p:spPr/>
-      </p:sp>
-    </p:spTree>
-  </p:cSld>
-  <p:clrMapOvr>
-    <a:masterClrMapping/>
-  </p:clrMapOvr>
-</p:notes>
-</file>
-
-<file path=ppt/notesSlides/notesSlide13.xml><?xml version="1.0" encoding="utf-8"?>
-<p:notes xmlns:a="http://schemas.openxmlformats.org/drawingml/2006/main" xmlns:p="http://schemas.openxmlformats.org/presentationml/2006/main" xmlns:r="http://schemas.openxmlformats.org/officeDocument/2006/relationships">
-  <p:cSld>
-    <p:spTree>
-      <p:nvGrpSpPr>
-        <p:cNvPr id="1" name=""/>
-        <p:cNvGrpSpPr/>
-        <p:nvPr/>
-      </p:nvGrpSpPr>
-      <p:grpSpPr>
-        <a:xfrm>
-          <a:off x="0" y="0"/>
-          <a:ext cx="0" cy="0"/>
-          <a:chOff x="0" y="0"/>
-          <a:chExt cx="0" cy="0"/>
-        </a:xfrm>
-      </p:grpSpPr>
-      <p:sp>
-        <p:nvSpPr>
-          <p:cNvPr id="2" name="Slide Image Placeholder 1"/>
-          <p:cNvSpPr>
-            <a:spLocks noGrp="1"/>
-          </p:cNvSpPr>
-          <p:nvPr>
-            <p:ph type="sldImg" idx="2"/>
-          </p:nvPr>
-        </p:nvSpPr>
-        <p:spPr/>
-      </p:sp>
-      <p:sp>
-        <p:nvSpPr>
-          <p:cNvPr id="3" name="Notes Placeholder 2"/>
-          <p:cNvSpPr>
-            <a:spLocks noGrp="1"/>
-          </p:cNvSpPr>
-          <p:nvPr>
-            <p:ph type="body" idx="3" sz="quarter"/>
-          </p:nvPr>
-        </p:nvSpPr>
-        <p:spPr/>
-        <p:txBody>
-          <a:bodyPr/>
-          <a:lstStyle/>
-          <a:p>
-            <a:r>
-              <a:t>The complete picture. Students now have exposure to every layer of the AI engineering stack.</a:t>
-            </a:r>
-          </a:p>
-        </p:txBody>
-      </p:sp>
-      <p:sp>
-        <p:nvSpPr>
-          <p:cNvPr id="4" name="Slide Number Placeholder 3"/>
-          <p:cNvSpPr>
-            <a:spLocks noGrp="1"/>
-          </p:cNvSpPr>
-          <p:nvPr>
-            <p:ph type="sldNum" idx="5" sz="quarter"/>
-          </p:nvPr>
-        </p:nvSpPr>
-        <p:spPr/>
-      </p:sp>
-    </p:spTree>
-  </p:cSld>
-  <p:clrMapOvr>
-    <a:masterClrMapping/>
-  </p:clrMapOvr>
-</p:notes>
-</file>
-
-<file path=ppt/notesSlides/notesSlide14.xml><?xml version="1.0" encoding="utf-8"?>
-<p:notes xmlns:a="http://schemas.openxmlformats.org/drawingml/2006/main" xmlns:p="http://schemas.openxmlformats.org/presentationml/2006/main" xmlns:r="http://schemas.openxmlformats.org/officeDocument/2006/relationships">
-  <p:cSld>
-    <p:spTree>
-      <p:nvGrpSpPr>
-        <p:cNvPr id="1" name=""/>
-        <p:cNvGrpSpPr/>
-        <p:nvPr/>
-      </p:nvGrpSpPr>
-      <p:grpSpPr>
-        <a:xfrm>
-          <a:off x="0" y="0"/>
-          <a:ext cx="0" cy="0"/>
-          <a:chOff x="0" y="0"/>
-          <a:chExt cx="0" cy="0"/>
-        </a:xfrm>
-      </p:grpSpPr>
-      <p:sp>
-        <p:nvSpPr>
-          <p:cNvPr id="2" name="Slide Image Placeholder 1"/>
-          <p:cNvSpPr>
-            <a:spLocks noGrp="1"/>
-          </p:cNvSpPr>
-          <p:nvPr>
-            <p:ph type="sldImg" idx="2"/>
-          </p:nvPr>
-        </p:nvSpPr>
-        <p:spPr/>
-      </p:sp>
-      <p:sp>
-        <p:nvSpPr>
-          <p:cNvPr id="3" name="Notes Placeholder 2"/>
-          <p:cNvSpPr>
-            <a:spLocks noGrp="1"/>
-          </p:cNvSpPr>
-          <p:nvPr>
-            <p:ph type="body" idx="3" sz="quarter"/>
-          </p:nvPr>
-        </p:nvSpPr>
-        <p:spPr/>
-        <p:txBody>
-          <a:bodyPr/>
-          <a:lstStyle/>
-          <a:p>
-            <a:r>
-              <a:t>Practical next steps. Encourage students to build something real.</a:t>
-            </a:r>
-          </a:p>
-        </p:txBody>
-      </p:sp>
-      <p:sp>
-        <p:nvSpPr>
-          <p:cNvPr id="4" name="Slide Number Placeholder 3"/>
-          <p:cNvSpPr>
-            <a:spLocks noGrp="1"/>
-          </p:cNvSpPr>
-          <p:nvPr>
-            <p:ph type="sldNum" idx="5" sz="quarter"/>
-          </p:nvPr>
-        </p:nvSpPr>
-        <p:spPr/>
-      </p:sp>
-    </p:spTree>
-  </p:cSld>
-  <p:clrMapOvr>
-    <a:masterClrMapping/>
-  </p:clrMapOvr>
-</p:notes>
-</file>
-
-<file path=ppt/notesSlides/notesSlide15.xml><?xml version="1.0" encoding="utf-8"?>
-<p:notes xmlns:a="http://schemas.openxmlformats.org/drawingml/2006/main" xmlns:p="http://schemas.openxmlformats.org/presentationml/2006/main" xmlns:r="http://schemas.openxmlformats.org/officeDocument/2006/relationships">
-  <p:cSld>
-    <p:spTree>
-      <p:nvGrpSpPr>
-        <p:cNvPr id="1" name=""/>
-        <p:cNvGrpSpPr/>
-        <p:nvPr/>
-      </p:nvGrpSpPr>
-      <p:grpSpPr>
-        <a:xfrm>
-          <a:off x="0" y="0"/>
-          <a:ext cx="0" cy="0"/>
-          <a:chOff x="0" y="0"/>
-          <a:chExt cx="0" cy="0"/>
-        </a:xfrm>
-      </p:grpSpPr>
-      <p:sp>
-        <p:nvSpPr>
-          <p:cNvPr id="2" name="Slide Image Placeholder 1"/>
-          <p:cNvSpPr>
-            <a:spLocks noGrp="1"/>
-          </p:cNvSpPr>
-          <p:nvPr>
-            <p:ph type="sldImg" idx="2"/>
-          </p:nvPr>
-        </p:nvSpPr>
-        <p:spPr/>
-      </p:sp>
-      <p:sp>
-        <p:nvSpPr>
-          <p:cNvPr id="3" name="Notes Placeholder 2"/>
-          <p:cNvSpPr>
-            <a:spLocks noGrp="1"/>
-          </p:cNvSpPr>
-          <p:nvPr>
-            <p:ph type="body" idx="3" sz="quarter"/>
-          </p:nvPr>
-        </p:nvSpPr>
-        <p:spPr/>
-        <p:txBody>
-          <a:bodyPr/>
-          <a:lstStyle/>
-          <a:p>
-            <a:r>
-              <a:t>Final recap of the entire course. Thank the students. Q&amp;A time.</a:t>
+              <a:t>~25 min. Capstone project bringing everything together.</a:t>
             </a:r>
           </a:p>
         </p:txBody>
@@ -1006,7 +798,7 @@
           <a:lstStyle/>
           <a:p>
             <a:r>
-              <a:t>Cost optimization is critical for production. Model routing is the biggest lever.</a:t>
+              <a:t>Smart routing can cut costs 10x with no quality loss.</a:t>
             </a:r>
           </a:p>
         </p:txBody>
@@ -1076,7 +868,7 @@
           <a:lstStyle/>
           <a:p>
             <a:r>
-              <a:t>Show the 200x cost difference between nano and GPT-5.2. Most queries don't need the flagship model.</a:t>
+              <a:t>Combine strategies. Start with routing, it has the biggest impact.</a:t>
             </a:r>
           </a:p>
         </p:txBody>
@@ -1146,7 +938,7 @@
           <a:lstStyle/>
           <a:p>
             <a:r>
-              <a:t>Three cost levers. Caching saves on repeated patterns. Batching saves on non-urgent workloads.</a:t>
+              <a:t>Demo LiteLLM: same code, swap between OpenAI/Anthropic/Google.</a:t>
             </a:r>
           </a:p>
         </p:txBody>
@@ -1216,7 +1008,7 @@
           <a:lstStyle/>
           <a:p>
             <a:r>
-              <a:t>Gateways abstract provider differences. Essential for production with multiple models.</a:t>
+              <a:t>Production AI is 20% prompt engineering, 80% engineering.</a:t>
             </a:r>
           </a:p>
         </p:txBody>
@@ -1286,7 +1078,7 @@
           <a:lstStyle/>
           <a:p>
             <a:r>
-              <a:t>Production checklist. These are the things that bite you after demo day.</a:t>
+              <a:t>No single winner. Use multiple tools for different tasks.</a:t>
             </a:r>
           </a:p>
         </p:txBody>
@@ -1356,7 +1148,7 @@
           <a:lstStyle/>
           <a:p>
             <a:r>
-              <a:t>Each tool has a different sweet spot. Claude Code for terminal work. Cursor for IDE. Codex for async bulk work.</a:t>
+              <a:t>For regulated industries: self-host or use enterprise API tiers.</a:t>
             </a:r>
           </a:p>
         </p:txBody>
@@ -1426,7 +1218,7 @@
           <a:lstStyle/>
           <a:p>
             <a:r>
-              <a:t>OpenClaw overview. Emphasize the dual auth model — OAuth for convenience, API key for custom work.</a:t>
+              <a:t>OpenClaw is the swiss army knife. Use any model, any tool.</a:t>
             </a:r>
           </a:p>
         </p:txBody>
@@ -1496,7 +1288,7 @@
           <a:lstStyle/>
           <a:p>
             <a:r>
-              <a:t>Skills are the extension mechanism. Show the skill.json + index.js structure.</a:t>
+              <a:t>OpenClaw's flexibility is its key differentiator.</a:t>
             </a:r>
           </a:p>
         </p:txBody>
@@ -4518,8 +4310,8 @@
         </p:nvSpPr>
         <p:spPr>
           <a:xfrm>
-            <a:off x="914400" y="1828800"/>
-            <a:ext cx="10362895" cy="1371600"/>
+            <a:off x="731520" y="1828800"/>
+            <a:ext cx="10698480" cy="1828800"/>
           </a:xfrm>
           <a:prstGeom prst="rect">
             <a:avLst/>
@@ -4540,7 +4332,7 @@
               </a:defRPr>
             </a:pPr>
             <a:r>
-              <a:t>Production, Dev Tools</a:t>
+              <a:t>Session 8: Production, Dev Tools</a:t>
             </a:r>
             <a:br/>
             <a:r>
@@ -4557,8 +4349,8 @@
         </p:nvSpPr>
         <p:spPr>
           <a:xfrm>
-            <a:off x="914400" y="3291840"/>
-            <a:ext cx="10362895" cy="914400"/>
+            <a:off x="731520" y="3840480"/>
+            <a:ext cx="10698480" cy="914400"/>
           </a:xfrm>
           <a:prstGeom prst="rect">
             <a:avLst/>
@@ -4572,81 +4364,28 @@
           <a:lstStyle/>
           <a:p>
             <a:pPr algn="l">
-              <a:defRPr sz="2200">
+              <a:defRPr sz="2400">
                 <a:solidFill>
                   <a:srgbClr val="0096D6"/>
                 </a:solidFill>
               </a:defRPr>
             </a:pPr>
             <a:r>
-              <a:t>Cost optimization, gateways, coding tools, and building skills</a:t>
-            </a:r>
-          </a:p>
-        </p:txBody>
-      </p:sp>
-      <p:sp>
-        <p:nvSpPr>
-          <p:cNvPr id="4" name="TextBox 3"/>
-          <p:cNvSpPr txBox="1"/>
+              <a:t>Cut the Crap — AI Engineer Edition</a:t>
+            </a:r>
+          </a:p>
+        </p:txBody>
+      </p:sp>
+      <p:sp>
+        <p:nvSpPr>
+          <p:cNvPr id="4" name="Rectangle 3"/>
+          <p:cNvSpPr/>
           <p:nvPr/>
         </p:nvSpPr>
         <p:spPr>
           <a:xfrm>
-            <a:off x="914400" y="4572000"/>
-            <a:ext cx="10362895" cy="548640"/>
-          </a:xfrm>
-          <a:prstGeom prst="rect">
-            <a:avLst/>
-          </a:prstGeom>
-          <a:noFill/>
-        </p:spPr>
-        <p:txBody>
-          <a:bodyPr wrap="none">
-            <a:spAutoFit/>
-          </a:bodyPr>
-          <a:lstStyle/>
-          <a:p>
-            <a:pPr algn="l">
-              <a:defRPr sz="1400">
-                <a:solidFill>
-                  <a:srgbClr val="8899BB"/>
-                </a:solidFill>
-              </a:defRPr>
-            </a:pPr>
-            <a:r>
-              <a:t>Session 8 of 8  •  Cut the Crap — AI Engineer Edition  •  February 2026</a:t>
-            </a:r>
-          </a:p>
-        </p:txBody>
-      </p:sp>
-    </p:spTree>
-  </p:cSld>
-  <p:clrMapOvr>
-    <a:masterClrMapping/>
-  </p:clrMapOvr>
-</p:sld>
-</file>
-
-<file path=ppt/slides/slide10.xml><?xml version="1.0" encoding="utf-8"?>
-<p:sld xmlns:a="http://schemas.openxmlformats.org/drawingml/2006/main" xmlns:p="http://schemas.openxmlformats.org/presentationml/2006/main" xmlns:r="http://schemas.openxmlformats.org/officeDocument/2006/relationships">
-  <p:cSld>
-    <p:spTree>
-      <p:nvGrpSpPr>
-        <p:cNvPr id="1" name=""/>
-        <p:cNvGrpSpPr/>
-        <p:nvPr/>
-      </p:nvGrpSpPr>
-      <p:grpSpPr/>
-      <p:sp>
-        <p:nvSpPr>
-          <p:cNvPr id="2" name="Rectangle 1"/>
-          <p:cNvSpPr/>
-          <p:nvPr/>
-        </p:nvSpPr>
-        <p:spPr>
-          <a:xfrm>
-            <a:off x="0" y="0"/>
-            <a:ext cx="12191695" cy="73152"/>
+            <a:off x="731520" y="3657600"/>
+            <a:ext cx="2743200" cy="50800"/>
           </a:xfrm>
           <a:prstGeom prst="rect">
             <a:avLst/>
@@ -4680,62 +4419,43 @@
           </a:p>
         </p:txBody>
       </p:sp>
-      <p:sp>
-        <p:nvSpPr>
-          <p:cNvPr id="3" name="TextBox 2"/>
-          <p:cNvSpPr txBox="1"/>
+    </p:spTree>
+  </p:cSld>
+  <p:clrMapOvr>
+    <a:masterClrMapping/>
+  </p:clrMapOvr>
+</p:sld>
+</file>
+
+<file path=ppt/slides/slide10.xml><?xml version="1.0" encoding="utf-8"?>
+<p:sld xmlns:a="http://schemas.openxmlformats.org/drawingml/2006/main" xmlns:p="http://schemas.openxmlformats.org/presentationml/2006/main" xmlns:r="http://schemas.openxmlformats.org/officeDocument/2006/relationships">
+  <p:cSld>
+    <p:spTree>
+      <p:nvGrpSpPr>
+        <p:cNvPr id="1" name=""/>
+        <p:cNvGrpSpPr/>
+        <p:nvPr/>
+      </p:nvGrpSpPr>
+      <p:grpSpPr/>
+      <p:sp>
+        <p:nvSpPr>
+          <p:cNvPr id="2" name="Rectangle 1"/>
+          <p:cNvSpPr/>
           <p:nvPr/>
         </p:nvSpPr>
         <p:spPr>
           <a:xfrm>
-            <a:off x="731520" y="274320"/>
-            <a:ext cx="10728655" cy="731520"/>
+            <a:off x="0" y="0"/>
+            <a:ext cx="12191695" cy="1005840"/>
           </a:xfrm>
           <a:prstGeom prst="rect">
             <a:avLst/>
           </a:prstGeom>
-          <a:noFill/>
-        </p:spPr>
-        <p:txBody>
-          <a:bodyPr wrap="none">
-            <a:spAutoFit/>
-          </a:bodyPr>
-          <a:lstStyle/>
-          <a:p>
-            <a:pPr>
-              <a:defRPr sz="2800" b="1">
-                <a:solidFill>
-                  <a:srgbClr val="1B2A4A"/>
-                </a:solidFill>
-              </a:defRPr>
-            </a:pPr>
-            <a:r>
-              <a:t>skill.json — Tool Definitions</a:t>
-            </a:r>
-          </a:p>
-        </p:txBody>
-      </p:sp>
-      <p:sp>
-        <p:nvSpPr>
-          <p:cNvPr id="4" name="Rounded Rectangle 3"/>
-          <p:cNvSpPr/>
-          <p:nvPr/>
-        </p:nvSpPr>
-        <p:spPr>
-          <a:xfrm>
-            <a:off x="731520" y="1188720"/>
-            <a:ext cx="10728655" cy="5212080"/>
-          </a:xfrm>
-          <a:prstGeom prst="roundRect">
-            <a:avLst/>
-          </a:prstGeom>
           <a:solidFill>
-            <a:srgbClr val="F0F0F0"/>
+            <a:srgbClr val="1B2A4A"/>
           </a:solidFill>
-          <a:ln w="12700">
-            <a:solidFill>
-              <a:srgbClr val="DDDDDD"/>
-            </a:solidFill>
+          <a:ln>
+            <a:noFill/>
           </a:ln>
         </p:spPr>
         <p:style>
@@ -4762,14 +4482,14 @@
       </p:sp>
       <p:sp>
         <p:nvSpPr>
-          <p:cNvPr id="5" name="TextBox 4"/>
+          <p:cNvPr id="3" name="TextBox 2"/>
           <p:cNvSpPr txBox="1"/>
           <p:nvPr/>
         </p:nvSpPr>
         <p:spPr>
           <a:xfrm>
-            <a:off x="822960" y="1234440"/>
-            <a:ext cx="1828800" cy="320040"/>
+            <a:off x="731520" y="137160"/>
+            <a:ext cx="10698480" cy="731520"/>
           </a:xfrm>
           <a:prstGeom prst="rect">
             <a:avLst/>
@@ -4777,34 +4497,34 @@
           <a:noFill/>
         </p:spPr>
         <p:txBody>
-          <a:bodyPr wrap="none">
+          <a:bodyPr wrap="square">
             <a:spAutoFit/>
           </a:bodyPr>
           <a:lstStyle/>
           <a:p>
             <a:pPr>
-              <a:defRPr sz="1100" b="1">
-                <a:solidFill>
-                  <a:srgbClr val="666666"/>
+              <a:defRPr sz="2800" b="1">
+                <a:solidFill>
+                  <a:srgbClr val="FFFFFF"/>
                 </a:solidFill>
               </a:defRPr>
             </a:pPr>
             <a:r>
-              <a:t>json</a:t>
-            </a:r>
-          </a:p>
-        </p:txBody>
-      </p:sp>
-      <p:sp>
-        <p:nvSpPr>
-          <p:cNvPr id="6" name="TextBox 5"/>
+              <a:t>Privacy &amp; Enterprise Concerns</a:t>
+            </a:r>
+          </a:p>
+        </p:txBody>
+      </p:sp>
+      <p:sp>
+        <p:nvSpPr>
+          <p:cNvPr id="4" name="TextBox 3"/>
           <p:cNvSpPr txBox="1"/>
           <p:nvPr/>
         </p:nvSpPr>
         <p:spPr>
           <a:xfrm>
-            <a:off x="914400" y="1554480"/>
-            <a:ext cx="10362895" cy="4754880"/>
+            <a:off x="731520" y="1280160"/>
+            <a:ext cx="10698480" cy="5029200"/>
           </a:xfrm>
           <a:prstGeom prst="rect">
             <a:avLst/>
@@ -4817,88 +4537,93 @@
           </a:bodyPr>
           <a:lstStyle/>
           <a:p>
-            <a:pPr algn="l">
-              <a:defRPr sz="1300">
-                <a:solidFill>
-                  <a:srgbClr val="333333"/>
-                </a:solidFill>
-                <a:latin typeface="Consolas"/>
+            <a:pPr>
+              <a:spcAft>
+                <a:spcPts val="1000"/>
+              </a:spcAft>
+              <a:defRPr sz="2200">
+                <a:solidFill>
+                  <a:srgbClr val="222222"/>
+                </a:solidFill>
               </a:defRPr>
             </a:pPr>
             <a:r>
-              <a:t>{</a:t>
-            </a:r>
-            <a:br/>
-            <a:r>
-              <a:t>  "name": "code-snippets",</a:t>
-            </a:r>
-            <a:br/>
-            <a:r>
-              <a:t>  "version": "1.0.0",</a:t>
-            </a:r>
-            <a:br/>
-            <a:r>
-              <a:t>  "description": "Save &amp; search code snippets",</a:t>
-            </a:r>
-            <a:br/>
-            <a:r>
-              <a:t>  "main": "index.js",</a:t>
-            </a:r>
-            <a:br/>
-            <a:r>
-              <a:t>  "tools": [{</a:t>
-            </a:r>
-            <a:br/>
-            <a:r>
-              <a:t>    "name": "save_snippet",</a:t>
-            </a:r>
-            <a:br/>
-            <a:r>
-              <a:t>    "description": "Save a code snippet with title and language",</a:t>
-            </a:r>
-            <a:br/>
-            <a:r>
-              <a:t>    "parameters": {</a:t>
-            </a:r>
-            <a:br/>
-            <a:r>
-              <a:t>      "type": "object",</a:t>
-            </a:r>
-            <a:br/>
-            <a:r>
-              <a:t>      "properties": {</a:t>
-            </a:r>
-            <a:br/>
-            <a:r>
-              <a:t>        "title": {"type": "string", "description": "Snippet title"},</a:t>
-            </a:r>
-            <a:br/>
-            <a:r>
-              <a:t>        "code": {"type": "string", "description": "The code"},</a:t>
-            </a:r>
-            <a:br/>
-            <a:r>
-              <a:t>        "language": {"type": "string", "description": "Language"}</a:t>
-            </a:r>
-            <a:br/>
-            <a:r>
-              <a:t>      },</a:t>
-            </a:r>
-            <a:br/>
-            <a:r>
-              <a:t>      "required": ["title", "code", "language"]</a:t>
-            </a:r>
-            <a:br/>
-            <a:r>
-              <a:t>    }</a:t>
-            </a:r>
-            <a:br/>
-            <a:r>
-              <a:t>  }]</a:t>
-            </a:r>
-            <a:br/>
-            <a:r>
-              <a:t>}</a:t>
+              <a:t>Where does your code go? Read the data policies</a:t>
+            </a:r>
+          </a:p>
+          <a:p>
+            <a:pPr>
+              <a:spcAft>
+                <a:spcPts val="1000"/>
+              </a:spcAft>
+              <a:defRPr sz="2200">
+                <a:solidFill>
+                  <a:srgbClr val="222222"/>
+                </a:solidFill>
+              </a:defRPr>
+            </a:pPr>
+            <a:r>
+              <a:t>OpenAI API: data NOT used for training (by default)</a:t>
+            </a:r>
+          </a:p>
+          <a:p>
+            <a:pPr>
+              <a:spcAft>
+                <a:spcPts val="1000"/>
+              </a:spcAft>
+              <a:defRPr sz="2200">
+                <a:solidFill>
+                  <a:srgbClr val="222222"/>
+                </a:solidFill>
+              </a:defRPr>
+            </a:pPr>
+            <a:r>
+              <a:t>Anthropic API: data NOT used for training</a:t>
+            </a:r>
+          </a:p>
+          <a:p>
+            <a:pPr>
+              <a:spcAft>
+                <a:spcPts val="1000"/>
+              </a:spcAft>
+              <a:defRPr sz="2200">
+                <a:solidFill>
+                  <a:srgbClr val="222222"/>
+                </a:solidFill>
+              </a:defRPr>
+            </a:pPr>
+            <a:r>
+              <a:t>Self-hosted models: complete data control</a:t>
+            </a:r>
+          </a:p>
+          <a:p>
+            <a:pPr>
+              <a:spcAft>
+                <a:spcPts val="1000"/>
+              </a:spcAft>
+              <a:defRPr sz="2200">
+                <a:solidFill>
+                  <a:srgbClr val="222222"/>
+                </a:solidFill>
+              </a:defRPr>
+            </a:pPr>
+            <a:r>
+              <a:t>Enterprise tiers: SOC 2, HIPAA, data residency</a:t>
+            </a:r>
+          </a:p>
+          <a:p>
+            <a:pPr>
+              <a:spcAft>
+                <a:spcPts val="1000"/>
+              </a:spcAft>
+              <a:defRPr sz="2200">
+                <a:solidFill>
+                  <a:srgbClr val="222222"/>
+                </a:solidFill>
+              </a:defRPr>
+            </a:pPr>
+            <a:r>
+              <a:t>OpenClaw: local-first, your data stays on your machine</a:t>
             </a:r>
           </a:p>
         </p:txBody>
@@ -4914,6 +4639,14 @@
 <file path=ppt/slides/slide11.xml><?xml version="1.0" encoding="utf-8"?>
 <p:sld xmlns:a="http://schemas.openxmlformats.org/drawingml/2006/main" xmlns:p="http://schemas.openxmlformats.org/presentationml/2006/main" xmlns:r="http://schemas.openxmlformats.org/officeDocument/2006/relationships">
   <p:cSld>
+    <p:bg>
+      <p:bgPr>
+        <a:solidFill>
+          <a:srgbClr val="1B2A4A"/>
+        </a:solidFill>
+        <a:effectLst/>
+      </p:bgPr>
+    </p:bg>
     <p:spTree>
       <p:nvGrpSpPr>
         <p:cNvPr id="1" name=""/>
@@ -4923,14 +4656,49 @@
       <p:grpSpPr/>
       <p:sp>
         <p:nvSpPr>
-          <p:cNvPr id="2" name="Rectangle 1"/>
+          <p:cNvPr id="2" name="TextBox 1"/>
+          <p:cNvSpPr txBox="1"/>
+          <p:nvPr/>
+        </p:nvSpPr>
+        <p:spPr>
+          <a:xfrm>
+            <a:off x="731520" y="2560320"/>
+            <a:ext cx="10698480" cy="1371600"/>
+          </a:xfrm>
+          <a:prstGeom prst="rect">
+            <a:avLst/>
+          </a:prstGeom>
+          <a:noFill/>
+        </p:spPr>
+        <p:txBody>
+          <a:bodyPr wrap="square">
+            <a:spAutoFit/>
+          </a:bodyPr>
+          <a:lstStyle/>
+          <a:p>
+            <a:pPr algn="l">
+              <a:defRPr sz="3600" b="1">
+                <a:solidFill>
+                  <a:srgbClr val="FFFFFF"/>
+                </a:solidFill>
+              </a:defRPr>
+            </a:pPr>
+            <a:r>
+              <a:t>OpenClaw Deep Dive</a:t>
+            </a:r>
+          </a:p>
+        </p:txBody>
+      </p:sp>
+      <p:sp>
+        <p:nvSpPr>
+          <p:cNvPr id="3" name="Rectangle 2"/>
           <p:cNvSpPr/>
           <p:nvPr/>
         </p:nvSpPr>
         <p:spPr>
           <a:xfrm>
-            <a:off x="0" y="0"/>
-            <a:ext cx="12191695" cy="73152"/>
+            <a:off x="731520" y="3931920"/>
+            <a:ext cx="1828800" cy="38100"/>
           </a:xfrm>
           <a:prstGeom prst="rect">
             <a:avLst/>
@@ -4964,243 +4732,6 @@
           </a:p>
         </p:txBody>
       </p:sp>
-      <p:sp>
-        <p:nvSpPr>
-          <p:cNvPr id="3" name="TextBox 2"/>
-          <p:cNvSpPr txBox="1"/>
-          <p:nvPr/>
-        </p:nvSpPr>
-        <p:spPr>
-          <a:xfrm>
-            <a:off x="731520" y="274320"/>
-            <a:ext cx="10728655" cy="731520"/>
-          </a:xfrm>
-          <a:prstGeom prst="rect">
-            <a:avLst/>
-          </a:prstGeom>
-          <a:noFill/>
-        </p:spPr>
-        <p:txBody>
-          <a:bodyPr wrap="none">
-            <a:spAutoFit/>
-          </a:bodyPr>
-          <a:lstStyle/>
-          <a:p>
-            <a:pPr>
-              <a:defRPr sz="2800" b="1">
-                <a:solidFill>
-                  <a:srgbClr val="1B2A4A"/>
-                </a:solidFill>
-              </a:defRPr>
-            </a:pPr>
-            <a:r>
-              <a:t>index.js — Tool Implementation</a:t>
-            </a:r>
-          </a:p>
-        </p:txBody>
-      </p:sp>
-      <p:sp>
-        <p:nvSpPr>
-          <p:cNvPr id="4" name="Rounded Rectangle 3"/>
-          <p:cNvSpPr/>
-          <p:nvPr/>
-        </p:nvSpPr>
-        <p:spPr>
-          <a:xfrm>
-            <a:off x="731520" y="1188720"/>
-            <a:ext cx="10728655" cy="5212080"/>
-          </a:xfrm>
-          <a:prstGeom prst="roundRect">
-            <a:avLst/>
-          </a:prstGeom>
-          <a:solidFill>
-            <a:srgbClr val="F0F0F0"/>
-          </a:solidFill>
-          <a:ln w="12700">
-            <a:solidFill>
-              <a:srgbClr val="DDDDDD"/>
-            </a:solidFill>
-          </a:ln>
-        </p:spPr>
-        <p:style>
-          <a:lnRef idx="1">
-            <a:schemeClr val="accent1"/>
-          </a:lnRef>
-          <a:fillRef idx="3">
-            <a:schemeClr val="accent1"/>
-          </a:fillRef>
-          <a:effectRef idx="2">
-            <a:schemeClr val="accent1"/>
-          </a:effectRef>
-          <a:fontRef idx="minor">
-            <a:schemeClr val="lt1"/>
-          </a:fontRef>
-        </p:style>
-        <p:txBody>
-          <a:bodyPr rtlCol="0" anchor="ctr"/>
-          <a:lstStyle/>
-          <a:p>
-            <a:pPr algn="ctr"/>
-          </a:p>
-        </p:txBody>
-      </p:sp>
-      <p:sp>
-        <p:nvSpPr>
-          <p:cNvPr id="5" name="TextBox 4"/>
-          <p:cNvSpPr txBox="1"/>
-          <p:nvPr/>
-        </p:nvSpPr>
-        <p:spPr>
-          <a:xfrm>
-            <a:off x="822960" y="1234440"/>
-            <a:ext cx="1828800" cy="320040"/>
-          </a:xfrm>
-          <a:prstGeom prst="rect">
-            <a:avLst/>
-          </a:prstGeom>
-          <a:noFill/>
-        </p:spPr>
-        <p:txBody>
-          <a:bodyPr wrap="none">
-            <a:spAutoFit/>
-          </a:bodyPr>
-          <a:lstStyle/>
-          <a:p>
-            <a:pPr>
-              <a:defRPr sz="1100" b="1">
-                <a:solidFill>
-                  <a:srgbClr val="666666"/>
-                </a:solidFill>
-              </a:defRPr>
-            </a:pPr>
-            <a:r>
-              <a:t>javascript</a:t>
-            </a:r>
-          </a:p>
-        </p:txBody>
-      </p:sp>
-      <p:sp>
-        <p:nvSpPr>
-          <p:cNvPr id="6" name="TextBox 5"/>
-          <p:cNvSpPr txBox="1"/>
-          <p:nvPr/>
-        </p:nvSpPr>
-        <p:spPr>
-          <a:xfrm>
-            <a:off x="914400" y="1554480"/>
-            <a:ext cx="10362895" cy="4754880"/>
-          </a:xfrm>
-          <a:prstGeom prst="rect">
-            <a:avLst/>
-          </a:prstGeom>
-          <a:noFill/>
-        </p:spPr>
-        <p:txBody>
-          <a:bodyPr wrap="square">
-            <a:spAutoFit/>
-          </a:bodyPr>
-          <a:lstStyle/>
-          <a:p>
-            <a:pPr algn="l">
-              <a:defRPr sz="1300">
-                <a:solidFill>
-                  <a:srgbClr val="333333"/>
-                </a:solidFill>
-                <a:latin typeface="Consolas"/>
-              </a:defRPr>
-            </a:pPr>
-            <a:r>
-              <a:t>module.exports = {</a:t>
-            </a:r>
-            <a:br/>
-            <a:r>
-              <a:t>  async onLoad(context) {</a:t>
-            </a:r>
-            <a:br/>
-            <a:r>
-              <a:t>    // Initialize state, load config</a:t>
-            </a:r>
-            <a:br/>
-            <a:r>
-              <a:t>    loadSnippets();</a:t>
-            </a:r>
-            <a:br/>
-            <a:r>
-              <a:t>    console.log("✅ Code Snippets skill loaded");</a:t>
-            </a:r>
-            <a:br/>
-            <a:r>
-              <a:t>  },</a:t>
-            </a:r>
-            <a:br/>
-            <a:br/>
-            <a:r>
-              <a:t>  tools: {</a:t>
-            </a:r>
-            <a:br/>
-            <a:r>
-              <a:t>    async save_snippet({ title, code, language, tags = [] }) {</a:t>
-            </a:r>
-            <a:br/>
-            <a:r>
-              <a:t>      const id = crypto.randomBytes(4).toString("hex");</a:t>
-            </a:r>
-            <a:br/>
-            <a:r>
-              <a:t>      const snippet = { id, title, code, language, tags,</a:t>
-            </a:r>
-            <a:br/>
-            <a:r>
-              <a:t>                        createdAt: new Date().toISOString() };</a:t>
-            </a:r>
-            <a:br/>
-            <a:r>
-              <a:t>      snippets.push(snippet);</a:t>
-            </a:r>
-            <a:br/>
-            <a:r>
-              <a:t>      saveSnippets();</a:t>
-            </a:r>
-            <a:br/>
-            <a:r>
-              <a:t>      return { message: "Snippet saved!", id, title };</a:t>
-            </a:r>
-            <a:br/>
-            <a:r>
-              <a:t>    },</a:t>
-            </a:r>
-            <a:br/>
-            <a:br/>
-            <a:r>
-              <a:t>    async search_snippets({ query, language }) {</a:t>
-            </a:r>
-            <a:br/>
-            <a:r>
-              <a:t>      let results = snippets.filter(s =&gt;</a:t>
-            </a:r>
-            <a:br/>
-            <a:r>
-              <a:t>        s.title.includes(query) || s.code.includes(query));</a:t>
-            </a:r>
-            <a:br/>
-            <a:r>
-              <a:t>      return { results };</a:t>
-            </a:r>
-            <a:br/>
-            <a:r>
-              <a:t>    },</a:t>
-            </a:r>
-            <a:br/>
-            <a:r>
-              <a:t>  },</a:t>
-            </a:r>
-            <a:br/>
-            <a:r>
-              <a:t>};</a:t>
-            </a:r>
-          </a:p>
-        </p:txBody>
-      </p:sp>
     </p:spTree>
   </p:cSld>
   <p:clrMapOvr>
@@ -5228,7 +4759,1168 @@
         <p:spPr>
           <a:xfrm>
             <a:off x="0" y="0"/>
-            <a:ext cx="12191695" cy="73152"/>
+            <a:ext cx="12191695" cy="1005840"/>
+          </a:xfrm>
+          <a:prstGeom prst="rect">
+            <a:avLst/>
+          </a:prstGeom>
+          <a:solidFill>
+            <a:srgbClr val="1B2A4A"/>
+          </a:solidFill>
+          <a:ln>
+            <a:noFill/>
+          </a:ln>
+        </p:spPr>
+        <p:style>
+          <a:lnRef idx="1">
+            <a:schemeClr val="accent1"/>
+          </a:lnRef>
+          <a:fillRef idx="3">
+            <a:schemeClr val="accent1"/>
+          </a:fillRef>
+          <a:effectRef idx="2">
+            <a:schemeClr val="accent1"/>
+          </a:effectRef>
+          <a:fontRef idx="minor">
+            <a:schemeClr val="lt1"/>
+          </a:fontRef>
+        </p:style>
+        <p:txBody>
+          <a:bodyPr rtlCol="0" anchor="ctr"/>
+          <a:lstStyle/>
+          <a:p>
+            <a:pPr algn="ctr"/>
+          </a:p>
+        </p:txBody>
+      </p:sp>
+      <p:sp>
+        <p:nvSpPr>
+          <p:cNvPr id="3" name="TextBox 2"/>
+          <p:cNvSpPr txBox="1"/>
+          <p:nvPr/>
+        </p:nvSpPr>
+        <p:spPr>
+          <a:xfrm>
+            <a:off x="731520" y="137160"/>
+            <a:ext cx="10698480" cy="731520"/>
+          </a:xfrm>
+          <a:prstGeom prst="rect">
+            <a:avLst/>
+          </a:prstGeom>
+          <a:noFill/>
+        </p:spPr>
+        <p:txBody>
+          <a:bodyPr wrap="square">
+            <a:spAutoFit/>
+          </a:bodyPr>
+          <a:lstStyle/>
+          <a:p>
+            <a:pPr>
+              <a:defRPr sz="2800" b="1">
+                <a:solidFill>
+                  <a:srgbClr val="FFFFFF"/>
+                </a:solidFill>
+              </a:defRPr>
+            </a:pPr>
+            <a:r>
+              <a:t>OpenClaw — Your AI Platform</a:t>
+            </a:r>
+          </a:p>
+        </p:txBody>
+      </p:sp>
+      <p:sp>
+        <p:nvSpPr>
+          <p:cNvPr id="4" name="TextBox 3"/>
+          <p:cNvSpPr txBox="1"/>
+          <p:nvPr/>
+        </p:nvSpPr>
+        <p:spPr>
+          <a:xfrm>
+            <a:off x="731520" y="1280160"/>
+            <a:ext cx="10698480" cy="5029200"/>
+          </a:xfrm>
+          <a:prstGeom prst="rect">
+            <a:avLst/>
+          </a:prstGeom>
+          <a:noFill/>
+        </p:spPr>
+        <p:txBody>
+          <a:bodyPr wrap="square">
+            <a:spAutoFit/>
+          </a:bodyPr>
+          <a:lstStyle/>
+          <a:p>
+            <a:pPr>
+              <a:spcAft>
+                <a:spcPts val="1000"/>
+              </a:spcAft>
+              <a:defRPr sz="2200">
+                <a:solidFill>
+                  <a:srgbClr val="222222"/>
+                </a:solidFill>
+              </a:defRPr>
+            </a:pPr>
+            <a:r>
+              <a:t>Open-source AI assistant platform</a:t>
+            </a:r>
+          </a:p>
+          <a:p>
+            <a:pPr>
+              <a:spcAft>
+                <a:spcPts val="1000"/>
+              </a:spcAft>
+              <a:defRPr sz="2200">
+                <a:solidFill>
+                  <a:srgbClr val="222222"/>
+                </a:solidFill>
+              </a:defRPr>
+            </a:pPr>
+            <a:r>
+              <a:t>Accepts BOTH OAuth and API keys for all providers</a:t>
+            </a:r>
+          </a:p>
+          <a:p>
+            <a:pPr>
+              <a:spcAft>
+                <a:spcPts val="1000"/>
+              </a:spcAft>
+              <a:defRPr sz="2200">
+                <a:solidFill>
+                  <a:srgbClr val="222222"/>
+                </a:solidFill>
+              </a:defRPr>
+            </a:pPr>
+            <a:r>
+              <a:t>Model-agnostic: OpenAI, Anthropic, Google, local models</a:t>
+            </a:r>
+          </a:p>
+          <a:p>
+            <a:pPr>
+              <a:spcAft>
+                <a:spcPts val="1000"/>
+              </a:spcAft>
+              <a:defRPr sz="2200">
+                <a:solidFill>
+                  <a:srgbClr val="222222"/>
+                </a:solidFill>
+              </a:defRPr>
+            </a:pPr>
+            <a:r>
+              <a:t>Skills: modular tool packages (MCP-based)</a:t>
+            </a:r>
+          </a:p>
+          <a:p>
+            <a:pPr>
+              <a:spcAft>
+                <a:spcPts val="1000"/>
+              </a:spcAft>
+              <a:defRPr sz="2200">
+                <a:solidFill>
+                  <a:srgbClr val="222222"/>
+                </a:solidFill>
+              </a:defRPr>
+            </a:pPr>
+            <a:r>
+              <a:t>Agents: customizable AI agents with memory</a:t>
+            </a:r>
+          </a:p>
+          <a:p>
+            <a:pPr>
+              <a:spcAft>
+                <a:spcPts val="1000"/>
+              </a:spcAft>
+              <a:defRPr sz="2200">
+                <a:solidFill>
+                  <a:srgbClr val="222222"/>
+                </a:solidFill>
+              </a:defRPr>
+            </a:pPr>
+            <a:r>
+              <a:t>ClawHub: marketplace for community skills &amp; agents</a:t>
+            </a:r>
+          </a:p>
+        </p:txBody>
+      </p:sp>
+    </p:spTree>
+  </p:cSld>
+  <p:clrMapOvr>
+    <a:masterClrMapping/>
+  </p:clrMapOvr>
+</p:sld>
+</file>
+
+<file path=ppt/slides/slide13.xml><?xml version="1.0" encoding="utf-8"?>
+<p:sld xmlns:a="http://schemas.openxmlformats.org/drawingml/2006/main" xmlns:p="http://schemas.openxmlformats.org/presentationml/2006/main" xmlns:r="http://schemas.openxmlformats.org/officeDocument/2006/relationships">
+  <p:cSld>
+    <p:spTree>
+      <p:nvGrpSpPr>
+        <p:cNvPr id="1" name=""/>
+        <p:cNvGrpSpPr/>
+        <p:nvPr/>
+      </p:nvGrpSpPr>
+      <p:grpSpPr/>
+      <p:sp>
+        <p:nvSpPr>
+          <p:cNvPr id="2" name="Rectangle 1"/>
+          <p:cNvSpPr/>
+          <p:nvPr/>
+        </p:nvSpPr>
+        <p:spPr>
+          <a:xfrm>
+            <a:off x="0" y="0"/>
+            <a:ext cx="12191695" cy="1005840"/>
+          </a:xfrm>
+          <a:prstGeom prst="rect">
+            <a:avLst/>
+          </a:prstGeom>
+          <a:solidFill>
+            <a:srgbClr val="1B2A4A"/>
+          </a:solidFill>
+          <a:ln>
+            <a:noFill/>
+          </a:ln>
+        </p:spPr>
+        <p:style>
+          <a:lnRef idx="1">
+            <a:schemeClr val="accent1"/>
+          </a:lnRef>
+          <a:fillRef idx="3">
+            <a:schemeClr val="accent1"/>
+          </a:fillRef>
+          <a:effectRef idx="2">
+            <a:schemeClr val="accent1"/>
+          </a:effectRef>
+          <a:fontRef idx="minor">
+            <a:schemeClr val="lt1"/>
+          </a:fontRef>
+        </p:style>
+        <p:txBody>
+          <a:bodyPr rtlCol="0" anchor="ctr"/>
+          <a:lstStyle/>
+          <a:p>
+            <a:pPr algn="ctr"/>
+          </a:p>
+        </p:txBody>
+      </p:sp>
+      <p:sp>
+        <p:nvSpPr>
+          <p:cNvPr id="3" name="TextBox 2"/>
+          <p:cNvSpPr txBox="1"/>
+          <p:nvPr/>
+        </p:nvSpPr>
+        <p:spPr>
+          <a:xfrm>
+            <a:off x="731520" y="137160"/>
+            <a:ext cx="10698480" cy="731520"/>
+          </a:xfrm>
+          <a:prstGeom prst="rect">
+            <a:avLst/>
+          </a:prstGeom>
+          <a:noFill/>
+        </p:spPr>
+        <p:txBody>
+          <a:bodyPr wrap="square">
+            <a:spAutoFit/>
+          </a:bodyPr>
+          <a:lstStyle/>
+          <a:p>
+            <a:pPr>
+              <a:defRPr sz="2800" b="1">
+                <a:solidFill>
+                  <a:srgbClr val="FFFFFF"/>
+                </a:solidFill>
+              </a:defRPr>
+            </a:pPr>
+            <a:r>
+              <a:t>OpenClaw Auth Model</a:t>
+            </a:r>
+          </a:p>
+        </p:txBody>
+      </p:sp>
+      <p:sp>
+        <p:nvSpPr>
+          <p:cNvPr id="4" name="TextBox 3"/>
+          <p:cNvSpPr txBox="1"/>
+          <p:nvPr/>
+        </p:nvSpPr>
+        <p:spPr>
+          <a:xfrm>
+            <a:off x="731520" y="1280160"/>
+            <a:ext cx="10698480" cy="5029200"/>
+          </a:xfrm>
+          <a:prstGeom prst="rect">
+            <a:avLst/>
+          </a:prstGeom>
+          <a:noFill/>
+        </p:spPr>
+        <p:txBody>
+          <a:bodyPr wrap="square">
+            <a:spAutoFit/>
+          </a:bodyPr>
+          <a:lstStyle/>
+          <a:p>
+            <a:pPr>
+              <a:spcAft>
+                <a:spcPts val="1000"/>
+              </a:spcAft>
+              <a:defRPr sz="2200">
+                <a:solidFill>
+                  <a:srgbClr val="222222"/>
+                </a:solidFill>
+              </a:defRPr>
+            </a:pPr>
+            <a:r>
+              <a:t>OAuth: link → authorize → paste code. Uses existing subscription</a:t>
+            </a:r>
+          </a:p>
+          <a:p>
+            <a:pPr>
+              <a:spcAft>
+                <a:spcPts val="1000"/>
+              </a:spcAft>
+              <a:defRPr sz="2200">
+                <a:solidFill>
+                  <a:srgbClr val="222222"/>
+                </a:solidFill>
+              </a:defRPr>
+            </a:pPr>
+            <a:r>
+              <a:t>API Key: paste your key. Pay per token as usual</a:t>
+            </a:r>
+          </a:p>
+          <a:p>
+            <a:pPr>
+              <a:spcAft>
+                <a:spcPts val="1000"/>
+              </a:spcAft>
+              <a:defRPr sz="2200">
+                <a:solidFill>
+                  <a:srgbClr val="222222"/>
+                </a:solidFill>
+              </a:defRPr>
+            </a:pPr>
+            <a:r>
+              <a:t>Switch providers anytime — not locked in</a:t>
+            </a:r>
+          </a:p>
+          <a:p>
+            <a:pPr>
+              <a:spcAft>
+                <a:spcPts val="1000"/>
+              </a:spcAft>
+              <a:defRPr sz="2200">
+                <a:solidFill>
+                  <a:srgbClr val="222222"/>
+                </a:solidFill>
+              </a:defRPr>
+            </a:pPr>
+            <a:r>
+              <a:t>Same skills work regardless of auth method or provider</a:t>
+            </a:r>
+          </a:p>
+          <a:p>
+            <a:pPr>
+              <a:spcAft>
+                <a:spcPts val="1000"/>
+              </a:spcAft>
+              <a:defRPr sz="2200">
+                <a:solidFill>
+                  <a:srgbClr val="222222"/>
+                </a:solidFill>
+              </a:defRPr>
+            </a:pPr>
+            <a:r>
+              <a:t>Team features: shared skills, agent configs</a:t>
+            </a:r>
+          </a:p>
+          <a:p>
+            <a:pPr>
+              <a:spcAft>
+                <a:spcPts val="1000"/>
+              </a:spcAft>
+              <a:defRPr sz="2200">
+                <a:solidFill>
+                  <a:srgbClr val="222222"/>
+                </a:solidFill>
+              </a:defRPr>
+            </a:pPr>
+            <a:r>
+              <a:t>Self-hosted: full control over data and models</a:t>
+            </a:r>
+          </a:p>
+        </p:txBody>
+      </p:sp>
+    </p:spTree>
+  </p:cSld>
+  <p:clrMapOvr>
+    <a:masterClrMapping/>
+  </p:clrMapOvr>
+</p:sld>
+</file>
+
+<file path=ppt/slides/slide14.xml><?xml version="1.0" encoding="utf-8"?>
+<p:sld xmlns:a="http://schemas.openxmlformats.org/drawingml/2006/main" xmlns:p="http://schemas.openxmlformats.org/presentationml/2006/main" xmlns:r="http://schemas.openxmlformats.org/officeDocument/2006/relationships">
+  <p:cSld>
+    <p:spTree>
+      <p:nvGrpSpPr>
+        <p:cNvPr id="1" name=""/>
+        <p:cNvGrpSpPr/>
+        <p:nvPr/>
+      </p:nvGrpSpPr>
+      <p:grpSpPr/>
+      <p:sp>
+        <p:nvSpPr>
+          <p:cNvPr id="2" name="Rectangle 1"/>
+          <p:cNvSpPr/>
+          <p:nvPr/>
+        </p:nvSpPr>
+        <p:spPr>
+          <a:xfrm>
+            <a:off x="0" y="0"/>
+            <a:ext cx="12191695" cy="1005840"/>
+          </a:xfrm>
+          <a:prstGeom prst="rect">
+            <a:avLst/>
+          </a:prstGeom>
+          <a:solidFill>
+            <a:srgbClr val="1B2A4A"/>
+          </a:solidFill>
+          <a:ln>
+            <a:noFill/>
+          </a:ln>
+        </p:spPr>
+        <p:style>
+          <a:lnRef idx="1">
+            <a:schemeClr val="accent1"/>
+          </a:lnRef>
+          <a:fillRef idx="3">
+            <a:schemeClr val="accent1"/>
+          </a:fillRef>
+          <a:effectRef idx="2">
+            <a:schemeClr val="accent1"/>
+          </a:effectRef>
+          <a:fontRef idx="minor">
+            <a:schemeClr val="lt1"/>
+          </a:fontRef>
+        </p:style>
+        <p:txBody>
+          <a:bodyPr rtlCol="0" anchor="ctr"/>
+          <a:lstStyle/>
+          <a:p>
+            <a:pPr algn="ctr"/>
+          </a:p>
+        </p:txBody>
+      </p:sp>
+      <p:sp>
+        <p:nvSpPr>
+          <p:cNvPr id="3" name="TextBox 2"/>
+          <p:cNvSpPr txBox="1"/>
+          <p:nvPr/>
+        </p:nvSpPr>
+        <p:spPr>
+          <a:xfrm>
+            <a:off x="731520" y="137160"/>
+            <a:ext cx="10698480" cy="731520"/>
+          </a:xfrm>
+          <a:prstGeom prst="rect">
+            <a:avLst/>
+          </a:prstGeom>
+          <a:noFill/>
+        </p:spPr>
+        <p:txBody>
+          <a:bodyPr wrap="square">
+            <a:spAutoFit/>
+          </a:bodyPr>
+          <a:lstStyle/>
+          <a:p>
+            <a:pPr>
+              <a:defRPr sz="2800" b="1">
+                <a:solidFill>
+                  <a:srgbClr val="FFFFFF"/>
+                </a:solidFill>
+              </a:defRPr>
+            </a:pPr>
+            <a:r>
+              <a:t>Building an OpenClaw Skill</a:t>
+            </a:r>
+          </a:p>
+        </p:txBody>
+      </p:sp>
+      <p:sp>
+        <p:nvSpPr>
+          <p:cNvPr id="4" name="TextBox 3"/>
+          <p:cNvSpPr txBox="1"/>
+          <p:nvPr/>
+        </p:nvSpPr>
+        <p:spPr>
+          <a:xfrm>
+            <a:off x="731520" y="1280160"/>
+            <a:ext cx="10698480" cy="5029200"/>
+          </a:xfrm>
+          <a:prstGeom prst="rect">
+            <a:avLst/>
+          </a:prstGeom>
+          <a:noFill/>
+        </p:spPr>
+        <p:txBody>
+          <a:bodyPr wrap="square">
+            <a:spAutoFit/>
+          </a:bodyPr>
+          <a:lstStyle/>
+          <a:p>
+            <a:pPr>
+              <a:spcAft>
+                <a:spcPts val="1000"/>
+              </a:spcAft>
+              <a:defRPr sz="2200">
+                <a:solidFill>
+                  <a:srgbClr val="222222"/>
+                </a:solidFill>
+              </a:defRPr>
+            </a:pPr>
+            <a:r>
+              <a:t>Skills = MCP servers packaged for OpenClaw</a:t>
+            </a:r>
+          </a:p>
+          <a:p>
+            <a:pPr>
+              <a:spcAft>
+                <a:spcPts val="1000"/>
+              </a:spcAft>
+              <a:defRPr sz="2200">
+                <a:solidFill>
+                  <a:srgbClr val="222222"/>
+                </a:solidFill>
+              </a:defRPr>
+            </a:pPr>
+            <a:r>
+              <a:t>Define tools with schemas (same as function calling)</a:t>
+            </a:r>
+          </a:p>
+          <a:p>
+            <a:pPr>
+              <a:spcAft>
+                <a:spcPts val="1000"/>
+              </a:spcAft>
+              <a:defRPr sz="2200">
+                <a:solidFill>
+                  <a:srgbClr val="222222"/>
+                </a:solidFill>
+              </a:defRPr>
+            </a:pPr>
+            <a:r>
+              <a:t>Package with metadata for ClawHub</a:t>
+            </a:r>
+          </a:p>
+          <a:p>
+            <a:pPr>
+              <a:spcAft>
+                <a:spcPts val="1000"/>
+              </a:spcAft>
+              <a:defRPr sz="2200">
+                <a:solidFill>
+                  <a:srgbClr val="222222"/>
+                </a:solidFill>
+              </a:defRPr>
+            </a:pPr>
+            <a:r>
+              <a:t>Publish to ClawHub for community use</a:t>
+            </a:r>
+          </a:p>
+          <a:p>
+            <a:pPr>
+              <a:spcAft>
+                <a:spcPts val="1000"/>
+              </a:spcAft>
+              <a:defRPr sz="2200">
+                <a:solidFill>
+                  <a:srgbClr val="222222"/>
+                </a:solidFill>
+              </a:defRPr>
+            </a:pPr>
+            <a:r>
+              <a:t>Can wrap any API, database, or service</a:t>
+            </a:r>
+          </a:p>
+          <a:p>
+            <a:pPr>
+              <a:spcAft>
+                <a:spcPts val="1000"/>
+              </a:spcAft>
+              <a:defRPr sz="2200">
+                <a:solidFill>
+                  <a:srgbClr val="222222"/>
+                </a:solidFill>
+              </a:defRPr>
+            </a:pPr>
+            <a:r>
+              <a:t>File: openclaw_skill/ directory</a:t>
+            </a:r>
+          </a:p>
+        </p:txBody>
+      </p:sp>
+    </p:spTree>
+  </p:cSld>
+  <p:clrMapOvr>
+    <a:masterClrMapping/>
+  </p:clrMapOvr>
+</p:sld>
+</file>
+
+<file path=ppt/slides/slide15.xml><?xml version="1.0" encoding="utf-8"?>
+<p:sld xmlns:a="http://schemas.openxmlformats.org/drawingml/2006/main" xmlns:p="http://schemas.openxmlformats.org/presentationml/2006/main" xmlns:r="http://schemas.openxmlformats.org/officeDocument/2006/relationships">
+  <p:cSld>
+    <p:spTree>
+      <p:nvGrpSpPr>
+        <p:cNvPr id="1" name=""/>
+        <p:cNvGrpSpPr/>
+        <p:nvPr/>
+      </p:nvGrpSpPr>
+      <p:grpSpPr/>
+      <p:sp>
+        <p:nvSpPr>
+          <p:cNvPr id="2" name="Rectangle 1"/>
+          <p:cNvSpPr/>
+          <p:nvPr/>
+        </p:nvSpPr>
+        <p:spPr>
+          <a:xfrm>
+            <a:off x="0" y="0"/>
+            <a:ext cx="12191695" cy="1005840"/>
+          </a:xfrm>
+          <a:prstGeom prst="rect">
+            <a:avLst/>
+          </a:prstGeom>
+          <a:solidFill>
+            <a:srgbClr val="1B2A4A"/>
+          </a:solidFill>
+          <a:ln>
+            <a:noFill/>
+          </a:ln>
+        </p:spPr>
+        <p:style>
+          <a:lnRef idx="1">
+            <a:schemeClr val="accent1"/>
+          </a:lnRef>
+          <a:fillRef idx="3">
+            <a:schemeClr val="accent1"/>
+          </a:fillRef>
+          <a:effectRef idx="2">
+            <a:schemeClr val="accent1"/>
+          </a:effectRef>
+          <a:fontRef idx="minor">
+            <a:schemeClr val="lt1"/>
+          </a:fontRef>
+        </p:style>
+        <p:txBody>
+          <a:bodyPr rtlCol="0" anchor="ctr"/>
+          <a:lstStyle/>
+          <a:p>
+            <a:pPr algn="ctr"/>
+          </a:p>
+        </p:txBody>
+      </p:sp>
+      <p:sp>
+        <p:nvSpPr>
+          <p:cNvPr id="3" name="TextBox 2"/>
+          <p:cNvSpPr txBox="1"/>
+          <p:nvPr/>
+        </p:nvSpPr>
+        <p:spPr>
+          <a:xfrm>
+            <a:off x="731520" y="137160"/>
+            <a:ext cx="10698480" cy="731520"/>
+          </a:xfrm>
+          <a:prstGeom prst="rect">
+            <a:avLst/>
+          </a:prstGeom>
+          <a:noFill/>
+        </p:spPr>
+        <p:txBody>
+          <a:bodyPr wrap="square">
+            <a:spAutoFit/>
+          </a:bodyPr>
+          <a:lstStyle/>
+          <a:p>
+            <a:pPr>
+              <a:defRPr sz="2800" b="1">
+                <a:solidFill>
+                  <a:srgbClr val="FFFFFF"/>
+                </a:solidFill>
+              </a:defRPr>
+            </a:pPr>
+            <a:r>
+              <a:t>The AI Engineer Toolkit Map</a:t>
+            </a:r>
+          </a:p>
+        </p:txBody>
+      </p:sp>
+      <p:sp>
+        <p:nvSpPr>
+          <p:cNvPr id="4" name="TextBox 3"/>
+          <p:cNvSpPr txBox="1"/>
+          <p:nvPr/>
+        </p:nvSpPr>
+        <p:spPr>
+          <a:xfrm>
+            <a:off x="731520" y="1280160"/>
+            <a:ext cx="10698480" cy="5029200"/>
+          </a:xfrm>
+          <a:prstGeom prst="rect">
+            <a:avLst/>
+          </a:prstGeom>
+          <a:noFill/>
+        </p:spPr>
+        <p:txBody>
+          <a:bodyPr wrap="square">
+            <a:spAutoFit/>
+          </a:bodyPr>
+          <a:lstStyle/>
+          <a:p>
+            <a:pPr>
+              <a:spcAft>
+                <a:spcPts val="1000"/>
+              </a:spcAft>
+              <a:defRPr sz="2200">
+                <a:solidFill>
+                  <a:srgbClr val="222222"/>
+                </a:solidFill>
+              </a:defRPr>
+            </a:pPr>
+            <a:r>
+              <a:t>Models: GPT-5.2, Opus 4.6, Gemini 2.5 Pro, DeepSeek V4</a:t>
+            </a:r>
+          </a:p>
+          <a:p>
+            <a:pPr>
+              <a:spcAft>
+                <a:spcPts val="1000"/>
+              </a:spcAft>
+              <a:defRPr sz="2200">
+                <a:solidFill>
+                  <a:srgbClr val="222222"/>
+                </a:solidFill>
+              </a:defRPr>
+            </a:pPr>
+            <a:r>
+              <a:t>Frameworks: LangGraph, OpenAI Agents SDK, CrewAI</a:t>
+            </a:r>
+          </a:p>
+          <a:p>
+            <a:pPr>
+              <a:spcAft>
+                <a:spcPts val="1000"/>
+              </a:spcAft>
+              <a:defRPr sz="2200">
+                <a:solidFill>
+                  <a:srgbClr val="222222"/>
+                </a:solidFill>
+              </a:defRPr>
+            </a:pPr>
+            <a:r>
+              <a:t>Data: RAG + ChromaDB/Pinecone, embeddings, fine-tuning</a:t>
+            </a:r>
+          </a:p>
+          <a:p>
+            <a:pPr>
+              <a:spcAft>
+                <a:spcPts val="1000"/>
+              </a:spcAft>
+              <a:defRPr sz="2200">
+                <a:solidFill>
+                  <a:srgbClr val="222222"/>
+                </a:solidFill>
+              </a:defRPr>
+            </a:pPr>
+            <a:r>
+              <a:t>Observability: Langfuse, LangSmith</a:t>
+            </a:r>
+          </a:p>
+          <a:p>
+            <a:pPr>
+              <a:spcAft>
+                <a:spcPts val="1000"/>
+              </a:spcAft>
+              <a:defRPr sz="2200">
+                <a:solidFill>
+                  <a:srgbClr val="222222"/>
+                </a:solidFill>
+              </a:defRPr>
+            </a:pPr>
+            <a:r>
+              <a:t>Security: guardrails, prompt injection defense</a:t>
+            </a:r>
+          </a:p>
+          <a:p>
+            <a:pPr>
+              <a:spcAft>
+                <a:spcPts val="1000"/>
+              </a:spcAft>
+              <a:defRPr sz="2200">
+                <a:solidFill>
+                  <a:srgbClr val="222222"/>
+                </a:solidFill>
+              </a:defRPr>
+            </a:pPr>
+            <a:r>
+              <a:t>Tools: Claude Code, Cursor, OpenClaw, MCP</a:t>
+            </a:r>
+          </a:p>
+        </p:txBody>
+      </p:sp>
+    </p:spTree>
+  </p:cSld>
+  <p:clrMapOvr>
+    <a:masterClrMapping/>
+  </p:clrMapOvr>
+</p:sld>
+</file>
+
+<file path=ppt/slides/slide16.xml><?xml version="1.0" encoding="utf-8"?>
+<p:sld xmlns:a="http://schemas.openxmlformats.org/drawingml/2006/main" xmlns:p="http://schemas.openxmlformats.org/presentationml/2006/main" xmlns:r="http://schemas.openxmlformats.org/officeDocument/2006/relationships">
+  <p:cSld>
+    <p:spTree>
+      <p:nvGrpSpPr>
+        <p:cNvPr id="1" name=""/>
+        <p:cNvGrpSpPr/>
+        <p:nvPr/>
+      </p:nvGrpSpPr>
+      <p:grpSpPr/>
+      <p:sp>
+        <p:nvSpPr>
+          <p:cNvPr id="2" name="Rectangle 1"/>
+          <p:cNvSpPr/>
+          <p:nvPr/>
+        </p:nvSpPr>
+        <p:spPr>
+          <a:xfrm>
+            <a:off x="0" y="0"/>
+            <a:ext cx="12191695" cy="1005840"/>
+          </a:xfrm>
+          <a:prstGeom prst="rect">
+            <a:avLst/>
+          </a:prstGeom>
+          <a:solidFill>
+            <a:srgbClr val="1B2A4A"/>
+          </a:solidFill>
+          <a:ln>
+            <a:noFill/>
+          </a:ln>
+        </p:spPr>
+        <p:style>
+          <a:lnRef idx="1">
+            <a:schemeClr val="accent1"/>
+          </a:lnRef>
+          <a:fillRef idx="3">
+            <a:schemeClr val="accent1"/>
+          </a:fillRef>
+          <a:effectRef idx="2">
+            <a:schemeClr val="accent1"/>
+          </a:effectRef>
+          <a:fontRef idx="minor">
+            <a:schemeClr val="lt1"/>
+          </a:fontRef>
+        </p:style>
+        <p:txBody>
+          <a:bodyPr rtlCol="0" anchor="ctr"/>
+          <a:lstStyle/>
+          <a:p>
+            <a:pPr algn="ctr"/>
+          </a:p>
+        </p:txBody>
+      </p:sp>
+      <p:sp>
+        <p:nvSpPr>
+          <p:cNvPr id="3" name="TextBox 2"/>
+          <p:cNvSpPr txBox="1"/>
+          <p:nvPr/>
+        </p:nvSpPr>
+        <p:spPr>
+          <a:xfrm>
+            <a:off x="731520" y="137160"/>
+            <a:ext cx="10698480" cy="731520"/>
+          </a:xfrm>
+          <a:prstGeom prst="rect">
+            <a:avLst/>
+          </a:prstGeom>
+          <a:noFill/>
+        </p:spPr>
+        <p:txBody>
+          <a:bodyPr wrap="square">
+            <a:spAutoFit/>
+          </a:bodyPr>
+          <a:lstStyle/>
+          <a:p>
+            <a:pPr>
+              <a:defRPr sz="2800" b="1">
+                <a:solidFill>
+                  <a:srgbClr val="FFFFFF"/>
+                </a:solidFill>
+              </a:defRPr>
+            </a:pPr>
+            <a:r>
+              <a:t>Hands-On: Build Your Own OpenClaw Skill</a:t>
+            </a:r>
+          </a:p>
+        </p:txBody>
+      </p:sp>
+      <p:sp>
+        <p:nvSpPr>
+          <p:cNvPr id="4" name="TextBox 3"/>
+          <p:cNvSpPr txBox="1"/>
+          <p:nvPr/>
+        </p:nvSpPr>
+        <p:spPr>
+          <a:xfrm>
+            <a:off x="731520" y="1280160"/>
+            <a:ext cx="10698480" cy="5029200"/>
+          </a:xfrm>
+          <a:prstGeom prst="rect">
+            <a:avLst/>
+          </a:prstGeom>
+          <a:noFill/>
+        </p:spPr>
+        <p:txBody>
+          <a:bodyPr wrap="square">
+            <a:spAutoFit/>
+          </a:bodyPr>
+          <a:lstStyle/>
+          <a:p>
+            <a:pPr>
+              <a:spcAft>
+                <a:spcPts val="1000"/>
+              </a:spcAft>
+              <a:defRPr sz="2200">
+                <a:solidFill>
+                  <a:srgbClr val="222222"/>
+                </a:solidFill>
+              </a:defRPr>
+            </a:pPr>
+            <a:r>
+              <a:t>Goal: create a custom OpenClaw skill from scratch</a:t>
+            </a:r>
+          </a:p>
+          <a:p>
+            <a:pPr>
+              <a:spcAft>
+                <a:spcPts val="1000"/>
+              </a:spcAft>
+              <a:defRPr sz="2200">
+                <a:solidFill>
+                  <a:srgbClr val="222222"/>
+                </a:solidFill>
+              </a:defRPr>
+            </a:pPr>
+            <a:r>
+              <a:t>Pick a useful API to wrap (weather, news, etc.)</a:t>
+            </a:r>
+          </a:p>
+          <a:p>
+            <a:pPr>
+              <a:spcAft>
+                <a:spcPts val="1000"/>
+              </a:spcAft>
+              <a:defRPr sz="2200">
+                <a:solidFill>
+                  <a:srgbClr val="222222"/>
+                </a:solidFill>
+              </a:defRPr>
+            </a:pPr>
+            <a:r>
+              <a:t>Implement as MCP server with proper schemas</a:t>
+            </a:r>
+          </a:p>
+          <a:p>
+            <a:pPr>
+              <a:spcAft>
+                <a:spcPts val="1000"/>
+              </a:spcAft>
+              <a:defRPr sz="2200">
+                <a:solidFill>
+                  <a:srgbClr val="222222"/>
+                </a:solidFill>
+              </a:defRPr>
+            </a:pPr>
+            <a:r>
+              <a:t>Test locally with OpenClaw</a:t>
+            </a:r>
+          </a:p>
+          <a:p>
+            <a:pPr>
+              <a:spcAft>
+                <a:spcPts val="1000"/>
+              </a:spcAft>
+              <a:defRPr sz="2200">
+                <a:solidFill>
+                  <a:srgbClr val="222222"/>
+                </a:solidFill>
+              </a:defRPr>
+            </a:pPr>
+            <a:r>
+              <a:t>Package for ClawHub distribution</a:t>
+            </a:r>
+          </a:p>
+          <a:p>
+            <a:pPr>
+              <a:spcAft>
+                <a:spcPts val="1000"/>
+              </a:spcAft>
+              <a:defRPr sz="2200">
+                <a:solidFill>
+                  <a:srgbClr val="222222"/>
+                </a:solidFill>
+              </a:defRPr>
+            </a:pPr>
+            <a:r>
+              <a:t>Directory: openclaw_skill/</a:t>
+            </a:r>
+          </a:p>
+        </p:txBody>
+      </p:sp>
+    </p:spTree>
+  </p:cSld>
+  <p:clrMapOvr>
+    <a:masterClrMapping/>
+  </p:clrMapOvr>
+</p:sld>
+</file>
+
+<file path=ppt/slides/slide17.xml><?xml version="1.0" encoding="utf-8"?>
+<p:sld xmlns:a="http://schemas.openxmlformats.org/drawingml/2006/main" xmlns:p="http://schemas.openxmlformats.org/presentationml/2006/main" xmlns:r="http://schemas.openxmlformats.org/officeDocument/2006/relationships">
+  <p:cSld>
+    <p:bg>
+      <p:bgPr>
+        <a:solidFill>
+          <a:srgbClr val="1B2A4A"/>
+        </a:solidFill>
+        <a:effectLst/>
+      </p:bgPr>
+    </p:bg>
+    <p:spTree>
+      <p:nvGrpSpPr>
+        <p:cNvPr id="1" name=""/>
+        <p:cNvGrpSpPr/>
+        <p:nvPr/>
+      </p:nvGrpSpPr>
+      <p:grpSpPr/>
+      <p:sp>
+        <p:nvSpPr>
+          <p:cNvPr id="2" name="TextBox 1"/>
+          <p:cNvSpPr txBox="1"/>
+          <p:nvPr/>
+        </p:nvSpPr>
+        <p:spPr>
+          <a:xfrm>
+            <a:off x="731520" y="2286000"/>
+            <a:ext cx="10698480" cy="1828800"/>
+          </a:xfrm>
+          <a:prstGeom prst="rect">
+            <a:avLst/>
+          </a:prstGeom>
+          <a:noFill/>
+        </p:spPr>
+        <p:txBody>
+          <a:bodyPr wrap="square">
+            <a:spAutoFit/>
+          </a:bodyPr>
+          <a:lstStyle/>
+          <a:p>
+            <a:pPr algn="ctr">
+              <a:defRPr sz="4400" b="1">
+                <a:solidFill>
+                  <a:srgbClr val="FFFFFF"/>
+                </a:solidFill>
+              </a:defRPr>
+            </a:pPr>
+            <a:r>
+              <a:t>Series Complete! 🎉</a:t>
+            </a:r>
+          </a:p>
+          <a:p>
+            <a:pPr algn="ctr">
+              <a:defRPr sz="2200">
+                <a:solidFill>
+                  <a:srgbClr val="0096D6"/>
+                </a:solidFill>
+              </a:defRPr>
+            </a:pPr>
+            <a:r>
+              <a:t>8 sessions × hands-on skills = AI Engineer ready</a:t>
+            </a:r>
+          </a:p>
+        </p:txBody>
+      </p:sp>
+    </p:spTree>
+  </p:cSld>
+  <p:clrMapOvr>
+    <a:masterClrMapping/>
+  </p:clrMapOvr>
+</p:sld>
+</file>
+
+<file path=ppt/slides/slide2.xml><?xml version="1.0" encoding="utf-8"?>
+<p:sld xmlns:a="http://schemas.openxmlformats.org/drawingml/2006/main" xmlns:p="http://schemas.openxmlformats.org/presentationml/2006/main" xmlns:r="http://schemas.openxmlformats.org/officeDocument/2006/relationships">
+  <p:cSld>
+    <p:bg>
+      <p:bgPr>
+        <a:solidFill>
+          <a:srgbClr val="1B2A4A"/>
+        </a:solidFill>
+        <a:effectLst/>
+      </p:bgPr>
+    </p:bg>
+    <p:spTree>
+      <p:nvGrpSpPr>
+        <p:cNvPr id="1" name=""/>
+        <p:cNvGrpSpPr/>
+        <p:nvPr/>
+      </p:nvGrpSpPr>
+      <p:grpSpPr/>
+      <p:sp>
+        <p:nvSpPr>
+          <p:cNvPr id="2" name="TextBox 1"/>
+          <p:cNvSpPr txBox="1"/>
+          <p:nvPr/>
+        </p:nvSpPr>
+        <p:spPr>
+          <a:xfrm>
+            <a:off x="731520" y="2560320"/>
+            <a:ext cx="10698480" cy="1371600"/>
+          </a:xfrm>
+          <a:prstGeom prst="rect">
+            <a:avLst/>
+          </a:prstGeom>
+          <a:noFill/>
+        </p:spPr>
+        <p:txBody>
+          <a:bodyPr wrap="square">
+            <a:spAutoFit/>
+          </a:bodyPr>
+          <a:lstStyle/>
+          <a:p>
+            <a:pPr algn="l">
+              <a:defRPr sz="3600" b="1">
+                <a:solidFill>
+                  <a:srgbClr val="FFFFFF"/>
+                </a:solidFill>
+              </a:defRPr>
+            </a:pPr>
+            <a:r>
+              <a:t>Cost Optimization</a:t>
+            </a:r>
+          </a:p>
+        </p:txBody>
+      </p:sp>
+      <p:sp>
+        <p:nvSpPr>
+          <p:cNvPr id="3" name="Rectangle 2"/>
+          <p:cNvSpPr/>
+          <p:nvPr/>
+        </p:nvSpPr>
+        <p:spPr>
+          <a:xfrm>
+            <a:off x="731520" y="3931920"/>
+            <a:ext cx="1828800" cy="38100"/>
           </a:xfrm>
           <a:prstGeom prst="rect">
             <a:avLst/>
@@ -5262,172 +5954,6 @@
           </a:p>
         </p:txBody>
       </p:sp>
-      <p:sp>
-        <p:nvSpPr>
-          <p:cNvPr id="3" name="TextBox 2"/>
-          <p:cNvSpPr txBox="1"/>
-          <p:nvPr/>
-        </p:nvSpPr>
-        <p:spPr>
-          <a:xfrm>
-            <a:off x="731520" y="274320"/>
-            <a:ext cx="10728655" cy="822960"/>
-          </a:xfrm>
-          <a:prstGeom prst="rect">
-            <a:avLst/>
-          </a:prstGeom>
-          <a:noFill/>
-        </p:spPr>
-        <p:txBody>
-          <a:bodyPr wrap="square">
-            <a:spAutoFit/>
-          </a:bodyPr>
-          <a:lstStyle/>
-          <a:p>
-            <a:pPr algn="l">
-              <a:defRPr sz="3200" b="1">
-                <a:solidFill>
-                  <a:srgbClr val="1B2A4A"/>
-                </a:solidFill>
-              </a:defRPr>
-            </a:pPr>
-            <a:r>
-              <a:t>Building &amp; Publishing Your Skill</a:t>
-            </a:r>
-          </a:p>
-        </p:txBody>
-      </p:sp>
-      <p:sp>
-        <p:nvSpPr>
-          <p:cNvPr id="4" name="TextBox 3"/>
-          <p:cNvSpPr txBox="1"/>
-          <p:nvPr/>
-        </p:nvSpPr>
-        <p:spPr>
-          <a:xfrm>
-            <a:off x="914400" y="1280160"/>
-            <a:ext cx="10362895" cy="5029200"/>
-          </a:xfrm>
-          <a:prstGeom prst="rect">
-            <a:avLst/>
-          </a:prstGeom>
-          <a:noFill/>
-        </p:spPr>
-        <p:txBody>
-          <a:bodyPr wrap="square">
-            <a:spAutoFit/>
-          </a:bodyPr>
-          <a:lstStyle/>
-          <a:p>
-            <a:pPr>
-              <a:spcBef>
-                <a:spcPts val="400"/>
-              </a:spcBef>
-              <a:spcAft>
-                <a:spcPts val="800"/>
-              </a:spcAft>
-              <a:defRPr sz="2000">
-                <a:solidFill>
-                  <a:srgbClr val="333333"/>
-                </a:solidFill>
-              </a:defRPr>
-            </a:pPr>
-            <a:r>
-              <a:t>1. Create skill directory: mkdir my-skill &amp;&amp; cd my-skill</a:t>
-            </a:r>
-          </a:p>
-          <a:p>
-            <a:pPr>
-              <a:spcBef>
-                <a:spcPts val="400"/>
-              </a:spcBef>
-              <a:spcAft>
-                <a:spcPts val="800"/>
-              </a:spcAft>
-              <a:defRPr sz="2000">
-                <a:solidFill>
-                  <a:srgbClr val="333333"/>
-                </a:solidFill>
-              </a:defRPr>
-            </a:pPr>
-            <a:r>
-              <a:t>2. Write skill.json (tool definitions) and index.js (logic)</a:t>
-            </a:r>
-          </a:p>
-          <a:p>
-            <a:pPr>
-              <a:spcBef>
-                <a:spcPts val="400"/>
-              </a:spcBef>
-              <a:spcAft>
-                <a:spcPts val="800"/>
-              </a:spcAft>
-              <a:defRPr sz="2000">
-                <a:solidFill>
-                  <a:srgbClr val="333333"/>
-                </a:solidFill>
-              </a:defRPr>
-            </a:pPr>
-            <a:r>
-              <a:t>3. Test locally: openclaw skill test my-skill/</a:t>
-            </a:r>
-          </a:p>
-          <a:p>
-            <a:pPr>
-              <a:spcBef>
-                <a:spcPts val="400"/>
-              </a:spcBef>
-              <a:spcAft>
-                <a:spcPts val="800"/>
-              </a:spcAft>
-              <a:defRPr sz="2000">
-                <a:solidFill>
-                  <a:srgbClr val="333333"/>
-                </a:solidFill>
-              </a:defRPr>
-            </a:pPr>
-            <a:r>
-              <a:t>4. Install locally: openclaw skill install ./my-skill/</a:t>
-            </a:r>
-          </a:p>
-          <a:p>
-            <a:pPr>
-              <a:spcBef>
-                <a:spcPts val="400"/>
-              </a:spcBef>
-              <a:spcAft>
-                <a:spcPts val="800"/>
-              </a:spcAft>
-              <a:defRPr sz="2000">
-                <a:solidFill>
-                  <a:srgbClr val="333333"/>
-                </a:solidFill>
-              </a:defRPr>
-            </a:pPr>
-            <a:r>
-              <a:t>5. Publish: openclaw skill publish (to ClawHub)</a:t>
-            </a:r>
-          </a:p>
-          <a:p>
-            <a:pPr>
-              <a:spcBef>
-                <a:spcPts val="400"/>
-              </a:spcBef>
-              <a:spcAft>
-                <a:spcPts val="800"/>
-              </a:spcAft>
-              <a:defRPr sz="2000">
-                <a:solidFill>
-                  <a:srgbClr val="333333"/>
-                </a:solidFill>
-              </a:defRPr>
-            </a:pPr>
-            <a:r>
-              <a:t>Idea starters: bookmark manager, API tester, note taker</a:t>
-            </a:r>
-          </a:p>
-        </p:txBody>
-      </p:sp>
     </p:spTree>
   </p:cSld>
   <p:clrMapOvr>
@@ -5436,7 +5962,7 @@
 </p:sld>
 </file>
 
-<file path=ppt/slides/slide13.xml><?xml version="1.0" encoding="utf-8"?>
+<file path=ppt/slides/slide3.xml><?xml version="1.0" encoding="utf-8"?>
 <p:sld xmlns:a="http://schemas.openxmlformats.org/drawingml/2006/main" xmlns:p="http://schemas.openxmlformats.org/presentationml/2006/main" xmlns:r="http://schemas.openxmlformats.org/officeDocument/2006/relationships">
   <p:cSld>
     <p:spTree>
@@ -5455,7 +5981,879 @@
         <p:spPr>
           <a:xfrm>
             <a:off x="0" y="0"/>
-            <a:ext cx="12191695" cy="73152"/>
+            <a:ext cx="12191695" cy="1005840"/>
+          </a:xfrm>
+          <a:prstGeom prst="rect">
+            <a:avLst/>
+          </a:prstGeom>
+          <a:solidFill>
+            <a:srgbClr val="1B2A4A"/>
+          </a:solidFill>
+          <a:ln>
+            <a:noFill/>
+          </a:ln>
+        </p:spPr>
+        <p:style>
+          <a:lnRef idx="1">
+            <a:schemeClr val="accent1"/>
+          </a:lnRef>
+          <a:fillRef idx="3">
+            <a:schemeClr val="accent1"/>
+          </a:fillRef>
+          <a:effectRef idx="2">
+            <a:schemeClr val="accent1"/>
+          </a:effectRef>
+          <a:fontRef idx="minor">
+            <a:schemeClr val="lt1"/>
+          </a:fontRef>
+        </p:style>
+        <p:txBody>
+          <a:bodyPr rtlCol="0" anchor="ctr"/>
+          <a:lstStyle/>
+          <a:p>
+            <a:pPr algn="ctr"/>
+          </a:p>
+        </p:txBody>
+      </p:sp>
+      <p:sp>
+        <p:nvSpPr>
+          <p:cNvPr id="3" name="TextBox 2"/>
+          <p:cNvSpPr txBox="1"/>
+          <p:nvPr/>
+        </p:nvSpPr>
+        <p:spPr>
+          <a:xfrm>
+            <a:off x="731520" y="137160"/>
+            <a:ext cx="10698480" cy="731520"/>
+          </a:xfrm>
+          <a:prstGeom prst="rect">
+            <a:avLst/>
+          </a:prstGeom>
+          <a:noFill/>
+        </p:spPr>
+        <p:txBody>
+          <a:bodyPr wrap="square">
+            <a:spAutoFit/>
+          </a:bodyPr>
+          <a:lstStyle/>
+          <a:p>
+            <a:pPr>
+              <a:defRPr sz="2800" b="1">
+                <a:solidFill>
+                  <a:srgbClr val="FFFFFF"/>
+                </a:solidFill>
+              </a:defRPr>
+            </a:pPr>
+            <a:r>
+              <a:t>Model Routing — The Smart Way</a:t>
+            </a:r>
+          </a:p>
+        </p:txBody>
+      </p:sp>
+      <p:sp>
+        <p:nvSpPr>
+          <p:cNvPr id="4" name="TextBox 3"/>
+          <p:cNvSpPr txBox="1"/>
+          <p:nvPr/>
+        </p:nvSpPr>
+        <p:spPr>
+          <a:xfrm>
+            <a:off x="731520" y="1280160"/>
+            <a:ext cx="10698480" cy="5029200"/>
+          </a:xfrm>
+          <a:prstGeom prst="rect">
+            <a:avLst/>
+          </a:prstGeom>
+          <a:noFill/>
+        </p:spPr>
+        <p:txBody>
+          <a:bodyPr wrap="square">
+            <a:spAutoFit/>
+          </a:bodyPr>
+          <a:lstStyle/>
+          <a:p>
+            <a:pPr>
+              <a:spcAft>
+                <a:spcPts val="1000"/>
+              </a:spcAft>
+              <a:defRPr sz="2200">
+                <a:solidFill>
+                  <a:srgbClr val="222222"/>
+                </a:solidFill>
+              </a:defRPr>
+            </a:pPr>
+            <a:r>
+              <a:t>Don't use one model for everything</a:t>
+            </a:r>
+          </a:p>
+          <a:p>
+            <a:pPr>
+              <a:spcAft>
+                <a:spcPts val="1000"/>
+              </a:spcAft>
+              <a:defRPr sz="2200">
+                <a:solidFill>
+                  <a:srgbClr val="222222"/>
+                </a:solidFill>
+              </a:defRPr>
+            </a:pPr>
+            <a:r>
+              <a:t>Route: GPT-4.1-nano (simple) → GPT-4.1 (medium) → GPT-5.2 (hard)</a:t>
+            </a:r>
+          </a:p>
+          <a:p>
+            <a:pPr>
+              <a:spcAft>
+                <a:spcPts val="1000"/>
+              </a:spcAft>
+              <a:defRPr sz="2200">
+                <a:solidFill>
+                  <a:srgbClr val="222222"/>
+                </a:solidFill>
+              </a:defRPr>
+            </a:pPr>
+            <a:r>
+              <a:t>Classifier: use a cheap model to decide which model to use</a:t>
+            </a:r>
+          </a:p>
+          <a:p>
+            <a:pPr>
+              <a:spcAft>
+                <a:spcPts val="1000"/>
+              </a:spcAft>
+              <a:defRPr sz="2200">
+                <a:solidFill>
+                  <a:srgbClr val="222222"/>
+                </a:solidFill>
+              </a:defRPr>
+            </a:pPr>
+            <a:r>
+              <a:t>Caching: identical prompts → cached response (saves 100%)</a:t>
+            </a:r>
+          </a:p>
+          <a:p>
+            <a:pPr>
+              <a:spcAft>
+                <a:spcPts val="1000"/>
+              </a:spcAft>
+              <a:defRPr sz="2200">
+                <a:solidFill>
+                  <a:srgbClr val="222222"/>
+                </a:solidFill>
+              </a:defRPr>
+            </a:pPr>
+            <a:r>
+              <a:t>Batching: OpenAI Batch API — 50% discount, 24hr turnaround</a:t>
+            </a:r>
+          </a:p>
+          <a:p>
+            <a:pPr>
+              <a:spcAft>
+                <a:spcPts val="1000"/>
+              </a:spcAft>
+              <a:defRPr sz="2200">
+                <a:solidFill>
+                  <a:srgbClr val="222222"/>
+                </a:solidFill>
+              </a:defRPr>
+            </a:pPr>
+            <a:r>
+              <a:t>Result: 80% of requests handled by cheapest model</a:t>
+            </a:r>
+          </a:p>
+        </p:txBody>
+      </p:sp>
+    </p:spTree>
+  </p:cSld>
+  <p:clrMapOvr>
+    <a:masterClrMapping/>
+  </p:clrMapOvr>
+</p:sld>
+</file>
+
+<file path=ppt/slides/slide4.xml><?xml version="1.0" encoding="utf-8"?>
+<p:sld xmlns:a="http://schemas.openxmlformats.org/drawingml/2006/main" xmlns:p="http://schemas.openxmlformats.org/presentationml/2006/main" xmlns:r="http://schemas.openxmlformats.org/officeDocument/2006/relationships">
+  <p:cSld>
+    <p:spTree>
+      <p:nvGrpSpPr>
+        <p:cNvPr id="1" name=""/>
+        <p:cNvGrpSpPr/>
+        <p:nvPr/>
+      </p:nvGrpSpPr>
+      <p:grpSpPr/>
+      <p:sp>
+        <p:nvSpPr>
+          <p:cNvPr id="2" name="Rectangle 1"/>
+          <p:cNvSpPr/>
+          <p:nvPr/>
+        </p:nvSpPr>
+        <p:spPr>
+          <a:xfrm>
+            <a:off x="0" y="0"/>
+            <a:ext cx="12191695" cy="1005840"/>
+          </a:xfrm>
+          <a:prstGeom prst="rect">
+            <a:avLst/>
+          </a:prstGeom>
+          <a:solidFill>
+            <a:srgbClr val="1B2A4A"/>
+          </a:solidFill>
+          <a:ln>
+            <a:noFill/>
+          </a:ln>
+        </p:spPr>
+        <p:style>
+          <a:lnRef idx="1">
+            <a:schemeClr val="accent1"/>
+          </a:lnRef>
+          <a:fillRef idx="3">
+            <a:schemeClr val="accent1"/>
+          </a:fillRef>
+          <a:effectRef idx="2">
+            <a:schemeClr val="accent1"/>
+          </a:effectRef>
+          <a:fontRef idx="minor">
+            <a:schemeClr val="lt1"/>
+          </a:fontRef>
+        </p:style>
+        <p:txBody>
+          <a:bodyPr rtlCol="0" anchor="ctr"/>
+          <a:lstStyle/>
+          <a:p>
+            <a:pPr algn="ctr"/>
+          </a:p>
+        </p:txBody>
+      </p:sp>
+      <p:sp>
+        <p:nvSpPr>
+          <p:cNvPr id="3" name="TextBox 2"/>
+          <p:cNvSpPr txBox="1"/>
+          <p:nvPr/>
+        </p:nvSpPr>
+        <p:spPr>
+          <a:xfrm>
+            <a:off x="731520" y="137160"/>
+            <a:ext cx="10698480" cy="731520"/>
+          </a:xfrm>
+          <a:prstGeom prst="rect">
+            <a:avLst/>
+          </a:prstGeom>
+          <a:noFill/>
+        </p:spPr>
+        <p:txBody>
+          <a:bodyPr wrap="square">
+            <a:spAutoFit/>
+          </a:bodyPr>
+          <a:lstStyle/>
+          <a:p>
+            <a:pPr>
+              <a:defRPr sz="2800" b="1">
+                <a:solidFill>
+                  <a:srgbClr val="FFFFFF"/>
+                </a:solidFill>
+              </a:defRPr>
+            </a:pPr>
+            <a:r>
+              <a:t>Cost Optimization Strategies</a:t>
+            </a:r>
+          </a:p>
+        </p:txBody>
+      </p:sp>
+      <p:graphicFrame>
+        <p:nvGraphicFramePr>
+          <p:cNvPr id="4" name="Table 3"/>
+          <p:cNvGraphicFramePr>
+            <a:graphicFrameLocks noGrp="1"/>
+          </p:cNvGraphicFramePr>
+          <p:nvPr/>
+        </p:nvGraphicFramePr>
+        <p:xfrm>
+          <a:off x="731520" y="1280160"/>
+          <a:ext cx="10698480" cy="3840480"/>
+        </p:xfrm>
+        <a:graphic>
+          <a:graphicData uri="http://schemas.openxmlformats.org/drawingml/2006/table">
+            <a:tbl>
+              <a:tblPr firstRow="1" bandRow="1">
+                <a:tableStyleId>{5C22544A-7EE6-4342-B048-85BDC9FD1C3A}</a:tableStyleId>
+              </a:tblPr>
+              <a:tblGrid>
+                <a:gridCol w="3566160"/>
+                <a:gridCol w="3566160"/>
+                <a:gridCol w="3566160"/>
+              </a:tblGrid>
+              <a:tr h="548640">
+                <a:tc>
+                  <a:txBody>
+                    <a:bodyPr/>
+                    <a:lstStyle/>
+                    <a:p>
+                      <a:pPr>
+                        <a:defRPr sz="1800" b="1">
+                          <a:solidFill>
+                            <a:srgbClr val="FFFFFF"/>
+                          </a:solidFill>
+                        </a:defRPr>
+                      </a:pPr>
+                      <a:r>
+                        <a:t>Strategy</a:t>
+                      </a:r>
+                    </a:p>
+                  </a:txBody>
+                  <a:tcPr>
+                    <a:solidFill>
+                      <a:srgbClr val="1B2A4A"/>
+                    </a:solidFill>
+                  </a:tcPr>
+                </a:tc>
+                <a:tc>
+                  <a:txBody>
+                    <a:bodyPr/>
+                    <a:lstStyle/>
+                    <a:p>
+                      <a:pPr>
+                        <a:defRPr sz="1800" b="1">
+                          <a:solidFill>
+                            <a:srgbClr val="FFFFFF"/>
+                          </a:solidFill>
+                        </a:defRPr>
+                      </a:pPr>
+                      <a:r>
+                        <a:t>Savings</a:t>
+                      </a:r>
+                    </a:p>
+                  </a:txBody>
+                  <a:tcPr>
+                    <a:solidFill>
+                      <a:srgbClr val="1B2A4A"/>
+                    </a:solidFill>
+                  </a:tcPr>
+                </a:tc>
+                <a:tc>
+                  <a:txBody>
+                    <a:bodyPr/>
+                    <a:lstStyle/>
+                    <a:p>
+                      <a:pPr>
+                        <a:defRPr sz="1800" b="1">
+                          <a:solidFill>
+                            <a:srgbClr val="FFFFFF"/>
+                          </a:solidFill>
+                        </a:defRPr>
+                      </a:pPr>
+                      <a:r>
+                        <a:t>Trade-off</a:t>
+                      </a:r>
+                    </a:p>
+                  </a:txBody>
+                  <a:tcPr>
+                    <a:solidFill>
+                      <a:srgbClr val="1B2A4A"/>
+                    </a:solidFill>
+                  </a:tcPr>
+                </a:tc>
+              </a:tr>
+              <a:tr h="548640">
+                <a:tc>
+                  <a:txBody>
+                    <a:bodyPr/>
+                    <a:lstStyle/>
+                    <a:p>
+                      <a:pPr>
+                        <a:defRPr sz="1600">
+                          <a:solidFill>
+                            <a:srgbClr val="222222"/>
+                          </a:solidFill>
+                        </a:defRPr>
+                      </a:pPr>
+                      <a:r>
+                        <a:t>Model routing</a:t>
+                      </a:r>
+                    </a:p>
+                  </a:txBody>
+                  <a:tcPr>
+                    <a:solidFill>
+                      <a:srgbClr val="F5F7FA"/>
+                    </a:solidFill>
+                  </a:tcPr>
+                </a:tc>
+                <a:tc>
+                  <a:txBody>
+                    <a:bodyPr/>
+                    <a:lstStyle/>
+                    <a:p>
+                      <a:pPr>
+                        <a:defRPr sz="1600">
+                          <a:solidFill>
+                            <a:srgbClr val="222222"/>
+                          </a:solidFill>
+                        </a:defRPr>
+                      </a:pPr>
+                      <a:r>
+                        <a:t>5-10x</a:t>
+                      </a:r>
+                    </a:p>
+                  </a:txBody>
+                  <a:tcPr>
+                    <a:solidFill>
+                      <a:srgbClr val="F5F7FA"/>
+                    </a:solidFill>
+                  </a:tcPr>
+                </a:tc>
+                <a:tc>
+                  <a:txBody>
+                    <a:bodyPr/>
+                    <a:lstStyle/>
+                    <a:p>
+                      <a:pPr>
+                        <a:defRPr sz="1600">
+                          <a:solidFill>
+                            <a:srgbClr val="222222"/>
+                          </a:solidFill>
+                        </a:defRPr>
+                      </a:pPr>
+                      <a:r>
+                        <a:t>Complexity</a:t>
+                      </a:r>
+                    </a:p>
+                  </a:txBody>
+                  <a:tcPr>
+                    <a:solidFill>
+                      <a:srgbClr val="F5F7FA"/>
+                    </a:solidFill>
+                  </a:tcPr>
+                </a:tc>
+              </a:tr>
+              <a:tr h="548640">
+                <a:tc>
+                  <a:txBody>
+                    <a:bodyPr/>
+                    <a:lstStyle/>
+                    <a:p>
+                      <a:pPr>
+                        <a:defRPr sz="1600">
+                          <a:solidFill>
+                            <a:srgbClr val="222222"/>
+                          </a:solidFill>
+                        </a:defRPr>
+                      </a:pPr>
+                      <a:r>
+                        <a:t>Prompt caching</a:t>
+                      </a:r>
+                    </a:p>
+                  </a:txBody>
+                  <a:tcPr>
+                    <a:solidFill>
+                      <a:srgbClr val="FFFFFF"/>
+                    </a:solidFill>
+                  </a:tcPr>
+                </a:tc>
+                <a:tc>
+                  <a:txBody>
+                    <a:bodyPr/>
+                    <a:lstStyle/>
+                    <a:p>
+                      <a:pPr>
+                        <a:defRPr sz="1600">
+                          <a:solidFill>
+                            <a:srgbClr val="222222"/>
+                          </a:solidFill>
+                        </a:defRPr>
+                      </a:pPr>
+                      <a:r>
+                        <a:t>Up to 90%</a:t>
+                      </a:r>
+                    </a:p>
+                  </a:txBody>
+                  <a:tcPr>
+                    <a:solidFill>
+                      <a:srgbClr val="FFFFFF"/>
+                    </a:solidFill>
+                  </a:tcPr>
+                </a:tc>
+                <a:tc>
+                  <a:txBody>
+                    <a:bodyPr/>
+                    <a:lstStyle/>
+                    <a:p>
+                      <a:pPr>
+                        <a:defRPr sz="1600">
+                          <a:solidFill>
+                            <a:srgbClr val="222222"/>
+                          </a:solidFill>
+                        </a:defRPr>
+                      </a:pPr>
+                      <a:r>
+                        <a:t>Only identical prompts</a:t>
+                      </a:r>
+                    </a:p>
+                  </a:txBody>
+                  <a:tcPr>
+                    <a:solidFill>
+                      <a:srgbClr val="FFFFFF"/>
+                    </a:solidFill>
+                  </a:tcPr>
+                </a:tc>
+              </a:tr>
+              <a:tr h="548640">
+                <a:tc>
+                  <a:txBody>
+                    <a:bodyPr/>
+                    <a:lstStyle/>
+                    <a:p>
+                      <a:pPr>
+                        <a:defRPr sz="1600">
+                          <a:solidFill>
+                            <a:srgbClr val="222222"/>
+                          </a:solidFill>
+                        </a:defRPr>
+                      </a:pPr>
+                      <a:r>
+                        <a:t>Batch API</a:t>
+                      </a:r>
+                    </a:p>
+                  </a:txBody>
+                  <a:tcPr>
+                    <a:solidFill>
+                      <a:srgbClr val="F5F7FA"/>
+                    </a:solidFill>
+                  </a:tcPr>
+                </a:tc>
+                <a:tc>
+                  <a:txBody>
+                    <a:bodyPr/>
+                    <a:lstStyle/>
+                    <a:p>
+                      <a:pPr>
+                        <a:defRPr sz="1600">
+                          <a:solidFill>
+                            <a:srgbClr val="222222"/>
+                          </a:solidFill>
+                        </a:defRPr>
+                      </a:pPr>
+                      <a:r>
+                        <a:t>50%</a:t>
+                      </a:r>
+                    </a:p>
+                  </a:txBody>
+                  <a:tcPr>
+                    <a:solidFill>
+                      <a:srgbClr val="F5F7FA"/>
+                    </a:solidFill>
+                  </a:tcPr>
+                </a:tc>
+                <a:tc>
+                  <a:txBody>
+                    <a:bodyPr/>
+                    <a:lstStyle/>
+                    <a:p>
+                      <a:pPr>
+                        <a:defRPr sz="1600">
+                          <a:solidFill>
+                            <a:srgbClr val="222222"/>
+                          </a:solidFill>
+                        </a:defRPr>
+                      </a:pPr>
+                      <a:r>
+                        <a:t>24hr latency</a:t>
+                      </a:r>
+                    </a:p>
+                  </a:txBody>
+                  <a:tcPr>
+                    <a:solidFill>
+                      <a:srgbClr val="F5F7FA"/>
+                    </a:solidFill>
+                  </a:tcPr>
+                </a:tc>
+              </a:tr>
+              <a:tr h="548640">
+                <a:tc>
+                  <a:txBody>
+                    <a:bodyPr/>
+                    <a:lstStyle/>
+                    <a:p>
+                      <a:pPr>
+                        <a:defRPr sz="1600">
+                          <a:solidFill>
+                            <a:srgbClr val="222222"/>
+                          </a:solidFill>
+                        </a:defRPr>
+                      </a:pPr>
+                      <a:r>
+                        <a:t>Shorter prompts</a:t>
+                      </a:r>
+                    </a:p>
+                  </a:txBody>
+                  <a:tcPr>
+                    <a:solidFill>
+                      <a:srgbClr val="FFFFFF"/>
+                    </a:solidFill>
+                  </a:tcPr>
+                </a:tc>
+                <a:tc>
+                  <a:txBody>
+                    <a:bodyPr/>
+                    <a:lstStyle/>
+                    <a:p>
+                      <a:pPr>
+                        <a:defRPr sz="1600">
+                          <a:solidFill>
+                            <a:srgbClr val="222222"/>
+                          </a:solidFill>
+                        </a:defRPr>
+                      </a:pPr>
+                      <a:r>
+                        <a:t>2-5x</a:t>
+                      </a:r>
+                    </a:p>
+                  </a:txBody>
+                  <a:tcPr>
+                    <a:solidFill>
+                      <a:srgbClr val="FFFFFF"/>
+                    </a:solidFill>
+                  </a:tcPr>
+                </a:tc>
+                <a:tc>
+                  <a:txBody>
+                    <a:bodyPr/>
+                    <a:lstStyle/>
+                    <a:p>
+                      <a:pPr>
+                        <a:defRPr sz="1600">
+                          <a:solidFill>
+                            <a:srgbClr val="222222"/>
+                          </a:solidFill>
+                        </a:defRPr>
+                      </a:pPr>
+                      <a:r>
+                        <a:t>Prompt engineering effort</a:t>
+                      </a:r>
+                    </a:p>
+                  </a:txBody>
+                  <a:tcPr>
+                    <a:solidFill>
+                      <a:srgbClr val="FFFFFF"/>
+                    </a:solidFill>
+                  </a:tcPr>
+                </a:tc>
+              </a:tr>
+              <a:tr h="548640">
+                <a:tc>
+                  <a:txBody>
+                    <a:bodyPr/>
+                    <a:lstStyle/>
+                    <a:p>
+                      <a:pPr>
+                        <a:defRPr sz="1600">
+                          <a:solidFill>
+                            <a:srgbClr val="222222"/>
+                          </a:solidFill>
+                        </a:defRPr>
+                      </a:pPr>
+                      <a:r>
+                        <a:t>Smaller context</a:t>
+                      </a:r>
+                    </a:p>
+                  </a:txBody>
+                  <a:tcPr>
+                    <a:solidFill>
+                      <a:srgbClr val="F5F7FA"/>
+                    </a:solidFill>
+                  </a:tcPr>
+                </a:tc>
+                <a:tc>
+                  <a:txBody>
+                    <a:bodyPr/>
+                    <a:lstStyle/>
+                    <a:p>
+                      <a:pPr>
+                        <a:defRPr sz="1600">
+                          <a:solidFill>
+                            <a:srgbClr val="222222"/>
+                          </a:solidFill>
+                        </a:defRPr>
+                      </a:pPr>
+                      <a:r>
+                        <a:t>2-10x</a:t>
+                      </a:r>
+                    </a:p>
+                  </a:txBody>
+                  <a:tcPr>
+                    <a:solidFill>
+                      <a:srgbClr val="F5F7FA"/>
+                    </a:solidFill>
+                  </a:tcPr>
+                </a:tc>
+                <a:tc>
+                  <a:txBody>
+                    <a:bodyPr/>
+                    <a:lstStyle/>
+                    <a:p>
+                      <a:pPr>
+                        <a:defRPr sz="1600">
+                          <a:solidFill>
+                            <a:srgbClr val="222222"/>
+                          </a:solidFill>
+                        </a:defRPr>
+                      </a:pPr>
+                      <a:r>
+                        <a:t>May miss information</a:t>
+                      </a:r>
+                    </a:p>
+                  </a:txBody>
+                  <a:tcPr>
+                    <a:solidFill>
+                      <a:srgbClr val="F5F7FA"/>
+                    </a:solidFill>
+                  </a:tcPr>
+                </a:tc>
+              </a:tr>
+              <a:tr h="548640">
+                <a:tc>
+                  <a:txBody>
+                    <a:bodyPr/>
+                    <a:lstStyle/>
+                    <a:p>
+                      <a:pPr>
+                        <a:defRPr sz="1600">
+                          <a:solidFill>
+                            <a:srgbClr val="222222"/>
+                          </a:solidFill>
+                        </a:defRPr>
+                      </a:pPr>
+                      <a:r>
+                        <a:t>Open-source models</a:t>
+                      </a:r>
+                    </a:p>
+                  </a:txBody>
+                  <a:tcPr>
+                    <a:solidFill>
+                      <a:srgbClr val="FFFFFF"/>
+                    </a:solidFill>
+                  </a:tcPr>
+                </a:tc>
+                <a:tc>
+                  <a:txBody>
+                    <a:bodyPr/>
+                    <a:lstStyle/>
+                    <a:p>
+                      <a:pPr>
+                        <a:defRPr sz="1600">
+                          <a:solidFill>
+                            <a:srgbClr val="222222"/>
+                          </a:solidFill>
+                        </a:defRPr>
+                      </a:pPr>
+                      <a:r>
+                        <a:t>10-100x</a:t>
+                      </a:r>
+                    </a:p>
+                  </a:txBody>
+                  <a:tcPr>
+                    <a:solidFill>
+                      <a:srgbClr val="FFFFFF"/>
+                    </a:solidFill>
+                  </a:tcPr>
+                </a:tc>
+                <a:tc>
+                  <a:txBody>
+                    <a:bodyPr/>
+                    <a:lstStyle/>
+                    <a:p>
+                      <a:pPr>
+                        <a:defRPr sz="1600">
+                          <a:solidFill>
+                            <a:srgbClr val="222222"/>
+                          </a:solidFill>
+                        </a:defRPr>
+                      </a:pPr>
+                      <a:r>
+                        <a:t>Self-hosting overhead</a:t>
+                      </a:r>
+                    </a:p>
+                  </a:txBody>
+                  <a:tcPr>
+                    <a:solidFill>
+                      <a:srgbClr val="FFFFFF"/>
+                    </a:solidFill>
+                  </a:tcPr>
+                </a:tc>
+              </a:tr>
+            </a:tbl>
+          </a:graphicData>
+        </a:graphic>
+      </p:graphicFrame>
+    </p:spTree>
+  </p:cSld>
+  <p:clrMapOvr>
+    <a:masterClrMapping/>
+  </p:clrMapOvr>
+</p:sld>
+</file>
+
+<file path=ppt/slides/slide5.xml><?xml version="1.0" encoding="utf-8"?>
+<p:sld xmlns:a="http://schemas.openxmlformats.org/drawingml/2006/main" xmlns:p="http://schemas.openxmlformats.org/presentationml/2006/main" xmlns:r="http://schemas.openxmlformats.org/officeDocument/2006/relationships">
+  <p:cSld>
+    <p:bg>
+      <p:bgPr>
+        <a:solidFill>
+          <a:srgbClr val="1B2A4A"/>
+        </a:solidFill>
+        <a:effectLst/>
+      </p:bgPr>
+    </p:bg>
+    <p:spTree>
+      <p:nvGrpSpPr>
+        <p:cNvPr id="1" name=""/>
+        <p:cNvGrpSpPr/>
+        <p:nvPr/>
+      </p:nvGrpSpPr>
+      <p:grpSpPr/>
+      <p:sp>
+        <p:nvSpPr>
+          <p:cNvPr id="2" name="TextBox 1"/>
+          <p:cNvSpPr txBox="1"/>
+          <p:nvPr/>
+        </p:nvSpPr>
+        <p:spPr>
+          <a:xfrm>
+            <a:off x="731520" y="2560320"/>
+            <a:ext cx="10698480" cy="1371600"/>
+          </a:xfrm>
+          <a:prstGeom prst="rect">
+            <a:avLst/>
+          </a:prstGeom>
+          <a:noFill/>
+        </p:spPr>
+        <p:txBody>
+          <a:bodyPr wrap="square">
+            <a:spAutoFit/>
+          </a:bodyPr>
+          <a:lstStyle/>
+          <a:p>
+            <a:pPr algn="l">
+              <a:defRPr sz="3600" b="1">
+                <a:solidFill>
+                  <a:srgbClr val="FFFFFF"/>
+                </a:solidFill>
+              </a:defRPr>
+            </a:pPr>
+            <a:r>
+              <a:t>AI Gateways &amp; Production Patterns</a:t>
+            </a:r>
+          </a:p>
+        </p:txBody>
+      </p:sp>
+      <p:sp>
+        <p:nvSpPr>
+          <p:cNvPr id="3" name="Rectangle 2"/>
+          <p:cNvSpPr/>
+          <p:nvPr/>
+        </p:nvSpPr>
+        <p:spPr>
+          <a:xfrm>
+            <a:off x="731520" y="3931920"/>
+            <a:ext cx="1828800" cy="38100"/>
           </a:xfrm>
           <a:prstGeom prst="rect">
             <a:avLst/>
@@ -5489,172 +6887,6 @@
           </a:p>
         </p:txBody>
       </p:sp>
-      <p:sp>
-        <p:nvSpPr>
-          <p:cNvPr id="3" name="TextBox 2"/>
-          <p:cNvSpPr txBox="1"/>
-          <p:nvPr/>
-        </p:nvSpPr>
-        <p:spPr>
-          <a:xfrm>
-            <a:off x="731520" y="274320"/>
-            <a:ext cx="10728655" cy="822960"/>
-          </a:xfrm>
-          <a:prstGeom prst="rect">
-            <a:avLst/>
-          </a:prstGeom>
-          <a:noFill/>
-        </p:spPr>
-        <p:txBody>
-          <a:bodyPr wrap="square">
-            <a:spAutoFit/>
-          </a:bodyPr>
-          <a:lstStyle/>
-          <a:p>
-            <a:pPr algn="l">
-              <a:defRPr sz="3200" b="1">
-                <a:solidFill>
-                  <a:srgbClr val="1B2A4A"/>
-                </a:solidFill>
-              </a:defRPr>
-            </a:pPr>
-            <a:r>
-              <a:t>The AI Engineer Toolkit — Full Picture</a:t>
-            </a:r>
-          </a:p>
-        </p:txBody>
-      </p:sp>
-      <p:sp>
-        <p:nvSpPr>
-          <p:cNvPr id="4" name="TextBox 3"/>
-          <p:cNvSpPr txBox="1"/>
-          <p:nvPr/>
-        </p:nvSpPr>
-        <p:spPr>
-          <a:xfrm>
-            <a:off x="914400" y="1280160"/>
-            <a:ext cx="10362895" cy="5029200"/>
-          </a:xfrm>
-          <a:prstGeom prst="rect">
-            <a:avLst/>
-          </a:prstGeom>
-          <a:noFill/>
-        </p:spPr>
-        <p:txBody>
-          <a:bodyPr wrap="square">
-            <a:spAutoFit/>
-          </a:bodyPr>
-          <a:lstStyle/>
-          <a:p>
-            <a:pPr>
-              <a:spcBef>
-                <a:spcPts val="400"/>
-              </a:spcBef>
-              <a:spcAft>
-                <a:spcPts val="800"/>
-              </a:spcAft>
-              <a:defRPr sz="2000">
-                <a:solidFill>
-                  <a:srgbClr val="333333"/>
-                </a:solidFill>
-              </a:defRPr>
-            </a:pPr>
-            <a:r>
-              <a:t>Models: GPT-5.2 / Opus 4.6 / Gemini 2.5 Pro (+ cheap alternatives)</a:t>
-            </a:r>
-          </a:p>
-          <a:p>
-            <a:pPr>
-              <a:spcBef>
-                <a:spcPts val="400"/>
-              </a:spcBef>
-              <a:spcAft>
-                <a:spcPts val="800"/>
-              </a:spcAft>
-              <a:defRPr sz="2000">
-                <a:solidFill>
-                  <a:srgbClr val="333333"/>
-                </a:solidFill>
-              </a:defRPr>
-            </a:pPr>
-            <a:r>
-              <a:t>Tools: MCP servers, function calling, Skills</a:t>
-            </a:r>
-          </a:p>
-          <a:p>
-            <a:pPr>
-              <a:spcBef>
-                <a:spcPts val="400"/>
-              </a:spcBef>
-              <a:spcAft>
-                <a:spcPts val="800"/>
-              </a:spcAft>
-              <a:defRPr sz="2000">
-                <a:solidFill>
-                  <a:srgbClr val="333333"/>
-                </a:solidFill>
-              </a:defRPr>
-            </a:pPr>
-            <a:r>
-              <a:t>Agents: LangGraph, OpenAI Agents SDK, CrewAI</a:t>
-            </a:r>
-          </a:p>
-          <a:p>
-            <a:pPr>
-              <a:spcBef>
-                <a:spcPts val="400"/>
-              </a:spcBef>
-              <a:spcAft>
-                <a:spcPts val="800"/>
-              </a:spcAft>
-              <a:defRPr sz="2000">
-                <a:solidFill>
-                  <a:srgbClr val="333333"/>
-                </a:solidFill>
-              </a:defRPr>
-            </a:pPr>
-            <a:r>
-              <a:t>Data: RAG (embeddings + vector DB) or long context</a:t>
-            </a:r>
-          </a:p>
-          <a:p>
-            <a:pPr>
-              <a:spcBef>
-                <a:spcPts val="400"/>
-              </a:spcBef>
-              <a:spcAft>
-                <a:spcPts val="800"/>
-              </a:spcAft>
-              <a:defRPr sz="2000">
-                <a:solidFill>
-                  <a:srgbClr val="333333"/>
-                </a:solidFill>
-              </a:defRPr>
-            </a:pPr>
-            <a:r>
-              <a:t>Ops: Langfuse tracing, LLM-as-judge evals, guardrails</a:t>
-            </a:r>
-          </a:p>
-          <a:p>
-            <a:pPr>
-              <a:spcBef>
-                <a:spcPts val="400"/>
-              </a:spcBef>
-              <a:spcAft>
-                <a:spcPts val="800"/>
-              </a:spcAft>
-              <a:defRPr sz="2000">
-                <a:solidFill>
-                  <a:srgbClr val="333333"/>
-                </a:solidFill>
-              </a:defRPr>
-            </a:pPr>
-            <a:r>
-              <a:t>Production: model routing, caching, gateways, error handling</a:t>
-            </a:r>
-          </a:p>
-        </p:txBody>
-      </p:sp>
     </p:spTree>
   </p:cSld>
   <p:clrMapOvr>
@@ -5663,7 +6895,7 @@
 </p:sld>
 </file>
 
-<file path=ppt/slides/slide14.xml><?xml version="1.0" encoding="utf-8"?>
+<file path=ppt/slides/slide6.xml><?xml version="1.0" encoding="utf-8"?>
 <p:sld xmlns:a="http://schemas.openxmlformats.org/drawingml/2006/main" xmlns:p="http://schemas.openxmlformats.org/presentationml/2006/main" xmlns:r="http://schemas.openxmlformats.org/officeDocument/2006/relationships">
   <p:cSld>
     <p:spTree>
@@ -5682,7 +6914,468 @@
         <p:spPr>
           <a:xfrm>
             <a:off x="0" y="0"/>
-            <a:ext cx="12191695" cy="73152"/>
+            <a:ext cx="12191695" cy="1005840"/>
+          </a:xfrm>
+          <a:prstGeom prst="rect">
+            <a:avLst/>
+          </a:prstGeom>
+          <a:solidFill>
+            <a:srgbClr val="1B2A4A"/>
+          </a:solidFill>
+          <a:ln>
+            <a:noFill/>
+          </a:ln>
+        </p:spPr>
+        <p:style>
+          <a:lnRef idx="1">
+            <a:schemeClr val="accent1"/>
+          </a:lnRef>
+          <a:fillRef idx="3">
+            <a:schemeClr val="accent1"/>
+          </a:fillRef>
+          <a:effectRef idx="2">
+            <a:schemeClr val="accent1"/>
+          </a:effectRef>
+          <a:fontRef idx="minor">
+            <a:schemeClr val="lt1"/>
+          </a:fontRef>
+        </p:style>
+        <p:txBody>
+          <a:bodyPr rtlCol="0" anchor="ctr"/>
+          <a:lstStyle/>
+          <a:p>
+            <a:pPr algn="ctr"/>
+          </a:p>
+        </p:txBody>
+      </p:sp>
+      <p:sp>
+        <p:nvSpPr>
+          <p:cNvPr id="3" name="TextBox 2"/>
+          <p:cNvSpPr txBox="1"/>
+          <p:nvPr/>
+        </p:nvSpPr>
+        <p:spPr>
+          <a:xfrm>
+            <a:off x="731520" y="137160"/>
+            <a:ext cx="10698480" cy="731520"/>
+          </a:xfrm>
+          <a:prstGeom prst="rect">
+            <a:avLst/>
+          </a:prstGeom>
+          <a:noFill/>
+        </p:spPr>
+        <p:txBody>
+          <a:bodyPr wrap="square">
+            <a:spAutoFit/>
+          </a:bodyPr>
+          <a:lstStyle/>
+          <a:p>
+            <a:pPr>
+              <a:defRPr sz="2800" b="1">
+                <a:solidFill>
+                  <a:srgbClr val="FFFFFF"/>
+                </a:solidFill>
+              </a:defRPr>
+            </a:pPr>
+            <a:r>
+              <a:t>AI Gateways / Routers</a:t>
+            </a:r>
+          </a:p>
+        </p:txBody>
+      </p:sp>
+      <p:sp>
+        <p:nvSpPr>
+          <p:cNvPr id="4" name="TextBox 3"/>
+          <p:cNvSpPr txBox="1"/>
+          <p:nvPr/>
+        </p:nvSpPr>
+        <p:spPr>
+          <a:xfrm>
+            <a:off x="731520" y="1280160"/>
+            <a:ext cx="10698480" cy="5029200"/>
+          </a:xfrm>
+          <a:prstGeom prst="rect">
+            <a:avLst/>
+          </a:prstGeom>
+          <a:noFill/>
+        </p:spPr>
+        <p:txBody>
+          <a:bodyPr wrap="square">
+            <a:spAutoFit/>
+          </a:bodyPr>
+          <a:lstStyle/>
+          <a:p>
+            <a:pPr>
+              <a:spcAft>
+                <a:spcPts val="1000"/>
+              </a:spcAft>
+              <a:defRPr sz="2200">
+                <a:solidFill>
+                  <a:srgbClr val="222222"/>
+                </a:solidFill>
+              </a:defRPr>
+            </a:pPr>
+            <a:r>
+              <a:t>LiteLLM: unified API for 100+ LLM providers</a:t>
+            </a:r>
+          </a:p>
+          <a:p>
+            <a:pPr>
+              <a:spcAft>
+                <a:spcPts val="1000"/>
+              </a:spcAft>
+              <a:defRPr sz="2200">
+                <a:solidFill>
+                  <a:srgbClr val="222222"/>
+                </a:solidFill>
+              </a:defRPr>
+            </a:pPr>
+            <a:r>
+              <a:t>Portkey: gateway with caching, retries, fallbacks</a:t>
+            </a:r>
+          </a:p>
+          <a:p>
+            <a:pPr>
+              <a:spcAft>
+                <a:spcPts val="1000"/>
+              </a:spcAft>
+              <a:defRPr sz="2200">
+                <a:solidFill>
+                  <a:srgbClr val="222222"/>
+                </a:solidFill>
+              </a:defRPr>
+            </a:pPr>
+            <a:r>
+              <a:t>OpenRouter: single API, automatic model routing</a:t>
+            </a:r>
+          </a:p>
+          <a:p>
+            <a:pPr>
+              <a:spcAft>
+                <a:spcPts val="1000"/>
+              </a:spcAft>
+              <a:defRPr sz="2200">
+                <a:solidFill>
+                  <a:srgbClr val="222222"/>
+                </a:solidFill>
+              </a:defRPr>
+            </a:pPr>
+            <a:r>
+              <a:t>Benefits: vendor flexibility, fallbacks, unified logging</a:t>
+            </a:r>
+          </a:p>
+          <a:p>
+            <a:pPr>
+              <a:spcAft>
+                <a:spcPts val="1000"/>
+              </a:spcAft>
+              <a:defRPr sz="2200">
+                <a:solidFill>
+                  <a:srgbClr val="222222"/>
+                </a:solidFill>
+              </a:defRPr>
+            </a:pPr>
+            <a:r>
+              <a:t>Your code calls one API → gateway routes to best provider</a:t>
+            </a:r>
+          </a:p>
+          <a:p>
+            <a:pPr>
+              <a:spcAft>
+                <a:spcPts val="1000"/>
+              </a:spcAft>
+              <a:defRPr sz="2200">
+                <a:solidFill>
+                  <a:srgbClr val="222222"/>
+                </a:solidFill>
+              </a:defRPr>
+            </a:pPr>
+            <a:r>
+              <a:t>Essential for production: never depend on one provider</a:t>
+            </a:r>
+          </a:p>
+        </p:txBody>
+      </p:sp>
+    </p:spTree>
+  </p:cSld>
+  <p:clrMapOvr>
+    <a:masterClrMapping/>
+  </p:clrMapOvr>
+</p:sld>
+</file>
+
+<file path=ppt/slides/slide7.xml><?xml version="1.0" encoding="utf-8"?>
+<p:sld xmlns:a="http://schemas.openxmlformats.org/drawingml/2006/main" xmlns:p="http://schemas.openxmlformats.org/presentationml/2006/main" xmlns:r="http://schemas.openxmlformats.org/officeDocument/2006/relationships">
+  <p:cSld>
+    <p:spTree>
+      <p:nvGrpSpPr>
+        <p:cNvPr id="1" name=""/>
+        <p:cNvGrpSpPr/>
+        <p:nvPr/>
+      </p:nvGrpSpPr>
+      <p:grpSpPr/>
+      <p:sp>
+        <p:nvSpPr>
+          <p:cNvPr id="2" name="Rectangle 1"/>
+          <p:cNvSpPr/>
+          <p:nvPr/>
+        </p:nvSpPr>
+        <p:spPr>
+          <a:xfrm>
+            <a:off x="0" y="0"/>
+            <a:ext cx="12191695" cy="1005840"/>
+          </a:xfrm>
+          <a:prstGeom prst="rect">
+            <a:avLst/>
+          </a:prstGeom>
+          <a:solidFill>
+            <a:srgbClr val="1B2A4A"/>
+          </a:solidFill>
+          <a:ln>
+            <a:noFill/>
+          </a:ln>
+        </p:spPr>
+        <p:style>
+          <a:lnRef idx="1">
+            <a:schemeClr val="accent1"/>
+          </a:lnRef>
+          <a:fillRef idx="3">
+            <a:schemeClr val="accent1"/>
+          </a:fillRef>
+          <a:effectRef idx="2">
+            <a:schemeClr val="accent1"/>
+          </a:effectRef>
+          <a:fontRef idx="minor">
+            <a:schemeClr val="lt1"/>
+          </a:fontRef>
+        </p:style>
+        <p:txBody>
+          <a:bodyPr rtlCol="0" anchor="ctr"/>
+          <a:lstStyle/>
+          <a:p>
+            <a:pPr algn="ctr"/>
+          </a:p>
+        </p:txBody>
+      </p:sp>
+      <p:sp>
+        <p:nvSpPr>
+          <p:cNvPr id="3" name="TextBox 2"/>
+          <p:cNvSpPr txBox="1"/>
+          <p:nvPr/>
+        </p:nvSpPr>
+        <p:spPr>
+          <a:xfrm>
+            <a:off x="731520" y="137160"/>
+            <a:ext cx="10698480" cy="731520"/>
+          </a:xfrm>
+          <a:prstGeom prst="rect">
+            <a:avLst/>
+          </a:prstGeom>
+          <a:noFill/>
+        </p:spPr>
+        <p:txBody>
+          <a:bodyPr wrap="square">
+            <a:spAutoFit/>
+          </a:bodyPr>
+          <a:lstStyle/>
+          <a:p>
+            <a:pPr>
+              <a:defRPr sz="2800" b="1">
+                <a:solidFill>
+                  <a:srgbClr val="FFFFFF"/>
+                </a:solidFill>
+              </a:defRPr>
+            </a:pPr>
+            <a:r>
+              <a:t>Production Patterns</a:t>
+            </a:r>
+          </a:p>
+        </p:txBody>
+      </p:sp>
+      <p:sp>
+        <p:nvSpPr>
+          <p:cNvPr id="4" name="TextBox 3"/>
+          <p:cNvSpPr txBox="1"/>
+          <p:nvPr/>
+        </p:nvSpPr>
+        <p:spPr>
+          <a:xfrm>
+            <a:off x="731520" y="1280160"/>
+            <a:ext cx="10698480" cy="5029200"/>
+          </a:xfrm>
+          <a:prstGeom prst="rect">
+            <a:avLst/>
+          </a:prstGeom>
+          <a:noFill/>
+        </p:spPr>
+        <p:txBody>
+          <a:bodyPr wrap="square">
+            <a:spAutoFit/>
+          </a:bodyPr>
+          <a:lstStyle/>
+          <a:p>
+            <a:pPr>
+              <a:spcAft>
+                <a:spcPts val="1000"/>
+              </a:spcAft>
+              <a:defRPr sz="2200">
+                <a:solidFill>
+                  <a:srgbClr val="222222"/>
+                </a:solidFill>
+              </a:defRPr>
+            </a:pPr>
+            <a:r>
+              <a:t>Rate limiting: respect provider limits, implement backoff</a:t>
+            </a:r>
+          </a:p>
+          <a:p>
+            <a:pPr>
+              <a:spcAft>
+                <a:spcPts val="1000"/>
+              </a:spcAft>
+              <a:defRPr sz="2200">
+                <a:solidFill>
+                  <a:srgbClr val="222222"/>
+                </a:solidFill>
+              </a:defRPr>
+            </a:pPr>
+            <a:r>
+              <a:t>Retries: exponential backoff with jitter</a:t>
+            </a:r>
+          </a:p>
+          <a:p>
+            <a:pPr>
+              <a:spcAft>
+                <a:spcPts val="1000"/>
+              </a:spcAft>
+              <a:defRPr sz="2200">
+                <a:solidFill>
+                  <a:srgbClr val="222222"/>
+                </a:solidFill>
+              </a:defRPr>
+            </a:pPr>
+            <a:r>
+              <a:t>Streaming: SSE for real-time responses (better UX)</a:t>
+            </a:r>
+          </a:p>
+          <a:p>
+            <a:pPr>
+              <a:spcAft>
+                <a:spcPts val="1000"/>
+              </a:spcAft>
+              <a:defRPr sz="2200">
+                <a:solidFill>
+                  <a:srgbClr val="222222"/>
+                </a:solidFill>
+              </a:defRPr>
+            </a:pPr>
+            <a:r>
+              <a:t>Error handling: timeout, rate limit, content filter, model down</a:t>
+            </a:r>
+          </a:p>
+          <a:p>
+            <a:pPr>
+              <a:spcAft>
+                <a:spcPts val="1000"/>
+              </a:spcAft>
+              <a:defRPr sz="2200">
+                <a:solidFill>
+                  <a:srgbClr val="222222"/>
+                </a:solidFill>
+              </a:defRPr>
+            </a:pPr>
+            <a:r>
+              <a:t>Logging: every request/response for debugging and compliance</a:t>
+            </a:r>
+          </a:p>
+          <a:p>
+            <a:pPr>
+              <a:spcAft>
+                <a:spcPts val="1000"/>
+              </a:spcAft>
+              <a:defRPr sz="2200">
+                <a:solidFill>
+                  <a:srgbClr val="222222"/>
+                </a:solidFill>
+              </a:defRPr>
+            </a:pPr>
+            <a:r>
+              <a:t>Health checks: monitor API status, switch providers if down</a:t>
+            </a:r>
+          </a:p>
+        </p:txBody>
+      </p:sp>
+    </p:spTree>
+  </p:cSld>
+  <p:clrMapOvr>
+    <a:masterClrMapping/>
+  </p:clrMapOvr>
+</p:sld>
+</file>
+
+<file path=ppt/slides/slide8.xml><?xml version="1.0" encoding="utf-8"?>
+<p:sld xmlns:a="http://schemas.openxmlformats.org/drawingml/2006/main" xmlns:p="http://schemas.openxmlformats.org/presentationml/2006/main" xmlns:r="http://schemas.openxmlformats.org/officeDocument/2006/relationships">
+  <p:cSld>
+    <p:bg>
+      <p:bgPr>
+        <a:solidFill>
+          <a:srgbClr val="1B2A4A"/>
+        </a:solidFill>
+        <a:effectLst/>
+      </p:bgPr>
+    </p:bg>
+    <p:spTree>
+      <p:nvGrpSpPr>
+        <p:cNvPr id="1" name=""/>
+        <p:cNvGrpSpPr/>
+        <p:nvPr/>
+      </p:nvGrpSpPr>
+      <p:grpSpPr/>
+      <p:sp>
+        <p:nvSpPr>
+          <p:cNvPr id="2" name="TextBox 1"/>
+          <p:cNvSpPr txBox="1"/>
+          <p:nvPr/>
+        </p:nvSpPr>
+        <p:spPr>
+          <a:xfrm>
+            <a:off x="731520" y="2560320"/>
+            <a:ext cx="10698480" cy="1371600"/>
+          </a:xfrm>
+          <a:prstGeom prst="rect">
+            <a:avLst/>
+          </a:prstGeom>
+          <a:noFill/>
+        </p:spPr>
+        <p:txBody>
+          <a:bodyPr wrap="square">
+            <a:spAutoFit/>
+          </a:bodyPr>
+          <a:lstStyle/>
+          <a:p>
+            <a:pPr algn="l">
+              <a:defRPr sz="3600" b="1">
+                <a:solidFill>
+                  <a:srgbClr val="FFFFFF"/>
+                </a:solidFill>
+              </a:defRPr>
+            </a:pPr>
+            <a:r>
+              <a:t>Coding Tools Deep Dive</a:t>
+            </a:r>
+          </a:p>
+        </p:txBody>
+      </p:sp>
+      <p:sp>
+        <p:nvSpPr>
+          <p:cNvPr id="3" name="Rectangle 2"/>
+          <p:cNvSpPr/>
+          <p:nvPr/>
+        </p:nvSpPr>
+        <p:spPr>
+          <a:xfrm>
+            <a:off x="731520" y="3931920"/>
+            <a:ext cx="1828800" cy="38100"/>
           </a:xfrm>
           <a:prstGeom prst="rect">
             <a:avLst/>
@@ -5716,172 +7409,6 @@
           </a:p>
         </p:txBody>
       </p:sp>
-      <p:sp>
-        <p:nvSpPr>
-          <p:cNvPr id="3" name="TextBox 2"/>
-          <p:cNvSpPr txBox="1"/>
-          <p:nvPr/>
-        </p:nvSpPr>
-        <p:spPr>
-          <a:xfrm>
-            <a:off x="731520" y="274320"/>
-            <a:ext cx="10728655" cy="822960"/>
-          </a:xfrm>
-          <a:prstGeom prst="rect">
-            <a:avLst/>
-          </a:prstGeom>
-          <a:noFill/>
-        </p:spPr>
-        <p:txBody>
-          <a:bodyPr wrap="square">
-            <a:spAutoFit/>
-          </a:bodyPr>
-          <a:lstStyle/>
-          <a:p>
-            <a:pPr algn="l">
-              <a:defRPr sz="3200" b="1">
-                <a:solidFill>
-                  <a:srgbClr val="1B2A4A"/>
-                </a:solidFill>
-              </a:defRPr>
-            </a:pPr>
-            <a:r>
-              <a:t>What to Build Next</a:t>
-            </a:r>
-          </a:p>
-        </p:txBody>
-      </p:sp>
-      <p:sp>
-        <p:nvSpPr>
-          <p:cNvPr id="4" name="TextBox 3"/>
-          <p:cNvSpPr txBox="1"/>
-          <p:nvPr/>
-        </p:nvSpPr>
-        <p:spPr>
-          <a:xfrm>
-            <a:off x="914400" y="1280160"/>
-            <a:ext cx="10362895" cy="5029200"/>
-          </a:xfrm>
-          <a:prstGeom prst="rect">
-            <a:avLst/>
-          </a:prstGeom>
-          <a:noFill/>
-        </p:spPr>
-        <p:txBody>
-          <a:bodyPr wrap="square">
-            <a:spAutoFit/>
-          </a:bodyPr>
-          <a:lstStyle/>
-          <a:p>
-            <a:pPr>
-              <a:spcBef>
-                <a:spcPts val="400"/>
-              </a:spcBef>
-              <a:spcAft>
-                <a:spcPts val="800"/>
-              </a:spcAft>
-              <a:defRPr sz="2000">
-                <a:solidFill>
-                  <a:srgbClr val="333333"/>
-                </a:solidFill>
-              </a:defRPr>
-            </a:pPr>
-            <a:r>
-              <a:t>Start small: a tool-calling chatbot for a specific domain</a:t>
-            </a:r>
-          </a:p>
-          <a:p>
-            <a:pPr>
-              <a:spcBef>
-                <a:spcPts val="400"/>
-              </a:spcBef>
-              <a:spcAft>
-                <a:spcPts val="800"/>
-              </a:spcAft>
-              <a:defRPr sz="2000">
-                <a:solidFill>
-                  <a:srgbClr val="333333"/>
-                </a:solidFill>
-              </a:defRPr>
-            </a:pPr>
-            <a:r>
-              <a:t>Add RAG: give it access to your company's documentation</a:t>
-            </a:r>
-          </a:p>
-          <a:p>
-            <a:pPr>
-              <a:spcBef>
-                <a:spcPts val="400"/>
-              </a:spcBef>
-              <a:spcAft>
-                <a:spcPts val="800"/>
-              </a:spcAft>
-              <a:defRPr sz="2000">
-                <a:solidFill>
-                  <a:srgbClr val="333333"/>
-                </a:solidFill>
-              </a:defRPr>
-            </a:pPr>
-            <a:r>
-              <a:t>Add tracing: observe how users interact, find failure modes</a:t>
-            </a:r>
-          </a:p>
-          <a:p>
-            <a:pPr>
-              <a:spcBef>
-                <a:spcPts val="400"/>
-              </a:spcBef>
-              <a:spcAft>
-                <a:spcPts val="800"/>
-              </a:spcAft>
-              <a:defRPr sz="2000">
-                <a:solidFill>
-                  <a:srgbClr val="333333"/>
-                </a:solidFill>
-              </a:defRPr>
-            </a:pPr>
-            <a:r>
-              <a:t>Add evals: automated quality checks on every deployment</a:t>
-            </a:r>
-          </a:p>
-          <a:p>
-            <a:pPr>
-              <a:spcBef>
-                <a:spcPts val="400"/>
-              </a:spcBef>
-              <a:spcAft>
-                <a:spcPts val="800"/>
-              </a:spcAft>
-              <a:defRPr sz="2000">
-                <a:solidFill>
-                  <a:srgbClr val="333333"/>
-                </a:solidFill>
-              </a:defRPr>
-            </a:pPr>
-            <a:r>
-              <a:t>Publish: share your MCP server or OpenClaw skill</a:t>
-            </a:r>
-          </a:p>
-          <a:p>
-            <a:pPr>
-              <a:spcBef>
-                <a:spcPts val="400"/>
-              </a:spcBef>
-              <a:spcAft>
-                <a:spcPts val="800"/>
-              </a:spcAft>
-              <a:defRPr sz="2000">
-                <a:solidFill>
-                  <a:srgbClr val="333333"/>
-                </a:solidFill>
-              </a:defRPr>
-            </a:pPr>
-            <a:r>
-              <a:t>Keep learning: the field moves fast — follow changelogs!</a:t>
-            </a:r>
-          </a:p>
-        </p:txBody>
-      </p:sp>
     </p:spTree>
   </p:cSld>
   <p:clrMapOvr>
@@ -5890,7 +7417,7 @@
 </p:sld>
 </file>
 
-<file path=ppt/slides/slide15.xml><?xml version="1.0" encoding="utf-8"?>
+<file path=ppt/slides/slide9.xml><?xml version="1.0" encoding="utf-8"?>
 <p:sld xmlns:a="http://schemas.openxmlformats.org/drawingml/2006/main" xmlns:p="http://schemas.openxmlformats.org/presentationml/2006/main" xmlns:r="http://schemas.openxmlformats.org/officeDocument/2006/relationships">
   <p:cSld>
     <p:spTree>
@@ -5909,13 +7436,13 @@
         <p:spPr>
           <a:xfrm>
             <a:off x="0" y="0"/>
-            <a:ext cx="12191695" cy="73152"/>
+            <a:ext cx="12191695" cy="1005840"/>
           </a:xfrm>
           <a:prstGeom prst="rect">
             <a:avLst/>
           </a:prstGeom>
           <a:solidFill>
-            <a:srgbClr val="0096D6"/>
+            <a:srgbClr val="1B2A4A"/>
           </a:solidFill>
           <a:ln>
             <a:noFill/>
@@ -5951,8 +7478,8 @@
         </p:nvSpPr>
         <p:spPr>
           <a:xfrm>
-            <a:off x="731520" y="274320"/>
-            <a:ext cx="10728655" cy="822960"/>
+            <a:off x="731520" y="137160"/>
+            <a:ext cx="10698480" cy="731520"/>
           </a:xfrm>
           <a:prstGeom prst="rect">
             <a:avLst/>
@@ -5965,469 +7492,15 @@
           </a:bodyPr>
           <a:lstStyle/>
           <a:p>
-            <a:pPr algn="l">
-              <a:defRPr sz="3200" b="1">
-                <a:solidFill>
-                  <a:srgbClr val="1B2A4A"/>
+            <a:pPr>
+              <a:defRPr sz="2800" b="1">
+                <a:solidFill>
+                  <a:srgbClr val="FFFFFF"/>
                 </a:solidFill>
               </a:defRPr>
             </a:pPr>
             <a:r>
-              <a:t>Key Takeaways — Session 8 &amp; Full Course</a:t>
-            </a:r>
-          </a:p>
-        </p:txBody>
-      </p:sp>
-      <p:sp>
-        <p:nvSpPr>
-          <p:cNvPr id="4" name="TextBox 3"/>
-          <p:cNvSpPr txBox="1"/>
-          <p:nvPr/>
-        </p:nvSpPr>
-        <p:spPr>
-          <a:xfrm>
-            <a:off x="914400" y="1280160"/>
-            <a:ext cx="10362895" cy="5029200"/>
-          </a:xfrm>
-          <a:prstGeom prst="rect">
-            <a:avLst/>
-          </a:prstGeom>
-          <a:noFill/>
-        </p:spPr>
-        <p:txBody>
-          <a:bodyPr wrap="square">
-            <a:spAutoFit/>
-          </a:bodyPr>
-          <a:lstStyle/>
-          <a:p>
-            <a:pPr>
-              <a:spcBef>
-                <a:spcPts val="400"/>
-              </a:spcBef>
-              <a:spcAft>
-                <a:spcPts val="800"/>
-              </a:spcAft>
-              <a:defRPr sz="2000">
-                <a:solidFill>
-                  <a:srgbClr val="333333"/>
-                </a:solidFill>
-              </a:defRPr>
-            </a:pPr>
-            <a:r>
-              <a:t>Model routing + caching + batching = massive cost savings</a:t>
-            </a:r>
-          </a:p>
-          <a:p>
-            <a:pPr>
-              <a:spcBef>
-                <a:spcPts val="400"/>
-              </a:spcBef>
-              <a:spcAft>
-                <a:spcPts val="800"/>
-              </a:spcAft>
-              <a:defRPr sz="2000">
-                <a:solidFill>
-                  <a:srgbClr val="333333"/>
-                </a:solidFill>
-              </a:defRPr>
-            </a:pPr>
-            <a:r>
-              <a:t>Claude Code, Codex, Cursor — use the right tool for the job</a:t>
-            </a:r>
-          </a:p>
-          <a:p>
-            <a:pPr>
-              <a:spcBef>
-                <a:spcPts val="400"/>
-              </a:spcBef>
-              <a:spcAft>
-                <a:spcPts val="800"/>
-              </a:spcAft>
-              <a:defRPr sz="2000">
-                <a:solidFill>
-                  <a:srgbClr val="333333"/>
-                </a:solidFill>
-              </a:defRPr>
-            </a:pPr>
-            <a:r>
-              <a:t>OpenClaw: OAuth or API key, skills extend functionality</a:t>
-            </a:r>
-          </a:p>
-          <a:p>
-            <a:pPr>
-              <a:spcBef>
-                <a:spcPts val="400"/>
-              </a:spcBef>
-              <a:spcAft>
-                <a:spcPts val="800"/>
-              </a:spcAft>
-              <a:defRPr sz="2000">
-                <a:solidFill>
-                  <a:srgbClr val="333333"/>
-                </a:solidFill>
-              </a:defRPr>
-            </a:pPr>
-            <a:r>
-              <a:t>The AI engineer stack: models → tools → agents → data → ops</a:t>
-            </a:r>
-          </a:p>
-          <a:p>
-            <a:pPr>
-              <a:spcBef>
-                <a:spcPts val="400"/>
-              </a:spcBef>
-              <a:spcAft>
-                <a:spcPts val="800"/>
-              </a:spcAft>
-              <a:defRPr sz="2000">
-                <a:solidFill>
-                  <a:srgbClr val="333333"/>
-                </a:solidFill>
-              </a:defRPr>
-            </a:pPr>
-            <a:r>
-              <a:t>Start simple, add complexity only when needed</a:t>
-            </a:r>
-          </a:p>
-          <a:p>
-            <a:pPr>
-              <a:spcBef>
-                <a:spcPts val="400"/>
-              </a:spcBef>
-              <a:spcAft>
-                <a:spcPts val="800"/>
-              </a:spcAft>
-              <a:defRPr sz="2000">
-                <a:solidFill>
-                  <a:srgbClr val="333333"/>
-                </a:solidFill>
-              </a:defRPr>
-            </a:pPr>
-            <a:r>
-              <a:t>Thank you! Go build something amazing 🚀</a:t>
-            </a:r>
-          </a:p>
-        </p:txBody>
-      </p:sp>
-    </p:spTree>
-  </p:cSld>
-  <p:clrMapOvr>
-    <a:masterClrMapping/>
-  </p:clrMapOvr>
-</p:sld>
-</file>
-
-<file path=ppt/slides/slide2.xml><?xml version="1.0" encoding="utf-8"?>
-<p:sld xmlns:a="http://schemas.openxmlformats.org/drawingml/2006/main" xmlns:p="http://schemas.openxmlformats.org/presentationml/2006/main" xmlns:r="http://schemas.openxmlformats.org/officeDocument/2006/relationships">
-  <p:cSld>
-    <p:spTree>
-      <p:nvGrpSpPr>
-        <p:cNvPr id="1" name=""/>
-        <p:cNvGrpSpPr/>
-        <p:nvPr/>
-      </p:nvGrpSpPr>
-      <p:grpSpPr/>
-      <p:sp>
-        <p:nvSpPr>
-          <p:cNvPr id="2" name="Rectangle 1"/>
-          <p:cNvSpPr/>
-          <p:nvPr/>
-        </p:nvSpPr>
-        <p:spPr>
-          <a:xfrm>
-            <a:off x="0" y="0"/>
-            <a:ext cx="12191695" cy="73152"/>
-          </a:xfrm>
-          <a:prstGeom prst="rect">
-            <a:avLst/>
-          </a:prstGeom>
-          <a:solidFill>
-            <a:srgbClr val="0096D6"/>
-          </a:solidFill>
-          <a:ln>
-            <a:noFill/>
-          </a:ln>
-        </p:spPr>
-        <p:style>
-          <a:lnRef idx="1">
-            <a:schemeClr val="accent1"/>
-          </a:lnRef>
-          <a:fillRef idx="3">
-            <a:schemeClr val="accent1"/>
-          </a:fillRef>
-          <a:effectRef idx="2">
-            <a:schemeClr val="accent1"/>
-          </a:effectRef>
-          <a:fontRef idx="minor">
-            <a:schemeClr val="lt1"/>
-          </a:fontRef>
-        </p:style>
-        <p:txBody>
-          <a:bodyPr rtlCol="0" anchor="ctr"/>
-          <a:lstStyle/>
-          <a:p>
-            <a:pPr algn="ctr"/>
-          </a:p>
-        </p:txBody>
-      </p:sp>
-      <p:sp>
-        <p:nvSpPr>
-          <p:cNvPr id="3" name="TextBox 2"/>
-          <p:cNvSpPr txBox="1"/>
-          <p:nvPr/>
-        </p:nvSpPr>
-        <p:spPr>
-          <a:xfrm>
-            <a:off x="731520" y="274320"/>
-            <a:ext cx="10728655" cy="822960"/>
-          </a:xfrm>
-          <a:prstGeom prst="rect">
-            <a:avLst/>
-          </a:prstGeom>
-          <a:noFill/>
-        </p:spPr>
-        <p:txBody>
-          <a:bodyPr wrap="square">
-            <a:spAutoFit/>
-          </a:bodyPr>
-          <a:lstStyle/>
-          <a:p>
-            <a:pPr algn="l">
-              <a:defRPr sz="3200" b="1">
-                <a:solidFill>
-                  <a:srgbClr val="1B2A4A"/>
-                </a:solidFill>
-              </a:defRPr>
-            </a:pPr>
-            <a:r>
-              <a:t>Cost Optimization — Model Routing</a:t>
-            </a:r>
-          </a:p>
-        </p:txBody>
-      </p:sp>
-      <p:sp>
-        <p:nvSpPr>
-          <p:cNvPr id="4" name="TextBox 3"/>
-          <p:cNvSpPr txBox="1"/>
-          <p:nvPr/>
-        </p:nvSpPr>
-        <p:spPr>
-          <a:xfrm>
-            <a:off x="914400" y="1280160"/>
-            <a:ext cx="10362895" cy="5029200"/>
-          </a:xfrm>
-          <a:prstGeom prst="rect">
-            <a:avLst/>
-          </a:prstGeom>
-          <a:noFill/>
-        </p:spPr>
-        <p:txBody>
-          <a:bodyPr wrap="square">
-            <a:spAutoFit/>
-          </a:bodyPr>
-          <a:lstStyle/>
-          <a:p>
-            <a:pPr>
-              <a:spcBef>
-                <a:spcPts val="400"/>
-              </a:spcBef>
-              <a:spcAft>
-                <a:spcPts val="800"/>
-              </a:spcAft>
-              <a:defRPr sz="2000">
-                <a:solidFill>
-                  <a:srgbClr val="333333"/>
-                </a:solidFill>
-              </a:defRPr>
-            </a:pPr>
-            <a:r>
-              <a:t>Not every query needs the strongest model</a:t>
-            </a:r>
-          </a:p>
-          <a:p>
-            <a:pPr>
-              <a:spcBef>
-                <a:spcPts val="400"/>
-              </a:spcBef>
-              <a:spcAft>
-                <a:spcPts val="800"/>
-              </a:spcAft>
-              <a:defRPr sz="2000">
-                <a:solidFill>
-                  <a:srgbClr val="333333"/>
-                </a:solidFill>
-              </a:defRPr>
-            </a:pPr>
-            <a:r>
-              <a:t>Route by complexity: simple → GPT-4.1-nano, complex → GPT-5.2</a:t>
-            </a:r>
-          </a:p>
-          <a:p>
-            <a:pPr>
-              <a:spcBef>
-                <a:spcPts val="400"/>
-              </a:spcBef>
-              <a:spcAft>
-                <a:spcPts val="800"/>
-              </a:spcAft>
-              <a:defRPr sz="2000">
-                <a:solidFill>
-                  <a:srgbClr val="333333"/>
-                </a:solidFill>
-              </a:defRPr>
-            </a:pPr>
-            <a:r>
-              <a:t>Tiered routing: nano → mini → GPT-4.1 → GPT-5.2</a:t>
-            </a:r>
-          </a:p>
-          <a:p>
-            <a:pPr>
-              <a:spcBef>
-                <a:spcPts val="400"/>
-              </a:spcBef>
-              <a:spcAft>
-                <a:spcPts val="800"/>
-              </a:spcAft>
-              <a:defRPr sz="2000">
-                <a:solidFill>
-                  <a:srgbClr val="333333"/>
-                </a:solidFill>
-              </a:defRPr>
-            </a:pPr>
-            <a:r>
-              <a:t>Classifier-based: use a cheap model to decide which model to use</a:t>
-            </a:r>
-          </a:p>
-          <a:p>
-            <a:pPr>
-              <a:spcBef>
-                <a:spcPts val="400"/>
-              </a:spcBef>
-              <a:spcAft>
-                <a:spcPts val="800"/>
-              </a:spcAft>
-              <a:defRPr sz="2000">
-                <a:solidFill>
-                  <a:srgbClr val="333333"/>
-                </a:solidFill>
-              </a:defRPr>
-            </a:pPr>
-            <a:r>
-              <a:t>Impact: 60-80% cost reduction with &lt;5% quality drop</a:t>
-            </a:r>
-          </a:p>
-          <a:p>
-            <a:pPr>
-              <a:spcBef>
-                <a:spcPts val="400"/>
-              </a:spcBef>
-              <a:spcAft>
-                <a:spcPts val="800"/>
-              </a:spcAft>
-              <a:defRPr sz="2000">
-                <a:solidFill>
-                  <a:srgbClr val="333333"/>
-                </a:solidFill>
-              </a:defRPr>
-            </a:pPr>
-            <a:r>
-              <a:t>Example: DeepSeek V4 at $0.14/1M for bulk processing</a:t>
-            </a:r>
-          </a:p>
-        </p:txBody>
-      </p:sp>
-    </p:spTree>
-  </p:cSld>
-  <p:clrMapOvr>
-    <a:masterClrMapping/>
-  </p:clrMapOvr>
-</p:sld>
-</file>
-
-<file path=ppt/slides/slide3.xml><?xml version="1.0" encoding="utf-8"?>
-<p:sld xmlns:a="http://schemas.openxmlformats.org/drawingml/2006/main" xmlns:p="http://schemas.openxmlformats.org/presentationml/2006/main" xmlns:r="http://schemas.openxmlformats.org/officeDocument/2006/relationships">
-  <p:cSld>
-    <p:spTree>
-      <p:nvGrpSpPr>
-        <p:cNvPr id="1" name=""/>
-        <p:cNvGrpSpPr/>
-        <p:nvPr/>
-      </p:nvGrpSpPr>
-      <p:grpSpPr/>
-      <p:sp>
-        <p:nvSpPr>
-          <p:cNvPr id="2" name="Rectangle 1"/>
-          <p:cNvSpPr/>
-          <p:nvPr/>
-        </p:nvSpPr>
-        <p:spPr>
-          <a:xfrm>
-            <a:off x="0" y="0"/>
-            <a:ext cx="12191695" cy="73152"/>
-          </a:xfrm>
-          <a:prstGeom prst="rect">
-            <a:avLst/>
-          </a:prstGeom>
-          <a:solidFill>
-            <a:srgbClr val="0096D6"/>
-          </a:solidFill>
-          <a:ln>
-            <a:noFill/>
-          </a:ln>
-        </p:spPr>
-        <p:style>
-          <a:lnRef idx="1">
-            <a:schemeClr val="accent1"/>
-          </a:lnRef>
-          <a:fillRef idx="3">
-            <a:schemeClr val="accent1"/>
-          </a:fillRef>
-          <a:effectRef idx="2">
-            <a:schemeClr val="accent1"/>
-          </a:effectRef>
-          <a:fontRef idx="minor">
-            <a:schemeClr val="lt1"/>
-          </a:fontRef>
-        </p:style>
-        <p:txBody>
-          <a:bodyPr rtlCol="0" anchor="ctr"/>
-          <a:lstStyle/>
-          <a:p>
-            <a:pPr algn="ctr"/>
-          </a:p>
-        </p:txBody>
-      </p:sp>
-      <p:sp>
-        <p:nvSpPr>
-          <p:cNvPr id="3" name="TextBox 2"/>
-          <p:cNvSpPr txBox="1"/>
-          <p:nvPr/>
-        </p:nvSpPr>
-        <p:spPr>
-          <a:xfrm>
-            <a:off x="731520" y="274320"/>
-            <a:ext cx="10728655" cy="731520"/>
-          </a:xfrm>
-          <a:prstGeom prst="rect">
-            <a:avLst/>
-          </a:prstGeom>
-          <a:noFill/>
-        </p:spPr>
-        <p:txBody>
-          <a:bodyPr wrap="none">
-            <a:spAutoFit/>
-          </a:bodyPr>
-          <a:lstStyle/>
-          <a:p>
-            <a:pPr>
-              <a:defRPr sz="3200" b="1">
-                <a:solidFill>
-                  <a:srgbClr val="1B2A4A"/>
-                </a:solidFill>
-              </a:defRPr>
-            </a:pPr>
-            <a:r>
-              <a:t>Model Routing — Cost Impact</a:t>
+              <a:t>Coding Tools Compared</a:t>
             </a:r>
           </a:p>
         </p:txBody>
@@ -6442,7 +7515,7 @@
         </p:nvGraphicFramePr>
         <p:xfrm>
           <a:off x="731520" y="1280160"/>
-          <a:ext cx="10728652" cy="2194560"/>
+          <a:ext cx="10698480" cy="3291839"/>
         </p:xfrm>
         <a:graphic>
           <a:graphicData uri="http://schemas.openxmlformats.org/drawingml/2006/table">
@@ -6451,1359 +7524,19 @@
                 <a:tableStyleId>{5C22544A-7EE6-4342-B048-85BDC9FD1C3A}</a:tableStyleId>
               </a:tblPr>
               <a:tblGrid>
-                <a:gridCol w="2682163"/>
-                <a:gridCol w="2682163"/>
-                <a:gridCol w="2682163"/>
-                <a:gridCol w="2682163"/>
+                <a:gridCol w="2674620"/>
+                <a:gridCol w="2674620"/>
+                <a:gridCol w="2674620"/>
+                <a:gridCol w="2674620"/>
               </a:tblGrid>
-              <a:tr h="365760">
+              <a:tr h="548639">
                 <a:tc>
                   <a:txBody>
                     <a:bodyPr/>
                     <a:lstStyle/>
                     <a:p>
-                      <a:pPr algn="ctr">
-                        <a:defRPr sz="1400" b="1">
-                          <a:solidFill>
-                            <a:srgbClr val="FFFFFF"/>
-                          </a:solidFill>
-                        </a:defRPr>
-                      </a:pPr>
-                      <a:r>
-                        <a:t>Query Type</a:t>
-                      </a:r>
-                    </a:p>
-                  </a:txBody>
-                  <a:tcPr>
-                    <a:solidFill>
-                      <a:srgbClr val="1B2A4A"/>
-                    </a:solidFill>
-                  </a:tcPr>
-                </a:tc>
-                <a:tc>
-                  <a:txBody>
-                    <a:bodyPr/>
-                    <a:lstStyle/>
-                    <a:p>
-                      <a:pPr algn="ctr">
-                        <a:defRPr sz="1400" b="1">
-                          <a:solidFill>
-                            <a:srgbClr val="FFFFFF"/>
-                          </a:solidFill>
-                        </a:defRPr>
-                      </a:pPr>
-                      <a:r>
-                        <a:t>Model</a:t>
-                      </a:r>
-                    </a:p>
-                  </a:txBody>
-                  <a:tcPr>
-                    <a:solidFill>
-                      <a:srgbClr val="1B2A4A"/>
-                    </a:solidFill>
-                  </a:tcPr>
-                </a:tc>
-                <a:tc>
-                  <a:txBody>
-                    <a:bodyPr/>
-                    <a:lstStyle/>
-                    <a:p>
-                      <a:pPr algn="ctr">
-                        <a:defRPr sz="1400" b="1">
-                          <a:solidFill>
-                            <a:srgbClr val="FFFFFF"/>
-                          </a:solidFill>
-                        </a:defRPr>
-                      </a:pPr>
-                      <a:r>
-                        <a:t>Cost/1M tokens</a:t>
-                      </a:r>
-                    </a:p>
-                  </a:txBody>
-                  <a:tcPr>
-                    <a:solidFill>
-                      <a:srgbClr val="1B2A4A"/>
-                    </a:solidFill>
-                  </a:tcPr>
-                </a:tc>
-                <a:tc>
-                  <a:txBody>
-                    <a:bodyPr/>
-                    <a:lstStyle/>
-                    <a:p>
-                      <a:pPr algn="ctr">
-                        <a:defRPr sz="1400" b="1">
-                          <a:solidFill>
-                            <a:srgbClr val="FFFFFF"/>
-                          </a:solidFill>
-                        </a:defRPr>
-                      </a:pPr>
-                      <a:r>
-                        <a:t>Quality</a:t>
-                      </a:r>
-                    </a:p>
-                  </a:txBody>
-                  <a:tcPr>
-                    <a:solidFill>
-                      <a:srgbClr val="1B2A4A"/>
-                    </a:solidFill>
-                  </a:tcPr>
-                </a:tc>
-              </a:tr>
-              <a:tr h="365760">
-                <a:tc>
-                  <a:txBody>
-                    <a:bodyPr/>
-                    <a:lstStyle/>
-                    <a:p>
-                      <a:pPr algn="ctr">
-                        <a:defRPr sz="1300">
-                          <a:solidFill>
-                            <a:srgbClr val="333333"/>
-                          </a:solidFill>
-                        </a:defRPr>
-                      </a:pPr>
-                      <a:r>
-                        <a:t>Simple Q&amp;A</a:t>
-                      </a:r>
-                    </a:p>
-                  </a:txBody>
-                  <a:tcPr/>
-                </a:tc>
-                <a:tc>
-                  <a:txBody>
-                    <a:bodyPr/>
-                    <a:lstStyle/>
-                    <a:p>
-                      <a:pPr algn="ctr">
-                        <a:defRPr sz="1300">
-                          <a:solidFill>
-                            <a:srgbClr val="333333"/>
-                          </a:solidFill>
-                        </a:defRPr>
-                      </a:pPr>
-                      <a:r>
-                        <a:t>GPT-4.1-nano</a:t>
-                      </a:r>
-                    </a:p>
-                  </a:txBody>
-                  <a:tcPr/>
-                </a:tc>
-                <a:tc>
-                  <a:txBody>
-                    <a:bodyPr/>
-                    <a:lstStyle/>
-                    <a:p>
-                      <a:pPr algn="ctr">
-                        <a:defRPr sz="1300">
-                          <a:solidFill>
-                            <a:srgbClr val="333333"/>
-                          </a:solidFill>
-                        </a:defRPr>
-                      </a:pPr>
-                      <a:r>
-                        <a:t>$0.10 / $0.40</a:t>
-                      </a:r>
-                    </a:p>
-                  </a:txBody>
-                  <a:tcPr/>
-                </a:tc>
-                <a:tc>
-                  <a:txBody>
-                    <a:bodyPr/>
-                    <a:lstStyle/>
-                    <a:p>
-                      <a:pPr algn="ctr">
-                        <a:defRPr sz="1300">
-                          <a:solidFill>
-                            <a:srgbClr val="333333"/>
-                          </a:solidFill>
-                        </a:defRPr>
-                      </a:pPr>
-                      <a:r>
-                        <a:t>Good</a:t>
-                      </a:r>
-                    </a:p>
-                  </a:txBody>
-                  <a:tcPr/>
-                </a:tc>
-              </a:tr>
-              <a:tr h="365760">
-                <a:tc>
-                  <a:txBody>
-                    <a:bodyPr/>
-                    <a:lstStyle/>
-                    <a:p>
-                      <a:pPr algn="ctr">
-                        <a:defRPr sz="1300">
-                          <a:solidFill>
-                            <a:srgbClr val="333333"/>
-                          </a:solidFill>
-                        </a:defRPr>
-                      </a:pPr>
-                      <a:r>
-                        <a:t>General tasks</a:t>
-                      </a:r>
-                    </a:p>
-                  </a:txBody>
-                  <a:tcPr>
-                    <a:solidFill>
-                      <a:srgbClr val="F5F7FA"/>
-                    </a:solidFill>
-                  </a:tcPr>
-                </a:tc>
-                <a:tc>
-                  <a:txBody>
-                    <a:bodyPr/>
-                    <a:lstStyle/>
-                    <a:p>
-                      <a:pPr algn="ctr">
-                        <a:defRPr sz="1300">
-                          <a:solidFill>
-                            <a:srgbClr val="333333"/>
-                          </a:solidFill>
-                        </a:defRPr>
-                      </a:pPr>
-                      <a:r>
-                        <a:t>GPT-4.1-mini</a:t>
-                      </a:r>
-                    </a:p>
-                  </a:txBody>
-                  <a:tcPr>
-                    <a:solidFill>
-                      <a:srgbClr val="F5F7FA"/>
-                    </a:solidFill>
-                  </a:tcPr>
-                </a:tc>
-                <a:tc>
-                  <a:txBody>
-                    <a:bodyPr/>
-                    <a:lstStyle/>
-                    <a:p>
-                      <a:pPr algn="ctr">
-                        <a:defRPr sz="1300">
-                          <a:solidFill>
-                            <a:srgbClr val="333333"/>
-                          </a:solidFill>
-                        </a:defRPr>
-                      </a:pPr>
-                      <a:r>
-                        <a:t>$0.40 / $1.60</a:t>
-                      </a:r>
-                    </a:p>
-                  </a:txBody>
-                  <a:tcPr>
-                    <a:solidFill>
-                      <a:srgbClr val="F5F7FA"/>
-                    </a:solidFill>
-                  </a:tcPr>
-                </a:tc>
-                <a:tc>
-                  <a:txBody>
-                    <a:bodyPr/>
-                    <a:lstStyle/>
-                    <a:p>
-                      <a:pPr algn="ctr">
-                        <a:defRPr sz="1300">
-                          <a:solidFill>
-                            <a:srgbClr val="333333"/>
-                          </a:solidFill>
-                        </a:defRPr>
-                      </a:pPr>
-                      <a:r>
-                        <a:t>Very Good</a:t>
-                      </a:r>
-                    </a:p>
-                  </a:txBody>
-                  <a:tcPr>
-                    <a:solidFill>
-                      <a:srgbClr val="F5F7FA"/>
-                    </a:solidFill>
-                  </a:tcPr>
-                </a:tc>
-              </a:tr>
-              <a:tr h="365760">
-                <a:tc>
-                  <a:txBody>
-                    <a:bodyPr/>
-                    <a:lstStyle/>
-                    <a:p>
-                      <a:pPr algn="ctr">
-                        <a:defRPr sz="1300">
-                          <a:solidFill>
-                            <a:srgbClr val="333333"/>
-                          </a:solidFill>
-                        </a:defRPr>
-                      </a:pPr>
-                      <a:r>
-                        <a:t>Complex analysis</a:t>
-                      </a:r>
-                    </a:p>
-                  </a:txBody>
-                  <a:tcPr/>
-                </a:tc>
-                <a:tc>
-                  <a:txBody>
-                    <a:bodyPr/>
-                    <a:lstStyle/>
-                    <a:p>
-                      <a:pPr algn="ctr">
-                        <a:defRPr sz="1300">
-                          <a:solidFill>
-                            <a:srgbClr val="333333"/>
-                          </a:solidFill>
-                        </a:defRPr>
-                      </a:pPr>
-                      <a:r>
-                        <a:t>GPT-4.1</a:t>
-                      </a:r>
-                    </a:p>
-                  </a:txBody>
-                  <a:tcPr/>
-                </a:tc>
-                <a:tc>
-                  <a:txBody>
-                    <a:bodyPr/>
-                    <a:lstStyle/>
-                    <a:p>
-                      <a:pPr algn="ctr">
-                        <a:defRPr sz="1300">
-                          <a:solidFill>
-                            <a:srgbClr val="333333"/>
-                          </a:solidFill>
-                        </a:defRPr>
-                      </a:pPr>
-                      <a:r>
-                        <a:t>$2.00 / $8.00</a:t>
-                      </a:r>
-                    </a:p>
-                  </a:txBody>
-                  <a:tcPr/>
-                </a:tc>
-                <a:tc>
-                  <a:txBody>
-                    <a:bodyPr/>
-                    <a:lstStyle/>
-                    <a:p>
-                      <a:pPr algn="ctr">
-                        <a:defRPr sz="1300">
-                          <a:solidFill>
-                            <a:srgbClr val="333333"/>
-                          </a:solidFill>
-                        </a:defRPr>
-                      </a:pPr>
-                      <a:r>
-                        <a:t>Excellent</a:t>
-                      </a:r>
-                    </a:p>
-                  </a:txBody>
-                  <a:tcPr/>
-                </a:tc>
-              </a:tr>
-              <a:tr h="365760">
-                <a:tc>
-                  <a:txBody>
-                    <a:bodyPr/>
-                    <a:lstStyle/>
-                    <a:p>
-                      <a:pPr algn="ctr">
-                        <a:defRPr sz="1300">
-                          <a:solidFill>
-                            <a:srgbClr val="333333"/>
-                          </a:solidFill>
-                        </a:defRPr>
-                      </a:pPr>
-                      <a:r>
-                        <a:t>Hard reasoning</a:t>
-                      </a:r>
-                    </a:p>
-                  </a:txBody>
-                  <a:tcPr>
-                    <a:solidFill>
-                      <a:srgbClr val="F5F7FA"/>
-                    </a:solidFill>
-                  </a:tcPr>
-                </a:tc>
-                <a:tc>
-                  <a:txBody>
-                    <a:bodyPr/>
-                    <a:lstStyle/>
-                    <a:p>
-                      <a:pPr algn="ctr">
-                        <a:defRPr sz="1300">
-                          <a:solidFill>
-                            <a:srgbClr val="333333"/>
-                          </a:solidFill>
-                        </a:defRPr>
-                      </a:pPr>
-                      <a:r>
-                        <a:t>GPT-5.2</a:t>
-                      </a:r>
-                    </a:p>
-                  </a:txBody>
-                  <a:tcPr>
-                    <a:solidFill>
-                      <a:srgbClr val="F5F7FA"/>
-                    </a:solidFill>
-                  </a:tcPr>
-                </a:tc>
-                <a:tc>
-                  <a:txBody>
-                    <a:bodyPr/>
-                    <a:lstStyle/>
-                    <a:p>
-                      <a:pPr algn="ctr">
-                        <a:defRPr sz="1300">
-                          <a:solidFill>
-                            <a:srgbClr val="333333"/>
-                          </a:solidFill>
-                        </a:defRPr>
-                      </a:pPr>
-                      <a:r>
-                        <a:t>$20 / $60</a:t>
-                      </a:r>
-                    </a:p>
-                  </a:txBody>
-                  <a:tcPr>
-                    <a:solidFill>
-                      <a:srgbClr val="F5F7FA"/>
-                    </a:solidFill>
-                  </a:tcPr>
-                </a:tc>
-                <a:tc>
-                  <a:txBody>
-                    <a:bodyPr/>
-                    <a:lstStyle/>
-                    <a:p>
-                      <a:pPr algn="ctr">
-                        <a:defRPr sz="1300">
-                          <a:solidFill>
-                            <a:srgbClr val="333333"/>
-                          </a:solidFill>
-                        </a:defRPr>
-                      </a:pPr>
-                      <a:r>
-                        <a:t>Best</a:t>
-                      </a:r>
-                    </a:p>
-                  </a:txBody>
-                  <a:tcPr>
-                    <a:solidFill>
-                      <a:srgbClr val="F5F7FA"/>
-                    </a:solidFill>
-                  </a:tcPr>
-                </a:tc>
-              </a:tr>
-              <a:tr h="365760">
-                <a:tc>
-                  <a:txBody>
-                    <a:bodyPr/>
-                    <a:lstStyle/>
-                    <a:p>
-                      <a:pPr algn="ctr">
-                        <a:defRPr sz="1300">
-                          <a:solidFill>
-                            <a:srgbClr val="333333"/>
-                          </a:solidFill>
-                        </a:defRPr>
-                      </a:pPr>
-                      <a:r>
-                        <a:t>Bulk processing</a:t>
-                      </a:r>
-                    </a:p>
-                  </a:txBody>
-                  <a:tcPr/>
-                </a:tc>
-                <a:tc>
-                  <a:txBody>
-                    <a:bodyPr/>
-                    <a:lstStyle/>
-                    <a:p>
-                      <a:pPr algn="ctr">
-                        <a:defRPr sz="1300">
-                          <a:solidFill>
-                            <a:srgbClr val="333333"/>
-                          </a:solidFill>
-                        </a:defRPr>
-                      </a:pPr>
-                      <a:r>
-                        <a:t>DeepSeek V4</a:t>
-                      </a:r>
-                    </a:p>
-                  </a:txBody>
-                  <a:tcPr/>
-                </a:tc>
-                <a:tc>
-                  <a:txBody>
-                    <a:bodyPr/>
-                    <a:lstStyle/>
-                    <a:p>
-                      <a:pPr algn="ctr">
-                        <a:defRPr sz="1300">
-                          <a:solidFill>
-                            <a:srgbClr val="333333"/>
-                          </a:solidFill>
-                        </a:defRPr>
-                      </a:pPr>
-                      <a:r>
-                        <a:t>$0.14 / $0.14</a:t>
-                      </a:r>
-                    </a:p>
-                  </a:txBody>
-                  <a:tcPr/>
-                </a:tc>
-                <a:tc>
-                  <a:txBody>
-                    <a:bodyPr/>
-                    <a:lstStyle/>
-                    <a:p>
-                      <a:pPr algn="ctr">
-                        <a:defRPr sz="1300">
-                          <a:solidFill>
-                            <a:srgbClr val="333333"/>
-                          </a:solidFill>
-                        </a:defRPr>
-                      </a:pPr>
-                      <a:r>
-                        <a:t>Good</a:t>
-                      </a:r>
-                    </a:p>
-                  </a:txBody>
-                  <a:tcPr/>
-                </a:tc>
-              </a:tr>
-            </a:tbl>
-          </a:graphicData>
-        </a:graphic>
-      </p:graphicFrame>
-    </p:spTree>
-  </p:cSld>
-  <p:clrMapOvr>
-    <a:masterClrMapping/>
-  </p:clrMapOvr>
-</p:sld>
-</file>
-
-<file path=ppt/slides/slide4.xml><?xml version="1.0" encoding="utf-8"?>
-<p:sld xmlns:a="http://schemas.openxmlformats.org/drawingml/2006/main" xmlns:p="http://schemas.openxmlformats.org/presentationml/2006/main" xmlns:r="http://schemas.openxmlformats.org/officeDocument/2006/relationships">
-  <p:cSld>
-    <p:spTree>
-      <p:nvGrpSpPr>
-        <p:cNvPr id="1" name=""/>
-        <p:cNvGrpSpPr/>
-        <p:nvPr/>
-      </p:nvGrpSpPr>
-      <p:grpSpPr/>
-      <p:sp>
-        <p:nvSpPr>
-          <p:cNvPr id="2" name="Rectangle 1"/>
-          <p:cNvSpPr/>
-          <p:nvPr/>
-        </p:nvSpPr>
-        <p:spPr>
-          <a:xfrm>
-            <a:off x="0" y="0"/>
-            <a:ext cx="12191695" cy="73152"/>
-          </a:xfrm>
-          <a:prstGeom prst="rect">
-            <a:avLst/>
-          </a:prstGeom>
-          <a:solidFill>
-            <a:srgbClr val="0096D6"/>
-          </a:solidFill>
-          <a:ln>
-            <a:noFill/>
-          </a:ln>
-        </p:spPr>
-        <p:style>
-          <a:lnRef idx="1">
-            <a:schemeClr val="accent1"/>
-          </a:lnRef>
-          <a:fillRef idx="3">
-            <a:schemeClr val="accent1"/>
-          </a:fillRef>
-          <a:effectRef idx="2">
-            <a:schemeClr val="accent1"/>
-          </a:effectRef>
-          <a:fontRef idx="minor">
-            <a:schemeClr val="lt1"/>
-          </a:fontRef>
-        </p:style>
-        <p:txBody>
-          <a:bodyPr rtlCol="0" anchor="ctr"/>
-          <a:lstStyle/>
-          <a:p>
-            <a:pPr algn="ctr"/>
-          </a:p>
-        </p:txBody>
-      </p:sp>
-      <p:sp>
-        <p:nvSpPr>
-          <p:cNvPr id="3" name="TextBox 2"/>
-          <p:cNvSpPr txBox="1"/>
-          <p:nvPr/>
-        </p:nvSpPr>
-        <p:spPr>
-          <a:xfrm>
-            <a:off x="731520" y="274320"/>
-            <a:ext cx="10728655" cy="822960"/>
-          </a:xfrm>
-          <a:prstGeom prst="rect">
-            <a:avLst/>
-          </a:prstGeom>
-          <a:noFill/>
-        </p:spPr>
-        <p:txBody>
-          <a:bodyPr wrap="square">
-            <a:spAutoFit/>
-          </a:bodyPr>
-          <a:lstStyle/>
-          <a:p>
-            <a:pPr algn="l">
-              <a:defRPr sz="3200" b="1">
-                <a:solidFill>
-                  <a:srgbClr val="1B2A4A"/>
-                </a:solidFill>
-              </a:defRPr>
-            </a:pPr>
-            <a:r>
-              <a:t>Caching &amp; Batching</a:t>
-            </a:r>
-          </a:p>
-        </p:txBody>
-      </p:sp>
-      <p:sp>
-        <p:nvSpPr>
-          <p:cNvPr id="4" name="TextBox 3"/>
-          <p:cNvSpPr txBox="1"/>
-          <p:nvPr/>
-        </p:nvSpPr>
-        <p:spPr>
-          <a:xfrm>
-            <a:off x="914400" y="1280160"/>
-            <a:ext cx="10362895" cy="5029200"/>
-          </a:xfrm>
-          <a:prstGeom prst="rect">
-            <a:avLst/>
-          </a:prstGeom>
-          <a:noFill/>
-        </p:spPr>
-        <p:txBody>
-          <a:bodyPr wrap="square">
-            <a:spAutoFit/>
-          </a:bodyPr>
-          <a:lstStyle/>
-          <a:p>
-            <a:pPr>
-              <a:spcBef>
-                <a:spcPts val="400"/>
-              </a:spcBef>
-              <a:spcAft>
-                <a:spcPts val="800"/>
-              </a:spcAft>
-              <a:defRPr sz="2000">
-                <a:solidFill>
-                  <a:srgbClr val="333333"/>
-                </a:solidFill>
-              </a:defRPr>
-            </a:pPr>
-            <a:r>
-              <a:t>Prompt caching: cache system prompts and common prefixes</a:t>
-            </a:r>
-          </a:p>
-          <a:p>
-            <a:pPr lvl="1">
-              <a:spcBef>
-                <a:spcPts val="400"/>
-              </a:spcBef>
-              <a:spcAft>
-                <a:spcPts val="800"/>
-              </a:spcAft>
-              <a:defRPr sz="1800">
-                <a:solidFill>
-                  <a:srgbClr val="666666"/>
-                </a:solidFill>
-              </a:defRPr>
-            </a:pPr>
-            <a:r>
-              <a:t>OpenAI: automatic for prompts &gt;1024 tokens (50% discount)</a:t>
-            </a:r>
-          </a:p>
-          <a:p>
-            <a:pPr lvl="1">
-              <a:spcBef>
-                <a:spcPts val="400"/>
-              </a:spcBef>
-              <a:spcAft>
-                <a:spcPts val="800"/>
-              </a:spcAft>
-              <a:defRPr sz="1800">
-                <a:solidFill>
-                  <a:srgbClr val="666666"/>
-                </a:solidFill>
-              </a:defRPr>
-            </a:pPr>
-            <a:r>
-              <a:t>Anthropic: explicit cache_control blocks (90% discount)</a:t>
-            </a:r>
-          </a:p>
-          <a:p>
-            <a:pPr>
-              <a:spcBef>
-                <a:spcPts val="400"/>
-              </a:spcBef>
-              <a:spcAft>
-                <a:spcPts val="800"/>
-              </a:spcAft>
-              <a:defRPr sz="2000">
-                <a:solidFill>
-                  <a:srgbClr val="333333"/>
-                </a:solidFill>
-              </a:defRPr>
-            </a:pPr>
-            <a:r>
-              <a:t>Semantic caching: cache responses for similar queries</a:t>
-            </a:r>
-          </a:p>
-          <a:p>
-            <a:pPr>
-              <a:spcBef>
-                <a:spcPts val="400"/>
-              </a:spcBef>
-              <a:spcAft>
-                <a:spcPts val="800"/>
-              </a:spcAft>
-              <a:defRPr sz="2000">
-                <a:solidFill>
-                  <a:srgbClr val="333333"/>
-                </a:solidFill>
-              </a:defRPr>
-            </a:pPr>
-            <a:r>
-              <a:t>Batching API: OpenAI batch endpoint — 50% cost reduction</a:t>
-            </a:r>
-          </a:p>
-          <a:p>
-            <a:pPr lvl="1">
-              <a:spcBef>
-                <a:spcPts val="400"/>
-              </a:spcBef>
-              <a:spcAft>
-                <a:spcPts val="800"/>
-              </a:spcAft>
-              <a:defRPr sz="1800">
-                <a:solidFill>
-                  <a:srgbClr val="666666"/>
-                </a:solidFill>
-              </a:defRPr>
-            </a:pPr>
-            <a:r>
-              <a:t>Submit JSONL file, get results in ~24 hours</a:t>
-            </a:r>
-          </a:p>
-          <a:p>
-            <a:pPr>
-              <a:spcBef>
-                <a:spcPts val="400"/>
-              </a:spcBef>
-              <a:spcAft>
-                <a:spcPts val="800"/>
-              </a:spcAft>
-              <a:defRPr sz="2000">
-                <a:solidFill>
-                  <a:srgbClr val="333333"/>
-                </a:solidFill>
-              </a:defRPr>
-            </a:pPr>
-            <a:r>
-              <a:t>Combine routing + caching + batching for maximum savings</a:t>
-            </a:r>
-          </a:p>
-        </p:txBody>
-      </p:sp>
-    </p:spTree>
-  </p:cSld>
-  <p:clrMapOvr>
-    <a:masterClrMapping/>
-  </p:clrMapOvr>
-</p:sld>
-</file>
-
-<file path=ppt/slides/slide5.xml><?xml version="1.0" encoding="utf-8"?>
-<p:sld xmlns:a="http://schemas.openxmlformats.org/drawingml/2006/main" xmlns:p="http://schemas.openxmlformats.org/presentationml/2006/main" xmlns:r="http://schemas.openxmlformats.org/officeDocument/2006/relationships">
-  <p:cSld>
-    <p:spTree>
-      <p:nvGrpSpPr>
-        <p:cNvPr id="1" name=""/>
-        <p:cNvGrpSpPr/>
-        <p:nvPr/>
-      </p:nvGrpSpPr>
-      <p:grpSpPr/>
-      <p:sp>
-        <p:nvSpPr>
-          <p:cNvPr id="2" name="Rectangle 1"/>
-          <p:cNvSpPr/>
-          <p:nvPr/>
-        </p:nvSpPr>
-        <p:spPr>
-          <a:xfrm>
-            <a:off x="0" y="0"/>
-            <a:ext cx="12191695" cy="73152"/>
-          </a:xfrm>
-          <a:prstGeom prst="rect">
-            <a:avLst/>
-          </a:prstGeom>
-          <a:solidFill>
-            <a:srgbClr val="0096D6"/>
-          </a:solidFill>
-          <a:ln>
-            <a:noFill/>
-          </a:ln>
-        </p:spPr>
-        <p:style>
-          <a:lnRef idx="1">
-            <a:schemeClr val="accent1"/>
-          </a:lnRef>
-          <a:fillRef idx="3">
-            <a:schemeClr val="accent1"/>
-          </a:fillRef>
-          <a:effectRef idx="2">
-            <a:schemeClr val="accent1"/>
-          </a:effectRef>
-          <a:fontRef idx="minor">
-            <a:schemeClr val="lt1"/>
-          </a:fontRef>
-        </p:style>
-        <p:txBody>
-          <a:bodyPr rtlCol="0" anchor="ctr"/>
-          <a:lstStyle/>
-          <a:p>
-            <a:pPr algn="ctr"/>
-          </a:p>
-        </p:txBody>
-      </p:sp>
-      <p:sp>
-        <p:nvSpPr>
-          <p:cNvPr id="3" name="TextBox 2"/>
-          <p:cNvSpPr txBox="1"/>
-          <p:nvPr/>
-        </p:nvSpPr>
-        <p:spPr>
-          <a:xfrm>
-            <a:off x="731520" y="274320"/>
-            <a:ext cx="10728655" cy="822960"/>
-          </a:xfrm>
-          <a:prstGeom prst="rect">
-            <a:avLst/>
-          </a:prstGeom>
-          <a:noFill/>
-        </p:spPr>
-        <p:txBody>
-          <a:bodyPr wrap="square">
-            <a:spAutoFit/>
-          </a:bodyPr>
-          <a:lstStyle/>
-          <a:p>
-            <a:pPr algn="l">
-              <a:defRPr sz="3200" b="1">
-                <a:solidFill>
-                  <a:srgbClr val="1B2A4A"/>
-                </a:solidFill>
-              </a:defRPr>
-            </a:pPr>
-            <a:r>
-              <a:t>AI Gateways &amp; Routers</a:t>
-            </a:r>
-          </a:p>
-        </p:txBody>
-      </p:sp>
-      <p:sp>
-        <p:nvSpPr>
-          <p:cNvPr id="4" name="TextBox 3"/>
-          <p:cNvSpPr txBox="1"/>
-          <p:nvPr/>
-        </p:nvSpPr>
-        <p:spPr>
-          <a:xfrm>
-            <a:off x="914400" y="1280160"/>
-            <a:ext cx="10362895" cy="5029200"/>
-          </a:xfrm>
-          <a:prstGeom prst="rect">
-            <a:avLst/>
-          </a:prstGeom>
-          <a:noFill/>
-        </p:spPr>
-        <p:txBody>
-          <a:bodyPr wrap="square">
-            <a:spAutoFit/>
-          </a:bodyPr>
-          <a:lstStyle/>
-          <a:p>
-            <a:pPr>
-              <a:spcBef>
-                <a:spcPts val="400"/>
-              </a:spcBef>
-              <a:spcAft>
-                <a:spcPts val="800"/>
-              </a:spcAft>
-              <a:defRPr sz="2000">
-                <a:solidFill>
-                  <a:srgbClr val="333333"/>
-                </a:solidFill>
-              </a:defRPr>
-            </a:pPr>
-            <a:r>
-              <a:t>LiteLLM: unified API for 100+ models, load balancing, fallbacks</a:t>
-            </a:r>
-          </a:p>
-          <a:p>
-            <a:pPr>
-              <a:spcBef>
-                <a:spcPts val="400"/>
-              </a:spcBef>
-              <a:spcAft>
-                <a:spcPts val="800"/>
-              </a:spcAft>
-              <a:defRPr sz="2000">
-                <a:solidFill>
-                  <a:srgbClr val="333333"/>
-                </a:solidFill>
-              </a:defRPr>
-            </a:pPr>
-            <a:r>
-              <a:t>Portkey: production gateway with caching, routing, guardrails</a:t>
-            </a:r>
-          </a:p>
-          <a:p>
-            <a:pPr>
-              <a:spcBef>
-                <a:spcPts val="400"/>
-              </a:spcBef>
-              <a:spcAft>
-                <a:spcPts val="800"/>
-              </a:spcAft>
-              <a:defRPr sz="2000">
-                <a:solidFill>
-                  <a:srgbClr val="333333"/>
-                </a:solidFill>
-              </a:defRPr>
-            </a:pPr>
-            <a:r>
-              <a:t>OpenRouter: single API key for many providers</a:t>
-            </a:r>
-          </a:p>
-          <a:p>
-            <a:pPr>
-              <a:spcBef>
-                <a:spcPts val="400"/>
-              </a:spcBef>
-              <a:spcAft>
-                <a:spcPts val="800"/>
-              </a:spcAft>
-              <a:defRPr sz="2000">
-                <a:solidFill>
-                  <a:srgbClr val="333333"/>
-                </a:solidFill>
-              </a:defRPr>
-            </a:pPr>
-            <a:r>
-              <a:t>Why: provider failover, cost tracking, rate limit management</a:t>
-            </a:r>
-          </a:p>
-          <a:p>
-            <a:pPr>
-              <a:spcBef>
-                <a:spcPts val="400"/>
-              </a:spcBef>
-              <a:spcAft>
-                <a:spcPts val="800"/>
-              </a:spcAft>
-              <a:defRPr sz="2000">
-                <a:solidFill>
-                  <a:srgbClr val="333333"/>
-                </a:solidFill>
-              </a:defRPr>
-            </a:pPr>
-            <a:r>
-              <a:t>Pattern: your app → gateway → provider (transparent proxy)</a:t>
-            </a:r>
-          </a:p>
-          <a:p>
-            <a:pPr>
-              <a:spcBef>
-                <a:spcPts val="400"/>
-              </a:spcBef>
-              <a:spcAft>
-                <a:spcPts val="800"/>
-              </a:spcAft>
-              <a:defRPr sz="2000">
-                <a:solidFill>
-                  <a:srgbClr val="333333"/>
-                </a:solidFill>
-              </a:defRPr>
-            </a:pPr>
-            <a:r>
-              <a:t>Self-host or use managed service</a:t>
-            </a:r>
-          </a:p>
-        </p:txBody>
-      </p:sp>
-    </p:spTree>
-  </p:cSld>
-  <p:clrMapOvr>
-    <a:masterClrMapping/>
-  </p:clrMapOvr>
-</p:sld>
-</file>
-
-<file path=ppt/slides/slide6.xml><?xml version="1.0" encoding="utf-8"?>
-<p:sld xmlns:a="http://schemas.openxmlformats.org/drawingml/2006/main" xmlns:p="http://schemas.openxmlformats.org/presentationml/2006/main" xmlns:r="http://schemas.openxmlformats.org/officeDocument/2006/relationships">
-  <p:cSld>
-    <p:spTree>
-      <p:nvGrpSpPr>
-        <p:cNvPr id="1" name=""/>
-        <p:cNvGrpSpPr/>
-        <p:nvPr/>
-      </p:nvGrpSpPr>
-      <p:grpSpPr/>
-      <p:sp>
-        <p:nvSpPr>
-          <p:cNvPr id="2" name="Rectangle 1"/>
-          <p:cNvSpPr/>
-          <p:nvPr/>
-        </p:nvSpPr>
-        <p:spPr>
-          <a:xfrm>
-            <a:off x="0" y="0"/>
-            <a:ext cx="12191695" cy="73152"/>
-          </a:xfrm>
-          <a:prstGeom prst="rect">
-            <a:avLst/>
-          </a:prstGeom>
-          <a:solidFill>
-            <a:srgbClr val="0096D6"/>
-          </a:solidFill>
-          <a:ln>
-            <a:noFill/>
-          </a:ln>
-        </p:spPr>
-        <p:style>
-          <a:lnRef idx="1">
-            <a:schemeClr val="accent1"/>
-          </a:lnRef>
-          <a:fillRef idx="3">
-            <a:schemeClr val="accent1"/>
-          </a:fillRef>
-          <a:effectRef idx="2">
-            <a:schemeClr val="accent1"/>
-          </a:effectRef>
-          <a:fontRef idx="minor">
-            <a:schemeClr val="lt1"/>
-          </a:fontRef>
-        </p:style>
-        <p:txBody>
-          <a:bodyPr rtlCol="0" anchor="ctr"/>
-          <a:lstStyle/>
-          <a:p>
-            <a:pPr algn="ctr"/>
-          </a:p>
-        </p:txBody>
-      </p:sp>
-      <p:sp>
-        <p:nvSpPr>
-          <p:cNvPr id="3" name="TextBox 2"/>
-          <p:cNvSpPr txBox="1"/>
-          <p:nvPr/>
-        </p:nvSpPr>
-        <p:spPr>
-          <a:xfrm>
-            <a:off x="731520" y="274320"/>
-            <a:ext cx="10728655" cy="822960"/>
-          </a:xfrm>
-          <a:prstGeom prst="rect">
-            <a:avLst/>
-          </a:prstGeom>
-          <a:noFill/>
-        </p:spPr>
-        <p:txBody>
-          <a:bodyPr wrap="square">
-            <a:spAutoFit/>
-          </a:bodyPr>
-          <a:lstStyle/>
-          <a:p>
-            <a:pPr algn="l">
-              <a:defRPr sz="3200" b="1">
-                <a:solidFill>
-                  <a:srgbClr val="1B2A4A"/>
-                </a:solidFill>
-              </a:defRPr>
-            </a:pPr>
-            <a:r>
-              <a:t>Production Concerns</a:t>
-            </a:r>
-          </a:p>
-        </p:txBody>
-      </p:sp>
-      <p:sp>
-        <p:nvSpPr>
-          <p:cNvPr id="4" name="TextBox 3"/>
-          <p:cNvSpPr txBox="1"/>
-          <p:nvPr/>
-        </p:nvSpPr>
-        <p:spPr>
-          <a:xfrm>
-            <a:off x="914400" y="1280160"/>
-            <a:ext cx="10362895" cy="5029200"/>
-          </a:xfrm>
-          <a:prstGeom prst="rect">
-            <a:avLst/>
-          </a:prstGeom>
-          <a:noFill/>
-        </p:spPr>
-        <p:txBody>
-          <a:bodyPr wrap="square">
-            <a:spAutoFit/>
-          </a:bodyPr>
-          <a:lstStyle/>
-          <a:p>
-            <a:pPr>
-              <a:spcBef>
-                <a:spcPts val="400"/>
-              </a:spcBef>
-              <a:spcAft>
-                <a:spcPts val="800"/>
-              </a:spcAft>
-              <a:defRPr sz="2000">
-                <a:solidFill>
-                  <a:srgbClr val="333333"/>
-                </a:solidFill>
-              </a:defRPr>
-            </a:pPr>
-            <a:r>
-              <a:t>Rate limits: implement exponential backoff + retry logic</a:t>
-            </a:r>
-          </a:p>
-          <a:p>
-            <a:pPr>
-              <a:spcBef>
-                <a:spcPts val="400"/>
-              </a:spcBef>
-              <a:spcAft>
-                <a:spcPts val="800"/>
-              </a:spcAft>
-              <a:defRPr sz="2000">
-                <a:solidFill>
-                  <a:srgbClr val="333333"/>
-                </a:solidFill>
-              </a:defRPr>
-            </a:pPr>
-            <a:r>
-              <a:t>Streaming: essential for any user-facing application</a:t>
-            </a:r>
-          </a:p>
-          <a:p>
-            <a:pPr>
-              <a:spcBef>
-                <a:spcPts val="400"/>
-              </a:spcBef>
-              <a:spcAft>
-                <a:spcPts val="800"/>
-              </a:spcAft>
-              <a:defRPr sz="2000">
-                <a:solidFill>
-                  <a:srgbClr val="333333"/>
-                </a:solidFill>
-              </a:defRPr>
-            </a:pPr>
-            <a:r>
-              <a:t>Error handling: timeouts, token limits, content filtering</a:t>
-            </a:r>
-          </a:p>
-          <a:p>
-            <a:pPr>
-              <a:spcBef>
-                <a:spcPts val="400"/>
-              </a:spcBef>
-              <a:spcAft>
-                <a:spcPts val="800"/>
-              </a:spcAft>
-              <a:defRPr sz="2000">
-                <a:solidFill>
-                  <a:srgbClr val="333333"/>
-                </a:solidFill>
-              </a:defRPr>
-            </a:pPr>
-            <a:r>
-              <a:t>Logging: trace every request for debugging and compliance</a:t>
-            </a:r>
-          </a:p>
-          <a:p>
-            <a:pPr>
-              <a:spcBef>
-                <a:spcPts val="400"/>
-              </a:spcBef>
-              <a:spcAft>
-                <a:spcPts val="800"/>
-              </a:spcAft>
-              <a:defRPr sz="2000">
-                <a:solidFill>
-                  <a:srgbClr val="333333"/>
-                </a:solidFill>
-              </a:defRPr>
-            </a:pPr>
-            <a:r>
-              <a:t>Privacy: where does your data go? Check provider DPAs</a:t>
-            </a:r>
-          </a:p>
-          <a:p>
-            <a:pPr>
-              <a:spcBef>
-                <a:spcPts val="400"/>
-              </a:spcBef>
-              <a:spcAft>
-                <a:spcPts val="800"/>
-              </a:spcAft>
-              <a:defRPr sz="2000">
-                <a:solidFill>
-                  <a:srgbClr val="333333"/>
-                </a:solidFill>
-              </a:defRPr>
-            </a:pPr>
-            <a:r>
-              <a:t>Latency: p50 vs p99 — measure and set SLOs</a:t>
-            </a:r>
-          </a:p>
-        </p:txBody>
-      </p:sp>
-    </p:spTree>
-  </p:cSld>
-  <p:clrMapOvr>
-    <a:masterClrMapping/>
-  </p:clrMapOvr>
-</p:sld>
-</file>
-
-<file path=ppt/slides/slide7.xml><?xml version="1.0" encoding="utf-8"?>
-<p:sld xmlns:a="http://schemas.openxmlformats.org/drawingml/2006/main" xmlns:p="http://schemas.openxmlformats.org/presentationml/2006/main" xmlns:r="http://schemas.openxmlformats.org/officeDocument/2006/relationships">
-  <p:cSld>
-    <p:spTree>
-      <p:nvGrpSpPr>
-        <p:cNvPr id="1" name=""/>
-        <p:cNvGrpSpPr/>
-        <p:nvPr/>
-      </p:nvGrpSpPr>
-      <p:grpSpPr/>
-      <p:sp>
-        <p:nvSpPr>
-          <p:cNvPr id="2" name="Rectangle 1"/>
-          <p:cNvSpPr/>
-          <p:nvPr/>
-        </p:nvSpPr>
-        <p:spPr>
-          <a:xfrm>
-            <a:off x="0" y="0"/>
-            <a:ext cx="12191695" cy="73152"/>
-          </a:xfrm>
-          <a:prstGeom prst="rect">
-            <a:avLst/>
-          </a:prstGeom>
-          <a:solidFill>
-            <a:srgbClr val="0096D6"/>
-          </a:solidFill>
-          <a:ln>
-            <a:noFill/>
-          </a:ln>
-        </p:spPr>
-        <p:style>
-          <a:lnRef idx="1">
-            <a:schemeClr val="accent1"/>
-          </a:lnRef>
-          <a:fillRef idx="3">
-            <a:schemeClr val="accent1"/>
-          </a:fillRef>
-          <a:effectRef idx="2">
-            <a:schemeClr val="accent1"/>
-          </a:effectRef>
-          <a:fontRef idx="minor">
-            <a:schemeClr val="lt1"/>
-          </a:fontRef>
-        </p:style>
-        <p:txBody>
-          <a:bodyPr rtlCol="0" anchor="ctr"/>
-          <a:lstStyle/>
-          <a:p>
-            <a:pPr algn="ctr"/>
-          </a:p>
-        </p:txBody>
-      </p:sp>
-      <p:sp>
-        <p:nvSpPr>
-          <p:cNvPr id="3" name="TextBox 2"/>
-          <p:cNvSpPr txBox="1"/>
-          <p:nvPr/>
-        </p:nvSpPr>
-        <p:spPr>
-          <a:xfrm>
-            <a:off x="731520" y="274320"/>
-            <a:ext cx="10728655" cy="731520"/>
-          </a:xfrm>
-          <a:prstGeom prst="rect">
-            <a:avLst/>
-          </a:prstGeom>
-          <a:noFill/>
-        </p:spPr>
-        <p:txBody>
-          <a:bodyPr wrap="none">
-            <a:spAutoFit/>
-          </a:bodyPr>
-          <a:lstStyle/>
-          <a:p>
-            <a:pPr>
-              <a:defRPr sz="3200" b="1">
-                <a:solidFill>
-                  <a:srgbClr val="1B2A4A"/>
-                </a:solidFill>
-              </a:defRPr>
-            </a:pPr>
-            <a:r>
-              <a:t>Coding Tools Comparison — February 2026</a:t>
-            </a:r>
-          </a:p>
-        </p:txBody>
-      </p:sp>
-      <p:graphicFrame>
-        <p:nvGraphicFramePr>
-          <p:cNvPr id="4" name="Table 3"/>
-          <p:cNvGraphicFramePr>
-            <a:graphicFrameLocks noGrp="1"/>
-          </p:cNvGraphicFramePr>
-          <p:nvPr/>
-        </p:nvGraphicFramePr>
-        <p:xfrm>
-          <a:off x="731520" y="1280160"/>
-          <a:ext cx="10728655" cy="2194560"/>
-        </p:xfrm>
-        <a:graphic>
-          <a:graphicData uri="http://schemas.openxmlformats.org/drawingml/2006/table">
-            <a:tbl>
-              <a:tblPr firstRow="1" bandRow="1">
-                <a:tableStyleId>{5C22544A-7EE6-4342-B048-85BDC9FD1C3A}</a:tableStyleId>
-              </a:tblPr>
-              <a:tblGrid>
-                <a:gridCol w="2145731"/>
-                <a:gridCol w="2145731"/>
-                <a:gridCol w="2145731"/>
-                <a:gridCol w="2145731"/>
-                <a:gridCol w="2145731"/>
-              </a:tblGrid>
-              <a:tr h="365760">
-                <a:tc>
-                  <a:txBody>
-                    <a:bodyPr/>
-                    <a:lstStyle/>
-                    <a:p>
-                      <a:pPr algn="ctr">
-                        <a:defRPr sz="1400" b="1">
+                      <a:pPr>
+                        <a:defRPr sz="1800" b="1">
                           <a:solidFill>
                             <a:srgbClr val="FFFFFF"/>
                           </a:solidFill>
@@ -7825,15 +7558,15 @@
                     <a:bodyPr/>
                     <a:lstStyle/>
                     <a:p>
-                      <a:pPr algn="ctr">
-                        <a:defRPr sz="1400" b="1">
+                      <a:pPr>
+                        <a:defRPr sz="1800" b="1">
                           <a:solidFill>
                             <a:srgbClr val="FFFFFF"/>
                           </a:solidFill>
                         </a:defRPr>
                       </a:pPr>
                       <a:r>
-                        <a:t>Type</a:t>
+                        <a:t>Interface</a:t>
                       </a:r>
                     </a:p>
                   </a:txBody>
@@ -7848,15 +7581,15 @@
                     <a:bodyPr/>
                     <a:lstStyle/>
                     <a:p>
-                      <a:pPr algn="ctr">
-                        <a:defRPr sz="1400" b="1">
+                      <a:pPr>
+                        <a:defRPr sz="1800" b="1">
                           <a:solidFill>
                             <a:srgbClr val="FFFFFF"/>
                           </a:solidFill>
                         </a:defRPr>
                       </a:pPr>
                       <a:r>
-                        <a:t>Model</a:t>
+                        <a:t>Auth</a:t>
                       </a:r>
                     </a:p>
                   </a:txBody>
@@ -7871,8 +7604,8 @@
                     <a:bodyPr/>
                     <a:lstStyle/>
                     <a:p>
-                      <a:pPr algn="ctr">
-                        <a:defRPr sz="1400" b="1">
+                      <a:pPr>
+                        <a:defRPr sz="1800" b="1">
                           <a:solidFill>
                             <a:srgbClr val="FFFFFF"/>
                           </a:solidFill>
@@ -7889,142 +7622,22 @@
                     </a:solidFill>
                   </a:tcPr>
                 </a:tc>
+              </a:tr>
+              <a:tr h="548639">
                 <a:tc>
                   <a:txBody>
                     <a:bodyPr/>
                     <a:lstStyle/>
                     <a:p>
-                      <a:pPr algn="ctr">
-                        <a:defRPr sz="1400" b="1">
+                      <a:pPr>
+                        <a:defRPr sz="1600">
                           <a:solidFill>
-                            <a:srgbClr val="FFFFFF"/>
-                          </a:solidFill>
-                        </a:defRPr>
-                      </a:pPr>
-                      <a:r>
-                        <a:t>Auth</a:t>
-                      </a:r>
-                    </a:p>
-                  </a:txBody>
-                  <a:tcPr>
-                    <a:solidFill>
-                      <a:srgbClr val="1B2A4A"/>
-                    </a:solidFill>
-                  </a:tcPr>
-                </a:tc>
-              </a:tr>
-              <a:tr h="365760">
-                <a:tc>
-                  <a:txBody>
-                    <a:bodyPr/>
-                    <a:lstStyle/>
-                    <a:p>
-                      <a:pPr algn="ctr">
-                        <a:defRPr sz="1300">
-                          <a:solidFill>
-                            <a:srgbClr val="333333"/>
+                            <a:srgbClr val="222222"/>
                           </a:solidFill>
                         </a:defRPr>
                       </a:pPr>
                       <a:r>
                         <a:t>Claude Code</a:t>
-                      </a:r>
-                    </a:p>
-                  </a:txBody>
-                  <a:tcPr/>
-                </a:tc>
-                <a:tc>
-                  <a:txBody>
-                    <a:bodyPr/>
-                    <a:lstStyle/>
-                    <a:p>
-                      <a:pPr algn="ctr">
-                        <a:defRPr sz="1300">
-                          <a:solidFill>
-                            <a:srgbClr val="333333"/>
-                          </a:solidFill>
-                        </a:defRPr>
-                      </a:pPr>
-                      <a:r>
-                        <a:t>Terminal agent</a:t>
-                      </a:r>
-                    </a:p>
-                  </a:txBody>
-                  <a:tcPr/>
-                </a:tc>
-                <a:tc>
-                  <a:txBody>
-                    <a:bodyPr/>
-                    <a:lstStyle/>
-                    <a:p>
-                      <a:pPr algn="ctr">
-                        <a:defRPr sz="1300">
-                          <a:solidFill>
-                            <a:srgbClr val="333333"/>
-                          </a:solidFill>
-                        </a:defRPr>
-                      </a:pPr>
-                      <a:r>
-                        <a:t>Sonnet 4.6 / Opus 4.6</a:t>
-                      </a:r>
-                    </a:p>
-                  </a:txBody>
-                  <a:tcPr/>
-                </a:tc>
-                <a:tc>
-                  <a:txBody>
-                    <a:bodyPr/>
-                    <a:lstStyle/>
-                    <a:p>
-                      <a:pPr algn="ctr">
-                        <a:defRPr sz="1300">
-                          <a:solidFill>
-                            <a:srgbClr val="333333"/>
-                          </a:solidFill>
-                        </a:defRPr>
-                      </a:pPr>
-                      <a:r>
-                        <a:t>Pair programming</a:t>
-                      </a:r>
-                    </a:p>
-                  </a:txBody>
-                  <a:tcPr/>
-                </a:tc>
-                <a:tc>
-                  <a:txBody>
-                    <a:bodyPr/>
-                    <a:lstStyle/>
-                    <a:p>
-                      <a:pPr algn="ctr">
-                        <a:defRPr sz="1300">
-                          <a:solidFill>
-                            <a:srgbClr val="333333"/>
-                          </a:solidFill>
-                        </a:defRPr>
-                      </a:pPr>
-                      <a:r>
-                        <a:t>OAuth</a:t>
-                      </a:r>
-                    </a:p>
-                  </a:txBody>
-                  <a:tcPr/>
-                </a:tc>
-              </a:tr>
-              <a:tr h="365760">
-                <a:tc>
-                  <a:txBody>
-                    <a:bodyPr/>
-                    <a:lstStyle/>
-                    <a:p>
-                      <a:pPr algn="ctr">
-                        <a:defRPr sz="1300">
-                          <a:solidFill>
-                            <a:srgbClr val="333333"/>
-                          </a:solidFill>
-                        </a:defRPr>
-                      </a:pPr>
-                      <a:r>
-                        <a:t>GPT-5.2-Codex</a:t>
                       </a:r>
                     </a:p>
                   </a:txBody>
@@ -8039,15 +7652,15 @@
                     <a:bodyPr/>
                     <a:lstStyle/>
                     <a:p>
-                      <a:pPr algn="ctr">
-                        <a:defRPr sz="1300">
+                      <a:pPr>
+                        <a:defRPr sz="1600">
                           <a:solidFill>
-                            <a:srgbClr val="333333"/>
+                            <a:srgbClr val="222222"/>
                           </a:solidFill>
                         </a:defRPr>
                       </a:pPr>
                       <a:r>
-                        <a:t>Cloud agent</a:t>
+                        <a:t>Terminal</a:t>
                       </a:r>
                     </a:p>
                   </a:txBody>
@@ -8062,15 +7675,15 @@
                     <a:bodyPr/>
                     <a:lstStyle/>
                     <a:p>
-                      <a:pPr algn="ctr">
-                        <a:defRPr sz="1300">
+                      <a:pPr>
+                        <a:defRPr sz="1600">
                           <a:solidFill>
-                            <a:srgbClr val="333333"/>
+                            <a:srgbClr val="222222"/>
                           </a:solidFill>
                         </a:defRPr>
                       </a:pPr>
                       <a:r>
-                        <a:t>GPT-5.2-Codex</a:t>
+                        <a:t>OAuth (primary), API key</a:t>
                       </a:r>
                     </a:p>
                   </a:txBody>
@@ -8085,15 +7698,134 @@
                     <a:bodyPr/>
                     <a:lstStyle/>
                     <a:p>
-                      <a:pPr algn="ctr">
-                        <a:defRPr sz="1300">
+                      <a:pPr>
+                        <a:defRPr sz="1600">
                           <a:solidFill>
-                            <a:srgbClr val="333333"/>
+                            <a:srgbClr val="222222"/>
                           </a:solidFill>
                         </a:defRPr>
                       </a:pPr>
                       <a:r>
-                        <a:t>Bulk refactors, async</a:t>
+                        <a:t>Complex refactors</a:t>
+                      </a:r>
+                    </a:p>
+                  </a:txBody>
+                  <a:tcPr>
+                    <a:solidFill>
+                      <a:srgbClr val="F5F7FA"/>
+                    </a:solidFill>
+                  </a:tcPr>
+                </a:tc>
+              </a:tr>
+              <a:tr h="548639">
+                <a:tc>
+                  <a:txBody>
+                    <a:bodyPr/>
+                    <a:lstStyle/>
+                    <a:p>
+                      <a:pPr>
+                        <a:defRPr sz="1600">
+                          <a:solidFill>
+                            <a:srgbClr val="222222"/>
+                          </a:solidFill>
+                        </a:defRPr>
+                      </a:pPr>
+                      <a:r>
+                        <a:t>GPT-5.2-Codex</a:t>
+                      </a:r>
+                    </a:p>
+                  </a:txBody>
+                  <a:tcPr>
+                    <a:solidFill>
+                      <a:srgbClr val="FFFFFF"/>
+                    </a:solidFill>
+                  </a:tcPr>
+                </a:tc>
+                <a:tc>
+                  <a:txBody>
+                    <a:bodyPr/>
+                    <a:lstStyle/>
+                    <a:p>
+                      <a:pPr>
+                        <a:defRPr sz="1600">
+                          <a:solidFill>
+                            <a:srgbClr val="222222"/>
+                          </a:solidFill>
+                        </a:defRPr>
+                      </a:pPr>
+                      <a:r>
+                        <a:t>Web/API</a:t>
+                      </a:r>
+                    </a:p>
+                  </a:txBody>
+                  <a:tcPr>
+                    <a:solidFill>
+                      <a:srgbClr val="FFFFFF"/>
+                    </a:solidFill>
+                  </a:tcPr>
+                </a:tc>
+                <a:tc>
+                  <a:txBody>
+                    <a:bodyPr/>
+                    <a:lstStyle/>
+                    <a:p>
+                      <a:pPr>
+                        <a:defRPr sz="1600">
+                          <a:solidFill>
+                            <a:srgbClr val="222222"/>
+                          </a:solidFill>
+                        </a:defRPr>
+                      </a:pPr>
+                      <a:r>
+                        <a:t>API key</a:t>
+                      </a:r>
+                    </a:p>
+                  </a:txBody>
+                  <a:tcPr>
+                    <a:solidFill>
+                      <a:srgbClr val="FFFFFF"/>
+                    </a:solidFill>
+                  </a:tcPr>
+                </a:tc>
+                <a:tc>
+                  <a:txBody>
+                    <a:bodyPr/>
+                    <a:lstStyle/>
+                    <a:p>
+                      <a:pPr>
+                        <a:defRPr sz="1600">
+                          <a:solidFill>
+                            <a:srgbClr val="222222"/>
+                          </a:solidFill>
+                        </a:defRPr>
+                      </a:pPr>
+                      <a:r>
+                        <a:t>Autonomous tasks</a:t>
+                      </a:r>
+                    </a:p>
+                  </a:txBody>
+                  <a:tcPr>
+                    <a:solidFill>
+                      <a:srgbClr val="FFFFFF"/>
+                    </a:solidFill>
+                  </a:tcPr>
+                </a:tc>
+              </a:tr>
+              <a:tr h="548639">
+                <a:tc>
+                  <a:txBody>
+                    <a:bodyPr/>
+                    <a:lstStyle/>
+                    <a:p>
+                      <a:pPr>
+                        <a:defRPr sz="1600">
+                          <a:solidFill>
+                            <a:srgbClr val="222222"/>
+                          </a:solidFill>
+                        </a:defRPr>
+                      </a:pPr>
+                      <a:r>
+                        <a:t>Cursor</a:t>
                       </a:r>
                     </a:p>
                   </a:txBody>
@@ -8108,137 +7840,15 @@
                     <a:bodyPr/>
                     <a:lstStyle/>
                     <a:p>
-                      <a:pPr algn="ctr">
-                        <a:defRPr sz="1300">
+                      <a:pPr>
+                        <a:defRPr sz="1600">
                           <a:solidFill>
-                            <a:srgbClr val="333333"/>
+                            <a:srgbClr val="222222"/>
                           </a:solidFill>
                         </a:defRPr>
                       </a:pPr>
                       <a:r>
-                        <a:t>API key</a:t>
-                      </a:r>
-                    </a:p>
-                  </a:txBody>
-                  <a:tcPr>
-                    <a:solidFill>
-                      <a:srgbClr val="F5F7FA"/>
-                    </a:solidFill>
-                  </a:tcPr>
-                </a:tc>
-              </a:tr>
-              <a:tr h="365760">
-                <a:tc>
-                  <a:txBody>
-                    <a:bodyPr/>
-                    <a:lstStyle/>
-                    <a:p>
-                      <a:pPr algn="ctr">
-                        <a:defRPr sz="1300">
-                          <a:solidFill>
-                            <a:srgbClr val="333333"/>
-                          </a:solidFill>
-                        </a:defRPr>
-                      </a:pPr>
-                      <a:r>
-                        <a:t>Cursor</a:t>
-                      </a:r>
-                    </a:p>
-                  </a:txBody>
-                  <a:tcPr/>
-                </a:tc>
-                <a:tc>
-                  <a:txBody>
-                    <a:bodyPr/>
-                    <a:lstStyle/>
-                    <a:p>
-                      <a:pPr algn="ctr">
-                        <a:defRPr sz="1300">
-                          <a:solidFill>
-                            <a:srgbClr val="333333"/>
-                          </a:solidFill>
-                        </a:defRPr>
-                      </a:pPr>
-                      <a:r>
-                        <a:t>IDE (VS Code fork)</a:t>
-                      </a:r>
-                    </a:p>
-                  </a:txBody>
-                  <a:tcPr/>
-                </a:tc>
-                <a:tc>
-                  <a:txBody>
-                    <a:bodyPr/>
-                    <a:lstStyle/>
-                    <a:p>
-                      <a:pPr algn="ctr">
-                        <a:defRPr sz="1300">
-                          <a:solidFill>
-                            <a:srgbClr val="333333"/>
-                          </a:solidFill>
-                        </a:defRPr>
-                      </a:pPr>
-                      <a:r>
-                        <a:t>Multi-model</a:t>
-                      </a:r>
-                    </a:p>
-                  </a:txBody>
-                  <a:tcPr/>
-                </a:tc>
-                <a:tc>
-                  <a:txBody>
-                    <a:bodyPr/>
-                    <a:lstStyle/>
-                    <a:p>
-                      <a:pPr algn="ctr">
-                        <a:defRPr sz="1300">
-                          <a:solidFill>
-                            <a:srgbClr val="333333"/>
-                          </a:solidFill>
-                        </a:defRPr>
-                      </a:pPr>
-                      <a:r>
-                        <a:t>Editor integration</a:t>
-                      </a:r>
-                    </a:p>
-                  </a:txBody>
-                  <a:tcPr/>
-                </a:tc>
-                <a:tc>
-                  <a:txBody>
-                    <a:bodyPr/>
-                    <a:lstStyle/>
-                    <a:p>
-                      <a:pPr algn="ctr">
-                        <a:defRPr sz="1300">
-                          <a:solidFill>
-                            <a:srgbClr val="333333"/>
-                          </a:solidFill>
-                        </a:defRPr>
-                      </a:pPr>
-                      <a:r>
-                        <a:t>Subscription</a:t>
-                      </a:r>
-                    </a:p>
-                  </a:txBody>
-                  <a:tcPr/>
-                </a:tc>
-              </a:tr>
-              <a:tr h="365760">
-                <a:tc>
-                  <a:txBody>
-                    <a:bodyPr/>
-                    <a:lstStyle/>
-                    <a:p>
-                      <a:pPr algn="ctr">
-                        <a:defRPr sz="1300">
-                          <a:solidFill>
-                            <a:srgbClr val="333333"/>
-                          </a:solidFill>
-                        </a:defRPr>
-                      </a:pPr>
-                      <a:r>
-                        <a:t>GitHub Copilot</a:t>
+                        <a:t>IDE</a:t>
                       </a:r>
                     </a:p>
                   </a:txBody>
@@ -8253,15 +7863,15 @@
                     <a:bodyPr/>
                     <a:lstStyle/>
                     <a:p>
-                      <a:pPr algn="ctr">
-                        <a:defRPr sz="1300">
+                      <a:pPr>
+                        <a:defRPr sz="1600">
                           <a:solidFill>
-                            <a:srgbClr val="333333"/>
+                            <a:srgbClr val="222222"/>
                           </a:solidFill>
                         </a:defRPr>
                       </a:pPr>
                       <a:r>
-                        <a:t>IDE extension</a:t>
+                        <a:t>Subscription / API key</a:t>
                       </a:r>
                     </a:p>
                   </a:txBody>
@@ -8276,15 +7886,134 @@
                     <a:bodyPr/>
                     <a:lstStyle/>
                     <a:p>
-                      <a:pPr algn="ctr">
-                        <a:defRPr sz="1300">
+                      <a:pPr>
+                        <a:defRPr sz="1600">
                           <a:solidFill>
-                            <a:srgbClr val="333333"/>
+                            <a:srgbClr val="222222"/>
                           </a:solidFill>
                         </a:defRPr>
                       </a:pPr>
                       <a:r>
-                        <a:t>Multi-model</a:t>
+                        <a:t>Daily coding</a:t>
+                      </a:r>
+                    </a:p>
+                  </a:txBody>
+                  <a:tcPr>
+                    <a:solidFill>
+                      <a:srgbClr val="F5F7FA"/>
+                    </a:solidFill>
+                  </a:tcPr>
+                </a:tc>
+              </a:tr>
+              <a:tr h="548639">
+                <a:tc>
+                  <a:txBody>
+                    <a:bodyPr/>
+                    <a:lstStyle/>
+                    <a:p>
+                      <a:pPr>
+                        <a:defRPr sz="1600">
+                          <a:solidFill>
+                            <a:srgbClr val="222222"/>
+                          </a:solidFill>
+                        </a:defRPr>
+                      </a:pPr>
+                      <a:r>
+                        <a:t>GitHub Copilot</a:t>
+                      </a:r>
+                    </a:p>
+                  </a:txBody>
+                  <a:tcPr>
+                    <a:solidFill>
+                      <a:srgbClr val="FFFFFF"/>
+                    </a:solidFill>
+                  </a:tcPr>
+                </a:tc>
+                <a:tc>
+                  <a:txBody>
+                    <a:bodyPr/>
+                    <a:lstStyle/>
+                    <a:p>
+                      <a:pPr>
+                        <a:defRPr sz="1600">
+                          <a:solidFill>
+                            <a:srgbClr val="222222"/>
+                          </a:solidFill>
+                        </a:defRPr>
+                      </a:pPr>
+                      <a:r>
+                        <a:t>IDE plugin</a:t>
+                      </a:r>
+                    </a:p>
+                  </a:txBody>
+                  <a:tcPr>
+                    <a:solidFill>
+                      <a:srgbClr val="FFFFFF"/>
+                    </a:solidFill>
+                  </a:tcPr>
+                </a:tc>
+                <a:tc>
+                  <a:txBody>
+                    <a:bodyPr/>
+                    <a:lstStyle/>
+                    <a:p>
+                      <a:pPr>
+                        <a:defRPr sz="1600">
+                          <a:solidFill>
+                            <a:srgbClr val="222222"/>
+                          </a:solidFill>
+                        </a:defRPr>
+                      </a:pPr>
+                      <a:r>
+                        <a:t>Subscription</a:t>
+                      </a:r>
+                    </a:p>
+                  </a:txBody>
+                  <a:tcPr>
+                    <a:solidFill>
+                      <a:srgbClr val="FFFFFF"/>
+                    </a:solidFill>
+                  </a:tcPr>
+                </a:tc>
+                <a:tc>
+                  <a:txBody>
+                    <a:bodyPr/>
+                    <a:lstStyle/>
+                    <a:p>
+                      <a:pPr>
+                        <a:defRPr sz="1600">
+                          <a:solidFill>
+                            <a:srgbClr val="222222"/>
+                          </a:solidFill>
+                        </a:defRPr>
+                      </a:pPr>
+                      <a:r>
+                        <a:t>Inline suggestions</a:t>
+                      </a:r>
+                    </a:p>
+                  </a:txBody>
+                  <a:tcPr>
+                    <a:solidFill>
+                      <a:srgbClr val="FFFFFF"/>
+                    </a:solidFill>
+                  </a:tcPr>
+                </a:tc>
+              </a:tr>
+              <a:tr h="548644">
+                <a:tc>
+                  <a:txBody>
+                    <a:bodyPr/>
+                    <a:lstStyle/>
+                    <a:p>
+                      <a:pPr>
+                        <a:defRPr sz="1600">
+                          <a:solidFill>
+                            <a:srgbClr val="222222"/>
+                          </a:solidFill>
+                        </a:defRPr>
+                      </a:pPr>
+                      <a:r>
+                        <a:t>OpenClaw</a:t>
                       </a:r>
                     </a:p>
                   </a:txBody>
@@ -8299,15 +8028,15 @@
                     <a:bodyPr/>
                     <a:lstStyle/>
                     <a:p>
-                      <a:pPr algn="ctr">
-                        <a:defRPr sz="1300">
+                      <a:pPr>
+                        <a:defRPr sz="1600">
                           <a:solidFill>
-                            <a:srgbClr val="333333"/>
+                            <a:srgbClr val="222222"/>
                           </a:solidFill>
                         </a:defRPr>
                       </a:pPr>
                       <a:r>
-                        <a:t>Inline completions</a:t>
+                        <a:t>Chat / CLI</a:t>
                       </a:r>
                     </a:p>
                   </a:txBody>
@@ -8322,15 +8051,38 @@
                     <a:bodyPr/>
                     <a:lstStyle/>
                     <a:p>
-                      <a:pPr algn="ctr">
-                        <a:defRPr sz="1300">
+                      <a:pPr>
+                        <a:defRPr sz="1600">
                           <a:solidFill>
-                            <a:srgbClr val="333333"/>
+                            <a:srgbClr val="222222"/>
                           </a:solidFill>
                         </a:defRPr>
                       </a:pPr>
                       <a:r>
-                        <a:t>Subscription</a:t>
+                        <a:t>OAuth or API key</a:t>
+                      </a:r>
+                    </a:p>
+                  </a:txBody>
+                  <a:tcPr>
+                    <a:solidFill>
+                      <a:srgbClr val="F5F7FA"/>
+                    </a:solidFill>
+                  </a:tcPr>
+                </a:tc>
+                <a:tc>
+                  <a:txBody>
+                    <a:bodyPr/>
+                    <a:lstStyle/>
+                    <a:p>
+                      <a:pPr>
+                        <a:defRPr sz="1600">
+                          <a:solidFill>
+                            <a:srgbClr val="222222"/>
+                          </a:solidFill>
+                        </a:defRPr>
+                      </a:pPr>
+                      <a:r>
+                        <a:t>Multi-model workflows</a:t>
                       </a:r>
                     </a:p>
                   </a:txBody>
@@ -8341,579 +8093,10 @@
                   </a:tcPr>
                 </a:tc>
               </a:tr>
-              <a:tr h="365760">
-                <a:tc>
-                  <a:txBody>
-                    <a:bodyPr/>
-                    <a:lstStyle/>
-                    <a:p>
-                      <a:pPr algn="ctr">
-                        <a:defRPr sz="1300">
-                          <a:solidFill>
-                            <a:srgbClr val="333333"/>
-                          </a:solidFill>
-                        </a:defRPr>
-                      </a:pPr>
-                      <a:r>
-                        <a:t>OpenClaw</a:t>
-                      </a:r>
-                    </a:p>
-                  </a:txBody>
-                  <a:tcPr/>
-                </a:tc>
-                <a:tc>
-                  <a:txBody>
-                    <a:bodyPr/>
-                    <a:lstStyle/>
-                    <a:p>
-                      <a:pPr algn="ctr">
-                        <a:defRPr sz="1300">
-                          <a:solidFill>
-                            <a:srgbClr val="333333"/>
-                          </a:solidFill>
-                        </a:defRPr>
-                      </a:pPr>
-                      <a:r>
-                        <a:t>Agent platform</a:t>
-                      </a:r>
-                    </a:p>
-                  </a:txBody>
-                  <a:tcPr/>
-                </a:tc>
-                <a:tc>
-                  <a:txBody>
-                    <a:bodyPr/>
-                    <a:lstStyle/>
-                    <a:p>
-                      <a:pPr algn="ctr">
-                        <a:defRPr sz="1300">
-                          <a:solidFill>
-                            <a:srgbClr val="333333"/>
-                          </a:solidFill>
-                        </a:defRPr>
-                      </a:pPr>
-                      <a:r>
-                        <a:t>Multi-model</a:t>
-                      </a:r>
-                    </a:p>
-                  </a:txBody>
-                  <a:tcPr/>
-                </a:tc>
-                <a:tc>
-                  <a:txBody>
-                    <a:bodyPr/>
-                    <a:lstStyle/>
-                    <a:p>
-                      <a:pPr algn="ctr">
-                        <a:defRPr sz="1300">
-                          <a:solidFill>
-                            <a:srgbClr val="333333"/>
-                          </a:solidFill>
-                        </a:defRPr>
-                      </a:pPr>
-                      <a:r>
-                        <a:t>Skills + automation</a:t>
-                      </a:r>
-                    </a:p>
-                  </a:txBody>
-                  <a:tcPr/>
-                </a:tc>
-                <a:tc>
-                  <a:txBody>
-                    <a:bodyPr/>
-                    <a:lstStyle/>
-                    <a:p>
-                      <a:pPr algn="ctr">
-                        <a:defRPr sz="1300">
-                          <a:solidFill>
-                            <a:srgbClr val="333333"/>
-                          </a:solidFill>
-                        </a:defRPr>
-                      </a:pPr>
-                      <a:r>
-                        <a:t>OAuth / API</a:t>
-                      </a:r>
-                    </a:p>
-                  </a:txBody>
-                  <a:tcPr/>
-                </a:tc>
-              </a:tr>
             </a:tbl>
           </a:graphicData>
         </a:graphic>
       </p:graphicFrame>
-    </p:spTree>
-  </p:cSld>
-  <p:clrMapOvr>
-    <a:masterClrMapping/>
-  </p:clrMapOvr>
-</p:sld>
-</file>
-
-<file path=ppt/slides/slide8.xml><?xml version="1.0" encoding="utf-8"?>
-<p:sld xmlns:a="http://schemas.openxmlformats.org/drawingml/2006/main" xmlns:p="http://schemas.openxmlformats.org/presentationml/2006/main" xmlns:r="http://schemas.openxmlformats.org/officeDocument/2006/relationships">
-  <p:cSld>
-    <p:spTree>
-      <p:nvGrpSpPr>
-        <p:cNvPr id="1" name=""/>
-        <p:cNvGrpSpPr/>
-        <p:nvPr/>
-      </p:nvGrpSpPr>
-      <p:grpSpPr/>
-      <p:sp>
-        <p:nvSpPr>
-          <p:cNvPr id="2" name="Rectangle 1"/>
-          <p:cNvSpPr/>
-          <p:nvPr/>
-        </p:nvSpPr>
-        <p:spPr>
-          <a:xfrm>
-            <a:off x="0" y="0"/>
-            <a:ext cx="12191695" cy="73152"/>
-          </a:xfrm>
-          <a:prstGeom prst="rect">
-            <a:avLst/>
-          </a:prstGeom>
-          <a:solidFill>
-            <a:srgbClr val="0096D6"/>
-          </a:solidFill>
-          <a:ln>
-            <a:noFill/>
-          </a:ln>
-        </p:spPr>
-        <p:style>
-          <a:lnRef idx="1">
-            <a:schemeClr val="accent1"/>
-          </a:lnRef>
-          <a:fillRef idx="3">
-            <a:schemeClr val="accent1"/>
-          </a:fillRef>
-          <a:effectRef idx="2">
-            <a:schemeClr val="accent1"/>
-          </a:effectRef>
-          <a:fontRef idx="minor">
-            <a:schemeClr val="lt1"/>
-          </a:fontRef>
-        </p:style>
-        <p:txBody>
-          <a:bodyPr rtlCol="0" anchor="ctr"/>
-          <a:lstStyle/>
-          <a:p>
-            <a:pPr algn="ctr"/>
-          </a:p>
-        </p:txBody>
-      </p:sp>
-      <p:sp>
-        <p:nvSpPr>
-          <p:cNvPr id="3" name="TextBox 2"/>
-          <p:cNvSpPr txBox="1"/>
-          <p:nvPr/>
-        </p:nvSpPr>
-        <p:spPr>
-          <a:xfrm>
-            <a:off x="731520" y="274320"/>
-            <a:ext cx="10728655" cy="822960"/>
-          </a:xfrm>
-          <a:prstGeom prst="rect">
-            <a:avLst/>
-          </a:prstGeom>
-          <a:noFill/>
-        </p:spPr>
-        <p:txBody>
-          <a:bodyPr wrap="square">
-            <a:spAutoFit/>
-          </a:bodyPr>
-          <a:lstStyle/>
-          <a:p>
-            <a:pPr algn="l">
-              <a:defRPr sz="3200" b="1">
-                <a:solidFill>
-                  <a:srgbClr val="1B2A4A"/>
-                </a:solidFill>
-              </a:defRPr>
-            </a:pPr>
-            <a:r>
-              <a:t>OpenClaw — Platform Overview</a:t>
-            </a:r>
-          </a:p>
-        </p:txBody>
-      </p:sp>
-      <p:sp>
-        <p:nvSpPr>
-          <p:cNvPr id="4" name="TextBox 3"/>
-          <p:cNvSpPr txBox="1"/>
-          <p:nvPr/>
-        </p:nvSpPr>
-        <p:spPr>
-          <a:xfrm>
-            <a:off x="914400" y="1280160"/>
-            <a:ext cx="10362895" cy="5029200"/>
-          </a:xfrm>
-          <a:prstGeom prst="rect">
-            <a:avLst/>
-          </a:prstGeom>
-          <a:noFill/>
-        </p:spPr>
-        <p:txBody>
-          <a:bodyPr wrap="square">
-            <a:spAutoFit/>
-          </a:bodyPr>
-          <a:lstStyle/>
-          <a:p>
-            <a:pPr>
-              <a:spcBef>
-                <a:spcPts val="400"/>
-              </a:spcBef>
-              <a:spcAft>
-                <a:spcPts val="800"/>
-              </a:spcAft>
-              <a:defRPr sz="2000">
-                <a:solidFill>
-                  <a:srgbClr val="333333"/>
-                </a:solidFill>
-              </a:defRPr>
-            </a:pPr>
-            <a:r>
-              <a:t>AI agent platform: chat, tools, skills, automation</a:t>
-            </a:r>
-          </a:p>
-          <a:p>
-            <a:pPr>
-              <a:spcBef>
-                <a:spcPts val="400"/>
-              </a:spcBef>
-              <a:spcAft>
-                <a:spcPts val="800"/>
-              </a:spcAft>
-              <a:defRPr sz="2000">
-                <a:solidFill>
-                  <a:srgbClr val="333333"/>
-                </a:solidFill>
-              </a:defRPr>
-            </a:pPr>
-            <a:r>
-              <a:t>Supports multiple providers: OpenAI, Anthropic, Google</a:t>
-            </a:r>
-          </a:p>
-          <a:p>
-            <a:pPr>
-              <a:spcBef>
-                <a:spcPts val="400"/>
-              </a:spcBef>
-              <a:spcAft>
-                <a:spcPts val="800"/>
-              </a:spcAft>
-              <a:defRPr sz="2000">
-                <a:solidFill>
-                  <a:srgbClr val="333333"/>
-                </a:solidFill>
-              </a:defRPr>
-            </a:pPr>
-            <a:r>
-              <a:t>Authentication: OAuth (existing sub) OR API key — your choice</a:t>
-            </a:r>
-          </a:p>
-          <a:p>
-            <a:pPr lvl="1">
-              <a:spcBef>
-                <a:spcPts val="400"/>
-              </a:spcBef>
-              <a:spcAft>
-                <a:spcPts val="800"/>
-              </a:spcAft>
-              <a:defRPr sz="1800">
-                <a:solidFill>
-                  <a:srgbClr val="666666"/>
-                </a:solidFill>
-              </a:defRPr>
-            </a:pPr>
-            <a:r>
-              <a:t>OAuth: openclaw setup → authorize in browser → paste code</a:t>
-            </a:r>
-          </a:p>
-          <a:p>
-            <a:pPr lvl="1">
-              <a:spcBef>
-                <a:spcPts val="400"/>
-              </a:spcBef>
-              <a:spcAft>
-                <a:spcPts val="800"/>
-              </a:spcAft>
-              <a:defRPr sz="1800">
-                <a:solidFill>
-                  <a:srgbClr val="666666"/>
-                </a:solidFill>
-              </a:defRPr>
-            </a:pPr>
-            <a:r>
-              <a:t>API key: openclaw setup → enter key → pay per token</a:t>
-            </a:r>
-          </a:p>
-          <a:p>
-            <a:pPr>
-              <a:spcBef>
-                <a:spcPts val="400"/>
-              </a:spcBef>
-              <a:spcAft>
-                <a:spcPts val="800"/>
-              </a:spcAft>
-              <a:defRPr sz="2000">
-                <a:solidFill>
-                  <a:srgbClr val="333333"/>
-                </a:solidFill>
-              </a:defRPr>
-            </a:pPr>
-            <a:r>
-              <a:t>Skills: extend OpenClaw with custom tools (JS or Python)</a:t>
-            </a:r>
-          </a:p>
-          <a:p>
-            <a:pPr>
-              <a:spcBef>
-                <a:spcPts val="400"/>
-              </a:spcBef>
-              <a:spcAft>
-                <a:spcPts val="800"/>
-              </a:spcAft>
-              <a:defRPr sz="2000">
-                <a:solidFill>
-                  <a:srgbClr val="333333"/>
-                </a:solidFill>
-              </a:defRPr>
-            </a:pPr>
-            <a:r>
-              <a:t>ClawHub: marketplace for sharing skills with the community</a:t>
-            </a:r>
-          </a:p>
-        </p:txBody>
-      </p:sp>
-    </p:spTree>
-  </p:cSld>
-  <p:clrMapOvr>
-    <a:masterClrMapping/>
-  </p:clrMapOvr>
-</p:sld>
-</file>
-
-<file path=ppt/slides/slide9.xml><?xml version="1.0" encoding="utf-8"?>
-<p:sld xmlns:a="http://schemas.openxmlformats.org/drawingml/2006/main" xmlns:p="http://schemas.openxmlformats.org/presentationml/2006/main" xmlns:r="http://schemas.openxmlformats.org/officeDocument/2006/relationships">
-  <p:cSld>
-    <p:spTree>
-      <p:nvGrpSpPr>
-        <p:cNvPr id="1" name=""/>
-        <p:cNvGrpSpPr/>
-        <p:nvPr/>
-      </p:nvGrpSpPr>
-      <p:grpSpPr/>
-      <p:sp>
-        <p:nvSpPr>
-          <p:cNvPr id="2" name="Rectangle 1"/>
-          <p:cNvSpPr/>
-          <p:nvPr/>
-        </p:nvSpPr>
-        <p:spPr>
-          <a:xfrm>
-            <a:off x="0" y="0"/>
-            <a:ext cx="12191695" cy="73152"/>
-          </a:xfrm>
-          <a:prstGeom prst="rect">
-            <a:avLst/>
-          </a:prstGeom>
-          <a:solidFill>
-            <a:srgbClr val="0096D6"/>
-          </a:solidFill>
-          <a:ln>
-            <a:noFill/>
-          </a:ln>
-        </p:spPr>
-        <p:style>
-          <a:lnRef idx="1">
-            <a:schemeClr val="accent1"/>
-          </a:lnRef>
-          <a:fillRef idx="3">
-            <a:schemeClr val="accent1"/>
-          </a:fillRef>
-          <a:effectRef idx="2">
-            <a:schemeClr val="accent1"/>
-          </a:effectRef>
-          <a:fontRef idx="minor">
-            <a:schemeClr val="lt1"/>
-          </a:fontRef>
-        </p:style>
-        <p:txBody>
-          <a:bodyPr rtlCol="0" anchor="ctr"/>
-          <a:lstStyle/>
-          <a:p>
-            <a:pPr algn="ctr"/>
-          </a:p>
-        </p:txBody>
-      </p:sp>
-      <p:sp>
-        <p:nvSpPr>
-          <p:cNvPr id="3" name="TextBox 2"/>
-          <p:cNvSpPr txBox="1"/>
-          <p:nvPr/>
-        </p:nvSpPr>
-        <p:spPr>
-          <a:xfrm>
-            <a:off x="731520" y="274320"/>
-            <a:ext cx="10728655" cy="822960"/>
-          </a:xfrm>
-          <a:prstGeom prst="rect">
-            <a:avLst/>
-          </a:prstGeom>
-          <a:noFill/>
-        </p:spPr>
-        <p:txBody>
-          <a:bodyPr wrap="square">
-            <a:spAutoFit/>
-          </a:bodyPr>
-          <a:lstStyle/>
-          <a:p>
-            <a:pPr algn="l">
-              <a:defRPr sz="3200" b="1">
-                <a:solidFill>
-                  <a:srgbClr val="1B2A4A"/>
-                </a:solidFill>
-              </a:defRPr>
-            </a:pPr>
-            <a:r>
-              <a:t>OpenClaw Skills Architecture</a:t>
-            </a:r>
-          </a:p>
-        </p:txBody>
-      </p:sp>
-      <p:sp>
-        <p:nvSpPr>
-          <p:cNvPr id="4" name="TextBox 3"/>
-          <p:cNvSpPr txBox="1"/>
-          <p:nvPr/>
-        </p:nvSpPr>
-        <p:spPr>
-          <a:xfrm>
-            <a:off x="914400" y="1280160"/>
-            <a:ext cx="10362895" cy="5029200"/>
-          </a:xfrm>
-          <a:prstGeom prst="rect">
-            <a:avLst/>
-          </a:prstGeom>
-          <a:noFill/>
-        </p:spPr>
-        <p:txBody>
-          <a:bodyPr wrap="square">
-            <a:spAutoFit/>
-          </a:bodyPr>
-          <a:lstStyle/>
-          <a:p>
-            <a:pPr>
-              <a:spcBef>
-                <a:spcPts val="400"/>
-              </a:spcBef>
-              <a:spcAft>
-                <a:spcPts val="800"/>
-              </a:spcAft>
-              <a:defRPr sz="2000">
-                <a:solidFill>
-                  <a:srgbClr val="333333"/>
-                </a:solidFill>
-              </a:defRPr>
-            </a:pPr>
-            <a:r>
-              <a:t>Skill = package of tools the AI agent can use</a:t>
-            </a:r>
-          </a:p>
-          <a:p>
-            <a:pPr>
-              <a:spcBef>
-                <a:spcPts val="400"/>
-              </a:spcBef>
-              <a:spcAft>
-                <a:spcPts val="800"/>
-              </a:spcAft>
-              <a:defRPr sz="2000">
-                <a:solidFill>
-                  <a:srgbClr val="333333"/>
-                </a:solidFill>
-              </a:defRPr>
-            </a:pPr>
-            <a:r>
-              <a:t>skill.json: metadata, tool definitions (JSON Schema)</a:t>
-            </a:r>
-          </a:p>
-          <a:p>
-            <a:pPr>
-              <a:spcBef>
-                <a:spcPts val="400"/>
-              </a:spcBef>
-              <a:spcAft>
-                <a:spcPts val="800"/>
-              </a:spcAft>
-              <a:defRPr sz="2000">
-                <a:solidFill>
-                  <a:srgbClr val="333333"/>
-                </a:solidFill>
-              </a:defRPr>
-            </a:pPr>
-            <a:r>
-              <a:t>index.js: tool implementations + lifecycle hooks</a:t>
-            </a:r>
-          </a:p>
-          <a:p>
-            <a:pPr>
-              <a:spcBef>
-                <a:spcPts val="400"/>
-              </a:spcBef>
-              <a:spcAft>
-                <a:spcPts val="800"/>
-              </a:spcAft>
-              <a:defRPr sz="2000">
-                <a:solidFill>
-                  <a:srgbClr val="333333"/>
-                </a:solidFill>
-              </a:defRPr>
-            </a:pPr>
-            <a:r>
-              <a:t>onLoad(): initialize state, load config</a:t>
-            </a:r>
-          </a:p>
-          <a:p>
-            <a:pPr>
-              <a:spcBef>
-                <a:spcPts val="400"/>
-              </a:spcBef>
-              <a:spcAft>
-                <a:spcPts val="800"/>
-              </a:spcAft>
-              <a:defRPr sz="2000">
-                <a:solidFill>
-                  <a:srgbClr val="333333"/>
-                </a:solidFill>
-              </a:defRPr>
-            </a:pPr>
-            <a:r>
-              <a:t>Tools are called by the AI automatically based on user intent</a:t>
-            </a:r>
-          </a:p>
-          <a:p>
-            <a:pPr>
-              <a:spcBef>
-                <a:spcPts val="400"/>
-              </a:spcBef>
-              <a:spcAft>
-                <a:spcPts val="800"/>
-              </a:spcAft>
-              <a:defRPr sz="2000">
-                <a:solidFill>
-                  <a:srgbClr val="333333"/>
-                </a:solidFill>
-              </a:defRPr>
-            </a:pPr>
-            <a:r>
-              <a:t>Install: openclaw skill install &lt;name&gt; from ClawHub</a:t>
-            </a:r>
-          </a:p>
-        </p:txBody>
-      </p:sp>
     </p:spTree>
   </p:cSld>
   <p:clrMapOvr>
